--- a/doc/IoT_1차발표.pptx
+++ b/doc/IoT_1차발표.pptx
@@ -8,10 +8,13 @@
     <p:sldId id="257" r:id="rId2"/>
     <p:sldId id="262" r:id="rId3"/>
     <p:sldId id="278" r:id="rId4"/>
-    <p:sldId id="279" r:id="rId5"/>
-    <p:sldId id="271" r:id="rId6"/>
+    <p:sldId id="281" r:id="rId5"/>
+    <p:sldId id="279" r:id="rId6"/>
     <p:sldId id="277" r:id="rId7"/>
-    <p:sldId id="280" r:id="rId8"/>
+    <p:sldId id="271" r:id="rId8"/>
+    <p:sldId id="280" r:id="rId9"/>
+    <p:sldId id="283" r:id="rId10"/>
+    <p:sldId id="282" r:id="rId11"/>
   </p:sldIdLst>
   <p:sldSz cx="12192000" cy="6858000"/>
   <p:notesSz cx="6858000" cy="9144000"/>
@@ -3735,7 +3738,7 @@
         <p:spPr>
           <a:xfrm>
             <a:off x="443093" y="705054"/>
-            <a:ext cx="5827236" cy="1446550"/>
+            <a:ext cx="5315301" cy="1569660"/>
           </a:xfrm>
           <a:prstGeom prst="rect">
             <a:avLst/>
@@ -3749,13 +3752,42 @@
           <a:lstStyle/>
           <a:p>
             <a:r>
-              <a:rPr lang="ko-KR" altLang="en-US" sz="8800" b="1" dirty="0">
+              <a:rPr lang="ko-KR" altLang="en-US" sz="9600" dirty="0" err="1">
                 <a:solidFill>
                   <a:schemeClr val="bg1"/>
                 </a:solidFill>
               </a:rPr>
-              <a:t>프로젝트명</a:t>
-            </a:r>
+              <a:t>Yacht</a:t>
+            </a:r>
+            <a:r>
+              <a:rPr lang="ko-KR" altLang="en-US" sz="9600" dirty="0">
+                <a:solidFill>
+                  <a:schemeClr val="bg1"/>
+                </a:solidFill>
+              </a:rPr>
+              <a:t> </a:t>
+            </a:r>
+            <a:r>
+              <a:rPr lang="ko-KR" altLang="en-US" sz="9600" dirty="0" err="1">
+                <a:solidFill>
+                  <a:schemeClr val="bg1"/>
+                </a:solidFill>
+              </a:rPr>
+              <a:t>Dic</a:t>
+            </a:r>
+            <a:r>
+              <a:rPr lang="en-US" altLang="ko-KR" sz="9600" dirty="0">
+                <a:solidFill>
+                  <a:schemeClr val="bg1"/>
+                </a:solidFill>
+              </a:rPr>
+              <a:t>e</a:t>
+            </a:r>
+            <a:endParaRPr lang="ko-KR" altLang="en-US" sz="9600" b="1" dirty="0">
+              <a:solidFill>
+                <a:schemeClr val="bg1"/>
+              </a:solidFill>
+            </a:endParaRPr>
           </a:p>
         </p:txBody>
       </p:sp>
@@ -3948,7 +3980,7 @@
                   <a:schemeClr val="bg1"/>
                 </a:solidFill>
               </a:rPr>
-              <a:t>2019250</a:t>
+              <a:t>2019250014</a:t>
             </a:r>
             <a:r>
               <a:rPr kumimoji="1" lang="ko-KR" altLang="en-US" sz="2400" dirty="0">
@@ -3979,7 +4011,7 @@
                   <a:schemeClr val="bg1"/>
                 </a:solidFill>
               </a:rPr>
-              <a:t>20</a:t>
+              <a:t>2024810106</a:t>
             </a:r>
             <a:r>
               <a:rPr kumimoji="1" lang="ko-KR" altLang="en-US" sz="2400" dirty="0">
@@ -4010,7 +4042,7 @@
                   <a:schemeClr val="bg1"/>
                 </a:solidFill>
               </a:rPr>
-              <a:t>20</a:t>
+              <a:t>2024810109</a:t>
             </a:r>
             <a:r>
               <a:rPr kumimoji="1" lang="ko-KR" altLang="en-US" sz="2400" dirty="0">
@@ -4027,6 +4059,786 @@
     <p:extLst>
       <p:ext uri="{BB962C8B-B14F-4D97-AF65-F5344CB8AC3E}">
         <p14:creationId xmlns:p14="http://schemas.microsoft.com/office/powerpoint/2010/main" val="1635274702"/>
+      </p:ext>
+    </p:extLst>
+  </p:cSld>
+  <p:clrMapOvr>
+    <a:masterClrMapping/>
+  </p:clrMapOvr>
+</p:sld>
+</file>
+
+<file path=ppt/slides/slide10.xml><?xml version="1.0" encoding="utf-8"?>
+<p:sld xmlns:a="http://schemas.openxmlformats.org/drawingml/2006/main" xmlns:r="http://schemas.openxmlformats.org/officeDocument/2006/relationships" xmlns:p="http://schemas.openxmlformats.org/presentationml/2006/main">
+  <p:cSld>
+    <p:spTree>
+      <p:nvGrpSpPr>
+        <p:cNvPr id="1" name=""/>
+        <p:cNvGrpSpPr/>
+        <p:nvPr/>
+      </p:nvGrpSpPr>
+      <p:grpSpPr>
+        <a:xfrm>
+          <a:off x="0" y="0"/>
+          <a:ext cx="0" cy="0"/>
+          <a:chOff x="0" y="0"/>
+          <a:chExt cx="0" cy="0"/>
+        </a:xfrm>
+      </p:grpSpPr>
+      <p:sp>
+        <p:nvSpPr>
+          <p:cNvPr id="2" name="직사각형 1">
+            <a:extLst>
+              <a:ext uri="{FF2B5EF4-FFF2-40B4-BE49-F238E27FC236}">
+                <a16:creationId xmlns:a16="http://schemas.microsoft.com/office/drawing/2014/main" id="{86CB7179-2CED-698E-7489-BBBF08E1F63C}"/>
+              </a:ext>
+            </a:extLst>
+          </p:cNvPr>
+          <p:cNvSpPr/>
+          <p:nvPr/>
+        </p:nvSpPr>
+        <p:spPr>
+          <a:xfrm>
+            <a:off x="272715" y="0"/>
+            <a:ext cx="802105" cy="752713"/>
+          </a:xfrm>
+          <a:prstGeom prst="rect">
+            <a:avLst/>
+          </a:prstGeom>
+          <a:ln>
+            <a:noFill/>
+          </a:ln>
+        </p:spPr>
+        <p:style>
+          <a:lnRef idx="2">
+            <a:schemeClr val="accent1">
+              <a:shade val="50000"/>
+            </a:schemeClr>
+          </a:lnRef>
+          <a:fillRef idx="1">
+            <a:schemeClr val="accent1"/>
+          </a:fillRef>
+          <a:effectRef idx="0">
+            <a:schemeClr val="accent1"/>
+          </a:effectRef>
+          <a:fontRef idx="minor">
+            <a:schemeClr val="lt1"/>
+          </a:fontRef>
+        </p:style>
+        <p:txBody>
+          <a:bodyPr rtlCol="0" anchor="ctr"/>
+          <a:lstStyle/>
+          <a:p>
+            <a:pPr algn="ctr"/>
+            <a:endParaRPr lang="ko-KR" altLang="en-US"/>
+          </a:p>
+        </p:txBody>
+      </p:sp>
+      <p:sp>
+        <p:nvSpPr>
+          <p:cNvPr id="3" name="TextBox 2">
+            <a:extLst>
+              <a:ext uri="{FF2B5EF4-FFF2-40B4-BE49-F238E27FC236}">
+                <a16:creationId xmlns:a16="http://schemas.microsoft.com/office/drawing/2014/main" id="{68A721A3-5D9B-A549-DF5D-D0547EE5B424}"/>
+              </a:ext>
+            </a:extLst>
+          </p:cNvPr>
+          <p:cNvSpPr txBox="1"/>
+          <p:nvPr/>
+        </p:nvSpPr>
+        <p:spPr>
+          <a:xfrm>
+            <a:off x="1176688" y="137160"/>
+            <a:ext cx="494046" cy="246221"/>
+          </a:xfrm>
+          <a:prstGeom prst="rect">
+            <a:avLst/>
+          </a:prstGeom>
+          <a:noFill/>
+        </p:spPr>
+        <p:txBody>
+          <a:bodyPr wrap="none" rtlCol="0">
+            <a:spAutoFit/>
+          </a:bodyPr>
+          <a:lstStyle/>
+          <a:p>
+            <a:r>
+              <a:rPr lang="en-US" altLang="ko-KR" sz="1000" dirty="0">
+                <a:solidFill>
+                  <a:schemeClr val="tx1">
+                    <a:lumMod val="65000"/>
+                    <a:lumOff val="35000"/>
+                  </a:schemeClr>
+                </a:solidFill>
+              </a:rPr>
+              <a:t>Part 2</a:t>
+            </a:r>
+            <a:endParaRPr lang="ko-KR" altLang="en-US" sz="1000" dirty="0">
+              <a:solidFill>
+                <a:schemeClr val="tx1">
+                  <a:lumMod val="65000"/>
+                  <a:lumOff val="35000"/>
+                </a:schemeClr>
+              </a:solidFill>
+            </a:endParaRPr>
+          </a:p>
+        </p:txBody>
+      </p:sp>
+      <p:sp>
+        <p:nvSpPr>
+          <p:cNvPr id="4" name="TextBox 3">
+            <a:extLst>
+              <a:ext uri="{FF2B5EF4-FFF2-40B4-BE49-F238E27FC236}">
+                <a16:creationId xmlns:a16="http://schemas.microsoft.com/office/drawing/2014/main" id="{9EFEF442-2E39-E8A3-0720-B4AF147BC24A}"/>
+              </a:ext>
+            </a:extLst>
+          </p:cNvPr>
+          <p:cNvSpPr txBox="1"/>
+          <p:nvPr/>
+        </p:nvSpPr>
+        <p:spPr>
+          <a:xfrm>
+            <a:off x="1096506" y="383381"/>
+            <a:ext cx="1148455" cy="369332"/>
+          </a:xfrm>
+          <a:prstGeom prst="rect">
+            <a:avLst/>
+          </a:prstGeom>
+          <a:noFill/>
+        </p:spPr>
+        <p:txBody>
+          <a:bodyPr wrap="none" rtlCol="0">
+            <a:spAutoFit/>
+          </a:bodyPr>
+          <a:lstStyle/>
+          <a:p>
+            <a:pPr algn="ctr"/>
+            <a:r>
+              <a:rPr lang="ko-KR" altLang="en-US" sz="1800" dirty="0" err="1"/>
+              <a:t>Yacht</a:t>
+            </a:r>
+            <a:r>
+              <a:rPr lang="ko-KR" altLang="en-US" sz="1800" dirty="0"/>
+              <a:t> </a:t>
+            </a:r>
+            <a:r>
+              <a:rPr lang="ko-KR" altLang="en-US" sz="1800" dirty="0" err="1"/>
+              <a:t>Dic</a:t>
+            </a:r>
+            <a:r>
+              <a:rPr lang="en-US" altLang="ko-KR" sz="1800" dirty="0"/>
+              <a:t>e</a:t>
+            </a:r>
+            <a:endParaRPr lang="ko-KR" altLang="en-US" sz="1800" b="1" spc="-300" dirty="0"/>
+          </a:p>
+        </p:txBody>
+      </p:sp>
+      <p:sp>
+        <p:nvSpPr>
+          <p:cNvPr id="5" name="타원 4">
+            <a:extLst>
+              <a:ext uri="{FF2B5EF4-FFF2-40B4-BE49-F238E27FC236}">
+                <a16:creationId xmlns:a16="http://schemas.microsoft.com/office/drawing/2014/main" id="{C4F6FD9A-4343-9C66-B966-192DE8475229}"/>
+              </a:ext>
+            </a:extLst>
+          </p:cNvPr>
+          <p:cNvSpPr/>
+          <p:nvPr/>
+        </p:nvSpPr>
+        <p:spPr>
+          <a:xfrm>
+            <a:off x="4094057" y="1815152"/>
+            <a:ext cx="4003886" cy="4003886"/>
+          </a:xfrm>
+          <a:prstGeom prst="ellipse">
+            <a:avLst/>
+          </a:prstGeom>
+          <a:solidFill>
+            <a:schemeClr val="accent2"/>
+          </a:solidFill>
+          <a:ln>
+            <a:noFill/>
+          </a:ln>
+        </p:spPr>
+        <p:style>
+          <a:lnRef idx="0">
+            <a:scrgbClr r="0" g="0" b="0"/>
+          </a:lnRef>
+          <a:fillRef idx="0">
+            <a:scrgbClr r="0" g="0" b="0"/>
+          </a:fillRef>
+          <a:effectRef idx="0">
+            <a:scrgbClr r="0" g="0" b="0"/>
+          </a:effectRef>
+          <a:fontRef idx="minor">
+            <a:schemeClr val="lt1"/>
+          </a:fontRef>
+        </p:style>
+        <p:txBody>
+          <a:bodyPr rtlCol="0" anchor="ctr"/>
+          <a:lstStyle/>
+          <a:p>
+            <a:pPr algn="ctr"/>
+            <a:endParaRPr lang="ko-KR" altLang="en-US"/>
+          </a:p>
+        </p:txBody>
+      </p:sp>
+      <p:cxnSp>
+        <p:nvCxnSpPr>
+          <p:cNvPr id="6" name="직선 화살표 연결선 5">
+            <a:extLst>
+              <a:ext uri="{FF2B5EF4-FFF2-40B4-BE49-F238E27FC236}">
+                <a16:creationId xmlns:a16="http://schemas.microsoft.com/office/drawing/2014/main" id="{C510AB6C-7178-1FEF-5854-7C377EEAB309}"/>
+              </a:ext>
+            </a:extLst>
+          </p:cNvPr>
+          <p:cNvCxnSpPr/>
+          <p:nvPr/>
+        </p:nvCxnSpPr>
+        <p:spPr>
+          <a:xfrm>
+            <a:off x="3166281" y="1815152"/>
+            <a:ext cx="736979" cy="736979"/>
+          </a:xfrm>
+          <a:prstGeom prst="straightConnector1">
+            <a:avLst/>
+          </a:prstGeom>
+          <a:ln>
+            <a:solidFill>
+              <a:schemeClr val="bg1">
+                <a:lumMod val="65000"/>
+              </a:schemeClr>
+            </a:solidFill>
+            <a:tailEnd type="triangle"/>
+          </a:ln>
+        </p:spPr>
+        <p:style>
+          <a:lnRef idx="1">
+            <a:schemeClr val="accent1"/>
+          </a:lnRef>
+          <a:fillRef idx="0">
+            <a:schemeClr val="accent1"/>
+          </a:fillRef>
+          <a:effectRef idx="0">
+            <a:schemeClr val="accent1"/>
+          </a:effectRef>
+          <a:fontRef idx="minor">
+            <a:schemeClr val="tx1"/>
+          </a:fontRef>
+        </p:style>
+      </p:cxnSp>
+      <p:cxnSp>
+        <p:nvCxnSpPr>
+          <p:cNvPr id="7" name="직선 화살표 연결선 6">
+            <a:extLst>
+              <a:ext uri="{FF2B5EF4-FFF2-40B4-BE49-F238E27FC236}">
+                <a16:creationId xmlns:a16="http://schemas.microsoft.com/office/drawing/2014/main" id="{2D6294F1-1C5D-2657-4672-952369E5D6A1}"/>
+              </a:ext>
+            </a:extLst>
+          </p:cNvPr>
+          <p:cNvCxnSpPr>
+            <a:cxnSpLocks/>
+          </p:cNvCxnSpPr>
+          <p:nvPr/>
+        </p:nvCxnSpPr>
+        <p:spPr>
+          <a:xfrm flipH="1">
+            <a:off x="8274957" y="1815151"/>
+            <a:ext cx="736979" cy="736979"/>
+          </a:xfrm>
+          <a:prstGeom prst="straightConnector1">
+            <a:avLst/>
+          </a:prstGeom>
+          <a:ln>
+            <a:solidFill>
+              <a:schemeClr val="bg1">
+                <a:lumMod val="65000"/>
+              </a:schemeClr>
+            </a:solidFill>
+            <a:tailEnd type="triangle"/>
+          </a:ln>
+        </p:spPr>
+        <p:style>
+          <a:lnRef idx="1">
+            <a:schemeClr val="accent1"/>
+          </a:lnRef>
+          <a:fillRef idx="0">
+            <a:schemeClr val="accent1"/>
+          </a:fillRef>
+          <a:effectRef idx="0">
+            <a:schemeClr val="accent1"/>
+          </a:effectRef>
+          <a:fontRef idx="minor">
+            <a:schemeClr val="tx1"/>
+          </a:fontRef>
+        </p:style>
+      </p:cxnSp>
+      <p:cxnSp>
+        <p:nvCxnSpPr>
+          <p:cNvPr id="8" name="직선 화살표 연결선 7">
+            <a:extLst>
+              <a:ext uri="{FF2B5EF4-FFF2-40B4-BE49-F238E27FC236}">
+                <a16:creationId xmlns:a16="http://schemas.microsoft.com/office/drawing/2014/main" id="{733A5968-9667-C0E1-D453-0612596B46D4}"/>
+              </a:ext>
+            </a:extLst>
+          </p:cNvPr>
+          <p:cNvCxnSpPr>
+            <a:cxnSpLocks/>
+          </p:cNvCxnSpPr>
+          <p:nvPr/>
+        </p:nvCxnSpPr>
+        <p:spPr>
+          <a:xfrm flipV="1">
+            <a:off x="3166281" y="5082060"/>
+            <a:ext cx="736979" cy="736979"/>
+          </a:xfrm>
+          <a:prstGeom prst="straightConnector1">
+            <a:avLst/>
+          </a:prstGeom>
+          <a:ln>
+            <a:solidFill>
+              <a:schemeClr val="bg1">
+                <a:lumMod val="65000"/>
+              </a:schemeClr>
+            </a:solidFill>
+            <a:tailEnd type="triangle"/>
+          </a:ln>
+        </p:spPr>
+        <p:style>
+          <a:lnRef idx="1">
+            <a:schemeClr val="accent1"/>
+          </a:lnRef>
+          <a:fillRef idx="0">
+            <a:schemeClr val="accent1"/>
+          </a:fillRef>
+          <a:effectRef idx="0">
+            <a:schemeClr val="accent1"/>
+          </a:effectRef>
+          <a:fontRef idx="minor">
+            <a:schemeClr val="tx1"/>
+          </a:fontRef>
+        </p:style>
+      </p:cxnSp>
+      <p:cxnSp>
+        <p:nvCxnSpPr>
+          <p:cNvPr id="9" name="직선 화살표 연결선 8">
+            <a:extLst>
+              <a:ext uri="{FF2B5EF4-FFF2-40B4-BE49-F238E27FC236}">
+                <a16:creationId xmlns:a16="http://schemas.microsoft.com/office/drawing/2014/main" id="{9EE979ED-BC50-78FF-9873-044A3040CE94}"/>
+              </a:ext>
+            </a:extLst>
+          </p:cNvPr>
+          <p:cNvCxnSpPr>
+            <a:cxnSpLocks/>
+          </p:cNvCxnSpPr>
+          <p:nvPr/>
+        </p:nvCxnSpPr>
+        <p:spPr>
+          <a:xfrm flipH="1" flipV="1">
+            <a:off x="8274957" y="5082059"/>
+            <a:ext cx="736979" cy="736979"/>
+          </a:xfrm>
+          <a:prstGeom prst="straightConnector1">
+            <a:avLst/>
+          </a:prstGeom>
+          <a:ln>
+            <a:solidFill>
+              <a:schemeClr val="bg1">
+                <a:lumMod val="65000"/>
+              </a:schemeClr>
+            </a:solidFill>
+            <a:tailEnd type="triangle"/>
+          </a:ln>
+        </p:spPr>
+        <p:style>
+          <a:lnRef idx="1">
+            <a:schemeClr val="accent1"/>
+          </a:lnRef>
+          <a:fillRef idx="0">
+            <a:schemeClr val="accent1"/>
+          </a:fillRef>
+          <a:effectRef idx="0">
+            <a:schemeClr val="accent1"/>
+          </a:effectRef>
+          <a:fontRef idx="minor">
+            <a:schemeClr val="tx1"/>
+          </a:fontRef>
+        </p:style>
+      </p:cxnSp>
+      <p:sp>
+        <p:nvSpPr>
+          <p:cNvPr id="10" name="TextBox 9">
+            <a:extLst>
+              <a:ext uri="{FF2B5EF4-FFF2-40B4-BE49-F238E27FC236}">
+                <a16:creationId xmlns:a16="http://schemas.microsoft.com/office/drawing/2014/main" id="{424A20AF-56CE-469E-1983-F524DFE4F04E}"/>
+              </a:ext>
+            </a:extLst>
+          </p:cNvPr>
+          <p:cNvSpPr txBox="1"/>
+          <p:nvPr/>
+        </p:nvSpPr>
+        <p:spPr>
+          <a:xfrm>
+            <a:off x="924269" y="1246056"/>
+            <a:ext cx="1941557" cy="1138773"/>
+          </a:xfrm>
+          <a:prstGeom prst="rect">
+            <a:avLst/>
+          </a:prstGeom>
+          <a:noFill/>
+        </p:spPr>
+        <p:txBody>
+          <a:bodyPr wrap="none" rtlCol="0">
+            <a:spAutoFit/>
+          </a:bodyPr>
+          <a:lstStyle/>
+          <a:p>
+            <a:r>
+              <a:rPr lang="en-US" altLang="ko-KR" sz="2000" dirty="0" err="1"/>
+              <a:t>DotMatrix</a:t>
+            </a:r>
+            <a:endParaRPr lang="en-US" altLang="ko-KR" sz="2000" dirty="0"/>
+          </a:p>
+          <a:p>
+            <a:r>
+              <a:rPr lang="ko-KR" altLang="en-US" sz="1600" dirty="0">
+                <a:effectLst/>
+                <a:latin typeface="Helvetica" pitchFamily="2" charset="0"/>
+              </a:rPr>
+              <a:t>주사위 숫자를</a:t>
+            </a:r>
+          </a:p>
+          <a:p>
+            <a:r>
+              <a:rPr lang="en-US" altLang="ko-KR" sz="1600" dirty="0">
+                <a:effectLst/>
+                <a:latin typeface="Helvetica" pitchFamily="2" charset="0"/>
+              </a:rPr>
+              <a:t>8 * 8 </a:t>
+            </a:r>
+            <a:r>
+              <a:rPr lang="ko-KR" altLang="en-US" sz="1600" dirty="0">
+                <a:effectLst/>
+                <a:latin typeface="Helvetica" pitchFamily="2" charset="0"/>
+              </a:rPr>
+              <a:t>매트릭스를</a:t>
+            </a:r>
+          </a:p>
+          <a:p>
+            <a:r>
+              <a:rPr lang="ko-KR" altLang="en-US" sz="1600" dirty="0">
+                <a:effectLst/>
+                <a:latin typeface="Helvetica" pitchFamily="2" charset="0"/>
+              </a:rPr>
+              <a:t>이용해 문자로 표현</a:t>
+            </a:r>
+            <a:endParaRPr lang="en-US" altLang="ko-KR" sz="1600" dirty="0"/>
+          </a:p>
+        </p:txBody>
+      </p:sp>
+      <p:sp>
+        <p:nvSpPr>
+          <p:cNvPr id="11" name="TextBox 10">
+            <a:extLst>
+              <a:ext uri="{FF2B5EF4-FFF2-40B4-BE49-F238E27FC236}">
+                <a16:creationId xmlns:a16="http://schemas.microsoft.com/office/drawing/2014/main" id="{BF022FF1-C01C-0AFA-CC4A-06C52BB91D16}"/>
+              </a:ext>
+            </a:extLst>
+          </p:cNvPr>
+          <p:cNvSpPr txBox="1"/>
+          <p:nvPr/>
+        </p:nvSpPr>
+        <p:spPr>
+          <a:xfrm>
+            <a:off x="9188950" y="1246056"/>
+            <a:ext cx="1941557" cy="1138773"/>
+          </a:xfrm>
+          <a:prstGeom prst="rect">
+            <a:avLst/>
+          </a:prstGeom>
+          <a:noFill/>
+        </p:spPr>
+        <p:txBody>
+          <a:bodyPr wrap="none" rtlCol="0">
+            <a:spAutoFit/>
+          </a:bodyPr>
+          <a:lstStyle/>
+          <a:p>
+            <a:r>
+              <a:rPr lang="en-US" altLang="ko-KR" sz="2000" dirty="0">
+                <a:effectLst/>
+                <a:latin typeface="Helvetica" pitchFamily="2" charset="0"/>
+              </a:rPr>
+              <a:t>TACT SWITCH</a:t>
+            </a:r>
+          </a:p>
+          <a:p>
+            <a:r>
+              <a:rPr lang="ko-KR" altLang="en-US" sz="1600" dirty="0">
+                <a:latin typeface="Helvetica" pitchFamily="2" charset="0"/>
+              </a:rPr>
+              <a:t>요트 게임</a:t>
+            </a:r>
+            <a:r>
+              <a:rPr lang="ko-KR" altLang="en-US" sz="1600" dirty="0">
+                <a:effectLst/>
+                <a:latin typeface="Helvetica" pitchFamily="2" charset="0"/>
+              </a:rPr>
+              <a:t> 플레이</a:t>
+            </a:r>
+            <a:r>
+              <a:rPr lang="en-US" altLang="ko-KR" sz="1600" dirty="0">
+                <a:effectLst/>
+                <a:latin typeface="Helvetica" pitchFamily="2" charset="0"/>
+              </a:rPr>
+              <a:t>,</a:t>
+            </a:r>
+          </a:p>
+          <a:p>
+            <a:r>
+              <a:rPr lang="ko-KR" altLang="en-US" sz="1600" dirty="0">
+                <a:effectLst/>
+                <a:latin typeface="Helvetica" pitchFamily="2" charset="0"/>
+              </a:rPr>
+              <a:t>기타 조작을 위해</a:t>
+            </a:r>
+          </a:p>
+          <a:p>
+            <a:r>
+              <a:rPr lang="ko-KR" altLang="en-US" sz="1600" dirty="0">
+                <a:effectLst/>
+                <a:latin typeface="Helvetica" pitchFamily="2" charset="0"/>
+              </a:rPr>
+              <a:t>사용</a:t>
+            </a:r>
+          </a:p>
+        </p:txBody>
+      </p:sp>
+      <p:sp>
+        <p:nvSpPr>
+          <p:cNvPr id="12" name="TextBox 11">
+            <a:extLst>
+              <a:ext uri="{FF2B5EF4-FFF2-40B4-BE49-F238E27FC236}">
+                <a16:creationId xmlns:a16="http://schemas.microsoft.com/office/drawing/2014/main" id="{36F97327-9430-9900-24AB-6661CB4EF986}"/>
+              </a:ext>
+            </a:extLst>
+          </p:cNvPr>
+          <p:cNvSpPr txBox="1"/>
+          <p:nvPr/>
+        </p:nvSpPr>
+        <p:spPr>
+          <a:xfrm>
+            <a:off x="1068950" y="5335845"/>
+            <a:ext cx="1587294" cy="1384995"/>
+          </a:xfrm>
+          <a:prstGeom prst="rect">
+            <a:avLst/>
+          </a:prstGeom>
+          <a:noFill/>
+        </p:spPr>
+        <p:txBody>
+          <a:bodyPr wrap="none" rtlCol="0">
+            <a:spAutoFit/>
+          </a:bodyPr>
+          <a:lstStyle/>
+          <a:p>
+            <a:r>
+              <a:rPr lang="en-US" altLang="ko-KR" sz="2000" dirty="0">
+                <a:effectLst/>
+                <a:latin typeface="Helvetica" pitchFamily="2" charset="0"/>
+              </a:rPr>
+              <a:t>LED</a:t>
+            </a:r>
+          </a:p>
+          <a:p>
+            <a:r>
+              <a:rPr lang="en-US" altLang="ko-KR" sz="1600" dirty="0">
+                <a:effectLst/>
+                <a:latin typeface="Helvetica" pitchFamily="2" charset="0"/>
+              </a:rPr>
+              <a:t>2</a:t>
+            </a:r>
+            <a:r>
+              <a:rPr lang="ko-KR" altLang="en-US" sz="1600" dirty="0">
+                <a:effectLst/>
+                <a:latin typeface="Helvetica" pitchFamily="2" charset="0"/>
+              </a:rPr>
+              <a:t>진수를 활용해</a:t>
+            </a:r>
+          </a:p>
+          <a:p>
+            <a:r>
+              <a:rPr lang="ko-KR" altLang="en-US" sz="1600" dirty="0">
+                <a:latin typeface="Helvetica" pitchFamily="2" charset="0"/>
+              </a:rPr>
+              <a:t>점수</a:t>
+            </a:r>
+            <a:r>
+              <a:rPr lang="ko-KR" altLang="en-US" sz="1600" dirty="0">
+                <a:effectLst/>
+                <a:latin typeface="Helvetica" pitchFamily="2" charset="0"/>
+              </a:rPr>
+              <a:t> 확인</a:t>
+            </a:r>
+          </a:p>
+          <a:p>
+            <a:r>
+              <a:rPr lang="en-US" altLang="ko-KR" sz="1600" dirty="0">
+                <a:effectLst/>
+                <a:latin typeface="Helvetica" pitchFamily="2" charset="0"/>
+              </a:rPr>
+              <a:t>1 - led on</a:t>
+            </a:r>
+          </a:p>
+          <a:p>
+            <a:r>
+              <a:rPr lang="en-US" altLang="ko-KR" sz="1600" dirty="0">
+                <a:effectLst/>
+                <a:latin typeface="Helvetica" pitchFamily="2" charset="0"/>
+              </a:rPr>
+              <a:t>0 - led off</a:t>
+            </a:r>
+          </a:p>
+        </p:txBody>
+      </p:sp>
+      <p:sp>
+        <p:nvSpPr>
+          <p:cNvPr id="33" name="TextBox 32">
+            <a:extLst>
+              <a:ext uri="{FF2B5EF4-FFF2-40B4-BE49-F238E27FC236}">
+                <a16:creationId xmlns:a16="http://schemas.microsoft.com/office/drawing/2014/main" id="{BA065F87-CA45-B77A-B35D-399225EE9881}"/>
+              </a:ext>
+            </a:extLst>
+          </p:cNvPr>
+          <p:cNvSpPr txBox="1"/>
+          <p:nvPr/>
+        </p:nvSpPr>
+        <p:spPr>
+          <a:xfrm>
+            <a:off x="4936772" y="3547235"/>
+            <a:ext cx="2318455" cy="707886"/>
+          </a:xfrm>
+          <a:prstGeom prst="rect">
+            <a:avLst/>
+          </a:prstGeom>
+          <a:noFill/>
+        </p:spPr>
+        <p:txBody>
+          <a:bodyPr wrap="none" rtlCol="0">
+            <a:spAutoFit/>
+          </a:bodyPr>
+          <a:lstStyle/>
+          <a:p>
+            <a:pPr algn="ctr"/>
+            <a:r>
+              <a:rPr lang="ko-KR" altLang="en-US" sz="4000" dirty="0" err="1">
+                <a:solidFill>
+                  <a:schemeClr val="bg1"/>
+                </a:solidFill>
+              </a:rPr>
+              <a:t>Yacht</a:t>
+            </a:r>
+            <a:r>
+              <a:rPr lang="ko-KR" altLang="en-US" sz="4000" dirty="0">
+                <a:solidFill>
+                  <a:schemeClr val="bg1"/>
+                </a:solidFill>
+              </a:rPr>
+              <a:t> </a:t>
+            </a:r>
+            <a:r>
+              <a:rPr lang="ko-KR" altLang="en-US" sz="4000" dirty="0" err="1">
+                <a:solidFill>
+                  <a:schemeClr val="bg1"/>
+                </a:solidFill>
+              </a:rPr>
+              <a:t>Dic</a:t>
+            </a:r>
+            <a:r>
+              <a:rPr lang="en-US" altLang="ko-KR" sz="4000" dirty="0">
+                <a:solidFill>
+                  <a:schemeClr val="bg1"/>
+                </a:solidFill>
+              </a:rPr>
+              <a:t>e</a:t>
+            </a:r>
+            <a:endParaRPr lang="ko-KR" altLang="en-US" sz="4000" b="1" spc="-300" dirty="0">
+              <a:solidFill>
+                <a:schemeClr val="bg1"/>
+              </a:solidFill>
+            </a:endParaRPr>
+          </a:p>
+        </p:txBody>
+      </p:sp>
+      <p:sp>
+        <p:nvSpPr>
+          <p:cNvPr id="15" name="TextBox 14">
+            <a:extLst>
+              <a:ext uri="{FF2B5EF4-FFF2-40B4-BE49-F238E27FC236}">
+                <a16:creationId xmlns:a16="http://schemas.microsoft.com/office/drawing/2014/main" id="{6EDA8C35-FB6D-EC74-D98C-6C3A0DF27B42}"/>
+              </a:ext>
+            </a:extLst>
+          </p:cNvPr>
+          <p:cNvSpPr txBox="1"/>
+          <p:nvPr/>
+        </p:nvSpPr>
+        <p:spPr>
+          <a:xfrm>
+            <a:off x="9188950" y="5380672"/>
+            <a:ext cx="2664249" cy="1477328"/>
+          </a:xfrm>
+          <a:prstGeom prst="rect">
+            <a:avLst/>
+          </a:prstGeom>
+          <a:noFill/>
+        </p:spPr>
+        <p:txBody>
+          <a:bodyPr wrap="square" rtlCol="0">
+            <a:spAutoFit/>
+          </a:bodyPr>
+          <a:lstStyle/>
+          <a:p>
+            <a:r>
+              <a:rPr kumimoji="1" lang="ko-KR" altLang="en-US" dirty="0"/>
+              <a:t>기타</a:t>
+            </a:r>
+            <a:endParaRPr kumimoji="1" lang="en-US" altLang="ko-KR" dirty="0"/>
+          </a:p>
+          <a:p>
+            <a:r>
+              <a:rPr kumimoji="1" lang="en-US" altLang="ko-KR" dirty="0"/>
+              <a:t>Character LCD</a:t>
+            </a:r>
+            <a:r>
+              <a:rPr kumimoji="1" lang="ko-KR" altLang="en-US" dirty="0"/>
+              <a:t> </a:t>
+            </a:r>
+            <a:r>
+              <a:rPr kumimoji="1" lang="en-US" altLang="ko-KR" dirty="0"/>
+              <a:t>:</a:t>
+            </a:r>
+            <a:r>
+              <a:rPr kumimoji="1" lang="ko-KR" altLang="en-US" dirty="0"/>
+              <a:t> 게임 진행 상황</a:t>
+            </a:r>
+            <a:endParaRPr kumimoji="1" lang="en-US" altLang="ko-KR" dirty="0"/>
+          </a:p>
+          <a:p>
+            <a:r>
+              <a:rPr kumimoji="1" lang="en-US" altLang="ko-KR" dirty="0"/>
+              <a:t>7-SegmentLED : </a:t>
+            </a:r>
+            <a:r>
+              <a:rPr kumimoji="1" lang="ko-KR" altLang="en-US" dirty="0"/>
+              <a:t>제한 시간</a:t>
+            </a:r>
+          </a:p>
+        </p:txBody>
+      </p:sp>
+    </p:spTree>
+    <p:extLst>
+      <p:ext uri="{BB962C8B-B14F-4D97-AF65-F5344CB8AC3E}">
+        <p14:creationId xmlns:p14="http://schemas.microsoft.com/office/powerpoint/2010/main" val="3644207036"/>
       </p:ext>
     </p:extLst>
   </p:cSld>
@@ -4063,7 +4875,7 @@
       </p:grpSpPr>
       <p:pic>
         <p:nvPicPr>
-          <p:cNvPr id="3" name="그림 2" descr="건물, 실외, 하늘, 시멘트이(가) 표시된 사진&#10;&#10;자동 생성된 설명">
+          <p:cNvPr id="3" name="그림 2">
             <a:extLst>
               <a:ext uri="{FF2B5EF4-FFF2-40B4-BE49-F238E27FC236}">
                 <a16:creationId xmlns:a16="http://schemas.microsoft.com/office/drawing/2014/main" id="{527AF8B9-CFB1-55BC-0DAB-591C4EA18BE2}"/>
@@ -4075,8 +4887,8 @@
           </p:cNvPicPr>
           <p:nvPr/>
         </p:nvPicPr>
-        <p:blipFill rotWithShape="1">
-          <a:blip r:embed="rId2" cstate="screen">
+        <p:blipFill>
+          <a:blip r:embed="rId2">
             <a:extLst>
               <a:ext uri="{28A0092B-C50C-407E-A947-70E740481C1C}">
                 <a14:useLocalDpi xmlns:a14="http://schemas.microsoft.com/office/drawing/2010/main" val="0"/>
@@ -4088,8 +4900,8 @@
         </p:blipFill>
         <p:spPr>
           <a:xfrm>
-            <a:off x="6106590" y="40987"/>
-            <a:ext cx="6096000" cy="6858000"/>
+            <a:off x="6086061" y="748595"/>
+            <a:ext cx="6096000" cy="6096000"/>
           </a:xfrm>
           <a:prstGeom prst="rect">
             <a:avLst/>
@@ -4586,41 +5398,6 @@
               <a:latin typeface="Arial" panose="020B0604020202020204" pitchFamily="34" charset="0"/>
               <a:cs typeface="Arial" panose="020B0604020202020204" pitchFamily="34" charset="0"/>
             </a:endParaRPr>
-          </a:p>
-        </p:txBody>
-      </p:sp>
-      <p:sp>
-        <p:nvSpPr>
-          <p:cNvPr id="4" name="TextBox 3">
-            <a:extLst>
-              <a:ext uri="{FF2B5EF4-FFF2-40B4-BE49-F238E27FC236}">
-                <a16:creationId xmlns:a16="http://schemas.microsoft.com/office/drawing/2014/main" id="{9768563C-8243-C881-A6AD-F61E8CE5DEC7}"/>
-              </a:ext>
-            </a:extLst>
-          </p:cNvPr>
-          <p:cNvSpPr txBox="1"/>
-          <p:nvPr/>
-        </p:nvSpPr>
-        <p:spPr>
-          <a:xfrm>
-            <a:off x="7567448" y="1177159"/>
-            <a:ext cx="3373821" cy="369332"/>
-          </a:xfrm>
-          <a:prstGeom prst="rect">
-            <a:avLst/>
-          </a:prstGeom>
-          <a:noFill/>
-        </p:spPr>
-        <p:txBody>
-          <a:bodyPr wrap="square" rtlCol="0">
-            <a:spAutoFit/>
-          </a:bodyPr>
-          <a:lstStyle/>
-          <a:p>
-            <a:r>
-              <a:rPr kumimoji="1" lang="ko-KR" altLang="en-US" dirty="0"/>
-              <a:t>그림은 대체 예정</a:t>
-            </a:r>
           </a:p>
         </p:txBody>
       </p:sp>
@@ -4768,7 +5545,7 @@
         <p:spPr>
           <a:xfrm>
             <a:off x="1176688" y="383381"/>
-            <a:ext cx="2047355" cy="369332"/>
+            <a:ext cx="1906291" cy="369332"/>
           </a:xfrm>
           <a:prstGeom prst="rect">
             <a:avLst/>
@@ -4781,36 +5558,310 @@
           </a:bodyPr>
           <a:lstStyle/>
           <a:p>
-            <a:r>
-              <a:rPr lang="ko-KR" altLang="en-US" spc="300" dirty="0">
-                <a:solidFill>
-                  <a:schemeClr val="tx1">
-                    <a:lumMod val="65000"/>
-                    <a:lumOff val="35000"/>
-                  </a:schemeClr>
-                </a:solidFill>
-              </a:rPr>
-              <a:t>기존 프로젝트</a:t>
-            </a:r>
-            <a:r>
-              <a:rPr lang="en-US" altLang="ko-KR" spc="300" dirty="0">
-                <a:solidFill>
-                  <a:schemeClr val="tx1">
-                    <a:lumMod val="65000"/>
-                    <a:lumOff val="35000"/>
-                  </a:schemeClr>
-                </a:solidFill>
-              </a:rPr>
-              <a:t>1</a:t>
-            </a:r>
-            <a:endParaRPr lang="ko-KR" altLang="en-US" spc="300" dirty="0">
-              <a:solidFill>
-                <a:schemeClr val="tx1">
-                  <a:lumMod val="65000"/>
-                  <a:lumOff val="35000"/>
-                </a:schemeClr>
-              </a:solidFill>
+            <a:pPr lvl="0">
+              <a:defRPr/>
+            </a:pPr>
+            <a:r>
+              <a:rPr lang="en-US" altLang="ko-KR" sz="1800" dirty="0" err="1"/>
+              <a:t>가위바위보</a:t>
+            </a:r>
+            <a:r>
+              <a:rPr lang="en-US" altLang="ko-KR" sz="1800" dirty="0"/>
+              <a:t> </a:t>
+            </a:r>
+            <a:r>
+              <a:rPr lang="en-US" altLang="ko-KR" sz="1800" dirty="0" err="1"/>
+              <a:t>베팅</a:t>
+            </a:r>
+            <a:endParaRPr lang="en-US" altLang="ko-KR" sz="1800" dirty="0"/>
+          </a:p>
+        </p:txBody>
+      </p:sp>
+      <p:pic>
+        <p:nvPicPr>
+          <p:cNvPr id="8" name="그림 7" descr="스크린샷, 도표, 텍스트, 디자인이(가) 표시된 사진&#10;&#10;자동 생성된 설명">
+            <a:extLst>
+              <a:ext uri="{FF2B5EF4-FFF2-40B4-BE49-F238E27FC236}">
+                <a16:creationId xmlns:a16="http://schemas.microsoft.com/office/drawing/2014/main" id="{6919842C-D062-FF6D-4354-362F95D19F85}"/>
+              </a:ext>
+            </a:extLst>
+          </p:cNvPr>
+          <p:cNvPicPr>
+            <a:picLocks noChangeAspect="1"/>
+          </p:cNvPicPr>
+          <p:nvPr/>
+        </p:nvPicPr>
+        <p:blipFill>
+          <a:blip r:embed="rId2">
+            <a:extLst>
+              <a:ext uri="{28A0092B-C50C-407E-A947-70E740481C1C}">
+                <a14:useLocalDpi xmlns:a14="http://schemas.microsoft.com/office/drawing/2010/main" val="0"/>
+              </a:ext>
+            </a:extLst>
+          </a:blip>
+          <a:stretch>
+            <a:fillRect/>
+          </a:stretch>
+        </p:blipFill>
+        <p:spPr>
+          <a:xfrm>
+            <a:off x="3846786" y="1114547"/>
+            <a:ext cx="7772400" cy="5191160"/>
+          </a:xfrm>
+          <a:prstGeom prst="rect">
+            <a:avLst/>
+          </a:prstGeom>
+        </p:spPr>
+      </p:pic>
+      <p:sp>
+        <p:nvSpPr>
+          <p:cNvPr id="10" name="TextBox 9">
+            <a:extLst>
+              <a:ext uri="{FF2B5EF4-FFF2-40B4-BE49-F238E27FC236}">
+                <a16:creationId xmlns:a16="http://schemas.microsoft.com/office/drawing/2014/main" id="{296115F4-79F2-19A2-5626-A3A76A4D47C3}"/>
+              </a:ext>
+            </a:extLst>
+          </p:cNvPr>
+          <p:cNvSpPr txBox="1"/>
+          <p:nvPr/>
+        </p:nvSpPr>
+        <p:spPr>
+          <a:xfrm>
+            <a:off x="272715" y="1114547"/>
+            <a:ext cx="3574071" cy="4524315"/>
+          </a:xfrm>
+          <a:prstGeom prst="rect">
+            <a:avLst/>
+          </a:prstGeom>
+          <a:noFill/>
+        </p:spPr>
+        <p:txBody>
+          <a:bodyPr wrap="square" rtlCol="0">
+            <a:spAutoFit/>
+          </a:bodyPr>
+          <a:lstStyle/>
+          <a:p>
+            <a:r>
+              <a:rPr lang="ko-KR" altLang="en-US" dirty="0" err="1"/>
+              <a:t>타겟시스템을</a:t>
+            </a:r>
+            <a:r>
+              <a:rPr lang="ko-KR" altLang="en-US" dirty="0"/>
+              <a:t> 이용하여 </a:t>
+            </a:r>
+            <a:endParaRPr lang="en-US" altLang="ko-KR" dirty="0"/>
+          </a:p>
+          <a:p>
+            <a:r>
+              <a:rPr lang="ko-KR" altLang="en-US" dirty="0"/>
+              <a:t>가위바위보와 베팅을 </a:t>
+            </a:r>
+            <a:endParaRPr lang="en-US" altLang="ko-KR" dirty="0"/>
+          </a:p>
+          <a:p>
+            <a:r>
+              <a:rPr lang="ko-KR" altLang="en-US" dirty="0"/>
+              <a:t>할 수 있는 게임</a:t>
+            </a:r>
+            <a:br>
+              <a:rPr lang="en-US" altLang="ko-KR" dirty="0"/>
+            </a:br>
+            <a:endParaRPr lang="en-US" altLang="ko-KR" dirty="0"/>
+          </a:p>
+          <a:p>
+            <a:pPr marL="285750" indent="-285750">
+              <a:buFontTx/>
+              <a:buChar char="-"/>
+            </a:pPr>
+            <a:r>
+              <a:rPr lang="ko-KR" altLang="en-US" dirty="0">
+                <a:effectLst/>
+                <a:latin typeface="Helvetica" pitchFamily="2" charset="0"/>
+              </a:rPr>
+              <a:t>﻿﻿게임 시작 후 초기 금액 </a:t>
+            </a:r>
+            <a:r>
+              <a:rPr lang="en-US" altLang="ko-KR" dirty="0">
+                <a:effectLst/>
+                <a:latin typeface="Helvetica" pitchFamily="2" charset="0"/>
+              </a:rPr>
+              <a:t>3000</a:t>
+            </a:r>
+            <a:r>
+              <a:rPr lang="ko-KR" altLang="en-US" dirty="0">
+                <a:effectLst/>
+                <a:latin typeface="Helvetica" pitchFamily="2" charset="0"/>
+              </a:rPr>
+              <a:t>원 제공</a:t>
+            </a:r>
+            <a:endParaRPr lang="en-US" altLang="ko-KR" dirty="0">
+              <a:effectLst/>
+              <a:latin typeface="Helvetica" pitchFamily="2" charset="0"/>
             </a:endParaRPr>
+          </a:p>
+          <a:p>
+            <a:pPr marL="285750" indent="-285750">
+              <a:buFontTx/>
+              <a:buChar char="-"/>
+            </a:pPr>
+            <a:endParaRPr lang="ko-KR" altLang="en-US" dirty="0">
+              <a:effectLst/>
+              <a:latin typeface="Helvetica" pitchFamily="2" charset="0"/>
+            </a:endParaRPr>
+          </a:p>
+          <a:p>
+            <a:pPr marL="285750" indent="-285750">
+              <a:buFontTx/>
+              <a:buChar char="-"/>
+            </a:pPr>
+            <a:r>
+              <a:rPr lang="ko-KR" altLang="en-US" dirty="0">
+                <a:effectLst/>
+                <a:latin typeface="Helvetica" pitchFamily="2" charset="0"/>
+              </a:rPr>
+              <a:t>﻿게임 베팅 금액 설정</a:t>
+            </a:r>
+            <a:endParaRPr lang="en-US" altLang="ko-KR" dirty="0">
+              <a:effectLst/>
+              <a:latin typeface="Helvetica" pitchFamily="2" charset="0"/>
+            </a:endParaRPr>
+          </a:p>
+          <a:p>
+            <a:pPr marL="285750" indent="-285750">
+              <a:buFontTx/>
+              <a:buChar char="-"/>
+            </a:pPr>
+            <a:endParaRPr lang="ko-KR" altLang="en-US" dirty="0">
+              <a:effectLst/>
+              <a:latin typeface="Helvetica" pitchFamily="2" charset="0"/>
+            </a:endParaRPr>
+          </a:p>
+          <a:p>
+            <a:pPr marL="285750" indent="-285750">
+              <a:buFontTx/>
+              <a:buChar char="-"/>
+            </a:pPr>
+            <a:r>
+              <a:rPr lang="ko-KR" altLang="en-US" dirty="0">
+                <a:effectLst/>
+                <a:latin typeface="Helvetica" pitchFamily="2" charset="0"/>
+              </a:rPr>
+              <a:t>﻿﻿승리 시 금액 획득 및 중단 선택 가능</a:t>
+            </a:r>
+            <a:endParaRPr lang="en-US" altLang="ko-KR" dirty="0">
+              <a:effectLst/>
+              <a:latin typeface="Helvetica" pitchFamily="2" charset="0"/>
+            </a:endParaRPr>
+          </a:p>
+          <a:p>
+            <a:pPr marL="285750" indent="-285750">
+              <a:buFontTx/>
+              <a:buChar char="-"/>
+            </a:pPr>
+            <a:endParaRPr lang="ko-KR" altLang="en-US" dirty="0">
+              <a:effectLst/>
+              <a:latin typeface="Helvetica" pitchFamily="2" charset="0"/>
+            </a:endParaRPr>
+          </a:p>
+          <a:p>
+            <a:pPr marL="285750" indent="-285750">
+              <a:buFontTx/>
+              <a:buChar char="-"/>
+            </a:pPr>
+            <a:r>
+              <a:rPr lang="ko-KR" altLang="en-US" dirty="0">
+                <a:effectLst/>
+                <a:latin typeface="Helvetica" pitchFamily="2" charset="0"/>
+              </a:rPr>
+              <a:t>﻿﻿패배 </a:t>
+            </a:r>
+            <a:r>
+              <a:rPr lang="ko-KR" altLang="en-US" dirty="0" err="1">
+                <a:effectLst/>
+                <a:latin typeface="Helvetica" pitchFamily="2" charset="0"/>
+              </a:rPr>
+              <a:t>시베팅한</a:t>
+            </a:r>
+            <a:r>
+              <a:rPr lang="ko-KR" altLang="en-US" dirty="0">
+                <a:effectLst/>
+                <a:latin typeface="Helvetica" pitchFamily="2" charset="0"/>
+              </a:rPr>
+              <a:t> 금액회수</a:t>
+            </a:r>
+            <a:endParaRPr lang="en-US" altLang="ko-KR" dirty="0">
+              <a:effectLst/>
+              <a:latin typeface="Helvetica" pitchFamily="2" charset="0"/>
+            </a:endParaRPr>
+          </a:p>
+          <a:p>
+            <a:pPr marL="285750" indent="-285750">
+              <a:buFontTx/>
+              <a:buChar char="-"/>
+            </a:pPr>
+            <a:endParaRPr lang="ko-KR" altLang="en-US" dirty="0">
+              <a:effectLst/>
+              <a:latin typeface="Helvetica" pitchFamily="2" charset="0"/>
+            </a:endParaRPr>
+          </a:p>
+          <a:p>
+            <a:pPr marL="285750" indent="-285750">
+              <a:buFontTx/>
+              <a:buChar char="-"/>
+            </a:pPr>
+            <a:r>
+              <a:rPr lang="ko-KR" altLang="en-US" dirty="0">
+                <a:effectLst/>
+                <a:latin typeface="Helvetica" pitchFamily="2" charset="0"/>
+              </a:rPr>
+              <a:t>파산할 경우 게임 종료</a:t>
+            </a:r>
+          </a:p>
+          <a:p>
+            <a:endParaRPr kumimoji="1" lang="ko-KR" altLang="en-US" dirty="0"/>
+          </a:p>
+        </p:txBody>
+      </p:sp>
+      <p:sp>
+        <p:nvSpPr>
+          <p:cNvPr id="11" name="TextBox 10">
+            <a:extLst>
+              <a:ext uri="{FF2B5EF4-FFF2-40B4-BE49-F238E27FC236}">
+                <a16:creationId xmlns:a16="http://schemas.microsoft.com/office/drawing/2014/main" id="{FE87A8B8-F830-9D3B-0B31-91A9A7FDB229}"/>
+              </a:ext>
+            </a:extLst>
+          </p:cNvPr>
+          <p:cNvSpPr txBox="1"/>
+          <p:nvPr/>
+        </p:nvSpPr>
+        <p:spPr>
+          <a:xfrm>
+            <a:off x="3727939" y="6280952"/>
+            <a:ext cx="7497352" cy="646331"/>
+          </a:xfrm>
+          <a:prstGeom prst="rect">
+            <a:avLst/>
+          </a:prstGeom>
+          <a:noFill/>
+        </p:spPr>
+        <p:txBody>
+          <a:bodyPr wrap="square" rtlCol="0">
+            <a:spAutoFit/>
+          </a:bodyPr>
+          <a:lstStyle/>
+          <a:p>
+            <a:r>
+              <a:rPr lang="ko-KR" altLang="en-US" sz="1800" dirty="0"/>
+              <a:t>출처</a:t>
+            </a:r>
+            <a:r>
+              <a:rPr lang="en-US" altLang="ko-KR" sz="1800" dirty="0"/>
+              <a:t> : https://syki66.github.io/blog/2020/06/15/H-smart4412TKU.html</a:t>
+            </a:r>
+            <a:endParaRPr lang="ko-KR" altLang="en-US" sz="1800" dirty="0"/>
+          </a:p>
+          <a:p>
+            <a:endParaRPr kumimoji="1" lang="ko-KR" altLang="en-US" dirty="0"/>
           </a:p>
         </p:txBody>
       </p:sp>
@@ -4889,7 +5940,7 @@
           <a:lstStyle/>
           <a:p>
             <a:pPr algn="ctr"/>
-            <a:endParaRPr lang="ko-KR" altLang="en-US" dirty="0"/>
+            <a:endParaRPr lang="ko-KR" altLang="en-US"/>
           </a:p>
         </p:txBody>
       </p:sp>
@@ -4958,7 +6009,7 @@
         <p:spPr>
           <a:xfrm>
             <a:off x="1176688" y="383381"/>
-            <a:ext cx="2047355" cy="369332"/>
+            <a:ext cx="1853392" cy="369332"/>
           </a:xfrm>
           <a:prstGeom prst="rect">
             <a:avLst/>
@@ -4971,34 +6022,640 @@
           </a:bodyPr>
           <a:lstStyle/>
           <a:p>
-            <a:r>
-              <a:rPr lang="ko-KR" altLang="en-US" spc="300" dirty="0">
-                <a:solidFill>
-                  <a:schemeClr val="tx1">
-                    <a:lumMod val="65000"/>
-                    <a:lumOff val="35000"/>
-                  </a:schemeClr>
-                </a:solidFill>
-              </a:rPr>
-              <a:t>기존 프로젝트</a:t>
-            </a:r>
-            <a:r>
-              <a:rPr lang="en-US" altLang="ko-KR" spc="300" dirty="0">
-                <a:solidFill>
-                  <a:schemeClr val="tx1">
-                    <a:lumMod val="65000"/>
-                    <a:lumOff val="35000"/>
-                  </a:schemeClr>
-                </a:solidFill>
+            <a:pPr lvl="0">
+              <a:defRPr/>
+            </a:pPr>
+            <a:r>
+              <a:rPr lang="en-US" altLang="ko-KR" sz="1800" dirty="0" err="1"/>
+              <a:t>가위바위보</a:t>
+            </a:r>
+            <a:r>
+              <a:rPr lang="en-US" altLang="ko-KR" sz="1800" dirty="0"/>
+              <a:t> </a:t>
+            </a:r>
+            <a:r>
+              <a:rPr lang="en-US" altLang="ko-KR" sz="1800" dirty="0" err="1"/>
+              <a:t>베팅</a:t>
+            </a:r>
+            <a:endParaRPr lang="en-US" altLang="ko-KR" sz="1800" dirty="0"/>
+          </a:p>
+        </p:txBody>
+      </p:sp>
+      <p:sp>
+        <p:nvSpPr>
+          <p:cNvPr id="5" name="타원 4">
+            <a:extLst>
+              <a:ext uri="{FF2B5EF4-FFF2-40B4-BE49-F238E27FC236}">
+                <a16:creationId xmlns:a16="http://schemas.microsoft.com/office/drawing/2014/main" id="{C4F6FD9A-4343-9C66-B966-192DE8475229}"/>
+              </a:ext>
+            </a:extLst>
+          </p:cNvPr>
+          <p:cNvSpPr/>
+          <p:nvPr/>
+        </p:nvSpPr>
+        <p:spPr>
+          <a:xfrm>
+            <a:off x="4094057" y="1815152"/>
+            <a:ext cx="4003886" cy="4003886"/>
+          </a:xfrm>
+          <a:prstGeom prst="ellipse">
+            <a:avLst/>
+          </a:prstGeom>
+          <a:solidFill>
+            <a:schemeClr val="accent2"/>
+          </a:solidFill>
+          <a:ln>
+            <a:noFill/>
+          </a:ln>
+        </p:spPr>
+        <p:style>
+          <a:lnRef idx="0">
+            <a:scrgbClr r="0" g="0" b="0"/>
+          </a:lnRef>
+          <a:fillRef idx="0">
+            <a:scrgbClr r="0" g="0" b="0"/>
+          </a:fillRef>
+          <a:effectRef idx="0">
+            <a:scrgbClr r="0" g="0" b="0"/>
+          </a:effectRef>
+          <a:fontRef idx="minor">
+            <a:schemeClr val="lt1"/>
+          </a:fontRef>
+        </p:style>
+        <p:txBody>
+          <a:bodyPr rtlCol="0" anchor="ctr"/>
+          <a:lstStyle/>
+          <a:p>
+            <a:pPr algn="ctr"/>
+            <a:endParaRPr lang="ko-KR" altLang="en-US"/>
+          </a:p>
+        </p:txBody>
+      </p:sp>
+      <p:cxnSp>
+        <p:nvCxnSpPr>
+          <p:cNvPr id="6" name="직선 화살표 연결선 5">
+            <a:extLst>
+              <a:ext uri="{FF2B5EF4-FFF2-40B4-BE49-F238E27FC236}">
+                <a16:creationId xmlns:a16="http://schemas.microsoft.com/office/drawing/2014/main" id="{C510AB6C-7178-1FEF-5854-7C377EEAB309}"/>
+              </a:ext>
+            </a:extLst>
+          </p:cNvPr>
+          <p:cNvCxnSpPr/>
+          <p:nvPr/>
+        </p:nvCxnSpPr>
+        <p:spPr>
+          <a:xfrm>
+            <a:off x="3166281" y="1815152"/>
+            <a:ext cx="736979" cy="736979"/>
+          </a:xfrm>
+          <a:prstGeom prst="straightConnector1">
+            <a:avLst/>
+          </a:prstGeom>
+          <a:ln>
+            <a:solidFill>
+              <a:schemeClr val="bg1">
+                <a:lumMod val="65000"/>
+              </a:schemeClr>
+            </a:solidFill>
+            <a:tailEnd type="triangle"/>
+          </a:ln>
+        </p:spPr>
+        <p:style>
+          <a:lnRef idx="1">
+            <a:schemeClr val="accent1"/>
+          </a:lnRef>
+          <a:fillRef idx="0">
+            <a:schemeClr val="accent1"/>
+          </a:fillRef>
+          <a:effectRef idx="0">
+            <a:schemeClr val="accent1"/>
+          </a:effectRef>
+          <a:fontRef idx="minor">
+            <a:schemeClr val="tx1"/>
+          </a:fontRef>
+        </p:style>
+      </p:cxnSp>
+      <p:cxnSp>
+        <p:nvCxnSpPr>
+          <p:cNvPr id="7" name="직선 화살표 연결선 6">
+            <a:extLst>
+              <a:ext uri="{FF2B5EF4-FFF2-40B4-BE49-F238E27FC236}">
+                <a16:creationId xmlns:a16="http://schemas.microsoft.com/office/drawing/2014/main" id="{2D6294F1-1C5D-2657-4672-952369E5D6A1}"/>
+              </a:ext>
+            </a:extLst>
+          </p:cNvPr>
+          <p:cNvCxnSpPr>
+            <a:cxnSpLocks/>
+          </p:cNvCxnSpPr>
+          <p:nvPr/>
+        </p:nvCxnSpPr>
+        <p:spPr>
+          <a:xfrm flipH="1">
+            <a:off x="8274957" y="1815151"/>
+            <a:ext cx="736979" cy="736979"/>
+          </a:xfrm>
+          <a:prstGeom prst="straightConnector1">
+            <a:avLst/>
+          </a:prstGeom>
+          <a:ln>
+            <a:solidFill>
+              <a:schemeClr val="bg1">
+                <a:lumMod val="65000"/>
+              </a:schemeClr>
+            </a:solidFill>
+            <a:tailEnd type="triangle"/>
+          </a:ln>
+        </p:spPr>
+        <p:style>
+          <a:lnRef idx="1">
+            <a:schemeClr val="accent1"/>
+          </a:lnRef>
+          <a:fillRef idx="0">
+            <a:schemeClr val="accent1"/>
+          </a:fillRef>
+          <a:effectRef idx="0">
+            <a:schemeClr val="accent1"/>
+          </a:effectRef>
+          <a:fontRef idx="minor">
+            <a:schemeClr val="tx1"/>
+          </a:fontRef>
+        </p:style>
+      </p:cxnSp>
+      <p:cxnSp>
+        <p:nvCxnSpPr>
+          <p:cNvPr id="8" name="직선 화살표 연결선 7">
+            <a:extLst>
+              <a:ext uri="{FF2B5EF4-FFF2-40B4-BE49-F238E27FC236}">
+                <a16:creationId xmlns:a16="http://schemas.microsoft.com/office/drawing/2014/main" id="{733A5968-9667-C0E1-D453-0612596B46D4}"/>
+              </a:ext>
+            </a:extLst>
+          </p:cNvPr>
+          <p:cNvCxnSpPr>
+            <a:cxnSpLocks/>
+          </p:cNvCxnSpPr>
+          <p:nvPr/>
+        </p:nvCxnSpPr>
+        <p:spPr>
+          <a:xfrm flipV="1">
+            <a:off x="3166281" y="5082060"/>
+            <a:ext cx="736979" cy="736979"/>
+          </a:xfrm>
+          <a:prstGeom prst="straightConnector1">
+            <a:avLst/>
+          </a:prstGeom>
+          <a:ln>
+            <a:solidFill>
+              <a:schemeClr val="bg1">
+                <a:lumMod val="65000"/>
+              </a:schemeClr>
+            </a:solidFill>
+            <a:tailEnd type="triangle"/>
+          </a:ln>
+        </p:spPr>
+        <p:style>
+          <a:lnRef idx="1">
+            <a:schemeClr val="accent1"/>
+          </a:lnRef>
+          <a:fillRef idx="0">
+            <a:schemeClr val="accent1"/>
+          </a:fillRef>
+          <a:effectRef idx="0">
+            <a:schemeClr val="accent1"/>
+          </a:effectRef>
+          <a:fontRef idx="minor">
+            <a:schemeClr val="tx1"/>
+          </a:fontRef>
+        </p:style>
+      </p:cxnSp>
+      <p:cxnSp>
+        <p:nvCxnSpPr>
+          <p:cNvPr id="9" name="직선 화살표 연결선 8">
+            <a:extLst>
+              <a:ext uri="{FF2B5EF4-FFF2-40B4-BE49-F238E27FC236}">
+                <a16:creationId xmlns:a16="http://schemas.microsoft.com/office/drawing/2014/main" id="{9EE979ED-BC50-78FF-9873-044A3040CE94}"/>
+              </a:ext>
+            </a:extLst>
+          </p:cNvPr>
+          <p:cNvCxnSpPr>
+            <a:cxnSpLocks/>
+          </p:cNvCxnSpPr>
+          <p:nvPr/>
+        </p:nvCxnSpPr>
+        <p:spPr>
+          <a:xfrm flipH="1" flipV="1">
+            <a:off x="8274957" y="5082059"/>
+            <a:ext cx="736979" cy="736979"/>
+          </a:xfrm>
+          <a:prstGeom prst="straightConnector1">
+            <a:avLst/>
+          </a:prstGeom>
+          <a:ln>
+            <a:solidFill>
+              <a:schemeClr val="bg1">
+                <a:lumMod val="65000"/>
+              </a:schemeClr>
+            </a:solidFill>
+            <a:tailEnd type="triangle"/>
+          </a:ln>
+        </p:spPr>
+        <p:style>
+          <a:lnRef idx="1">
+            <a:schemeClr val="accent1"/>
+          </a:lnRef>
+          <a:fillRef idx="0">
+            <a:schemeClr val="accent1"/>
+          </a:fillRef>
+          <a:effectRef idx="0">
+            <a:schemeClr val="accent1"/>
+          </a:effectRef>
+          <a:fontRef idx="minor">
+            <a:schemeClr val="tx1"/>
+          </a:fontRef>
+        </p:style>
+      </p:cxnSp>
+      <p:sp>
+        <p:nvSpPr>
+          <p:cNvPr id="10" name="TextBox 9">
+            <a:extLst>
+              <a:ext uri="{FF2B5EF4-FFF2-40B4-BE49-F238E27FC236}">
+                <a16:creationId xmlns:a16="http://schemas.microsoft.com/office/drawing/2014/main" id="{424A20AF-56CE-469E-1983-F524DFE4F04E}"/>
+              </a:ext>
+            </a:extLst>
+          </p:cNvPr>
+          <p:cNvSpPr txBox="1"/>
+          <p:nvPr/>
+        </p:nvSpPr>
+        <p:spPr>
+          <a:xfrm>
+            <a:off x="1233521" y="1223034"/>
+            <a:ext cx="1743426" cy="1384995"/>
+          </a:xfrm>
+          <a:prstGeom prst="rect">
+            <a:avLst/>
+          </a:prstGeom>
+          <a:noFill/>
+        </p:spPr>
+        <p:txBody>
+          <a:bodyPr wrap="none" rtlCol="0">
+            <a:spAutoFit/>
+          </a:bodyPr>
+          <a:lstStyle/>
+          <a:p>
+            <a:r>
+              <a:rPr lang="en-US" altLang="ko-KR" sz="2000" dirty="0">
+                <a:effectLst/>
+                <a:latin typeface="Helvetica" pitchFamily="2" charset="0"/>
+              </a:rPr>
+              <a:t>DOT MATRIX</a:t>
+            </a:r>
+          </a:p>
+          <a:p>
+            <a:r>
+              <a:rPr lang="ko-KR" altLang="en-US" sz="1600" dirty="0">
+                <a:effectLst/>
+                <a:latin typeface="Helvetica" pitchFamily="2" charset="0"/>
+              </a:rPr>
+              <a:t>묵</a:t>
+            </a:r>
+            <a:r>
+              <a:rPr lang="en-US" altLang="ko-KR" sz="1600" dirty="0">
+                <a:effectLst/>
+                <a:latin typeface="Helvetica" pitchFamily="2" charset="0"/>
+              </a:rPr>
+              <a:t>, </a:t>
+            </a:r>
+            <a:r>
+              <a:rPr lang="ko-KR" altLang="en-US" sz="1600" dirty="0">
+                <a:effectLst/>
+                <a:latin typeface="Helvetica" pitchFamily="2" charset="0"/>
+              </a:rPr>
+              <a:t>찌</a:t>
+            </a:r>
+            <a:r>
+              <a:rPr lang="en-US" altLang="ko-KR" sz="1600" dirty="0">
+                <a:effectLst/>
+                <a:latin typeface="Helvetica" pitchFamily="2" charset="0"/>
+              </a:rPr>
+              <a:t>, </a:t>
+            </a:r>
+            <a:r>
+              <a:rPr lang="ko-KR" altLang="en-US" sz="1600" dirty="0">
+                <a:effectLst/>
+                <a:latin typeface="Helvetica" pitchFamily="2" charset="0"/>
+              </a:rPr>
+              <a:t>빠를</a:t>
+            </a:r>
+          </a:p>
+          <a:p>
+            <a:r>
+              <a:rPr lang="en-US" altLang="ko-KR" sz="1600" dirty="0">
+                <a:effectLst/>
+                <a:latin typeface="Helvetica" pitchFamily="2" charset="0"/>
+              </a:rPr>
+              <a:t>8 * 8 </a:t>
+            </a:r>
+            <a:r>
+              <a:rPr lang="ko-KR" altLang="en-US" sz="1600" dirty="0">
+                <a:effectLst/>
+                <a:latin typeface="Helvetica" pitchFamily="2" charset="0"/>
+              </a:rPr>
+              <a:t>매트릭스를</a:t>
+            </a:r>
+          </a:p>
+          <a:p>
+            <a:r>
+              <a:rPr lang="ko-KR" altLang="en-US" sz="1600" dirty="0">
+                <a:effectLst/>
+                <a:latin typeface="Helvetica" pitchFamily="2" charset="0"/>
+              </a:rPr>
+              <a:t>이용해</a:t>
+            </a:r>
+          </a:p>
+          <a:p>
+            <a:r>
+              <a:rPr lang="ko-KR" altLang="en-US" sz="1600" dirty="0">
+                <a:effectLst/>
+                <a:latin typeface="Helvetica" pitchFamily="2" charset="0"/>
+              </a:rPr>
+              <a:t>문자로 표현</a:t>
+            </a:r>
+          </a:p>
+        </p:txBody>
+      </p:sp>
+      <p:sp>
+        <p:nvSpPr>
+          <p:cNvPr id="11" name="TextBox 10">
+            <a:extLst>
+              <a:ext uri="{FF2B5EF4-FFF2-40B4-BE49-F238E27FC236}">
+                <a16:creationId xmlns:a16="http://schemas.microsoft.com/office/drawing/2014/main" id="{BF022FF1-C01C-0AFA-CC4A-06C52BB91D16}"/>
+              </a:ext>
+            </a:extLst>
+          </p:cNvPr>
+          <p:cNvSpPr txBox="1"/>
+          <p:nvPr/>
+        </p:nvSpPr>
+        <p:spPr>
+          <a:xfrm>
+            <a:off x="9137124" y="1223034"/>
+            <a:ext cx="1941557" cy="1384995"/>
+          </a:xfrm>
+          <a:prstGeom prst="rect">
+            <a:avLst/>
+          </a:prstGeom>
+          <a:noFill/>
+        </p:spPr>
+        <p:txBody>
+          <a:bodyPr wrap="none" rtlCol="0">
+            <a:spAutoFit/>
+          </a:bodyPr>
+          <a:lstStyle/>
+          <a:p>
+            <a:r>
+              <a:rPr lang="en-US" altLang="ko-KR" sz="2000" dirty="0">
+                <a:effectLst/>
+                <a:latin typeface="Helvetica" pitchFamily="2" charset="0"/>
+              </a:rPr>
+              <a:t>TACT SWITCH</a:t>
+            </a:r>
+          </a:p>
+          <a:p>
+            <a:r>
+              <a:rPr lang="ko-KR" altLang="en-US" sz="1600" dirty="0">
+                <a:effectLst/>
+                <a:latin typeface="Helvetica" pitchFamily="2" charset="0"/>
+              </a:rPr>
+              <a:t>베팅 금액 조절 및</a:t>
+            </a:r>
+          </a:p>
+          <a:p>
+            <a:r>
+              <a:rPr lang="ko-KR" altLang="en-US" sz="1600" dirty="0">
+                <a:effectLst/>
+                <a:latin typeface="Helvetica" pitchFamily="2" charset="0"/>
+              </a:rPr>
+              <a:t>가위바위보 플레이</a:t>
+            </a:r>
+            <a:r>
+              <a:rPr lang="en-US" altLang="ko-KR" sz="1600" dirty="0">
+                <a:effectLst/>
+                <a:latin typeface="Helvetica" pitchFamily="2" charset="0"/>
+              </a:rPr>
+              <a:t>,</a:t>
+            </a:r>
+          </a:p>
+          <a:p>
+            <a:r>
+              <a:rPr lang="ko-KR" altLang="en-US" sz="1600" dirty="0">
+                <a:effectLst/>
+                <a:latin typeface="Helvetica" pitchFamily="2" charset="0"/>
+              </a:rPr>
+              <a:t>기타 조작을 위해</a:t>
+            </a:r>
+          </a:p>
+          <a:p>
+            <a:r>
+              <a:rPr lang="ko-KR" altLang="en-US" sz="1600" dirty="0">
+                <a:effectLst/>
+                <a:latin typeface="Helvetica" pitchFamily="2" charset="0"/>
+              </a:rPr>
+              <a:t>사용</a:t>
+            </a:r>
+          </a:p>
+        </p:txBody>
+      </p:sp>
+      <p:sp>
+        <p:nvSpPr>
+          <p:cNvPr id="12" name="TextBox 11">
+            <a:extLst>
+              <a:ext uri="{FF2B5EF4-FFF2-40B4-BE49-F238E27FC236}">
+                <a16:creationId xmlns:a16="http://schemas.microsoft.com/office/drawing/2014/main" id="{36F97327-9430-9900-24AB-6661CB4EF986}"/>
+              </a:ext>
+            </a:extLst>
+          </p:cNvPr>
+          <p:cNvSpPr txBox="1"/>
+          <p:nvPr/>
+        </p:nvSpPr>
+        <p:spPr>
+          <a:xfrm>
+            <a:off x="1401701" y="5505957"/>
+            <a:ext cx="1587294" cy="1384995"/>
+          </a:xfrm>
+          <a:prstGeom prst="rect">
+            <a:avLst/>
+          </a:prstGeom>
+          <a:noFill/>
+        </p:spPr>
+        <p:txBody>
+          <a:bodyPr wrap="none" rtlCol="0">
+            <a:spAutoFit/>
+          </a:bodyPr>
+          <a:lstStyle/>
+          <a:p>
+            <a:r>
+              <a:rPr lang="en-US" altLang="ko-KR" sz="2000" dirty="0">
+                <a:effectLst/>
+                <a:latin typeface="Helvetica" pitchFamily="2" charset="0"/>
+              </a:rPr>
+              <a:t>LED</a:t>
+            </a:r>
+          </a:p>
+          <a:p>
+            <a:r>
+              <a:rPr lang="en-US" altLang="ko-KR" sz="1600" dirty="0">
+                <a:effectLst/>
+                <a:latin typeface="Helvetica" pitchFamily="2" charset="0"/>
               </a:rPr>
               <a:t>2</a:t>
             </a:r>
-            <a:endParaRPr lang="ko-KR" altLang="en-US" spc="300" dirty="0">
+            <a:r>
+              <a:rPr lang="ko-KR" altLang="en-US" sz="1600" dirty="0">
+                <a:effectLst/>
+                <a:latin typeface="Helvetica" pitchFamily="2" charset="0"/>
+              </a:rPr>
+              <a:t>진수를 활용해</a:t>
+            </a:r>
+          </a:p>
+          <a:p>
+            <a:r>
+              <a:rPr lang="ko-KR" altLang="en-US" sz="1600" dirty="0" err="1">
+                <a:effectLst/>
+                <a:latin typeface="Helvetica" pitchFamily="2" charset="0"/>
+              </a:rPr>
+              <a:t>배팅액</a:t>
+            </a:r>
+            <a:r>
+              <a:rPr lang="ko-KR" altLang="en-US" sz="1600" dirty="0">
+                <a:effectLst/>
+                <a:latin typeface="Helvetica" pitchFamily="2" charset="0"/>
+              </a:rPr>
+              <a:t> 확인</a:t>
+            </a:r>
+          </a:p>
+          <a:p>
+            <a:r>
+              <a:rPr lang="en-US" altLang="ko-KR" sz="1600" dirty="0">
+                <a:effectLst/>
+                <a:latin typeface="Helvetica" pitchFamily="2" charset="0"/>
+              </a:rPr>
+              <a:t>1 - led on</a:t>
+            </a:r>
+          </a:p>
+          <a:p>
+            <a:r>
+              <a:rPr lang="en-US" altLang="ko-KR" sz="1600" dirty="0">
+                <a:effectLst/>
+                <a:latin typeface="Helvetica" pitchFamily="2" charset="0"/>
+              </a:rPr>
+              <a:t>0 - led off</a:t>
+            </a:r>
+          </a:p>
+        </p:txBody>
+      </p:sp>
+      <p:sp>
+        <p:nvSpPr>
+          <p:cNvPr id="13" name="TextBox 12">
+            <a:extLst>
+              <a:ext uri="{FF2B5EF4-FFF2-40B4-BE49-F238E27FC236}">
+                <a16:creationId xmlns:a16="http://schemas.microsoft.com/office/drawing/2014/main" id="{483AAD8A-52DF-7F4B-15C6-5710CA53FC30}"/>
+              </a:ext>
+            </a:extLst>
+          </p:cNvPr>
+          <p:cNvSpPr txBox="1"/>
+          <p:nvPr/>
+        </p:nvSpPr>
+        <p:spPr>
+          <a:xfrm>
+            <a:off x="9189222" y="5819037"/>
+            <a:ext cx="1531188" cy="646331"/>
+          </a:xfrm>
+          <a:prstGeom prst="rect">
+            <a:avLst/>
+          </a:prstGeom>
+          <a:noFill/>
+        </p:spPr>
+        <p:txBody>
+          <a:bodyPr wrap="none" rtlCol="0">
+            <a:spAutoFit/>
+          </a:bodyPr>
+          <a:lstStyle/>
+          <a:p>
+            <a:r>
+              <a:rPr lang="en-US" altLang="ko-KR" sz="2000" dirty="0">
+                <a:effectLst/>
+                <a:latin typeface="Helvetica" pitchFamily="2" charset="0"/>
+              </a:rPr>
+              <a:t>FND</a:t>
+            </a:r>
+          </a:p>
+          <a:p>
+            <a:r>
+              <a:rPr lang="ko-KR" altLang="en-US" sz="1600" dirty="0">
+                <a:effectLst/>
+                <a:latin typeface="Helvetica" pitchFamily="2" charset="0"/>
+              </a:rPr>
+              <a:t>현재 잔액 조회</a:t>
+            </a:r>
+          </a:p>
+        </p:txBody>
+      </p:sp>
+      <p:sp>
+        <p:nvSpPr>
+          <p:cNvPr id="33" name="TextBox 32">
+            <a:extLst>
+              <a:ext uri="{FF2B5EF4-FFF2-40B4-BE49-F238E27FC236}">
+                <a16:creationId xmlns:a16="http://schemas.microsoft.com/office/drawing/2014/main" id="{BA065F87-CA45-B77A-B35D-399225EE9881}"/>
+              </a:ext>
+            </a:extLst>
+          </p:cNvPr>
+          <p:cNvSpPr txBox="1"/>
+          <p:nvPr/>
+        </p:nvSpPr>
+        <p:spPr>
+          <a:xfrm>
+            <a:off x="4207134" y="3536725"/>
+            <a:ext cx="3890809" cy="707886"/>
+          </a:xfrm>
+          <a:prstGeom prst="rect">
+            <a:avLst/>
+          </a:prstGeom>
+          <a:noFill/>
+        </p:spPr>
+        <p:txBody>
+          <a:bodyPr wrap="none" rtlCol="0">
+            <a:spAutoFit/>
+          </a:bodyPr>
+          <a:lstStyle/>
+          <a:p>
+            <a:pPr lvl="0">
+              <a:defRPr/>
+            </a:pPr>
+            <a:r>
+              <a:rPr lang="en-US" altLang="ko-KR" sz="4000" dirty="0" err="1">
+                <a:solidFill>
+                  <a:schemeClr val="bg1"/>
+                </a:solidFill>
+              </a:rPr>
+              <a:t>가위바위보</a:t>
+            </a:r>
+            <a:r>
+              <a:rPr lang="en-US" altLang="ko-KR" sz="4000" dirty="0">
+                <a:solidFill>
+                  <a:schemeClr val="bg1"/>
+                </a:solidFill>
+              </a:rPr>
+              <a:t> </a:t>
+            </a:r>
+            <a:r>
+              <a:rPr lang="en-US" altLang="ko-KR" sz="4000" dirty="0" err="1">
+                <a:solidFill>
+                  <a:schemeClr val="bg1"/>
+                </a:solidFill>
+              </a:rPr>
+              <a:t>베팅</a:t>
+            </a:r>
+            <a:endParaRPr lang="en-US" altLang="ko-KR" sz="4000" dirty="0">
               <a:solidFill>
-                <a:schemeClr val="tx1">
-                  <a:lumMod val="65000"/>
-                  <a:lumOff val="35000"/>
-                </a:schemeClr>
+                <a:schemeClr val="bg1"/>
               </a:solidFill>
             </a:endParaRPr>
           </a:p>
@@ -5007,7 +6664,7 @@
     </p:spTree>
     <p:extLst>
       <p:ext uri="{BB962C8B-B14F-4D97-AF65-F5344CB8AC3E}">
-        <p14:creationId xmlns:p14="http://schemas.microsoft.com/office/powerpoint/2010/main" val="3927342235"/>
+        <p14:creationId xmlns:p14="http://schemas.microsoft.com/office/powerpoint/2010/main" val="3819453941"/>
       </p:ext>
     </p:extLst>
   </p:cSld>
@@ -5020,14 +6677,6 @@
 <file path=ppt/slides/slide5.xml><?xml version="1.0" encoding="utf-8"?>
 <p:sld xmlns:a="http://schemas.openxmlformats.org/drawingml/2006/main" xmlns:r="http://schemas.openxmlformats.org/officeDocument/2006/relationships" xmlns:p="http://schemas.openxmlformats.org/presentationml/2006/main">
   <p:cSld>
-    <p:bg>
-      <p:bgPr>
-        <a:solidFill>
-          <a:schemeClr val="accent4"/>
-        </a:solidFill>
-        <a:effectLst/>
-      </p:bgPr>
-    </p:bg>
     <p:spTree>
       <p:nvGrpSpPr>
         <p:cNvPr id="1" name=""/>
@@ -5044,10 +6693,10 @@
       </p:grpSpPr>
       <p:sp>
         <p:nvSpPr>
-          <p:cNvPr id="2" name="타원 1">
-            <a:extLst>
-              <a:ext uri="{FF2B5EF4-FFF2-40B4-BE49-F238E27FC236}">
-                <a16:creationId xmlns:a16="http://schemas.microsoft.com/office/drawing/2014/main" id="{8230581F-3CDD-6E21-9F5D-B1DA168E7A8F}"/>
+          <p:cNvPr id="2" name="직사각형 1">
+            <a:extLst>
+              <a:ext uri="{FF2B5EF4-FFF2-40B4-BE49-F238E27FC236}">
+                <a16:creationId xmlns:a16="http://schemas.microsoft.com/office/drawing/2014/main" id="{86CB7179-2CED-698E-7489-BBBF08E1F63C}"/>
               </a:ext>
             </a:extLst>
           </p:cNvPr>
@@ -5056,18 +6705,12 @@
         </p:nvSpPr>
         <p:spPr>
           <a:xfrm>
-            <a:off x="1045410" y="1329072"/>
-            <a:ext cx="4126831" cy="4126831"/>
-          </a:xfrm>
-          <a:prstGeom prst="ellipse">
+            <a:off x="272715" y="0"/>
+            <a:ext cx="802105" cy="752713"/>
+          </a:xfrm>
+          <a:prstGeom prst="rect">
             <a:avLst/>
           </a:prstGeom>
-          <a:solidFill>
-            <a:schemeClr val="accent4">
-              <a:lumMod val="20000"/>
-              <a:lumOff val="80000"/>
-            </a:schemeClr>
-          </a:solidFill>
           <a:ln>
             <a:noFill/>
           </a:ln>
@@ -5093,120 +6736,16 @@
           <a:lstStyle/>
           <a:p>
             <a:pPr algn="ctr"/>
-            <a:endParaRPr lang="ko-KR" altLang="en-US" sz="1600"/>
-          </a:p>
-        </p:txBody>
-      </p:sp>
-      <p:sp>
-        <p:nvSpPr>
-          <p:cNvPr id="3" name="타원 2">
-            <a:extLst>
-              <a:ext uri="{FF2B5EF4-FFF2-40B4-BE49-F238E27FC236}">
-                <a16:creationId xmlns:a16="http://schemas.microsoft.com/office/drawing/2014/main" id="{115D6B55-8ED9-099D-24FC-B0D7DD4CB292}"/>
-              </a:ext>
-            </a:extLst>
-          </p:cNvPr>
-          <p:cNvSpPr/>
-          <p:nvPr/>
-        </p:nvSpPr>
-        <p:spPr>
-          <a:xfrm>
-            <a:off x="7045161" y="1329071"/>
-            <a:ext cx="4126831" cy="4126831"/>
-          </a:xfrm>
-          <a:prstGeom prst="ellipse">
-            <a:avLst/>
-          </a:prstGeom>
-          <a:solidFill>
-            <a:srgbClr val="F9EAE7"/>
-          </a:solidFill>
-          <a:ln>
-            <a:noFill/>
-          </a:ln>
-        </p:spPr>
-        <p:style>
-          <a:lnRef idx="2">
-            <a:schemeClr val="accent1">
-              <a:shade val="50000"/>
-            </a:schemeClr>
-          </a:lnRef>
-          <a:fillRef idx="1">
-            <a:schemeClr val="accent1"/>
-          </a:fillRef>
-          <a:effectRef idx="0">
-            <a:schemeClr val="accent1"/>
-          </a:effectRef>
-          <a:fontRef idx="minor">
-            <a:schemeClr val="lt1"/>
-          </a:fontRef>
-        </p:style>
-        <p:txBody>
-          <a:bodyPr rtlCol="0" anchor="ctr"/>
-          <a:lstStyle/>
-          <a:p>
-            <a:pPr algn="ctr"/>
-            <a:endParaRPr lang="ko-KR" altLang="en-US" sz="1600"/>
-          </a:p>
-        </p:txBody>
-      </p:sp>
-      <p:sp>
-        <p:nvSpPr>
-          <p:cNvPr id="4" name="타원 3">
-            <a:extLst>
-              <a:ext uri="{FF2B5EF4-FFF2-40B4-BE49-F238E27FC236}">
-                <a16:creationId xmlns:a16="http://schemas.microsoft.com/office/drawing/2014/main" id="{9EEBD930-01AE-D34D-DBE5-B8F915EE3129}"/>
-              </a:ext>
-            </a:extLst>
-          </p:cNvPr>
-          <p:cNvSpPr/>
-          <p:nvPr/>
-        </p:nvSpPr>
-        <p:spPr>
-          <a:xfrm>
-            <a:off x="4045284" y="1329073"/>
-            <a:ext cx="4126831" cy="4126831"/>
-          </a:xfrm>
-          <a:prstGeom prst="ellipse">
-            <a:avLst/>
-          </a:prstGeom>
-          <a:solidFill>
-            <a:schemeClr val="accent2"/>
-          </a:solidFill>
-          <a:ln>
-            <a:noFill/>
-          </a:ln>
-        </p:spPr>
-        <p:style>
-          <a:lnRef idx="2">
-            <a:schemeClr val="accent1">
-              <a:shade val="50000"/>
-            </a:schemeClr>
-          </a:lnRef>
-          <a:fillRef idx="1">
-            <a:schemeClr val="accent1"/>
-          </a:fillRef>
-          <a:effectRef idx="0">
-            <a:schemeClr val="accent1"/>
-          </a:effectRef>
-          <a:fontRef idx="minor">
-            <a:schemeClr val="lt1"/>
-          </a:fontRef>
-        </p:style>
-        <p:txBody>
-          <a:bodyPr rtlCol="0" anchor="ctr"/>
-          <a:lstStyle/>
-          <a:p>
-            <a:pPr algn="ctr"/>
-            <a:endParaRPr lang="ko-KR" altLang="en-US" sz="1600"/>
-          </a:p>
-        </p:txBody>
-      </p:sp>
-      <p:sp>
-        <p:nvSpPr>
-          <p:cNvPr id="5" name="TextBox 4">
-            <a:extLst>
-              <a:ext uri="{FF2B5EF4-FFF2-40B4-BE49-F238E27FC236}">
-                <a16:creationId xmlns:a16="http://schemas.microsoft.com/office/drawing/2014/main" id="{C2F6F31A-4580-7A3F-68B9-8EAD130E7818}"/>
+            <a:endParaRPr lang="ko-KR" altLang="en-US" dirty="0"/>
+          </a:p>
+        </p:txBody>
+      </p:sp>
+      <p:sp>
+        <p:nvSpPr>
+          <p:cNvPr id="3" name="TextBox 2">
+            <a:extLst>
+              <a:ext uri="{FF2B5EF4-FFF2-40B4-BE49-F238E27FC236}">
+                <a16:creationId xmlns:a16="http://schemas.microsoft.com/office/drawing/2014/main" id="{68A721A3-5D9B-A549-DF5D-D0547EE5B424}"/>
               </a:ext>
             </a:extLst>
           </p:cNvPr>
@@ -5215,8 +6754,8 @@
         </p:nvSpPr>
         <p:spPr>
           <a:xfrm>
-            <a:off x="5056188" y="3166912"/>
-            <a:ext cx="2153155" cy="584775"/>
+            <a:off x="1176688" y="137160"/>
+            <a:ext cx="494046" cy="246221"/>
           </a:xfrm>
           <a:prstGeom prst="rect">
             <a:avLst/>
@@ -5229,169 +6768,6 @@
           </a:bodyPr>
           <a:lstStyle/>
           <a:p>
-            <a:pPr algn="ctr"/>
-            <a:r>
-              <a:rPr lang="ko-KR" altLang="en-US" sz="3200" b="1" spc="-300" dirty="0">
-                <a:solidFill>
-                  <a:schemeClr val="bg1"/>
-                </a:solidFill>
-              </a:rPr>
-              <a:t>팀  프로젝트</a:t>
-            </a:r>
-          </a:p>
-        </p:txBody>
-      </p:sp>
-      <p:sp>
-        <p:nvSpPr>
-          <p:cNvPr id="6" name="TextBox 5">
-            <a:extLst>
-              <a:ext uri="{FF2B5EF4-FFF2-40B4-BE49-F238E27FC236}">
-                <a16:creationId xmlns:a16="http://schemas.microsoft.com/office/drawing/2014/main" id="{137C90C2-6811-9B3C-230F-C9A3E5AEC812}"/>
-              </a:ext>
-            </a:extLst>
-          </p:cNvPr>
-          <p:cNvSpPr txBox="1"/>
-          <p:nvPr/>
-        </p:nvSpPr>
-        <p:spPr>
-          <a:xfrm>
-            <a:off x="1369847" y="3228467"/>
-            <a:ext cx="1978427" cy="461665"/>
-          </a:xfrm>
-          <a:prstGeom prst="rect">
-            <a:avLst/>
-          </a:prstGeom>
-          <a:noFill/>
-        </p:spPr>
-        <p:txBody>
-          <a:bodyPr wrap="none" rtlCol="0">
-            <a:spAutoFit/>
-          </a:bodyPr>
-          <a:lstStyle/>
-          <a:p>
-            <a:r>
-              <a:rPr lang="ko-KR" altLang="en-US" sz="2400" spc="-300" dirty="0">
-                <a:solidFill>
-                  <a:schemeClr val="tx1">
-                    <a:lumMod val="75000"/>
-                    <a:lumOff val="25000"/>
-                  </a:schemeClr>
-                </a:solidFill>
-              </a:rPr>
-              <a:t>기존  프로젝트</a:t>
-            </a:r>
-            <a:r>
-              <a:rPr lang="en-US" altLang="ko-KR" sz="2400" spc="-300" dirty="0">
-                <a:solidFill>
-                  <a:schemeClr val="tx1">
-                    <a:lumMod val="75000"/>
-                    <a:lumOff val="25000"/>
-                  </a:schemeClr>
-                </a:solidFill>
-              </a:rPr>
-              <a:t>1</a:t>
-            </a:r>
-            <a:endParaRPr lang="ko-KR" altLang="en-US" sz="2400" spc="-300" dirty="0">
-              <a:solidFill>
-                <a:schemeClr val="tx1">
-                  <a:lumMod val="75000"/>
-                  <a:lumOff val="25000"/>
-                </a:schemeClr>
-              </a:solidFill>
-            </a:endParaRPr>
-          </a:p>
-        </p:txBody>
-      </p:sp>
-      <p:sp>
-        <p:nvSpPr>
-          <p:cNvPr id="7" name="TextBox 6">
-            <a:extLst>
-              <a:ext uri="{FF2B5EF4-FFF2-40B4-BE49-F238E27FC236}">
-                <a16:creationId xmlns:a16="http://schemas.microsoft.com/office/drawing/2014/main" id="{865448C5-AD5E-AF7C-293C-6754F8017E63}"/>
-              </a:ext>
-            </a:extLst>
-          </p:cNvPr>
-          <p:cNvSpPr txBox="1"/>
-          <p:nvPr/>
-        </p:nvSpPr>
-        <p:spPr>
-          <a:xfrm>
-            <a:off x="8838668" y="3191953"/>
-            <a:ext cx="2008884" cy="461665"/>
-          </a:xfrm>
-          <a:prstGeom prst="rect">
-            <a:avLst/>
-          </a:prstGeom>
-          <a:noFill/>
-        </p:spPr>
-        <p:txBody>
-          <a:bodyPr wrap="none" rtlCol="0">
-            <a:spAutoFit/>
-          </a:bodyPr>
-          <a:lstStyle/>
-          <a:p>
-            <a:pPr algn="r"/>
-            <a:r>
-              <a:rPr lang="ko-KR" altLang="en-US" sz="2400" spc="-300" dirty="0">
-                <a:solidFill>
-                  <a:schemeClr val="tx1">
-                    <a:lumMod val="75000"/>
-                    <a:lumOff val="25000"/>
-                  </a:schemeClr>
-                </a:solidFill>
-              </a:rPr>
-              <a:t>기존  프로젝트</a:t>
-            </a:r>
-            <a:r>
-              <a:rPr lang="en-US" altLang="ko-KR" sz="2400" spc="-300" dirty="0">
-                <a:solidFill>
-                  <a:schemeClr val="tx1">
-                    <a:lumMod val="75000"/>
-                    <a:lumOff val="25000"/>
-                  </a:schemeClr>
-                </a:solidFill>
-              </a:rPr>
-              <a:t>2</a:t>
-            </a:r>
-            <a:endParaRPr lang="ko-KR" altLang="en-US" sz="2400" spc="-300" dirty="0">
-              <a:solidFill>
-                <a:schemeClr val="tx1">
-                  <a:lumMod val="75000"/>
-                  <a:lumOff val="25000"/>
-                </a:schemeClr>
-              </a:solidFill>
-            </a:endParaRPr>
-          </a:p>
-        </p:txBody>
-      </p:sp>
-      <p:sp>
-        <p:nvSpPr>
-          <p:cNvPr id="8" name="TextBox 7">
-            <a:extLst>
-              <a:ext uri="{FF2B5EF4-FFF2-40B4-BE49-F238E27FC236}">
-                <a16:creationId xmlns:a16="http://schemas.microsoft.com/office/drawing/2014/main" id="{CF1BEABA-7767-981A-9B2A-781206834A82}"/>
-              </a:ext>
-            </a:extLst>
-          </p:cNvPr>
-          <p:cNvSpPr txBox="1"/>
-          <p:nvPr/>
-        </p:nvSpPr>
-        <p:spPr>
-          <a:xfrm>
-            <a:off x="1176688" y="137160"/>
-            <a:ext cx="494046" cy="246221"/>
-          </a:xfrm>
-          <a:prstGeom prst="rect">
-            <a:avLst/>
-          </a:prstGeom>
-          <a:noFill/>
-        </p:spPr>
-        <p:txBody>
-          <a:bodyPr wrap="none" rtlCol="0">
-            <a:spAutoFit/>
-          </a:bodyPr>
-          <a:lstStyle/>
-          <a:p>
             <a:r>
               <a:rPr lang="en-US" altLang="ko-KR" sz="1000" dirty="0">
                 <a:solidFill>
@@ -5401,7 +6777,7 @@
                   </a:schemeClr>
                 </a:solidFill>
               </a:rPr>
-              <a:t>Part 3</a:t>
+              <a:t>Part 1</a:t>
             </a:r>
             <a:endParaRPr lang="ko-KR" altLang="en-US" sz="1000" dirty="0">
               <a:solidFill>
@@ -5416,10 +6792,10 @@
       </p:sp>
       <p:sp>
         <p:nvSpPr>
-          <p:cNvPr id="9" name="TextBox 8">
-            <a:extLst>
-              <a:ext uri="{FF2B5EF4-FFF2-40B4-BE49-F238E27FC236}">
-                <a16:creationId xmlns:a16="http://schemas.microsoft.com/office/drawing/2014/main" id="{A19D0CAB-BA51-8681-DD69-1E497C4CD916}"/>
+          <p:cNvPr id="4" name="TextBox 3">
+            <a:extLst>
+              <a:ext uri="{FF2B5EF4-FFF2-40B4-BE49-F238E27FC236}">
+                <a16:creationId xmlns:a16="http://schemas.microsoft.com/office/drawing/2014/main" id="{9EFEF442-2E39-E8A3-0720-B4AF147BC24A}"/>
               </a:ext>
             </a:extLst>
           </p:cNvPr>
@@ -5429,7 +6805,7 @@
         <p:spPr>
           <a:xfrm>
             <a:off x="1176688" y="383381"/>
-            <a:ext cx="2252540" cy="369332"/>
+            <a:ext cx="1675459" cy="369332"/>
           </a:xfrm>
           <a:prstGeom prst="rect">
             <a:avLst/>
@@ -5442,73 +6818,273 @@
           </a:bodyPr>
           <a:lstStyle/>
           <a:p>
-            <a:r>
-              <a:rPr lang="ko-KR" altLang="en-US" spc="300" dirty="0">
-                <a:solidFill>
-                  <a:schemeClr val="tx1">
-                    <a:lumMod val="65000"/>
-                    <a:lumOff val="35000"/>
-                  </a:schemeClr>
-                </a:solidFill>
-              </a:rPr>
-              <a:t>팀 프로젝트 계획</a:t>
-            </a:r>
-          </a:p>
-        </p:txBody>
-      </p:sp>
-      <p:sp>
-        <p:nvSpPr>
-          <p:cNvPr id="10" name="직사각형 9">
-            <a:extLst>
-              <a:ext uri="{FF2B5EF4-FFF2-40B4-BE49-F238E27FC236}">
-                <a16:creationId xmlns:a16="http://schemas.microsoft.com/office/drawing/2014/main" id="{644FF2BE-01DB-F0EB-D043-05F33023CBD7}"/>
-              </a:ext>
-            </a:extLst>
-          </p:cNvPr>
-          <p:cNvSpPr/>
+            <a:pPr lvl="0">
+              <a:defRPr/>
+            </a:pPr>
+            <a:r>
+              <a:rPr lang="en-US" altLang="ko-KR" sz="1800" dirty="0" err="1"/>
+              <a:t>폭탄</a:t>
+            </a:r>
+            <a:r>
+              <a:rPr lang="en-US" altLang="ko-KR" sz="1800" dirty="0"/>
+              <a:t> </a:t>
+            </a:r>
+            <a:r>
+              <a:rPr lang="en-US" altLang="ko-KR" sz="1800" dirty="0" err="1"/>
+              <a:t>해체</a:t>
+            </a:r>
+            <a:r>
+              <a:rPr lang="en-US" altLang="ko-KR" sz="1800" dirty="0"/>
+              <a:t> </a:t>
+            </a:r>
+            <a:r>
+              <a:rPr lang="en-US" altLang="ko-KR" sz="1800" dirty="0" err="1"/>
+              <a:t>게임</a:t>
+            </a:r>
+            <a:endParaRPr lang="en-US" altLang="ko-KR" sz="1800" dirty="0"/>
+          </a:p>
+        </p:txBody>
+      </p:sp>
+      <p:pic>
+        <p:nvPicPr>
+          <p:cNvPr id="1026" name="Picture 2">
+            <a:extLst>
+              <a:ext uri="{FF2B5EF4-FFF2-40B4-BE49-F238E27FC236}">
+                <a16:creationId xmlns:a16="http://schemas.microsoft.com/office/drawing/2014/main" id="{8E24F803-61E2-45D8-97AB-29055FA42FC2}"/>
+              </a:ext>
+            </a:extLst>
+          </p:cNvPr>
+          <p:cNvPicPr>
+            <a:picLocks noChangeAspect="1" noChangeArrowheads="1"/>
+          </p:cNvPicPr>
           <p:nvPr/>
-        </p:nvSpPr>
-        <p:spPr>
-          <a:xfrm>
-            <a:off x="272715" y="0"/>
-            <a:ext cx="802105" cy="752713"/>
+        </p:nvPicPr>
+        <p:blipFill>
+          <a:blip r:embed="rId2">
+            <a:extLst>
+              <a:ext uri="{28A0092B-C50C-407E-A947-70E740481C1C}">
+                <a14:useLocalDpi xmlns:a14="http://schemas.microsoft.com/office/drawing/2010/main" val="0"/>
+              </a:ext>
+            </a:extLst>
+          </a:blip>
+          <a:srcRect/>
+          <a:stretch>
+            <a:fillRect/>
+          </a:stretch>
+        </p:blipFill>
+        <p:spPr bwMode="auto">
+          <a:xfrm>
+            <a:off x="4023360" y="612227"/>
+            <a:ext cx="7895925" cy="5633545"/>
           </a:xfrm>
           <a:prstGeom prst="rect">
             <a:avLst/>
           </a:prstGeom>
-          <a:ln>
-            <a:noFill/>
-          </a:ln>
-        </p:spPr>
-        <p:style>
-          <a:lnRef idx="2">
-            <a:schemeClr val="accent1">
-              <a:shade val="50000"/>
-            </a:schemeClr>
-          </a:lnRef>
-          <a:fillRef idx="1">
-            <a:schemeClr val="accent1"/>
-          </a:fillRef>
-          <a:effectRef idx="0">
-            <a:schemeClr val="accent1"/>
-          </a:effectRef>
-          <a:fontRef idx="minor">
-            <a:schemeClr val="lt1"/>
-          </a:fontRef>
-        </p:style>
-        <p:txBody>
-          <a:bodyPr rtlCol="0" anchor="ctr"/>
-          <a:lstStyle/>
-          <a:p>
-            <a:pPr algn="ctr"/>
-            <a:endParaRPr lang="ko-KR" altLang="en-US" dirty="0"/>
+          <a:noFill/>
+          <a:extLst>
+            <a:ext uri="{909E8E84-426E-40DD-AFC4-6F175D3DCCD1}">
+              <a14:hiddenFill xmlns:a14="http://schemas.microsoft.com/office/drawing/2010/main">
+                <a:solidFill>
+                  <a:srgbClr val="FFFFFF"/>
+                </a:solidFill>
+              </a14:hiddenFill>
+            </a:ext>
+          </a:extLst>
+        </p:spPr>
+      </p:pic>
+      <p:sp>
+        <p:nvSpPr>
+          <p:cNvPr id="5" name="TextBox 4">
+            <a:extLst>
+              <a:ext uri="{FF2B5EF4-FFF2-40B4-BE49-F238E27FC236}">
+                <a16:creationId xmlns:a16="http://schemas.microsoft.com/office/drawing/2014/main" id="{DBD953C1-A327-81B5-E162-1521C15B2F6A}"/>
+              </a:ext>
+            </a:extLst>
+          </p:cNvPr>
+          <p:cNvSpPr txBox="1"/>
+          <p:nvPr/>
+        </p:nvSpPr>
+        <p:spPr>
+          <a:xfrm>
+            <a:off x="272715" y="1012874"/>
+            <a:ext cx="4003863" cy="1754326"/>
+          </a:xfrm>
+          <a:prstGeom prst="rect">
+            <a:avLst/>
+          </a:prstGeom>
+          <a:noFill/>
+        </p:spPr>
+        <p:txBody>
+          <a:bodyPr wrap="square" rtlCol="0">
+            <a:spAutoFit/>
+          </a:bodyPr>
+          <a:lstStyle/>
+          <a:p>
+            <a:pPr marL="0" indent="0">
+              <a:buNone/>
+            </a:pPr>
+            <a:r>
+              <a:rPr lang="ko-KR" altLang="en-US" dirty="0"/>
+              <a:t>게임 매뉴얼과 미니 게임을 통해</a:t>
+            </a:r>
+            <a:endParaRPr lang="en-US" altLang="ko-KR" dirty="0"/>
+          </a:p>
+          <a:p>
+            <a:pPr marL="0" indent="0">
+              <a:buNone/>
+            </a:pPr>
+            <a:r>
+              <a:rPr lang="ko-KR" altLang="en-US" dirty="0"/>
+              <a:t>폭탄을 해체 하는 게임</a:t>
+            </a:r>
+            <a:endParaRPr lang="en-US" altLang="ko-KR" dirty="0"/>
+          </a:p>
+          <a:p>
+            <a:pPr marL="0" indent="0">
+              <a:buNone/>
+            </a:pPr>
+            <a:r>
+              <a:rPr lang="ko-KR" altLang="en-US" dirty="0"/>
+              <a:t>* </a:t>
+            </a:r>
+            <a:r>
+              <a:rPr lang="en-US" altLang="ko-KR" dirty="0"/>
+              <a:t>3</a:t>
+            </a:r>
+            <a:r>
+              <a:rPr lang="ko-KR" altLang="en-US" dirty="0"/>
+              <a:t>개의 미니 게임</a:t>
+            </a:r>
+            <a:endParaRPr lang="en-US" altLang="ko-KR" dirty="0"/>
+          </a:p>
+          <a:p>
+            <a:pPr marL="0" indent="0">
+              <a:buNone/>
+            </a:pPr>
+            <a:r>
+              <a:rPr lang="en-US" altLang="ko-KR" dirty="0"/>
+              <a:t>	- </a:t>
+            </a:r>
+            <a:r>
+              <a:rPr lang="ko-KR" altLang="en-US" dirty="0"/>
+              <a:t>첫 번째 게임 </a:t>
+            </a:r>
+            <a:r>
+              <a:rPr lang="en-US" altLang="ko-KR" dirty="0"/>
+              <a:t>: </a:t>
+            </a:r>
+            <a:r>
+              <a:rPr lang="ko-KR" altLang="en-US" dirty="0"/>
+              <a:t>문양 해석</a:t>
+            </a:r>
+            <a:endParaRPr lang="en-US" altLang="ko-KR" dirty="0"/>
+          </a:p>
+          <a:p>
+            <a:pPr marL="0" indent="0">
+              <a:buNone/>
+            </a:pPr>
+            <a:r>
+              <a:rPr lang="en-US" altLang="ko-KR" dirty="0"/>
+              <a:t>	- </a:t>
+            </a:r>
+            <a:r>
+              <a:rPr lang="ko-KR" altLang="en-US" dirty="0"/>
+              <a:t>두 번째 게임 </a:t>
+            </a:r>
+            <a:r>
+              <a:rPr lang="en-US" altLang="ko-KR" dirty="0"/>
+              <a:t>: </a:t>
+            </a:r>
+            <a:r>
+              <a:rPr lang="ko-KR" altLang="en-US" dirty="0"/>
+              <a:t>미로 찾기</a:t>
+            </a:r>
+            <a:endParaRPr lang="en-US" altLang="ko-KR" dirty="0"/>
+          </a:p>
+          <a:p>
+            <a:pPr marL="0" indent="0">
+              <a:buNone/>
+            </a:pPr>
+            <a:r>
+              <a:rPr lang="en-US" altLang="ko-KR" dirty="0"/>
+              <a:t>	- </a:t>
+            </a:r>
+            <a:r>
+              <a:rPr lang="ko-KR" altLang="en-US" dirty="0"/>
+              <a:t>세 번째 게임 </a:t>
+            </a:r>
+            <a:r>
+              <a:rPr lang="en-US" altLang="ko-KR" dirty="0"/>
+              <a:t>: </a:t>
+            </a:r>
+            <a:r>
+              <a:rPr lang="ko-KR" altLang="en-US" dirty="0"/>
+              <a:t>선 긋기</a:t>
+            </a:r>
+            <a:endParaRPr kumimoji="1" lang="ko-KR" altLang="en-US" dirty="0"/>
+          </a:p>
+        </p:txBody>
+      </p:sp>
+      <p:sp>
+        <p:nvSpPr>
+          <p:cNvPr id="6" name="TextBox 5">
+            <a:extLst>
+              <a:ext uri="{FF2B5EF4-FFF2-40B4-BE49-F238E27FC236}">
+                <a16:creationId xmlns:a16="http://schemas.microsoft.com/office/drawing/2014/main" id="{495D2CB0-C66D-CAD4-3B8C-3EE882D00164}"/>
+              </a:ext>
+            </a:extLst>
+          </p:cNvPr>
+          <p:cNvSpPr txBox="1"/>
+          <p:nvPr/>
+        </p:nvSpPr>
+        <p:spPr>
+          <a:xfrm>
+            <a:off x="4797082" y="6245772"/>
+            <a:ext cx="4712677" cy="369332"/>
+          </a:xfrm>
+          <a:prstGeom prst="rect">
+            <a:avLst/>
+          </a:prstGeom>
+          <a:noFill/>
+        </p:spPr>
+        <p:txBody>
+          <a:bodyPr wrap="square" rtlCol="0">
+            <a:spAutoFit/>
+          </a:bodyPr>
+          <a:lstStyle/>
+          <a:p>
+            <a:r>
+              <a:rPr kumimoji="1" lang="ko-KR" altLang="en-US" dirty="0"/>
+              <a:t>출처 </a:t>
+            </a:r>
+            <a:r>
+              <a:rPr kumimoji="1" lang="en-US" altLang="ko-KR" dirty="0"/>
+              <a:t>:</a:t>
+            </a:r>
+            <a:r>
+              <a:rPr kumimoji="1" lang="ko-KR" altLang="en-US" dirty="0"/>
+              <a:t> </a:t>
+            </a:r>
+            <a:r>
+              <a:rPr kumimoji="1" lang="en-US" altLang="ko-KR" dirty="0"/>
+              <a:t>https://</a:t>
+            </a:r>
+            <a:r>
+              <a:rPr kumimoji="1" lang="en-US" altLang="ko-KR" dirty="0" err="1"/>
+              <a:t>takethat.tistory.com</a:t>
+            </a:r>
+            <a:r>
+              <a:rPr kumimoji="1" lang="en-US" altLang="ko-KR" dirty="0"/>
+              <a:t>/30</a:t>
+            </a:r>
+            <a:endParaRPr kumimoji="1" lang="ko-KR" altLang="en-US" dirty="0"/>
           </a:p>
         </p:txBody>
       </p:sp>
     </p:spTree>
     <p:extLst>
       <p:ext uri="{BB962C8B-B14F-4D97-AF65-F5344CB8AC3E}">
-        <p14:creationId xmlns:p14="http://schemas.microsoft.com/office/powerpoint/2010/main" val="2430020623"/>
+        <p14:creationId xmlns:p14="http://schemas.microsoft.com/office/powerpoint/2010/main" val="3927342235"/>
       </p:ext>
     </p:extLst>
   </p:cSld>
@@ -5599,7 +7175,7 @@
         <p:spPr>
           <a:xfrm>
             <a:off x="1176688" y="137160"/>
-            <a:ext cx="529312" cy="246221"/>
+            <a:ext cx="494046" cy="246221"/>
           </a:xfrm>
           <a:prstGeom prst="rect">
             <a:avLst/>
@@ -5621,7 +7197,7 @@
                   </a:schemeClr>
                 </a:solidFill>
               </a:rPr>
-              <a:t>Part 3</a:t>
+              <a:t>Part 2</a:t>
             </a:r>
             <a:endParaRPr lang="ko-KR" altLang="en-US" sz="1000" dirty="0">
               <a:solidFill>
@@ -5649,7 +7225,7 @@
         <p:spPr>
           <a:xfrm>
             <a:off x="1176688" y="383381"/>
-            <a:ext cx="1622560" cy="369332"/>
+            <a:ext cx="1983235" cy="369332"/>
           </a:xfrm>
           <a:prstGeom prst="rect">
             <a:avLst/>
@@ -5671,7 +7247,7 @@
                   </a:schemeClr>
                 </a:solidFill>
               </a:rPr>
-              <a:t>팀 프로젝트</a:t>
+              <a:t>폭탄 해체 게임</a:t>
             </a:r>
           </a:p>
         </p:txBody>
@@ -5922,8 +7498,8 @@
         </p:nvSpPr>
         <p:spPr>
           <a:xfrm>
-            <a:off x="1233521" y="1645874"/>
-            <a:ext cx="1837362" cy="338554"/>
+            <a:off x="924269" y="1246056"/>
+            <a:ext cx="2146613" cy="892552"/>
           </a:xfrm>
           <a:prstGeom prst="rect">
             <a:avLst/>
@@ -5937,9 +7513,40 @@
           <a:lstStyle/>
           <a:p>
             <a:r>
+              <a:rPr lang="ko-KR" altLang="en-US" sz="2000" dirty="0"/>
+              <a:t>문양해석게임 </a:t>
+            </a:r>
+            <a:endParaRPr lang="en-US" altLang="ko-KR" sz="2000" dirty="0"/>
+          </a:p>
+          <a:p>
+            <a:r>
+              <a:rPr lang="en-US" altLang="ko-KR" sz="1600" dirty="0" err="1"/>
+              <a:t>DotMatrix</a:t>
+            </a:r>
+            <a:r>
+              <a:rPr lang="en-US" altLang="ko-KR" sz="1600" dirty="0"/>
+              <a:t> : </a:t>
+            </a:r>
+            <a:r>
               <a:rPr lang="ko-KR" altLang="en-US" sz="1600" dirty="0"/>
-              <a:t>텍스트를 입력하세요</a:t>
-            </a:r>
+              <a:t>문양표현</a:t>
+            </a:r>
+            <a:endParaRPr lang="en-US" altLang="ko-KR" sz="1600" dirty="0"/>
+          </a:p>
+          <a:p>
+            <a:r>
+              <a:rPr lang="en-US" altLang="ko-KR" sz="1600" dirty="0" err="1"/>
+              <a:t>TactSwithch</a:t>
+            </a:r>
+            <a:r>
+              <a:rPr lang="en-US" altLang="ko-KR" sz="1600" dirty="0"/>
+              <a:t> : </a:t>
+            </a:r>
+            <a:r>
+              <a:rPr lang="ko-KR" altLang="en-US" sz="1600" dirty="0"/>
+              <a:t>문양선택</a:t>
+            </a:r>
+            <a:endParaRPr lang="en-US" altLang="ko-KR" sz="1600" dirty="0"/>
           </a:p>
         </p:txBody>
       </p:sp>
@@ -5957,8 +7564,8 @@
         </p:nvSpPr>
         <p:spPr>
           <a:xfrm>
-            <a:off x="9189222" y="1633957"/>
-            <a:ext cx="1837362" cy="338554"/>
+            <a:off x="9188950" y="1246056"/>
+            <a:ext cx="2146613" cy="892552"/>
           </a:xfrm>
           <a:prstGeom prst="rect">
             <a:avLst/>
@@ -5972,9 +7579,40 @@
           <a:lstStyle/>
           <a:p>
             <a:r>
+              <a:rPr lang="ko-KR" altLang="en-US" sz="2000" dirty="0"/>
+              <a:t>미로 찾기 게임</a:t>
+            </a:r>
+            <a:endParaRPr lang="en-US" altLang="ko-KR" sz="2000" dirty="0"/>
+          </a:p>
+          <a:p>
+            <a:r>
+              <a:rPr lang="en-US" altLang="ko-KR" sz="1600" dirty="0" err="1"/>
+              <a:t>DotMatrix</a:t>
+            </a:r>
+            <a:r>
+              <a:rPr lang="en-US" altLang="ko-KR" sz="1600" dirty="0"/>
+              <a:t> :</a:t>
+            </a:r>
+            <a:r>
               <a:rPr lang="ko-KR" altLang="en-US" sz="1600" dirty="0"/>
-              <a:t>텍스트를 입력하세요</a:t>
-            </a:r>
+              <a:t> 미로표현</a:t>
+            </a:r>
+            <a:endParaRPr lang="en-US" altLang="ko-KR" sz="1600" dirty="0"/>
+          </a:p>
+          <a:p>
+            <a:r>
+              <a:rPr lang="en-US" altLang="ko-KR" sz="1600" dirty="0" err="1"/>
+              <a:t>TactSwithch</a:t>
+            </a:r>
+            <a:r>
+              <a:rPr lang="en-US" altLang="ko-KR" sz="1600" dirty="0"/>
+              <a:t> : </a:t>
+            </a:r>
+            <a:r>
+              <a:rPr lang="ko-KR" altLang="en-US" sz="1600" dirty="0"/>
+              <a:t>경로선택</a:t>
+            </a:r>
+            <a:endParaRPr lang="en-US" altLang="ko-KR" sz="1600" dirty="0"/>
           </a:p>
         </p:txBody>
       </p:sp>
@@ -5992,8 +7630,8 @@
         </p:nvSpPr>
         <p:spPr>
           <a:xfrm>
-            <a:off x="1233521" y="5830954"/>
-            <a:ext cx="1837362" cy="338554"/>
+            <a:off x="924269" y="5799984"/>
+            <a:ext cx="1970411" cy="892552"/>
           </a:xfrm>
           <a:prstGeom prst="rect">
             <a:avLst/>
@@ -6007,18 +7645,56 @@
           <a:lstStyle/>
           <a:p>
             <a:r>
+              <a:rPr lang="ko-KR" altLang="en-US" sz="2000" dirty="0"/>
+              <a:t>선 끊기 게임</a:t>
+            </a:r>
+            <a:endParaRPr lang="en-US" altLang="ko-KR" sz="2000" dirty="0"/>
+          </a:p>
+          <a:p>
+            <a:r>
+              <a:rPr lang="en-US" altLang="ko-KR" sz="1600" dirty="0"/>
+              <a:t>LED : </a:t>
+            </a:r>
+            <a:r>
               <a:rPr lang="ko-KR" altLang="en-US" sz="1600" dirty="0"/>
-              <a:t>텍스트를 입력하세요</a:t>
-            </a:r>
-          </a:p>
-        </p:txBody>
-      </p:sp>
-      <p:sp>
-        <p:nvSpPr>
-          <p:cNvPr id="13" name="TextBox 12">
-            <a:extLst>
-              <a:ext uri="{FF2B5EF4-FFF2-40B4-BE49-F238E27FC236}">
-                <a16:creationId xmlns:a16="http://schemas.microsoft.com/office/drawing/2014/main" id="{483AAD8A-52DF-7F4B-15C6-5710CA53FC30}"/>
+              <a:t>선과 색상 표현</a:t>
+            </a:r>
+            <a:endParaRPr lang="en-US" altLang="ko-KR" sz="1600" dirty="0"/>
+          </a:p>
+          <a:p>
+            <a:r>
+              <a:rPr lang="en-US" altLang="ko-KR" sz="1600" dirty="0"/>
+              <a:t>Dip</a:t>
+            </a:r>
+            <a:r>
+              <a:rPr lang="ko-KR" altLang="en-US" sz="1600" dirty="0"/>
+              <a:t> </a:t>
+            </a:r>
+            <a:r>
+              <a:rPr lang="en-US" altLang="ko-KR" sz="1600" dirty="0"/>
+              <a:t>Switch</a:t>
+            </a:r>
+            <a:r>
+              <a:rPr lang="ko-KR" altLang="en-US" sz="1600" dirty="0"/>
+              <a:t> </a:t>
+            </a:r>
+            <a:r>
+              <a:rPr lang="en-US" altLang="ko-KR" sz="1600" dirty="0"/>
+              <a:t>:</a:t>
+            </a:r>
+            <a:r>
+              <a:rPr lang="ko-KR" altLang="en-US" sz="1600" dirty="0"/>
+              <a:t> 선 끊기</a:t>
+            </a:r>
+          </a:p>
+        </p:txBody>
+      </p:sp>
+      <p:sp>
+        <p:nvSpPr>
+          <p:cNvPr id="33" name="TextBox 32">
+            <a:extLst>
+              <a:ext uri="{FF2B5EF4-FFF2-40B4-BE49-F238E27FC236}">
+                <a16:creationId xmlns:a16="http://schemas.microsoft.com/office/drawing/2014/main" id="{BA065F87-CA45-B77A-B35D-399225EE9881}"/>
               </a:ext>
             </a:extLst>
           </p:cNvPr>
@@ -6027,8 +7703,8 @@
         </p:nvSpPr>
         <p:spPr>
           <a:xfrm>
-            <a:off x="9189222" y="5819037"/>
-            <a:ext cx="1837362" cy="338554"/>
+            <a:off x="4349368" y="3547235"/>
+            <a:ext cx="3493264" cy="707886"/>
           </a:xfrm>
           <a:prstGeom prst="rect">
             <a:avLst/>
@@ -6041,19 +7717,63 @@
           </a:bodyPr>
           <a:lstStyle/>
           <a:p>
-            <a:r>
-              <a:rPr lang="ko-KR" altLang="en-US" sz="1600" dirty="0"/>
-              <a:t>텍스트를 입력하세요</a:t>
-            </a:r>
-          </a:p>
-        </p:txBody>
-      </p:sp>
-      <p:sp>
-        <p:nvSpPr>
-          <p:cNvPr id="33" name="TextBox 32">
-            <a:extLst>
-              <a:ext uri="{FF2B5EF4-FFF2-40B4-BE49-F238E27FC236}">
-                <a16:creationId xmlns:a16="http://schemas.microsoft.com/office/drawing/2014/main" id="{BA065F87-CA45-B77A-B35D-399225EE9881}"/>
+            <a:pPr lvl="0">
+              <a:defRPr/>
+            </a:pPr>
+            <a:r>
+              <a:rPr lang="en-US" altLang="ko-KR" sz="4000" dirty="0" err="1">
+                <a:solidFill>
+                  <a:schemeClr val="bg1"/>
+                </a:solidFill>
+              </a:rPr>
+              <a:t>폭탄</a:t>
+            </a:r>
+            <a:r>
+              <a:rPr lang="en-US" altLang="ko-KR" sz="4000" dirty="0">
+                <a:solidFill>
+                  <a:schemeClr val="bg1"/>
+                </a:solidFill>
+              </a:rPr>
+              <a:t> </a:t>
+            </a:r>
+            <a:r>
+              <a:rPr lang="en-US" altLang="ko-KR" sz="4000" dirty="0" err="1">
+                <a:solidFill>
+                  <a:schemeClr val="bg1"/>
+                </a:solidFill>
+              </a:rPr>
+              <a:t>해체</a:t>
+            </a:r>
+            <a:r>
+              <a:rPr lang="en-US" altLang="ko-KR" sz="4000" dirty="0">
+                <a:solidFill>
+                  <a:schemeClr val="bg1"/>
+                </a:solidFill>
+              </a:rPr>
+              <a:t> </a:t>
+            </a:r>
+            <a:r>
+              <a:rPr lang="en-US" altLang="ko-KR" sz="4000" dirty="0" err="1">
+                <a:solidFill>
+                  <a:schemeClr val="bg1"/>
+                </a:solidFill>
+              </a:rPr>
+              <a:t>게임</a:t>
+            </a:r>
+            <a:endParaRPr lang="en-US" altLang="ko-KR" sz="4000" dirty="0">
+              <a:solidFill>
+                <a:schemeClr val="bg1"/>
+              </a:solidFill>
+            </a:endParaRPr>
+          </a:p>
+        </p:txBody>
+      </p:sp>
+      <p:sp>
+        <p:nvSpPr>
+          <p:cNvPr id="15" name="TextBox 14">
+            <a:extLst>
+              <a:ext uri="{FF2B5EF4-FFF2-40B4-BE49-F238E27FC236}">
+                <a16:creationId xmlns:a16="http://schemas.microsoft.com/office/drawing/2014/main" id="{6EDA8C35-FB6D-EC74-D98C-6C3A0DF27B42}"/>
               </a:ext>
             </a:extLst>
           </p:cNvPr>
@@ -6062,8 +7782,8 @@
         </p:nvSpPr>
         <p:spPr>
           <a:xfrm>
-            <a:off x="5056292" y="3463152"/>
-            <a:ext cx="2079415" cy="707886"/>
+            <a:off x="9024273" y="5653150"/>
+            <a:ext cx="2830647" cy="892552"/>
           </a:xfrm>
           <a:prstGeom prst="rect">
             <a:avLst/>
@@ -6076,14 +7796,39 @@
           </a:bodyPr>
           <a:lstStyle/>
           <a:p>
-            <a:pPr algn="ctr"/>
-            <a:r>
-              <a:rPr lang="ko-KR" altLang="en-US" sz="4000" b="1" dirty="0">
-                <a:solidFill>
-                  <a:schemeClr val="bg1"/>
-                </a:solidFill>
-              </a:rPr>
-              <a:t>핵심 개념</a:t>
+            <a:r>
+              <a:rPr kumimoji="1" lang="ko-KR" altLang="en-US" sz="2000" dirty="0"/>
+              <a:t>기타</a:t>
+            </a:r>
+            <a:endParaRPr kumimoji="1" lang="en-US" altLang="ko-KR" sz="2000" dirty="0"/>
+          </a:p>
+          <a:p>
+            <a:r>
+              <a:rPr kumimoji="1" lang="en-US" altLang="ko-KR" sz="1600" dirty="0"/>
+              <a:t>Character LCD</a:t>
+            </a:r>
+            <a:r>
+              <a:rPr kumimoji="1" lang="ko-KR" altLang="en-US" sz="1600" dirty="0"/>
+              <a:t> </a:t>
+            </a:r>
+            <a:r>
+              <a:rPr kumimoji="1" lang="en-US" altLang="ko-KR" sz="1600" dirty="0"/>
+              <a:t>:</a:t>
+            </a:r>
+            <a:r>
+              <a:rPr kumimoji="1" lang="ko-KR" altLang="en-US" sz="1600" dirty="0"/>
+              <a:t> 게임 진행 상황</a:t>
+            </a:r>
+            <a:endParaRPr kumimoji="1" lang="en-US" altLang="ko-KR" sz="1600" dirty="0"/>
+          </a:p>
+          <a:p>
+            <a:r>
+              <a:rPr kumimoji="1" lang="en-US" altLang="ko-KR" sz="1600" dirty="0"/>
+              <a:t>7-SegmentLED : </a:t>
+            </a:r>
+            <a:r>
+              <a:rPr kumimoji="1" lang="ko-KR" altLang="en-US" sz="1600" dirty="0"/>
+              <a:t>제한 시간</a:t>
             </a:r>
           </a:p>
         </p:txBody>
@@ -6104,6 +7849,14 @@
 <file path=ppt/slides/slide7.xml><?xml version="1.0" encoding="utf-8"?>
 <p:sld xmlns:a="http://schemas.openxmlformats.org/drawingml/2006/main" xmlns:r="http://schemas.openxmlformats.org/officeDocument/2006/relationships" xmlns:p="http://schemas.openxmlformats.org/presentationml/2006/main">
   <p:cSld>
+    <p:bg>
+      <p:bgPr>
+        <a:solidFill>
+          <a:schemeClr val="accent4"/>
+        </a:solidFill>
+        <a:effectLst/>
+      </p:bgPr>
+    </p:bg>
     <p:spTree>
       <p:nvGrpSpPr>
         <p:cNvPr id="1" name=""/>
@@ -6120,10 +7873,10 @@
       </p:grpSpPr>
       <p:sp>
         <p:nvSpPr>
-          <p:cNvPr id="2" name="직사각형 1">
-            <a:extLst>
-              <a:ext uri="{FF2B5EF4-FFF2-40B4-BE49-F238E27FC236}">
-                <a16:creationId xmlns:a16="http://schemas.microsoft.com/office/drawing/2014/main" id="{86CB7179-2CED-698E-7489-BBBF08E1F63C}"/>
+          <p:cNvPr id="2" name="타원 1">
+            <a:extLst>
+              <a:ext uri="{FF2B5EF4-FFF2-40B4-BE49-F238E27FC236}">
+                <a16:creationId xmlns:a16="http://schemas.microsoft.com/office/drawing/2014/main" id="{8230581F-3CDD-6E21-9F5D-B1DA168E7A8F}"/>
               </a:ext>
             </a:extLst>
           </p:cNvPr>
@@ -6132,12 +7885,18 @@
         </p:nvSpPr>
         <p:spPr>
           <a:xfrm>
-            <a:off x="272715" y="0"/>
-            <a:ext cx="802105" cy="752713"/>
-          </a:xfrm>
-          <a:prstGeom prst="rect">
+            <a:off x="1045410" y="1329072"/>
+            <a:ext cx="4126831" cy="4126831"/>
+          </a:xfrm>
+          <a:prstGeom prst="ellipse">
             <a:avLst/>
           </a:prstGeom>
+          <a:solidFill>
+            <a:schemeClr val="accent4">
+              <a:lumMod val="20000"/>
+              <a:lumOff val="80000"/>
+            </a:schemeClr>
+          </a:solidFill>
           <a:ln>
             <a:noFill/>
           </a:ln>
@@ -6163,16 +7922,120 @@
           <a:lstStyle/>
           <a:p>
             <a:pPr algn="ctr"/>
-            <a:endParaRPr lang="ko-KR" altLang="en-US" dirty="0"/>
-          </a:p>
-        </p:txBody>
-      </p:sp>
-      <p:sp>
-        <p:nvSpPr>
-          <p:cNvPr id="3" name="TextBox 2">
-            <a:extLst>
-              <a:ext uri="{FF2B5EF4-FFF2-40B4-BE49-F238E27FC236}">
-                <a16:creationId xmlns:a16="http://schemas.microsoft.com/office/drawing/2014/main" id="{68A721A3-5D9B-A549-DF5D-D0547EE5B424}"/>
+            <a:endParaRPr lang="ko-KR" altLang="en-US" sz="1600"/>
+          </a:p>
+        </p:txBody>
+      </p:sp>
+      <p:sp>
+        <p:nvSpPr>
+          <p:cNvPr id="3" name="타원 2">
+            <a:extLst>
+              <a:ext uri="{FF2B5EF4-FFF2-40B4-BE49-F238E27FC236}">
+                <a16:creationId xmlns:a16="http://schemas.microsoft.com/office/drawing/2014/main" id="{115D6B55-8ED9-099D-24FC-B0D7DD4CB292}"/>
+              </a:ext>
+            </a:extLst>
+          </p:cNvPr>
+          <p:cNvSpPr/>
+          <p:nvPr/>
+        </p:nvSpPr>
+        <p:spPr>
+          <a:xfrm>
+            <a:off x="7045161" y="1329071"/>
+            <a:ext cx="4126831" cy="4126831"/>
+          </a:xfrm>
+          <a:prstGeom prst="ellipse">
+            <a:avLst/>
+          </a:prstGeom>
+          <a:solidFill>
+            <a:srgbClr val="F9EAE7"/>
+          </a:solidFill>
+          <a:ln>
+            <a:noFill/>
+          </a:ln>
+        </p:spPr>
+        <p:style>
+          <a:lnRef idx="2">
+            <a:schemeClr val="accent1">
+              <a:shade val="50000"/>
+            </a:schemeClr>
+          </a:lnRef>
+          <a:fillRef idx="1">
+            <a:schemeClr val="accent1"/>
+          </a:fillRef>
+          <a:effectRef idx="0">
+            <a:schemeClr val="accent1"/>
+          </a:effectRef>
+          <a:fontRef idx="minor">
+            <a:schemeClr val="lt1"/>
+          </a:fontRef>
+        </p:style>
+        <p:txBody>
+          <a:bodyPr rtlCol="0" anchor="ctr"/>
+          <a:lstStyle/>
+          <a:p>
+            <a:pPr algn="ctr"/>
+            <a:endParaRPr lang="ko-KR" altLang="en-US" sz="1600"/>
+          </a:p>
+        </p:txBody>
+      </p:sp>
+      <p:sp>
+        <p:nvSpPr>
+          <p:cNvPr id="4" name="타원 3">
+            <a:extLst>
+              <a:ext uri="{FF2B5EF4-FFF2-40B4-BE49-F238E27FC236}">
+                <a16:creationId xmlns:a16="http://schemas.microsoft.com/office/drawing/2014/main" id="{9EEBD930-01AE-D34D-DBE5-B8F915EE3129}"/>
+              </a:ext>
+            </a:extLst>
+          </p:cNvPr>
+          <p:cNvSpPr/>
+          <p:nvPr/>
+        </p:nvSpPr>
+        <p:spPr>
+          <a:xfrm>
+            <a:off x="4045284" y="1329073"/>
+            <a:ext cx="4126831" cy="4126831"/>
+          </a:xfrm>
+          <a:prstGeom prst="ellipse">
+            <a:avLst/>
+          </a:prstGeom>
+          <a:solidFill>
+            <a:schemeClr val="accent2"/>
+          </a:solidFill>
+          <a:ln>
+            <a:noFill/>
+          </a:ln>
+        </p:spPr>
+        <p:style>
+          <a:lnRef idx="2">
+            <a:schemeClr val="accent1">
+              <a:shade val="50000"/>
+            </a:schemeClr>
+          </a:lnRef>
+          <a:fillRef idx="1">
+            <a:schemeClr val="accent1"/>
+          </a:fillRef>
+          <a:effectRef idx="0">
+            <a:schemeClr val="accent1"/>
+          </a:effectRef>
+          <a:fontRef idx="minor">
+            <a:schemeClr val="lt1"/>
+          </a:fontRef>
+        </p:style>
+        <p:txBody>
+          <a:bodyPr rtlCol="0" anchor="ctr"/>
+          <a:lstStyle/>
+          <a:p>
+            <a:pPr algn="ctr"/>
+            <a:endParaRPr lang="ko-KR" altLang="en-US" sz="1600"/>
+          </a:p>
+        </p:txBody>
+      </p:sp>
+      <p:sp>
+        <p:nvSpPr>
+          <p:cNvPr id="5" name="TextBox 4">
+            <a:extLst>
+              <a:ext uri="{FF2B5EF4-FFF2-40B4-BE49-F238E27FC236}">
+                <a16:creationId xmlns:a16="http://schemas.microsoft.com/office/drawing/2014/main" id="{C2F6F31A-4580-7A3F-68B9-8EAD130E7818}"/>
               </a:ext>
             </a:extLst>
           </p:cNvPr>
@@ -6181,8 +8044,8 @@
         </p:nvSpPr>
         <p:spPr>
           <a:xfrm>
-            <a:off x="1176688" y="137160"/>
-            <a:ext cx="494046" cy="246221"/>
+            <a:off x="5184526" y="3166912"/>
+            <a:ext cx="1896481" cy="584775"/>
           </a:xfrm>
           <a:prstGeom prst="rect">
             <a:avLst/>
@@ -6195,6 +8058,354 @@
           </a:bodyPr>
           <a:lstStyle/>
           <a:p>
+            <a:pPr algn="ctr"/>
+            <a:r>
+              <a:rPr lang="ko-KR" altLang="en-US" sz="3200" dirty="0" err="1">
+                <a:solidFill>
+                  <a:schemeClr val="bg1"/>
+                </a:solidFill>
+              </a:rPr>
+              <a:t>Yacht</a:t>
+            </a:r>
+            <a:r>
+              <a:rPr lang="ko-KR" altLang="en-US" sz="3200" dirty="0">
+                <a:solidFill>
+                  <a:schemeClr val="bg1"/>
+                </a:solidFill>
+              </a:rPr>
+              <a:t> </a:t>
+            </a:r>
+            <a:r>
+              <a:rPr lang="ko-KR" altLang="en-US" sz="3200" dirty="0" err="1">
+                <a:solidFill>
+                  <a:schemeClr val="bg1"/>
+                </a:solidFill>
+              </a:rPr>
+              <a:t>Dic</a:t>
+            </a:r>
+            <a:r>
+              <a:rPr lang="en-US" altLang="ko-KR" sz="3200" dirty="0">
+                <a:solidFill>
+                  <a:schemeClr val="bg1"/>
+                </a:solidFill>
+              </a:rPr>
+              <a:t>e</a:t>
+            </a:r>
+            <a:endParaRPr lang="ko-KR" altLang="en-US" sz="3200" b="1" spc="-300" dirty="0">
+              <a:solidFill>
+                <a:schemeClr val="bg1"/>
+              </a:solidFill>
+            </a:endParaRPr>
+          </a:p>
+        </p:txBody>
+      </p:sp>
+      <p:sp>
+        <p:nvSpPr>
+          <p:cNvPr id="6" name="TextBox 5">
+            <a:extLst>
+              <a:ext uri="{FF2B5EF4-FFF2-40B4-BE49-F238E27FC236}">
+                <a16:creationId xmlns:a16="http://schemas.microsoft.com/office/drawing/2014/main" id="{137C90C2-6811-9B3C-230F-C9A3E5AEC812}"/>
+              </a:ext>
+            </a:extLst>
+          </p:cNvPr>
+          <p:cNvSpPr txBox="1"/>
+          <p:nvPr/>
+        </p:nvSpPr>
+        <p:spPr>
+          <a:xfrm>
+            <a:off x="1369847" y="3228467"/>
+            <a:ext cx="2408032" cy="461665"/>
+          </a:xfrm>
+          <a:prstGeom prst="rect">
+            <a:avLst/>
+          </a:prstGeom>
+          <a:noFill/>
+        </p:spPr>
+        <p:txBody>
+          <a:bodyPr wrap="none" rtlCol="0">
+            <a:spAutoFit/>
+          </a:bodyPr>
+          <a:lstStyle/>
+          <a:p>
+            <a:pPr lvl="0">
+              <a:defRPr/>
+            </a:pPr>
+            <a:r>
+              <a:rPr lang="en-US" altLang="ko-KR" sz="2400" dirty="0" err="1"/>
+              <a:t>가위바위보</a:t>
+            </a:r>
+            <a:r>
+              <a:rPr lang="en-US" altLang="ko-KR" sz="2400" dirty="0"/>
+              <a:t> </a:t>
+            </a:r>
+            <a:r>
+              <a:rPr lang="en-US" altLang="ko-KR" sz="2400" dirty="0" err="1"/>
+              <a:t>베팅</a:t>
+            </a:r>
+            <a:endParaRPr lang="en-US" altLang="ko-KR" sz="2400" dirty="0"/>
+          </a:p>
+        </p:txBody>
+      </p:sp>
+      <p:sp>
+        <p:nvSpPr>
+          <p:cNvPr id="7" name="TextBox 6">
+            <a:extLst>
+              <a:ext uri="{FF2B5EF4-FFF2-40B4-BE49-F238E27FC236}">
+                <a16:creationId xmlns:a16="http://schemas.microsoft.com/office/drawing/2014/main" id="{865448C5-AD5E-AF7C-293C-6754F8017E63}"/>
+              </a:ext>
+            </a:extLst>
+          </p:cNvPr>
+          <p:cNvSpPr txBox="1"/>
+          <p:nvPr/>
+        </p:nvSpPr>
+        <p:spPr>
+          <a:xfrm>
+            <a:off x="8838668" y="3191953"/>
+            <a:ext cx="2169184" cy="461665"/>
+          </a:xfrm>
+          <a:prstGeom prst="rect">
+            <a:avLst/>
+          </a:prstGeom>
+          <a:noFill/>
+        </p:spPr>
+        <p:txBody>
+          <a:bodyPr wrap="none" rtlCol="0">
+            <a:spAutoFit/>
+          </a:bodyPr>
+          <a:lstStyle/>
+          <a:p>
+            <a:pPr lvl="0">
+              <a:defRPr/>
+            </a:pPr>
+            <a:r>
+              <a:rPr lang="en-US" altLang="ko-KR" sz="2400" dirty="0" err="1"/>
+              <a:t>폭탄</a:t>
+            </a:r>
+            <a:r>
+              <a:rPr lang="en-US" altLang="ko-KR" sz="2400" dirty="0"/>
+              <a:t> </a:t>
+            </a:r>
+            <a:r>
+              <a:rPr lang="en-US" altLang="ko-KR" sz="2400" dirty="0" err="1"/>
+              <a:t>해체</a:t>
+            </a:r>
+            <a:r>
+              <a:rPr lang="en-US" altLang="ko-KR" sz="2400" dirty="0"/>
+              <a:t> </a:t>
+            </a:r>
+            <a:r>
+              <a:rPr lang="en-US" altLang="ko-KR" sz="2400" dirty="0" err="1"/>
+              <a:t>게임</a:t>
+            </a:r>
+            <a:endParaRPr lang="en-US" altLang="ko-KR" sz="2400" dirty="0"/>
+          </a:p>
+        </p:txBody>
+      </p:sp>
+      <p:sp>
+        <p:nvSpPr>
+          <p:cNvPr id="9" name="TextBox 8">
+            <a:extLst>
+              <a:ext uri="{FF2B5EF4-FFF2-40B4-BE49-F238E27FC236}">
+                <a16:creationId xmlns:a16="http://schemas.microsoft.com/office/drawing/2014/main" id="{A19D0CAB-BA51-8681-DD69-1E497C4CD916}"/>
+              </a:ext>
+            </a:extLst>
+          </p:cNvPr>
+          <p:cNvSpPr txBox="1"/>
+          <p:nvPr/>
+        </p:nvSpPr>
+        <p:spPr>
+          <a:xfrm>
+            <a:off x="1176688" y="144855"/>
+            <a:ext cx="1521699" cy="477054"/>
+          </a:xfrm>
+          <a:prstGeom prst="rect">
+            <a:avLst/>
+          </a:prstGeom>
+          <a:noFill/>
+        </p:spPr>
+        <p:txBody>
+          <a:bodyPr wrap="none" rtlCol="0">
+            <a:spAutoFit/>
+          </a:bodyPr>
+          <a:lstStyle/>
+          <a:p>
+            <a:pPr algn="ctr"/>
+            <a:r>
+              <a:rPr lang="ko-KR" altLang="en-US" sz="2500" dirty="0" err="1"/>
+              <a:t>Yacht</a:t>
+            </a:r>
+            <a:r>
+              <a:rPr lang="ko-KR" altLang="en-US" sz="2500" dirty="0"/>
+              <a:t> </a:t>
+            </a:r>
+            <a:r>
+              <a:rPr lang="ko-KR" altLang="en-US" sz="2500" dirty="0" err="1"/>
+              <a:t>Dic</a:t>
+            </a:r>
+            <a:r>
+              <a:rPr lang="en-US" altLang="ko-KR" sz="2500" dirty="0"/>
+              <a:t>e</a:t>
+            </a:r>
+            <a:endParaRPr lang="ko-KR" altLang="en-US" sz="2500" b="1" spc="-300" dirty="0"/>
+          </a:p>
+        </p:txBody>
+      </p:sp>
+      <p:sp>
+        <p:nvSpPr>
+          <p:cNvPr id="10" name="직사각형 9">
+            <a:extLst>
+              <a:ext uri="{FF2B5EF4-FFF2-40B4-BE49-F238E27FC236}">
+                <a16:creationId xmlns:a16="http://schemas.microsoft.com/office/drawing/2014/main" id="{644FF2BE-01DB-F0EB-D043-05F33023CBD7}"/>
+              </a:ext>
+            </a:extLst>
+          </p:cNvPr>
+          <p:cNvSpPr/>
+          <p:nvPr/>
+        </p:nvSpPr>
+        <p:spPr>
+          <a:xfrm>
+            <a:off x="272715" y="0"/>
+            <a:ext cx="802105" cy="752713"/>
+          </a:xfrm>
+          <a:prstGeom prst="rect">
+            <a:avLst/>
+          </a:prstGeom>
+          <a:ln>
+            <a:noFill/>
+          </a:ln>
+        </p:spPr>
+        <p:style>
+          <a:lnRef idx="2">
+            <a:schemeClr val="accent1">
+              <a:shade val="50000"/>
+            </a:schemeClr>
+          </a:lnRef>
+          <a:fillRef idx="1">
+            <a:schemeClr val="accent1"/>
+          </a:fillRef>
+          <a:effectRef idx="0">
+            <a:schemeClr val="accent1"/>
+          </a:effectRef>
+          <a:fontRef idx="minor">
+            <a:schemeClr val="lt1"/>
+          </a:fontRef>
+        </p:style>
+        <p:txBody>
+          <a:bodyPr rtlCol="0" anchor="ctr"/>
+          <a:lstStyle/>
+          <a:p>
+            <a:pPr algn="ctr"/>
+            <a:endParaRPr lang="ko-KR" altLang="en-US" dirty="0"/>
+          </a:p>
+        </p:txBody>
+      </p:sp>
+    </p:spTree>
+    <p:extLst>
+      <p:ext uri="{BB962C8B-B14F-4D97-AF65-F5344CB8AC3E}">
+        <p14:creationId xmlns:p14="http://schemas.microsoft.com/office/powerpoint/2010/main" val="2430020623"/>
+      </p:ext>
+    </p:extLst>
+  </p:cSld>
+  <p:clrMapOvr>
+    <a:masterClrMapping/>
+  </p:clrMapOvr>
+</p:sld>
+</file>
+
+<file path=ppt/slides/slide8.xml><?xml version="1.0" encoding="utf-8"?>
+<p:sld xmlns:a="http://schemas.openxmlformats.org/drawingml/2006/main" xmlns:r="http://schemas.openxmlformats.org/officeDocument/2006/relationships" xmlns:p="http://schemas.openxmlformats.org/presentationml/2006/main">
+  <p:cSld>
+    <p:spTree>
+      <p:nvGrpSpPr>
+        <p:cNvPr id="1" name=""/>
+        <p:cNvGrpSpPr/>
+        <p:nvPr/>
+      </p:nvGrpSpPr>
+      <p:grpSpPr>
+        <a:xfrm>
+          <a:off x="0" y="0"/>
+          <a:ext cx="0" cy="0"/>
+          <a:chOff x="0" y="0"/>
+          <a:chExt cx="0" cy="0"/>
+        </a:xfrm>
+      </p:grpSpPr>
+      <p:sp>
+        <p:nvSpPr>
+          <p:cNvPr id="2" name="직사각형 1">
+            <a:extLst>
+              <a:ext uri="{FF2B5EF4-FFF2-40B4-BE49-F238E27FC236}">
+                <a16:creationId xmlns:a16="http://schemas.microsoft.com/office/drawing/2014/main" id="{86CB7179-2CED-698E-7489-BBBF08E1F63C}"/>
+              </a:ext>
+            </a:extLst>
+          </p:cNvPr>
+          <p:cNvSpPr/>
+          <p:nvPr/>
+        </p:nvSpPr>
+        <p:spPr>
+          <a:xfrm>
+            <a:off x="272715" y="0"/>
+            <a:ext cx="802105" cy="752713"/>
+          </a:xfrm>
+          <a:prstGeom prst="rect">
+            <a:avLst/>
+          </a:prstGeom>
+          <a:ln>
+            <a:noFill/>
+          </a:ln>
+        </p:spPr>
+        <p:style>
+          <a:lnRef idx="2">
+            <a:schemeClr val="accent1">
+              <a:shade val="50000"/>
+            </a:schemeClr>
+          </a:lnRef>
+          <a:fillRef idx="1">
+            <a:schemeClr val="accent1"/>
+          </a:fillRef>
+          <a:effectRef idx="0">
+            <a:schemeClr val="accent1"/>
+          </a:effectRef>
+          <a:fontRef idx="minor">
+            <a:schemeClr val="lt1"/>
+          </a:fontRef>
+        </p:style>
+        <p:txBody>
+          <a:bodyPr rtlCol="0" anchor="ctr"/>
+          <a:lstStyle/>
+          <a:p>
+            <a:pPr algn="ctr"/>
+            <a:endParaRPr lang="ko-KR" altLang="en-US" dirty="0"/>
+          </a:p>
+        </p:txBody>
+      </p:sp>
+      <p:sp>
+        <p:nvSpPr>
+          <p:cNvPr id="3" name="TextBox 2">
+            <a:extLst>
+              <a:ext uri="{FF2B5EF4-FFF2-40B4-BE49-F238E27FC236}">
+                <a16:creationId xmlns:a16="http://schemas.microsoft.com/office/drawing/2014/main" id="{68A721A3-5D9B-A549-DF5D-D0547EE5B424}"/>
+              </a:ext>
+            </a:extLst>
+          </p:cNvPr>
+          <p:cNvSpPr txBox="1"/>
+          <p:nvPr/>
+        </p:nvSpPr>
+        <p:spPr>
+          <a:xfrm>
+            <a:off x="1176688" y="137160"/>
+            <a:ext cx="494046" cy="246221"/>
+          </a:xfrm>
+          <a:prstGeom prst="rect">
+            <a:avLst/>
+          </a:prstGeom>
+          <a:noFill/>
+        </p:spPr>
+        <p:txBody>
+          <a:bodyPr wrap="none" rtlCol="0">
+            <a:spAutoFit/>
+          </a:bodyPr>
+          <a:lstStyle/>
+          <a:p>
             <a:r>
               <a:rPr lang="en-US" altLang="ko-KR" sz="1000" dirty="0">
                 <a:solidFill>
@@ -6204,7 +8415,7 @@
                   </a:schemeClr>
                 </a:solidFill>
               </a:rPr>
-              <a:t>Part 3</a:t>
+              <a:t>Part 1</a:t>
             </a:r>
             <a:endParaRPr lang="ko-KR" altLang="en-US" sz="1000" dirty="0">
               <a:solidFill>
@@ -6231,8 +8442,8 @@
         </p:nvSpPr>
         <p:spPr>
           <a:xfrm>
-            <a:off x="1176688" y="383381"/>
-            <a:ext cx="1622560" cy="369332"/>
+            <a:off x="1176688" y="376356"/>
+            <a:ext cx="1148455" cy="369332"/>
           </a:xfrm>
           <a:prstGeom prst="rect">
             <a:avLst/>
@@ -6245,8 +8456,1094 @@
           </a:bodyPr>
           <a:lstStyle/>
           <a:p>
-            <a:r>
-              <a:rPr lang="ko-KR" altLang="en-US" spc="300" dirty="0">
+            <a:pPr algn="ctr"/>
+            <a:r>
+              <a:rPr lang="ko-KR" altLang="en-US" sz="1800" dirty="0" err="1"/>
+              <a:t>Yacht</a:t>
+            </a:r>
+            <a:r>
+              <a:rPr lang="ko-KR" altLang="en-US" sz="1800" dirty="0"/>
+              <a:t> </a:t>
+            </a:r>
+            <a:r>
+              <a:rPr lang="ko-KR" altLang="en-US" sz="1800" dirty="0" err="1"/>
+              <a:t>Dic</a:t>
+            </a:r>
+            <a:r>
+              <a:rPr lang="en-US" altLang="ko-KR" sz="1800" dirty="0"/>
+              <a:t>e</a:t>
+            </a:r>
+            <a:endParaRPr lang="ko-KR" altLang="en-US" sz="1800" b="1" spc="-300" dirty="0"/>
+          </a:p>
+        </p:txBody>
+      </p:sp>
+      <p:sp>
+        <p:nvSpPr>
+          <p:cNvPr id="5" name="TextBox 4">
+            <a:extLst>
+              <a:ext uri="{FF2B5EF4-FFF2-40B4-BE49-F238E27FC236}">
+                <a16:creationId xmlns:a16="http://schemas.microsoft.com/office/drawing/2014/main" id="{BEA9DC0F-9C66-85D0-CD10-1BB91D5F8F10}"/>
+              </a:ext>
+            </a:extLst>
+          </p:cNvPr>
+          <p:cNvSpPr txBox="1"/>
+          <p:nvPr/>
+        </p:nvSpPr>
+        <p:spPr>
+          <a:xfrm>
+            <a:off x="1261241" y="2669628"/>
+            <a:ext cx="184731" cy="369332"/>
+          </a:xfrm>
+          <a:prstGeom prst="rect">
+            <a:avLst/>
+          </a:prstGeom>
+          <a:noFill/>
+        </p:spPr>
+        <p:txBody>
+          <a:bodyPr wrap="none" rtlCol="0">
+            <a:spAutoFit/>
+          </a:bodyPr>
+          <a:lstStyle/>
+          <a:p>
+            <a:endParaRPr kumimoji="1" lang="ko-KR" altLang="en-US" dirty="0"/>
+          </a:p>
+        </p:txBody>
+      </p:sp>
+      <p:sp>
+        <p:nvSpPr>
+          <p:cNvPr id="7" name="TextBox 6">
+            <a:extLst>
+              <a:ext uri="{FF2B5EF4-FFF2-40B4-BE49-F238E27FC236}">
+                <a16:creationId xmlns:a16="http://schemas.microsoft.com/office/drawing/2014/main" id="{9B77915A-2E95-5E2B-A92F-D77BCF3B8ACC}"/>
+              </a:ext>
+            </a:extLst>
+          </p:cNvPr>
+          <p:cNvSpPr txBox="1"/>
+          <p:nvPr/>
+        </p:nvSpPr>
+        <p:spPr>
+          <a:xfrm>
+            <a:off x="480824" y="984884"/>
+            <a:ext cx="4063041" cy="646331"/>
+          </a:xfrm>
+          <a:prstGeom prst="rect">
+            <a:avLst/>
+          </a:prstGeom>
+          <a:noFill/>
+        </p:spPr>
+        <p:txBody>
+          <a:bodyPr wrap="square" rtlCol="0">
+            <a:spAutoFit/>
+          </a:bodyPr>
+          <a:lstStyle/>
+          <a:p>
+            <a:r>
+              <a:rPr lang="ko-KR" altLang="en-US" b="1" i="0" dirty="0">
+                <a:solidFill>
+                  <a:srgbClr val="212529"/>
+                </a:solidFill>
+                <a:effectLst/>
+                <a:highlight>
+                  <a:srgbClr val="FFFFFF"/>
+                </a:highlight>
+                <a:latin typeface="Pretendard JP"/>
+              </a:rPr>
+              <a:t>점수 계산법 </a:t>
+            </a:r>
+            <a:r>
+              <a:rPr lang="en-US" altLang="ko-KR" b="1" i="0" dirty="0">
+                <a:solidFill>
+                  <a:srgbClr val="212529"/>
+                </a:solidFill>
+                <a:effectLst/>
+                <a:highlight>
+                  <a:srgbClr val="FFFFFF"/>
+                </a:highlight>
+                <a:latin typeface="Pretendard JP"/>
+              </a:rPr>
+              <a:t>&amp;</a:t>
+            </a:r>
+            <a:r>
+              <a:rPr lang="ko-KR" altLang="en-US" b="1" i="0" dirty="0">
+                <a:solidFill>
+                  <a:srgbClr val="212529"/>
+                </a:solidFill>
+                <a:effectLst/>
+                <a:highlight>
+                  <a:srgbClr val="FFFFFF"/>
+                </a:highlight>
+                <a:latin typeface="Pretendard JP"/>
+              </a:rPr>
+              <a:t> 규칙</a:t>
+            </a:r>
+          </a:p>
+          <a:p>
+            <a:endParaRPr kumimoji="1" lang="ko-KR" altLang="en-US" dirty="0"/>
+          </a:p>
+        </p:txBody>
+      </p:sp>
+      <p:pic>
+        <p:nvPicPr>
+          <p:cNvPr id="9" name="그림 8" descr="텍스트, 스크린샷, 폰트, 번호이(가) 표시된 사진&#10;&#10;자동 생성된 설명">
+            <a:extLst>
+              <a:ext uri="{FF2B5EF4-FFF2-40B4-BE49-F238E27FC236}">
+                <a16:creationId xmlns:a16="http://schemas.microsoft.com/office/drawing/2014/main" id="{E00478A0-F449-4EC6-F084-52DCAE00846D}"/>
+              </a:ext>
+            </a:extLst>
+          </p:cNvPr>
+          <p:cNvPicPr>
+            <a:picLocks noChangeAspect="1"/>
+          </p:cNvPicPr>
+          <p:nvPr/>
+        </p:nvPicPr>
+        <p:blipFill>
+          <a:blip r:embed="rId2">
+            <a:extLst>
+              <a:ext uri="{28A0092B-C50C-407E-A947-70E740481C1C}">
+                <a14:useLocalDpi xmlns:a14="http://schemas.microsoft.com/office/drawing/2010/main" val="0"/>
+              </a:ext>
+            </a:extLst>
+          </a:blip>
+          <a:stretch>
+            <a:fillRect/>
+          </a:stretch>
+        </p:blipFill>
+        <p:spPr>
+          <a:xfrm>
+            <a:off x="480824" y="1354554"/>
+            <a:ext cx="5132185" cy="2508800"/>
+          </a:xfrm>
+          <a:prstGeom prst="rect">
+            <a:avLst/>
+          </a:prstGeom>
+        </p:spPr>
+      </p:pic>
+      <p:pic>
+        <p:nvPicPr>
+          <p:cNvPr id="11" name="그림 10" descr="텍스트, 스크린샷, 폰트, 번호이(가) 표시된 사진&#10;&#10;자동 생성된 설명">
+            <a:extLst>
+              <a:ext uri="{FF2B5EF4-FFF2-40B4-BE49-F238E27FC236}">
+                <a16:creationId xmlns:a16="http://schemas.microsoft.com/office/drawing/2014/main" id="{6C215066-A3C6-4C82-63B2-35A05AD226BA}"/>
+              </a:ext>
+            </a:extLst>
+          </p:cNvPr>
+          <p:cNvPicPr>
+            <a:picLocks noChangeAspect="1"/>
+          </p:cNvPicPr>
+          <p:nvPr/>
+        </p:nvPicPr>
+        <p:blipFill>
+          <a:blip r:embed="rId3">
+            <a:extLst>
+              <a:ext uri="{28A0092B-C50C-407E-A947-70E740481C1C}">
+                <a14:useLocalDpi xmlns:a14="http://schemas.microsoft.com/office/drawing/2010/main" val="0"/>
+              </a:ext>
+            </a:extLst>
+          </a:blip>
+          <a:stretch>
+            <a:fillRect/>
+          </a:stretch>
+        </p:blipFill>
+        <p:spPr>
+          <a:xfrm>
+            <a:off x="5798574" y="1354554"/>
+            <a:ext cx="5132185" cy="2315815"/>
+          </a:xfrm>
+          <a:prstGeom prst="rect">
+            <a:avLst/>
+          </a:prstGeom>
+        </p:spPr>
+      </p:pic>
+      <p:sp>
+        <p:nvSpPr>
+          <p:cNvPr id="12" name="TextBox 11">
+            <a:extLst>
+              <a:ext uri="{FF2B5EF4-FFF2-40B4-BE49-F238E27FC236}">
+                <a16:creationId xmlns:a16="http://schemas.microsoft.com/office/drawing/2014/main" id="{55A88E7D-787E-3DB1-F435-5A6577592338}"/>
+              </a:ext>
+            </a:extLst>
+          </p:cNvPr>
+          <p:cNvSpPr txBox="1"/>
+          <p:nvPr/>
+        </p:nvSpPr>
+        <p:spPr>
+          <a:xfrm>
+            <a:off x="272715" y="3896321"/>
+            <a:ext cx="11939487" cy="2585323"/>
+          </a:xfrm>
+          <a:prstGeom prst="rect">
+            <a:avLst/>
+          </a:prstGeom>
+          <a:noFill/>
+        </p:spPr>
+        <p:txBody>
+          <a:bodyPr wrap="none" rtlCol="0">
+            <a:spAutoFit/>
+          </a:bodyPr>
+          <a:lstStyle/>
+          <a:p>
+            <a:pPr algn="l">
+              <a:buFont typeface="+mj-lt"/>
+              <a:buAutoNum type="arabicPeriod"/>
+            </a:pPr>
+            <a:r>
+              <a:rPr lang="ko-KR" altLang="en-US" b="0" i="0" dirty="0">
+                <a:solidFill>
+                  <a:srgbClr val="212529"/>
+                </a:solidFill>
+                <a:effectLst/>
+                <a:highlight>
+                  <a:srgbClr val="FFFFFF"/>
+                </a:highlight>
+                <a:latin typeface="Pretendard JP"/>
+              </a:rPr>
+              <a:t>주사위 </a:t>
+            </a:r>
+            <a:r>
+              <a:rPr lang="en-US" altLang="ko-KR" b="0" i="0" dirty="0">
+                <a:solidFill>
+                  <a:srgbClr val="212529"/>
+                </a:solidFill>
+                <a:effectLst/>
+                <a:highlight>
+                  <a:srgbClr val="FFFFFF"/>
+                </a:highlight>
+                <a:latin typeface="Pretendard JP"/>
+              </a:rPr>
+              <a:t>5</a:t>
+            </a:r>
+            <a:r>
+              <a:rPr lang="ko-KR" altLang="en-US" b="0" i="0" dirty="0">
+                <a:solidFill>
+                  <a:srgbClr val="212529"/>
+                </a:solidFill>
+                <a:effectLst/>
+                <a:highlight>
+                  <a:srgbClr val="FFFFFF"/>
+                </a:highlight>
+                <a:latin typeface="Pretendard JP"/>
+              </a:rPr>
+              <a:t>개를 던진다</a:t>
+            </a:r>
+            <a:r>
+              <a:rPr lang="en-US" altLang="ko-KR" b="0" i="0" dirty="0">
+                <a:solidFill>
+                  <a:srgbClr val="212529"/>
+                </a:solidFill>
+                <a:effectLst/>
+                <a:highlight>
+                  <a:srgbClr val="FFFFFF"/>
+                </a:highlight>
+                <a:latin typeface="Pretendard JP"/>
+              </a:rPr>
+              <a:t>.</a:t>
+            </a:r>
+          </a:p>
+          <a:p>
+            <a:pPr algn="l">
+              <a:buFont typeface="+mj-lt"/>
+              <a:buAutoNum type="arabicPeriod"/>
+            </a:pPr>
+            <a:r>
+              <a:rPr lang="ko-KR" altLang="en-US" b="0" i="0" dirty="0">
+                <a:solidFill>
+                  <a:srgbClr val="212529"/>
+                </a:solidFill>
+                <a:effectLst/>
+                <a:highlight>
+                  <a:srgbClr val="FFFFFF"/>
+                </a:highlight>
+                <a:latin typeface="Pretendard JP"/>
+              </a:rPr>
+              <a:t>이 중 원하는 주사위들은 남겨두고</a:t>
+            </a:r>
+            <a:r>
+              <a:rPr lang="en-US" altLang="ko-KR" b="0" i="0" dirty="0">
+                <a:solidFill>
+                  <a:srgbClr val="212529"/>
+                </a:solidFill>
+                <a:effectLst/>
+                <a:highlight>
+                  <a:srgbClr val="FFFFFF"/>
+                </a:highlight>
+                <a:latin typeface="Pretendard JP"/>
+              </a:rPr>
+              <a:t>, </a:t>
+            </a:r>
+            <a:r>
+              <a:rPr lang="ko-KR" altLang="en-US" b="0" i="0" dirty="0">
+                <a:solidFill>
+                  <a:srgbClr val="212529"/>
+                </a:solidFill>
+                <a:effectLst/>
+                <a:highlight>
+                  <a:srgbClr val="FFFFFF"/>
+                </a:highlight>
+                <a:latin typeface="Pretendard JP"/>
+              </a:rPr>
+              <a:t>나머지 주사위들을 다시 던진다</a:t>
+            </a:r>
+            <a:r>
+              <a:rPr lang="en-US" altLang="ko-KR" b="0" i="0" dirty="0">
+                <a:solidFill>
+                  <a:srgbClr val="212529"/>
+                </a:solidFill>
+                <a:effectLst/>
+                <a:highlight>
+                  <a:srgbClr val="FFFFFF"/>
+                </a:highlight>
+                <a:latin typeface="Pretendard JP"/>
+              </a:rPr>
+              <a:t>. </a:t>
+            </a:r>
+          </a:p>
+          <a:p>
+            <a:pPr algn="l"/>
+            <a:r>
+              <a:rPr lang="ko-KR" altLang="en-US" b="0" i="0" dirty="0">
+                <a:solidFill>
+                  <a:srgbClr val="212529"/>
+                </a:solidFill>
+                <a:effectLst/>
+                <a:highlight>
+                  <a:srgbClr val="FFFFFF"/>
+                </a:highlight>
+                <a:latin typeface="Pretendard JP"/>
+              </a:rPr>
+              <a:t>다시 던지기는 한 라운드에 </a:t>
+            </a:r>
+            <a:r>
+              <a:rPr lang="en-US" altLang="ko-KR" b="0" i="0" dirty="0">
+                <a:solidFill>
+                  <a:srgbClr val="212529"/>
+                </a:solidFill>
+                <a:effectLst/>
+                <a:highlight>
+                  <a:srgbClr val="FFFFFF"/>
+                </a:highlight>
+                <a:latin typeface="Pretendard JP"/>
+              </a:rPr>
+              <a:t>2</a:t>
+            </a:r>
+            <a:r>
+              <a:rPr lang="ko-KR" altLang="en-US" b="0" i="0" dirty="0">
+                <a:solidFill>
+                  <a:srgbClr val="212529"/>
+                </a:solidFill>
+                <a:effectLst/>
+                <a:highlight>
+                  <a:srgbClr val="FFFFFF"/>
+                </a:highlight>
+                <a:latin typeface="Pretendard JP"/>
+              </a:rPr>
+              <a:t>번까지</a:t>
+            </a:r>
+            <a:r>
+              <a:rPr lang="en-US" altLang="ko-KR" b="0" i="0" dirty="0">
+                <a:solidFill>
+                  <a:srgbClr val="212529"/>
+                </a:solidFill>
+                <a:effectLst/>
+                <a:highlight>
+                  <a:srgbClr val="FFFFFF"/>
+                </a:highlight>
+                <a:latin typeface="Pretendard JP"/>
+              </a:rPr>
+              <a:t>(</a:t>
+            </a:r>
+            <a:r>
+              <a:rPr lang="ko-KR" altLang="en-US" b="0" i="0" dirty="0">
+                <a:solidFill>
+                  <a:srgbClr val="212529"/>
+                </a:solidFill>
+                <a:effectLst/>
+                <a:highlight>
+                  <a:srgbClr val="FFFFFF"/>
+                </a:highlight>
+                <a:latin typeface="Pretendard JP"/>
+              </a:rPr>
+              <a:t>즉</a:t>
+            </a:r>
+            <a:r>
+              <a:rPr lang="en-US" altLang="ko-KR" b="0" i="0" dirty="0">
+                <a:solidFill>
+                  <a:srgbClr val="212529"/>
+                </a:solidFill>
+                <a:effectLst/>
+                <a:highlight>
+                  <a:srgbClr val="FFFFFF"/>
+                </a:highlight>
+                <a:latin typeface="Pretendard JP"/>
+              </a:rPr>
+              <a:t>, </a:t>
+            </a:r>
+            <a:r>
+              <a:rPr lang="ko-KR" altLang="en-US" b="0" i="0" dirty="0">
+                <a:solidFill>
+                  <a:srgbClr val="212529"/>
+                </a:solidFill>
+                <a:effectLst/>
+                <a:highlight>
+                  <a:srgbClr val="FFFFFF"/>
+                </a:highlight>
+                <a:latin typeface="Pretendard JP"/>
+              </a:rPr>
+              <a:t>한 라운드에 최대 </a:t>
+            </a:r>
+            <a:r>
+              <a:rPr lang="en-US" altLang="ko-KR" b="0" i="0" dirty="0">
+                <a:solidFill>
+                  <a:srgbClr val="212529"/>
+                </a:solidFill>
+                <a:effectLst/>
+                <a:highlight>
+                  <a:srgbClr val="FFFFFF"/>
+                </a:highlight>
+                <a:latin typeface="Pretendard JP"/>
+              </a:rPr>
+              <a:t>3</a:t>
+            </a:r>
+            <a:r>
+              <a:rPr lang="ko-KR" altLang="en-US" b="0" i="0" dirty="0">
+                <a:solidFill>
+                  <a:srgbClr val="212529"/>
+                </a:solidFill>
+                <a:effectLst/>
+                <a:highlight>
+                  <a:srgbClr val="FFFFFF"/>
+                </a:highlight>
+                <a:latin typeface="Pretendard JP"/>
+              </a:rPr>
+              <a:t>번까지 던질 수 있다</a:t>
+            </a:r>
+            <a:r>
+              <a:rPr lang="en-US" altLang="ko-KR" b="0" i="0" dirty="0">
+                <a:solidFill>
+                  <a:srgbClr val="212529"/>
+                </a:solidFill>
+                <a:effectLst/>
+                <a:highlight>
+                  <a:srgbClr val="FFFFFF"/>
+                </a:highlight>
+                <a:latin typeface="Pretendard JP"/>
+              </a:rPr>
+              <a:t>.) </a:t>
+            </a:r>
+            <a:r>
+              <a:rPr lang="ko-KR" altLang="en-US" b="0" i="0" dirty="0">
+                <a:solidFill>
+                  <a:srgbClr val="212529"/>
+                </a:solidFill>
+                <a:effectLst/>
+                <a:highlight>
+                  <a:srgbClr val="FFFFFF"/>
+                </a:highlight>
+                <a:latin typeface="Pretendard JP"/>
+              </a:rPr>
+              <a:t>가능하며</a:t>
+            </a:r>
+            <a:r>
+              <a:rPr lang="en-US" altLang="ko-KR" b="0" i="0" dirty="0">
+                <a:solidFill>
+                  <a:srgbClr val="212529"/>
+                </a:solidFill>
+                <a:effectLst/>
+                <a:highlight>
+                  <a:srgbClr val="FFFFFF"/>
+                </a:highlight>
+                <a:latin typeface="Pretendard JP"/>
+              </a:rPr>
+              <a:t>, </a:t>
+            </a:r>
+          </a:p>
+          <a:p>
+            <a:pPr algn="l"/>
+            <a:r>
+              <a:rPr lang="ko-KR" altLang="en-US" b="0" i="0" dirty="0">
+                <a:solidFill>
+                  <a:srgbClr val="212529"/>
+                </a:solidFill>
+                <a:effectLst/>
+                <a:highlight>
+                  <a:srgbClr val="FFFFFF"/>
+                </a:highlight>
+                <a:latin typeface="Pretendard JP"/>
+              </a:rPr>
+              <a:t>앞에서 던지지 않았던 주사위도 원한다면 다시 던질 수 있다</a:t>
+            </a:r>
+            <a:r>
+              <a:rPr lang="en-US" altLang="ko-KR" b="0" i="0" dirty="0">
+                <a:solidFill>
+                  <a:srgbClr val="212529"/>
+                </a:solidFill>
+                <a:effectLst/>
+                <a:highlight>
+                  <a:srgbClr val="FFFFFF"/>
+                </a:highlight>
+                <a:latin typeface="Pretendard JP"/>
+              </a:rPr>
+              <a:t>.</a:t>
+            </a:r>
+          </a:p>
+          <a:p>
+            <a:pPr algn="l"/>
+            <a:r>
+              <a:rPr lang="en-US" altLang="ko-KR" b="0" i="0" dirty="0">
+                <a:solidFill>
+                  <a:srgbClr val="212529"/>
+                </a:solidFill>
+                <a:effectLst/>
+                <a:highlight>
+                  <a:srgbClr val="FFFFFF"/>
+                </a:highlight>
+                <a:latin typeface="Pretendard JP"/>
+              </a:rPr>
+              <a:t>3.</a:t>
+            </a:r>
+            <a:r>
+              <a:rPr lang="ko-KR" altLang="en-US" b="0" i="0" dirty="0">
+                <a:solidFill>
+                  <a:srgbClr val="212529"/>
+                </a:solidFill>
+                <a:effectLst/>
+                <a:highlight>
+                  <a:srgbClr val="FFFFFF"/>
+                </a:highlight>
+                <a:latin typeface="Pretendard JP"/>
+              </a:rPr>
+              <a:t>주사위 던지기가 끝난 후 나온 최종 조합으로</a:t>
+            </a:r>
+            <a:r>
+              <a:rPr lang="en-US" altLang="ko-KR" b="0" i="0" dirty="0">
+                <a:solidFill>
+                  <a:srgbClr val="212529"/>
+                </a:solidFill>
+                <a:effectLst/>
+                <a:highlight>
+                  <a:srgbClr val="FFFFFF"/>
+                </a:highlight>
+                <a:latin typeface="Pretendard JP"/>
+              </a:rPr>
+              <a:t>, </a:t>
+            </a:r>
+            <a:r>
+              <a:rPr lang="ko-KR" altLang="en-US" b="0" i="0" dirty="0">
+                <a:solidFill>
+                  <a:srgbClr val="212529"/>
+                </a:solidFill>
+                <a:effectLst/>
+                <a:highlight>
+                  <a:srgbClr val="FFFFFF"/>
+                </a:highlight>
+                <a:latin typeface="Pretendard JP"/>
+              </a:rPr>
+              <a:t>아래 제시된 족보 중 아직까지 기록되지 않은 하나를 </a:t>
+            </a:r>
+            <a:r>
+              <a:rPr lang="ko-KR" altLang="en-US" b="1" i="0" dirty="0">
+                <a:solidFill>
+                  <a:srgbClr val="212529"/>
+                </a:solidFill>
+                <a:effectLst/>
+                <a:highlight>
+                  <a:srgbClr val="FFFFFF"/>
+                </a:highlight>
+                <a:latin typeface="Pretendard JP"/>
+              </a:rPr>
+              <a:t>반드시</a:t>
+            </a:r>
+            <a:r>
+              <a:rPr lang="ko-KR" altLang="en-US" b="0" i="0" dirty="0">
+                <a:solidFill>
+                  <a:srgbClr val="212529"/>
+                </a:solidFill>
+                <a:effectLst/>
+                <a:highlight>
+                  <a:srgbClr val="FFFFFF"/>
+                </a:highlight>
+                <a:latin typeface="Pretendard JP"/>
+              </a:rPr>
+              <a:t> 선택하여</a:t>
+            </a:r>
+            <a:r>
+              <a:rPr lang="en-US" altLang="ko-KR" b="0" i="0" dirty="0">
+                <a:solidFill>
+                  <a:srgbClr val="212529"/>
+                </a:solidFill>
+                <a:effectLst/>
+                <a:highlight>
+                  <a:srgbClr val="FFFFFF"/>
+                </a:highlight>
+                <a:latin typeface="Pretendard JP"/>
+              </a:rPr>
+              <a:t>,</a:t>
+            </a:r>
+          </a:p>
+          <a:p>
+            <a:pPr algn="l"/>
+            <a:r>
+              <a:rPr lang="ko-KR" altLang="en-US" b="0" i="0" dirty="0">
+                <a:solidFill>
+                  <a:srgbClr val="212529"/>
+                </a:solidFill>
+                <a:effectLst/>
+                <a:highlight>
+                  <a:srgbClr val="FFFFFF"/>
+                </a:highlight>
+                <a:latin typeface="Pretendard JP"/>
+              </a:rPr>
+              <a:t>점수판에 해당 족보의 점수를 규칙에 맞게 기록해야 한다</a:t>
+            </a:r>
+            <a:r>
+              <a:rPr lang="en-US" altLang="ko-KR" b="0" i="0" dirty="0">
+                <a:solidFill>
+                  <a:srgbClr val="212529"/>
+                </a:solidFill>
+                <a:effectLst/>
+                <a:highlight>
+                  <a:srgbClr val="FFFFFF"/>
+                </a:highlight>
+                <a:latin typeface="Pretendard JP"/>
+              </a:rPr>
+              <a:t>.</a:t>
+            </a:r>
+          </a:p>
+          <a:p>
+            <a:pPr algn="l"/>
+            <a:r>
+              <a:rPr lang="en-US" altLang="ko-KR" b="0" i="0" dirty="0">
+                <a:solidFill>
+                  <a:srgbClr val="212529"/>
+                </a:solidFill>
+                <a:effectLst/>
+                <a:highlight>
+                  <a:srgbClr val="FFFFFF"/>
+                </a:highlight>
+                <a:latin typeface="Pretendard JP"/>
+              </a:rPr>
+              <a:t>4.</a:t>
+            </a:r>
+            <a:r>
+              <a:rPr lang="ko-KR" altLang="en-US" b="0" i="0" dirty="0">
+                <a:solidFill>
+                  <a:srgbClr val="212529"/>
+                </a:solidFill>
+                <a:effectLst/>
+                <a:highlight>
+                  <a:srgbClr val="FFFFFF"/>
+                </a:highlight>
+                <a:latin typeface="Pretendard JP"/>
+              </a:rPr>
+              <a:t>기록되지 않은 족보 중에서 만족하는 족보가 없거나</a:t>
+            </a:r>
+            <a:r>
+              <a:rPr lang="en-US" altLang="ko-KR" b="0" i="0" dirty="0">
+                <a:solidFill>
+                  <a:srgbClr val="212529"/>
+                </a:solidFill>
+                <a:effectLst/>
+                <a:highlight>
+                  <a:srgbClr val="FFFFFF"/>
+                </a:highlight>
+                <a:latin typeface="Pretendard JP"/>
+              </a:rPr>
+              <a:t>, </a:t>
+            </a:r>
+            <a:r>
+              <a:rPr lang="ko-KR" altLang="en-US" b="0" i="0" dirty="0">
+                <a:solidFill>
+                  <a:srgbClr val="212529"/>
+                </a:solidFill>
+                <a:effectLst/>
+                <a:highlight>
+                  <a:srgbClr val="FFFFFF"/>
+                </a:highlight>
+                <a:latin typeface="Pretendard JP"/>
+              </a:rPr>
+              <a:t>있더라도 점수 </a:t>
+            </a:r>
+            <a:r>
+              <a:rPr lang="ko-KR" altLang="en-US" b="0" i="0" dirty="0" err="1">
+                <a:solidFill>
+                  <a:srgbClr val="212529"/>
+                </a:solidFill>
+                <a:effectLst/>
+                <a:highlight>
+                  <a:srgbClr val="FFFFFF"/>
+                </a:highlight>
+                <a:latin typeface="Pretendard JP"/>
+              </a:rPr>
+              <a:t>기대값이</a:t>
+            </a:r>
+            <a:r>
+              <a:rPr lang="ko-KR" altLang="en-US" b="0" i="0" dirty="0">
+                <a:solidFill>
+                  <a:srgbClr val="212529"/>
+                </a:solidFill>
+                <a:effectLst/>
+                <a:highlight>
+                  <a:srgbClr val="FFFFFF"/>
+                </a:highlight>
+                <a:latin typeface="Pretendard JP"/>
+              </a:rPr>
+              <a:t> 마음에 들지 않는 등의 사유로</a:t>
+            </a:r>
+            <a:r>
+              <a:rPr lang="en-US" altLang="ko-KR" b="0" i="0" dirty="0">
+                <a:solidFill>
+                  <a:srgbClr val="212529"/>
+                </a:solidFill>
+                <a:effectLst/>
+                <a:highlight>
+                  <a:srgbClr val="FFFFFF"/>
+                </a:highlight>
+                <a:latin typeface="Pretendard JP"/>
+              </a:rPr>
+              <a:t>, </a:t>
+            </a:r>
+          </a:p>
+          <a:p>
+            <a:pPr algn="l"/>
+            <a:r>
+              <a:rPr lang="ko-KR" altLang="en-US" b="0" i="0" dirty="0">
+                <a:solidFill>
+                  <a:srgbClr val="212529"/>
+                </a:solidFill>
+                <a:effectLst/>
+                <a:highlight>
+                  <a:srgbClr val="FFFFFF"/>
+                </a:highlight>
+                <a:latin typeface="Pretendard JP"/>
+              </a:rPr>
+              <a:t>만족하지 않는 족보를 선택하는 경우</a:t>
+            </a:r>
+            <a:r>
+              <a:rPr lang="en-US" altLang="ko-KR" b="0" i="0" dirty="0">
+                <a:solidFill>
+                  <a:srgbClr val="212529"/>
+                </a:solidFill>
+                <a:effectLst/>
+                <a:highlight>
+                  <a:srgbClr val="FFFFFF"/>
+                </a:highlight>
+                <a:latin typeface="Pretendard JP"/>
+              </a:rPr>
+              <a:t>, </a:t>
+            </a:r>
+            <a:r>
+              <a:rPr lang="ko-KR" altLang="en-US" b="0" i="0" dirty="0">
+                <a:solidFill>
+                  <a:srgbClr val="212529"/>
+                </a:solidFill>
+                <a:effectLst/>
+                <a:highlight>
+                  <a:srgbClr val="FFFFFF"/>
+                </a:highlight>
+                <a:latin typeface="Pretendard JP"/>
+              </a:rPr>
+              <a:t>선택한 족보의 </a:t>
+            </a:r>
+            <a:r>
+              <a:rPr lang="ko-KR" altLang="en-US" b="0" i="0" dirty="0" err="1">
+                <a:solidFill>
+                  <a:srgbClr val="212529"/>
+                </a:solidFill>
+                <a:effectLst/>
+                <a:highlight>
+                  <a:srgbClr val="FFFFFF"/>
+                </a:highlight>
+                <a:latin typeface="Pretendard JP"/>
+              </a:rPr>
+              <a:t>점수칸에</a:t>
+            </a:r>
+            <a:r>
+              <a:rPr lang="ko-KR" altLang="en-US" b="0" i="0" dirty="0">
+                <a:solidFill>
+                  <a:srgbClr val="212529"/>
+                </a:solidFill>
+                <a:effectLst/>
+                <a:highlight>
+                  <a:srgbClr val="FFFFFF"/>
+                </a:highlight>
+                <a:latin typeface="Pretendard JP"/>
+              </a:rPr>
+              <a:t> </a:t>
+            </a:r>
+            <a:r>
+              <a:rPr lang="en-US" altLang="ko-KR" b="0" i="0" dirty="0">
+                <a:solidFill>
+                  <a:srgbClr val="212529"/>
+                </a:solidFill>
+                <a:effectLst/>
+                <a:highlight>
+                  <a:srgbClr val="FFFFFF"/>
+                </a:highlight>
+                <a:latin typeface="Pretendard JP"/>
+              </a:rPr>
+              <a:t>0</a:t>
+            </a:r>
+            <a:r>
+              <a:rPr lang="ko-KR" altLang="en-US" b="0" i="0" dirty="0">
+                <a:solidFill>
+                  <a:srgbClr val="212529"/>
+                </a:solidFill>
+                <a:effectLst/>
+                <a:highlight>
+                  <a:srgbClr val="FFFFFF"/>
+                </a:highlight>
+                <a:latin typeface="Pretendard JP"/>
+              </a:rPr>
+              <a:t>점으로 기록해야 한다</a:t>
+            </a:r>
+            <a:r>
+              <a:rPr lang="en-US" altLang="ko-KR" b="0" i="0" dirty="0">
+                <a:solidFill>
+                  <a:srgbClr val="212529"/>
+                </a:solidFill>
+                <a:effectLst/>
+                <a:highlight>
+                  <a:srgbClr val="FFFFFF"/>
+                </a:highlight>
+                <a:latin typeface="Pretendard JP"/>
+              </a:rPr>
+              <a:t>.</a:t>
+            </a:r>
+          </a:p>
+          <a:p>
+            <a:pPr algn="l"/>
+            <a:r>
+              <a:rPr lang="en-US" altLang="ko-KR" b="0" i="0" dirty="0">
+                <a:solidFill>
+                  <a:srgbClr val="212529"/>
+                </a:solidFill>
+                <a:effectLst/>
+                <a:highlight>
+                  <a:srgbClr val="FFFFFF"/>
+                </a:highlight>
+                <a:latin typeface="Pretendard JP"/>
+              </a:rPr>
+              <a:t>5.</a:t>
+            </a:r>
+            <a:r>
+              <a:rPr lang="ko-KR" altLang="en-US" b="0" i="0" dirty="0">
+                <a:solidFill>
+                  <a:srgbClr val="212529"/>
+                </a:solidFill>
+                <a:effectLst/>
+                <a:highlight>
+                  <a:srgbClr val="FFFFFF"/>
+                </a:highlight>
+                <a:latin typeface="Pretendard JP"/>
+              </a:rPr>
+              <a:t>모든 플레이어가 점수판을 모두 채우면 게임이 끝난다</a:t>
+            </a:r>
+            <a:r>
+              <a:rPr lang="en-US" altLang="ko-KR" b="0" i="0" dirty="0">
+                <a:solidFill>
+                  <a:srgbClr val="212529"/>
+                </a:solidFill>
+                <a:effectLst/>
+                <a:highlight>
+                  <a:srgbClr val="FFFFFF"/>
+                </a:highlight>
+                <a:latin typeface="Pretendard JP"/>
+              </a:rPr>
+              <a:t>. </a:t>
+            </a:r>
+            <a:r>
+              <a:rPr lang="ko-KR" altLang="en-US" b="0" i="0" dirty="0">
+                <a:solidFill>
+                  <a:srgbClr val="212529"/>
+                </a:solidFill>
+                <a:effectLst/>
+                <a:highlight>
+                  <a:srgbClr val="FFFFFF"/>
+                </a:highlight>
+                <a:latin typeface="Pretendard JP"/>
+              </a:rPr>
+              <a:t>점수판에 기록한 점수 총합이 높은 사람이 승리한다</a:t>
+            </a:r>
+            <a:r>
+              <a:rPr lang="en-US" altLang="ko-KR" b="0" i="0" dirty="0">
+                <a:solidFill>
+                  <a:srgbClr val="212529"/>
+                </a:solidFill>
+                <a:effectLst/>
+                <a:highlight>
+                  <a:srgbClr val="FFFFFF"/>
+                </a:highlight>
+                <a:latin typeface="Pretendard JP"/>
+              </a:rPr>
+              <a:t>.</a:t>
+            </a:r>
+          </a:p>
+        </p:txBody>
+      </p:sp>
+      <p:sp>
+        <p:nvSpPr>
+          <p:cNvPr id="14" name="TextBox 13">
+            <a:extLst>
+              <a:ext uri="{FF2B5EF4-FFF2-40B4-BE49-F238E27FC236}">
+                <a16:creationId xmlns:a16="http://schemas.microsoft.com/office/drawing/2014/main" id="{14DB13DF-58CF-722D-31A9-A9AAC60F88B8}"/>
+              </a:ext>
+            </a:extLst>
+          </p:cNvPr>
+          <p:cNvSpPr txBox="1"/>
+          <p:nvPr/>
+        </p:nvSpPr>
+        <p:spPr>
+          <a:xfrm>
+            <a:off x="1176688" y="6456970"/>
+            <a:ext cx="8670322" cy="369332"/>
+          </a:xfrm>
+          <a:prstGeom prst="rect">
+            <a:avLst/>
+          </a:prstGeom>
+          <a:noFill/>
+        </p:spPr>
+        <p:txBody>
+          <a:bodyPr wrap="none" rtlCol="0">
+            <a:spAutoFit/>
+          </a:bodyPr>
+          <a:lstStyle/>
+          <a:p>
+            <a:r>
+              <a:rPr kumimoji="1" lang="ko-KR" altLang="en-US" dirty="0"/>
+              <a:t>출처 </a:t>
+            </a:r>
+            <a:r>
+              <a:rPr kumimoji="1" lang="en-US" altLang="ko-KR" dirty="0"/>
+              <a:t>:</a:t>
+            </a:r>
+            <a:r>
+              <a:rPr kumimoji="1" lang="ko-KR" altLang="en-US" dirty="0"/>
+              <a:t> </a:t>
+            </a:r>
+            <a:r>
+              <a:rPr kumimoji="1" lang="en-US" altLang="ko-KR" dirty="0"/>
+              <a:t>https://</a:t>
+            </a:r>
+            <a:r>
+              <a:rPr kumimoji="1" lang="en-US" altLang="ko-KR" dirty="0" err="1"/>
+              <a:t>namu.wiki</a:t>
+            </a:r>
+            <a:r>
+              <a:rPr kumimoji="1" lang="en-US" altLang="ko-KR" dirty="0"/>
+              <a:t>/w/%EC%9A%94%ED%8A%B8(%EA%B2%8C%EC%9E%84)?rev=180</a:t>
+            </a:r>
+            <a:endParaRPr kumimoji="1" lang="ko-KR" altLang="en-US" dirty="0"/>
+          </a:p>
+        </p:txBody>
+      </p:sp>
+    </p:spTree>
+    <p:extLst>
+      <p:ext uri="{BB962C8B-B14F-4D97-AF65-F5344CB8AC3E}">
+        <p14:creationId xmlns:p14="http://schemas.microsoft.com/office/powerpoint/2010/main" val="3043658820"/>
+      </p:ext>
+    </p:extLst>
+  </p:cSld>
+  <p:clrMapOvr>
+    <a:masterClrMapping/>
+  </p:clrMapOvr>
+</p:sld>
+</file>
+
+<file path=ppt/slides/slide9.xml><?xml version="1.0" encoding="utf-8"?>
+<p:sld xmlns:a="http://schemas.openxmlformats.org/drawingml/2006/main" xmlns:r="http://schemas.openxmlformats.org/officeDocument/2006/relationships" xmlns:p="http://schemas.openxmlformats.org/presentationml/2006/main">
+  <p:cSld>
+    <p:spTree>
+      <p:nvGrpSpPr>
+        <p:cNvPr id="1" name=""/>
+        <p:cNvGrpSpPr/>
+        <p:nvPr/>
+      </p:nvGrpSpPr>
+      <p:grpSpPr>
+        <a:xfrm>
+          <a:off x="0" y="0"/>
+          <a:ext cx="0" cy="0"/>
+          <a:chOff x="0" y="0"/>
+          <a:chExt cx="0" cy="0"/>
+        </a:xfrm>
+      </p:grpSpPr>
+      <p:sp>
+        <p:nvSpPr>
+          <p:cNvPr id="2" name="직사각형 1">
+            <a:extLst>
+              <a:ext uri="{FF2B5EF4-FFF2-40B4-BE49-F238E27FC236}">
+                <a16:creationId xmlns:a16="http://schemas.microsoft.com/office/drawing/2014/main" id="{86CB7179-2CED-698E-7489-BBBF08E1F63C}"/>
+              </a:ext>
+            </a:extLst>
+          </p:cNvPr>
+          <p:cNvSpPr/>
+          <p:nvPr/>
+        </p:nvSpPr>
+        <p:spPr>
+          <a:xfrm>
+            <a:off x="272715" y="0"/>
+            <a:ext cx="802105" cy="752713"/>
+          </a:xfrm>
+          <a:prstGeom prst="rect">
+            <a:avLst/>
+          </a:prstGeom>
+          <a:ln>
+            <a:noFill/>
+          </a:ln>
+        </p:spPr>
+        <p:style>
+          <a:lnRef idx="2">
+            <a:schemeClr val="accent1">
+              <a:shade val="50000"/>
+            </a:schemeClr>
+          </a:lnRef>
+          <a:fillRef idx="1">
+            <a:schemeClr val="accent1"/>
+          </a:fillRef>
+          <a:effectRef idx="0">
+            <a:schemeClr val="accent1"/>
+          </a:effectRef>
+          <a:fontRef idx="minor">
+            <a:schemeClr val="lt1"/>
+          </a:fontRef>
+        </p:style>
+        <p:txBody>
+          <a:bodyPr rtlCol="0" anchor="ctr"/>
+          <a:lstStyle/>
+          <a:p>
+            <a:pPr algn="ctr"/>
+            <a:endParaRPr lang="ko-KR" altLang="en-US" dirty="0"/>
+          </a:p>
+        </p:txBody>
+      </p:sp>
+      <p:sp>
+        <p:nvSpPr>
+          <p:cNvPr id="3" name="TextBox 2">
+            <a:extLst>
+              <a:ext uri="{FF2B5EF4-FFF2-40B4-BE49-F238E27FC236}">
+                <a16:creationId xmlns:a16="http://schemas.microsoft.com/office/drawing/2014/main" id="{68A721A3-5D9B-A549-DF5D-D0547EE5B424}"/>
+              </a:ext>
+            </a:extLst>
+          </p:cNvPr>
+          <p:cNvSpPr txBox="1"/>
+          <p:nvPr/>
+        </p:nvSpPr>
+        <p:spPr>
+          <a:xfrm>
+            <a:off x="1176688" y="137160"/>
+            <a:ext cx="494046" cy="246221"/>
+          </a:xfrm>
+          <a:prstGeom prst="rect">
+            <a:avLst/>
+          </a:prstGeom>
+          <a:noFill/>
+        </p:spPr>
+        <p:txBody>
+          <a:bodyPr wrap="none" rtlCol="0">
+            <a:spAutoFit/>
+          </a:bodyPr>
+          <a:lstStyle/>
+          <a:p>
+            <a:r>
+              <a:rPr lang="en-US" altLang="ko-KR" sz="1000" dirty="0">
                 <a:solidFill>
                   <a:schemeClr val="tx1">
                     <a:lumMod val="65000"/>
@@ -6254,17 +9551,25 @@
                   </a:schemeClr>
                 </a:solidFill>
               </a:rPr>
-              <a:t>팀 프로젝트</a:t>
-            </a:r>
-          </a:p>
-        </p:txBody>
-      </p:sp>
-      <p:sp>
-        <p:nvSpPr>
-          <p:cNvPr id="5" name="TextBox 4">
-            <a:extLst>
-              <a:ext uri="{FF2B5EF4-FFF2-40B4-BE49-F238E27FC236}">
-                <a16:creationId xmlns:a16="http://schemas.microsoft.com/office/drawing/2014/main" id="{BEA9DC0F-9C66-85D0-CD10-1BB91D5F8F10}"/>
+              <a:t>Part 1</a:t>
+            </a:r>
+            <a:endParaRPr lang="ko-KR" altLang="en-US" sz="1000" dirty="0">
+              <a:solidFill>
+                <a:schemeClr val="tx1">
+                  <a:lumMod val="65000"/>
+                  <a:lumOff val="35000"/>
+                </a:schemeClr>
+              </a:solidFill>
+            </a:endParaRPr>
+          </a:p>
+        </p:txBody>
+      </p:sp>
+      <p:sp>
+        <p:nvSpPr>
+          <p:cNvPr id="4" name="TextBox 3">
+            <a:extLst>
+              <a:ext uri="{FF2B5EF4-FFF2-40B4-BE49-F238E27FC236}">
+                <a16:creationId xmlns:a16="http://schemas.microsoft.com/office/drawing/2014/main" id="{9EFEF442-2E39-E8A3-0720-B4AF147BC24A}"/>
               </a:ext>
             </a:extLst>
           </p:cNvPr>
@@ -6273,8 +9578,8 @@
         </p:nvSpPr>
         <p:spPr>
           <a:xfrm>
-            <a:off x="1261241" y="2669628"/>
-            <a:ext cx="184731" cy="369332"/>
+            <a:off x="1176688" y="376356"/>
+            <a:ext cx="1148455" cy="369332"/>
           </a:xfrm>
           <a:prstGeom prst="rect">
             <a:avLst/>
@@ -6287,6 +9592,55 @@
           </a:bodyPr>
           <a:lstStyle/>
           <a:p>
+            <a:pPr algn="ctr"/>
+            <a:r>
+              <a:rPr lang="ko-KR" altLang="en-US" sz="1800" dirty="0" err="1"/>
+              <a:t>Yacht</a:t>
+            </a:r>
+            <a:r>
+              <a:rPr lang="ko-KR" altLang="en-US" sz="1800" dirty="0"/>
+              <a:t> </a:t>
+            </a:r>
+            <a:r>
+              <a:rPr lang="ko-KR" altLang="en-US" sz="1800" dirty="0" err="1"/>
+              <a:t>Dic</a:t>
+            </a:r>
+            <a:r>
+              <a:rPr lang="en-US" altLang="ko-KR" sz="1800" dirty="0"/>
+              <a:t>e</a:t>
+            </a:r>
+            <a:endParaRPr lang="ko-KR" altLang="en-US" sz="1800" b="1" spc="-300" dirty="0"/>
+          </a:p>
+        </p:txBody>
+      </p:sp>
+      <p:sp>
+        <p:nvSpPr>
+          <p:cNvPr id="5" name="TextBox 4">
+            <a:extLst>
+              <a:ext uri="{FF2B5EF4-FFF2-40B4-BE49-F238E27FC236}">
+                <a16:creationId xmlns:a16="http://schemas.microsoft.com/office/drawing/2014/main" id="{BEA9DC0F-9C66-85D0-CD10-1BB91D5F8F10}"/>
+              </a:ext>
+            </a:extLst>
+          </p:cNvPr>
+          <p:cNvSpPr txBox="1"/>
+          <p:nvPr/>
+        </p:nvSpPr>
+        <p:spPr>
+          <a:xfrm>
+            <a:off x="1261241" y="2669628"/>
+            <a:ext cx="184731" cy="369332"/>
+          </a:xfrm>
+          <a:prstGeom prst="rect">
+            <a:avLst/>
+          </a:prstGeom>
+          <a:noFill/>
+        </p:spPr>
+        <p:txBody>
+          <a:bodyPr wrap="none" rtlCol="0">
+            <a:spAutoFit/>
+          </a:bodyPr>
+          <a:lstStyle/>
+          <a:p>
             <a:endParaRPr kumimoji="1" lang="ko-KR" altLang="en-US" dirty="0"/>
           </a:p>
         </p:txBody>
@@ -6294,7 +9648,7 @@
     </p:spTree>
     <p:extLst>
       <p:ext uri="{BB962C8B-B14F-4D97-AF65-F5344CB8AC3E}">
-        <p14:creationId xmlns:p14="http://schemas.microsoft.com/office/powerpoint/2010/main" val="3043658820"/>
+        <p14:creationId xmlns:p14="http://schemas.microsoft.com/office/powerpoint/2010/main" val="3306173401"/>
       </p:ext>
     </p:extLst>
   </p:cSld>

--- a/doc/IoT_1차발표.pptx
+++ b/doc/IoT_1차발표.pptx
@@ -1,20 +1,18 @@
 
 <file path=ppt/presentation.xml><?xml version="1.0" encoding="utf-8"?>
-<p:presentation xmlns:a="http://schemas.openxmlformats.org/drawingml/2006/main" xmlns:r="http://schemas.openxmlformats.org/officeDocument/2006/relationships" xmlns:p="http://schemas.openxmlformats.org/presentationml/2006/main" saveSubsetFonts="1">
+<p:presentation xmlns:a="http://schemas.openxmlformats.org/drawingml/2006/main" xmlns:r="http://schemas.openxmlformats.org/officeDocument/2006/relationships" xmlns:p="http://schemas.openxmlformats.org/presentationml/2006/main">
   <p:sldMasterIdLst>
     <p:sldMasterId id="2147483648" r:id="rId1"/>
   </p:sldMasterIdLst>
+  <p:notesMasterIdLst>
+    <p:notesMasterId r:id="rId7"/>
+  </p:notesMasterIdLst>
   <p:sldIdLst>
     <p:sldId id="257" r:id="rId2"/>
-    <p:sldId id="262" r:id="rId3"/>
-    <p:sldId id="278" r:id="rId4"/>
-    <p:sldId id="281" r:id="rId5"/>
-    <p:sldId id="279" r:id="rId6"/>
-    <p:sldId id="277" r:id="rId7"/>
-    <p:sldId id="271" r:id="rId8"/>
-    <p:sldId id="280" r:id="rId9"/>
-    <p:sldId id="283" r:id="rId10"/>
-    <p:sldId id="282" r:id="rId11"/>
+    <p:sldId id="281" r:id="rId3"/>
+    <p:sldId id="285" r:id="rId4"/>
+    <p:sldId id="283" r:id="rId5"/>
+    <p:sldId id="282" r:id="rId6"/>
   </p:sldIdLst>
   <p:sldSz cx="12192000" cy="6858000"/>
   <p:notesSz cx="6858000" cy="9144000"/>
@@ -116,12 +114,12 @@
   <p:extLst>
     <p:ext uri="{EFAFB233-063F-42B5-8137-9DF3F51BA10A}">
       <p15:sldGuideLst xmlns:p15="http://schemas.microsoft.com/office/powerpoint/2012/main">
-        <p15:guide id="1" orient="horz" pos="2137" userDrawn="1">
+        <p15:guide id="1" orient="horz" pos="2136">
           <p15:clr>
             <a:srgbClr val="A4A3A4"/>
           </p15:clr>
         </p15:guide>
-        <p15:guide id="2" pos="3840" userDrawn="1">
+        <p15:guide id="2" pos="3839">
           <p15:clr>
             <a:srgbClr val="A4A3A4"/>
           </p15:clr>
@@ -130,6 +128,470 @@
     </p:ext>
   </p:extLst>
 </p:presentation>
+</file>
+
+<file path=ppt/notesMasters/notesMaster1.xml><?xml version="1.0" encoding="utf-8"?>
+<p:notesMaster xmlns:a="http://schemas.openxmlformats.org/drawingml/2006/main" xmlns:r="http://schemas.openxmlformats.org/officeDocument/2006/relationships" xmlns:p="http://schemas.openxmlformats.org/presentationml/2006/main">
+  <p:cSld>
+    <p:bg>
+      <p:bgRef idx="1001">
+        <a:schemeClr val="bg1"/>
+      </p:bgRef>
+    </p:bg>
+    <p:spTree>
+      <p:nvGrpSpPr>
+        <p:cNvPr id="1" name=""/>
+        <p:cNvGrpSpPr/>
+        <p:nvPr/>
+      </p:nvGrpSpPr>
+      <p:grpSpPr>
+        <a:xfrm>
+          <a:off x="0" y="0"/>
+          <a:ext cx="0" cy="0"/>
+          <a:chOff x="0" y="0"/>
+          <a:chExt cx="0" cy="0"/>
+        </a:xfrm>
+      </p:grpSpPr>
+      <p:sp>
+        <p:nvSpPr>
+          <p:cNvPr id="2" name="머리글 개체 틀 1"/>
+          <p:cNvSpPr>
+            <a:spLocks noGrp="1"/>
+          </p:cNvSpPr>
+          <p:nvPr>
+            <p:ph type="hdr" sz="quarter"/>
+          </p:nvPr>
+        </p:nvSpPr>
+        <p:spPr>
+          <a:xfrm>
+            <a:off x="0" y="0"/>
+            <a:ext cx="2971800" cy="458788"/>
+          </a:xfrm>
+          <a:prstGeom prst="rect">
+            <a:avLst/>
+          </a:prstGeom>
+        </p:spPr>
+        <p:txBody>
+          <a:bodyPr vert="horz" lIns="91440" tIns="45720" rIns="91440" bIns="45720"/>
+          <a:lstStyle>
+            <a:lvl1pPr algn="l">
+              <a:defRPr sz="1200"/>
+            </a:lvl1pPr>
+          </a:lstStyle>
+          <a:p>
+            <a:pPr lvl="0">
+              <a:defRPr/>
+            </a:pPr>
+            <a:endParaRPr kumimoji="1" lang="ko-KR" altLang="en-US"/>
+          </a:p>
+        </p:txBody>
+      </p:sp>
+      <p:sp>
+        <p:nvSpPr>
+          <p:cNvPr id="3" name="날짜 개체 틀 2"/>
+          <p:cNvSpPr>
+            <a:spLocks noGrp="1"/>
+          </p:cNvSpPr>
+          <p:nvPr>
+            <p:ph type="dt" idx="1"/>
+          </p:nvPr>
+        </p:nvSpPr>
+        <p:spPr>
+          <a:xfrm>
+            <a:off x="3884613" y="0"/>
+            <a:ext cx="2971800" cy="458788"/>
+          </a:xfrm>
+          <a:prstGeom prst="rect">
+            <a:avLst/>
+          </a:prstGeom>
+        </p:spPr>
+        <p:txBody>
+          <a:bodyPr vert="horz" lIns="91440" tIns="45720" rIns="91440" bIns="45720"/>
+          <a:lstStyle>
+            <a:lvl1pPr algn="r">
+              <a:defRPr sz="1200"/>
+            </a:lvl1pPr>
+          </a:lstStyle>
+          <a:p>
+            <a:pPr lvl="0">
+              <a:defRPr/>
+            </a:pPr>
+            <a:fld id="{F59BB45D-E811-2747-9263-6CE43025D3A7}" type="datetime1">
+              <a:rPr kumimoji="1" lang="ko-KR" altLang="en-US"/>
+              <a:pPr lvl="0">
+                <a:defRPr/>
+              </a:pPr>
+              <a:t>2024. 5. 9.</a:t>
+            </a:fld>
+            <a:endParaRPr kumimoji="1" lang="ko-KR" altLang="en-US"/>
+          </a:p>
+        </p:txBody>
+      </p:sp>
+      <p:sp>
+        <p:nvSpPr>
+          <p:cNvPr id="4" name="슬라이드 이미지 개체 틀 3"/>
+          <p:cNvSpPr>
+            <a:spLocks noGrp="1" noRot="1" noChangeAspect="1" noTextEdit="1"/>
+          </p:cNvSpPr>
+          <p:nvPr>
+            <p:ph type="sldImg" idx="2"/>
+          </p:nvPr>
+        </p:nvSpPr>
+        <p:spPr>
+          <a:xfrm>
+            <a:off x="685800" y="1143000"/>
+            <a:ext cx="5486400" cy="3086100"/>
+          </a:xfrm>
+          <a:prstGeom prst="rect">
+            <a:avLst/>
+          </a:prstGeom>
+          <a:noFill/>
+          <a:ln w="12700">
+            <a:solidFill>
+              <a:prstClr val="black"/>
+            </a:solidFill>
+          </a:ln>
+        </p:spPr>
+        <p:txBody>
+          <a:bodyPr vert="horz" lIns="91440" tIns="45720" rIns="91440" bIns="45720" anchor="ctr"/>
+          <a:lstStyle/>
+          <a:p>
+            <a:pPr lvl="0">
+              <a:defRPr/>
+            </a:pPr>
+            <a:endParaRPr lang="ko-KR" altLang="en-US"/>
+          </a:p>
+        </p:txBody>
+      </p:sp>
+      <p:sp>
+        <p:nvSpPr>
+          <p:cNvPr id="5" name="슬라이드 노트 개체 틀 4"/>
+          <p:cNvSpPr>
+            <a:spLocks noGrp="1"/>
+          </p:cNvSpPr>
+          <p:nvPr>
+            <p:ph type="body" sz="quarter" idx="3"/>
+          </p:nvPr>
+        </p:nvSpPr>
+        <p:spPr>
+          <a:xfrm>
+            <a:off x="685800" y="4400550"/>
+            <a:ext cx="5486400" cy="3600450"/>
+          </a:xfrm>
+          <a:prstGeom prst="rect">
+            <a:avLst/>
+          </a:prstGeom>
+        </p:spPr>
+        <p:txBody>
+          <a:bodyPr vert="horz" lIns="91440" tIns="45720" rIns="91440" bIns="45720"/>
+          <a:lstStyle/>
+          <a:p>
+            <a:pPr lvl="0">
+              <a:defRPr/>
+            </a:pPr>
+            <a:r>
+              <a:rPr kumimoji="1" lang="ko-KR" altLang="en-US"/>
+              <a:t>마스터 텍스트 스타일을 편집하려면 클릭</a:t>
+            </a:r>
+          </a:p>
+          <a:p>
+            <a:pPr lvl="1">
+              <a:defRPr/>
+            </a:pPr>
+            <a:r>
+              <a:rPr kumimoji="1" lang="ko-KR" altLang="en-US"/>
+              <a:t>두 번째 수준</a:t>
+            </a:r>
+          </a:p>
+          <a:p>
+            <a:pPr lvl="2">
+              <a:defRPr/>
+            </a:pPr>
+            <a:r>
+              <a:rPr kumimoji="1" lang="ko-KR" altLang="en-US"/>
+              <a:t>세 번째 수준</a:t>
+            </a:r>
+          </a:p>
+          <a:p>
+            <a:pPr lvl="3">
+              <a:defRPr/>
+            </a:pPr>
+            <a:r>
+              <a:rPr kumimoji="1" lang="ko-KR" altLang="en-US"/>
+              <a:t>네 번째 수준</a:t>
+            </a:r>
+          </a:p>
+          <a:p>
+            <a:pPr lvl="4">
+              <a:defRPr/>
+            </a:pPr>
+            <a:r>
+              <a:rPr kumimoji="1" lang="ko-KR" altLang="en-US"/>
+              <a:t>다섯 번째 수준</a:t>
+            </a:r>
+          </a:p>
+        </p:txBody>
+      </p:sp>
+      <p:sp>
+        <p:nvSpPr>
+          <p:cNvPr id="6" name="바닥글 개체 틀 5"/>
+          <p:cNvSpPr>
+            <a:spLocks noGrp="1"/>
+          </p:cNvSpPr>
+          <p:nvPr>
+            <p:ph type="ftr" sz="quarter" idx="4"/>
+          </p:nvPr>
+        </p:nvSpPr>
+        <p:spPr>
+          <a:xfrm>
+            <a:off x="0" y="8685213"/>
+            <a:ext cx="2971800" cy="458787"/>
+          </a:xfrm>
+          <a:prstGeom prst="rect">
+            <a:avLst/>
+          </a:prstGeom>
+        </p:spPr>
+        <p:txBody>
+          <a:bodyPr vert="horz" lIns="91440" tIns="45720" rIns="91440" bIns="45720" anchor="b"/>
+          <a:lstStyle>
+            <a:lvl1pPr algn="l">
+              <a:defRPr sz="1200"/>
+            </a:lvl1pPr>
+          </a:lstStyle>
+          <a:p>
+            <a:pPr lvl="0">
+              <a:defRPr/>
+            </a:pPr>
+            <a:endParaRPr kumimoji="1" lang="ko-KR" altLang="en-US"/>
+          </a:p>
+        </p:txBody>
+      </p:sp>
+      <p:sp>
+        <p:nvSpPr>
+          <p:cNvPr id="7" name="슬라이드 번호 개체 틀 6"/>
+          <p:cNvSpPr>
+            <a:spLocks noGrp="1"/>
+          </p:cNvSpPr>
+          <p:nvPr>
+            <p:ph type="sldNum" sz="quarter" idx="5"/>
+          </p:nvPr>
+        </p:nvSpPr>
+        <p:spPr>
+          <a:xfrm>
+            <a:off x="3884613" y="8685213"/>
+            <a:ext cx="2971800" cy="458787"/>
+          </a:xfrm>
+          <a:prstGeom prst="rect">
+            <a:avLst/>
+          </a:prstGeom>
+        </p:spPr>
+        <p:txBody>
+          <a:bodyPr vert="horz" lIns="91440" tIns="45720" rIns="91440" bIns="45720" anchor="b"/>
+          <a:lstStyle>
+            <a:lvl1pPr algn="r">
+              <a:defRPr sz="1200"/>
+            </a:lvl1pPr>
+          </a:lstStyle>
+          <a:p>
+            <a:pPr lvl="0">
+              <a:defRPr/>
+            </a:pPr>
+            <a:fld id="{D21480FD-C44E-AD4C-BDEF-BBE7AB1040B2}" type="slidenum">
+              <a:rPr kumimoji="1" lang="ko-KR" altLang="en-US"/>
+              <a:pPr lvl="0">
+                <a:defRPr/>
+              </a:pPr>
+              <a:t>‹#›</a:t>
+            </a:fld>
+            <a:endParaRPr kumimoji="1" lang="ko-KR" altLang="en-US"/>
+          </a:p>
+        </p:txBody>
+      </p:sp>
+    </p:spTree>
+  </p:cSld>
+  <p:clrMap bg1="lt1" tx1="dk1" bg2="lt2" tx2="dk2" accent1="accent1" accent2="accent2" accent3="accent3" accent4="accent4" accent5="accent5" accent6="accent6" hlink="hlink" folHlink="folHlink"/>
+  <p:hf hdr="0" ftr="0" dt="0"/>
+  <p:notesStyle>
+    <a:lvl1pPr marL="0" algn="l" defTabSz="914400" rtl="0" eaLnBrk="1" latinLnBrk="1" hangingPunct="1">
+      <a:defRPr sz="1200" kern="1200">
+        <a:solidFill>
+          <a:schemeClr val="tx1"/>
+        </a:solidFill>
+        <a:latin typeface="+mn-lt"/>
+        <a:ea typeface="+mn-ea"/>
+        <a:cs typeface="+mn-cs"/>
+      </a:defRPr>
+    </a:lvl1pPr>
+    <a:lvl2pPr marL="457200" algn="l" defTabSz="914400" rtl="0" eaLnBrk="1" latinLnBrk="1" hangingPunct="1">
+      <a:defRPr sz="1200" kern="1200">
+        <a:solidFill>
+          <a:schemeClr val="tx1"/>
+        </a:solidFill>
+        <a:latin typeface="+mn-lt"/>
+        <a:ea typeface="+mn-ea"/>
+        <a:cs typeface="+mn-cs"/>
+      </a:defRPr>
+    </a:lvl2pPr>
+    <a:lvl3pPr marL="914400" algn="l" defTabSz="914400" rtl="0" eaLnBrk="1" latinLnBrk="1" hangingPunct="1">
+      <a:defRPr sz="1200" kern="1200">
+        <a:solidFill>
+          <a:schemeClr val="tx1"/>
+        </a:solidFill>
+        <a:latin typeface="+mn-lt"/>
+        <a:ea typeface="+mn-ea"/>
+        <a:cs typeface="+mn-cs"/>
+      </a:defRPr>
+    </a:lvl3pPr>
+    <a:lvl4pPr marL="1371600" algn="l" defTabSz="914400" rtl="0" eaLnBrk="1" latinLnBrk="1" hangingPunct="1">
+      <a:defRPr sz="1200" kern="1200">
+        <a:solidFill>
+          <a:schemeClr val="tx1"/>
+        </a:solidFill>
+        <a:latin typeface="+mn-lt"/>
+        <a:ea typeface="+mn-ea"/>
+        <a:cs typeface="+mn-cs"/>
+      </a:defRPr>
+    </a:lvl4pPr>
+    <a:lvl5pPr marL="1828800" algn="l" defTabSz="914400" rtl="0" eaLnBrk="1" latinLnBrk="1" hangingPunct="1">
+      <a:defRPr sz="1200" kern="1200">
+        <a:solidFill>
+          <a:schemeClr val="tx1"/>
+        </a:solidFill>
+        <a:latin typeface="+mn-lt"/>
+        <a:ea typeface="+mn-ea"/>
+        <a:cs typeface="+mn-cs"/>
+      </a:defRPr>
+    </a:lvl5pPr>
+    <a:lvl6pPr marL="2286000" algn="l" defTabSz="914400" rtl="0" eaLnBrk="1" latinLnBrk="1" hangingPunct="1">
+      <a:defRPr sz="1200" kern="1200">
+        <a:solidFill>
+          <a:schemeClr val="tx1"/>
+        </a:solidFill>
+        <a:latin typeface="+mn-lt"/>
+        <a:ea typeface="+mn-ea"/>
+        <a:cs typeface="+mn-cs"/>
+      </a:defRPr>
+    </a:lvl6pPr>
+    <a:lvl7pPr marL="2743200" algn="l" defTabSz="914400" rtl="0" eaLnBrk="1" latinLnBrk="1" hangingPunct="1">
+      <a:defRPr sz="1200" kern="1200">
+        <a:solidFill>
+          <a:schemeClr val="tx1"/>
+        </a:solidFill>
+        <a:latin typeface="+mn-lt"/>
+        <a:ea typeface="+mn-ea"/>
+        <a:cs typeface="+mn-cs"/>
+      </a:defRPr>
+    </a:lvl7pPr>
+    <a:lvl8pPr marL="3200400" algn="l" defTabSz="914400" rtl="0" eaLnBrk="1" latinLnBrk="1" hangingPunct="1">
+      <a:defRPr sz="1200" kern="1200">
+        <a:solidFill>
+          <a:schemeClr val="tx1"/>
+        </a:solidFill>
+        <a:latin typeface="+mn-lt"/>
+        <a:ea typeface="+mn-ea"/>
+        <a:cs typeface="+mn-cs"/>
+      </a:defRPr>
+    </a:lvl8pPr>
+    <a:lvl9pPr marL="3657600" algn="l" defTabSz="914400" rtl="0" eaLnBrk="1" latinLnBrk="1" hangingPunct="1">
+      <a:defRPr sz="1200" kern="1200">
+        <a:solidFill>
+          <a:schemeClr val="tx1"/>
+        </a:solidFill>
+        <a:latin typeface="+mn-lt"/>
+        <a:ea typeface="+mn-ea"/>
+        <a:cs typeface="+mn-cs"/>
+      </a:defRPr>
+    </a:lvl9pPr>
+  </p:notesStyle>
+</p:notesMaster>
+</file>
+
+<file path=ppt/notesSlides/notesSlide1.xml><?xml version="1.0" encoding="utf-8"?>
+<p:notes xmlns:a="http://schemas.openxmlformats.org/drawingml/2006/main" xmlns:r="http://schemas.openxmlformats.org/officeDocument/2006/relationships" xmlns:p="http://schemas.openxmlformats.org/presentationml/2006/main">
+  <p:cSld>
+    <p:spTree>
+      <p:nvGrpSpPr>
+        <p:cNvPr id="1" name=""/>
+        <p:cNvGrpSpPr/>
+        <p:nvPr/>
+      </p:nvGrpSpPr>
+      <p:grpSpPr>
+        <a:xfrm>
+          <a:off x="0" y="0"/>
+          <a:ext cx="0" cy="0"/>
+          <a:chOff x="0" y="0"/>
+          <a:chExt cx="0" cy="0"/>
+        </a:xfrm>
+      </p:grpSpPr>
+      <p:sp>
+        <p:nvSpPr>
+          <p:cNvPr id="2" name="슬라이드 이미지 개체 틀 1"/>
+          <p:cNvSpPr>
+            <a:spLocks noGrp="1" noRot="1" noChangeAspect="1" noTextEdit="1"/>
+          </p:cNvSpPr>
+          <p:nvPr>
+            <p:ph type="sldImg"/>
+          </p:nvPr>
+        </p:nvSpPr>
+        <p:spPr/>
+      </p:sp>
+      <p:sp>
+        <p:nvSpPr>
+          <p:cNvPr id="3" name="슬라이드 노트 개체 틀 2"/>
+          <p:cNvSpPr>
+            <a:spLocks noGrp="1"/>
+          </p:cNvSpPr>
+          <p:nvPr>
+            <p:ph type="body" idx="1"/>
+          </p:nvPr>
+        </p:nvSpPr>
+        <p:spPr/>
+        <p:txBody>
+          <a:bodyPr/>
+          <a:lstStyle/>
+          <a:p>
+            <a:pPr lvl="0">
+              <a:defRPr/>
+            </a:pPr>
+            <a:endParaRPr kumimoji="1" lang="ko-KR" altLang="en-US"/>
+          </a:p>
+        </p:txBody>
+      </p:sp>
+      <p:sp>
+        <p:nvSpPr>
+          <p:cNvPr id="4" name="슬라이드 번호 개체 틀 3"/>
+          <p:cNvSpPr>
+            <a:spLocks noGrp="1"/>
+          </p:cNvSpPr>
+          <p:nvPr>
+            <p:ph type="sldNum" sz="quarter" idx="5"/>
+          </p:nvPr>
+        </p:nvSpPr>
+        <p:spPr/>
+        <p:txBody>
+          <a:bodyPr/>
+          <a:lstStyle/>
+          <a:p>
+            <a:pPr lvl="0">
+              <a:defRPr/>
+            </a:pPr>
+            <a:fld id="{D21480FD-C44E-AD4C-BDEF-BBE7AB1040B2}" type="slidenum">
+              <a:rPr kumimoji="1" lang="en-US" altLang="en-US"/>
+              <a:pPr lvl="0">
+                <a:defRPr/>
+              </a:pPr>
+              <a:t>1</a:t>
+            </a:fld>
+            <a:endParaRPr kumimoji="1" lang="en-US" altLang="en-US"/>
+          </a:p>
+        </p:txBody>
+      </p:sp>
+    </p:spTree>
+  </p:cSld>
+  <p:clrMapOvr>
+    <a:masterClrMapping/>
+  </p:clrMapOvr>
+</p:notes>
 </file>
 
 <file path=ppt/slideLayouts/slideLayout1.xml><?xml version="1.0" encoding="utf-8"?>
@@ -279,7 +741,7 @@
           <a:p>
             <a:fld id="{AF8B1663-7C2A-42E9-8AF3-A2BF2206EF26}" type="datetimeFigureOut">
               <a:rPr lang="ko-KR" altLang="en-US" smtClean="0"/>
-              <a:t>2024. 5. 7.</a:t>
+              <a:t>2024. 5. 9.</a:t>
             </a:fld>
             <a:endParaRPr lang="ko-KR" altLang="en-US"/>
           </a:p>
@@ -567,7 +1029,7 @@
           <a:p>
             <a:fld id="{AF8B1663-7C2A-42E9-8AF3-A2BF2206EF26}" type="datetimeFigureOut">
               <a:rPr lang="ko-KR" altLang="en-US" smtClean="0"/>
-              <a:t>2024. 5. 7.</a:t>
+              <a:t>2024. 5. 9.</a:t>
             </a:fld>
             <a:endParaRPr lang="ko-KR" altLang="en-US"/>
           </a:p>
@@ -765,7 +1227,7 @@
           <a:p>
             <a:fld id="{AF8B1663-7C2A-42E9-8AF3-A2BF2206EF26}" type="datetimeFigureOut">
               <a:rPr lang="ko-KR" altLang="en-US" smtClean="0"/>
-              <a:t>2024. 5. 7.</a:t>
+              <a:t>2024. 5. 9.</a:t>
             </a:fld>
             <a:endParaRPr lang="ko-KR" altLang="en-US"/>
           </a:p>
@@ -973,7 +1435,7 @@
           <a:p>
             <a:fld id="{AF8B1663-7C2A-42E9-8AF3-A2BF2206EF26}" type="datetimeFigureOut">
               <a:rPr lang="ko-KR" altLang="en-US" smtClean="0"/>
-              <a:t>2024. 5. 7.</a:t>
+              <a:t>2024. 5. 9.</a:t>
             </a:fld>
             <a:endParaRPr lang="ko-KR" altLang="en-US"/>
           </a:p>
@@ -1171,7 +1633,7 @@
           <a:p>
             <a:fld id="{AF8B1663-7C2A-42E9-8AF3-A2BF2206EF26}" type="datetimeFigureOut">
               <a:rPr lang="ko-KR" altLang="en-US" smtClean="0"/>
-              <a:t>2024. 5. 7.</a:t>
+              <a:t>2024. 5. 9.</a:t>
             </a:fld>
             <a:endParaRPr lang="ko-KR" altLang="en-US"/>
           </a:p>
@@ -1446,7 +1908,7 @@
           <a:p>
             <a:fld id="{AF8B1663-7C2A-42E9-8AF3-A2BF2206EF26}" type="datetimeFigureOut">
               <a:rPr lang="ko-KR" altLang="en-US" smtClean="0"/>
-              <a:t>2024. 5. 7.</a:t>
+              <a:t>2024. 5. 9.</a:t>
             </a:fld>
             <a:endParaRPr lang="ko-KR" altLang="en-US"/>
           </a:p>
@@ -1711,7 +2173,7 @@
           <a:p>
             <a:fld id="{AF8B1663-7C2A-42E9-8AF3-A2BF2206EF26}" type="datetimeFigureOut">
               <a:rPr lang="ko-KR" altLang="en-US" smtClean="0"/>
-              <a:t>2024. 5. 7.</a:t>
+              <a:t>2024. 5. 9.</a:t>
             </a:fld>
             <a:endParaRPr lang="ko-KR" altLang="en-US"/>
           </a:p>
@@ -2123,7 +2585,7 @@
           <a:p>
             <a:fld id="{AF8B1663-7C2A-42E9-8AF3-A2BF2206EF26}" type="datetimeFigureOut">
               <a:rPr lang="ko-KR" altLang="en-US" smtClean="0"/>
-              <a:t>2024. 5. 7.</a:t>
+              <a:t>2024. 5. 9.</a:t>
             </a:fld>
             <a:endParaRPr lang="ko-KR" altLang="en-US"/>
           </a:p>
@@ -2264,7 +2726,7 @@
           <a:p>
             <a:fld id="{AF8B1663-7C2A-42E9-8AF3-A2BF2206EF26}" type="datetimeFigureOut">
               <a:rPr lang="ko-KR" altLang="en-US" smtClean="0"/>
-              <a:t>2024. 5. 7.</a:t>
+              <a:t>2024. 5. 9.</a:t>
             </a:fld>
             <a:endParaRPr lang="ko-KR" altLang="en-US"/>
           </a:p>
@@ -2484,7 +2946,7 @@
           <a:p>
             <a:fld id="{AF8B1663-7C2A-42E9-8AF3-A2BF2206EF26}" type="datetimeFigureOut">
               <a:rPr lang="ko-KR" altLang="en-US" smtClean="0"/>
-              <a:t>2024. 5. 7.</a:t>
+              <a:t>2024. 5. 9.</a:t>
             </a:fld>
             <a:endParaRPr lang="ko-KR" altLang="en-US"/>
           </a:p>
@@ -2702,7 +3164,7 @@
           <a:p>
             <a:fld id="{AF8B1663-7C2A-42E9-8AF3-A2BF2206EF26}" type="datetimeFigureOut">
               <a:rPr lang="ko-KR" altLang="en-US" smtClean="0"/>
-              <a:t>2024. 5. 7.</a:t>
+              <a:t>2024. 5. 9.</a:t>
             </a:fld>
             <a:endParaRPr lang="ko-KR" altLang="en-US"/>
           </a:p>
@@ -3029,7 +3491,7 @@
           <a:p>
             <a:fld id="{AF8B1663-7C2A-42E9-8AF3-A2BF2206EF26}" type="datetimeFigureOut">
               <a:rPr lang="ko-KR" altLang="en-US" smtClean="0"/>
-              <a:t>2024. 5. 7.</a:t>
+              <a:t>2024. 5. 9.</a:t>
             </a:fld>
             <a:endParaRPr lang="ko-KR" altLang="en-US"/>
           </a:p>
@@ -3270,7 +3732,7 @@
           <a:p>
             <a:fld id="{AF8B1663-7C2A-42E9-8AF3-A2BF2206EF26}" type="datetimeFigureOut">
               <a:rPr lang="ko-KR" altLang="en-US" smtClean="0"/>
-              <a:t>2024. 5. 7.</a:t>
+              <a:t>2024. 5. 9.</a:t>
             </a:fld>
             <a:endParaRPr lang="ko-KR" altLang="en-US"/>
           </a:p>
@@ -3703,7 +4165,7 @@
           <p:nvPr/>
         </p:nvPicPr>
         <p:blipFill rotWithShape="1">
-          <a:blip r:embed="rId2" cstate="screen">
+          <a:blip r:embed="rId3" cstate="screen">
             <a:extLst>
               <a:ext uri="{28A0092B-C50C-407E-A947-70E740481C1C}">
                 <a14:useLocalDpi xmlns:a14="http://schemas.microsoft.com/office/drawing/2010/main" val="0"/>
@@ -4068,7 +4530,7 @@
 </p:sld>
 </file>
 
-<file path=ppt/slides/slide10.xml><?xml version="1.0" encoding="utf-8"?>
+<file path=ppt/slides/slide2.xml><?xml version="1.0" encoding="utf-8"?>
 <p:sld xmlns:a="http://schemas.openxmlformats.org/drawingml/2006/main" xmlns:r="http://schemas.openxmlformats.org/officeDocument/2006/relationships" xmlns:p="http://schemas.openxmlformats.org/presentationml/2006/main">
   <p:cSld>
     <p:spTree>
@@ -4171,7 +4633,7 @@
                   </a:schemeClr>
                 </a:solidFill>
               </a:rPr>
-              <a:t>Part 2</a:t>
+              <a:t>Part 1</a:t>
             </a:r>
             <a:endParaRPr lang="ko-KR" altLang="en-US" sz="1000" dirty="0">
               <a:solidFill>
@@ -4198,8 +4660,8 @@
         </p:nvSpPr>
         <p:spPr>
           <a:xfrm>
-            <a:off x="1096506" y="383381"/>
-            <a:ext cx="1148455" cy="369332"/>
+            <a:off x="1176688" y="383381"/>
+            <a:ext cx="1622560" cy="369332"/>
           </a:xfrm>
           <a:prstGeom prst="rect">
             <a:avLst/>
@@ -4212,24 +4674,14 @@
           </a:bodyPr>
           <a:lstStyle/>
           <a:p>
-            <a:pPr algn="ctr"/>
-            <a:r>
-              <a:rPr lang="ko-KR" altLang="en-US" sz="1800" dirty="0" err="1"/>
-              <a:t>Yacht</a:t>
-            </a:r>
+            <a:pPr lvl="0">
+              <a:defRPr/>
+            </a:pPr>
             <a:r>
               <a:rPr lang="ko-KR" altLang="en-US" sz="1800" dirty="0"/>
-              <a:t> </a:t>
-            </a:r>
-            <a:r>
-              <a:rPr lang="ko-KR" altLang="en-US" sz="1800" dirty="0" err="1"/>
-              <a:t>Dic</a:t>
-            </a:r>
-            <a:r>
-              <a:rPr lang="en-US" altLang="ko-KR" sz="1800" dirty="0"/>
-              <a:t>e</a:t>
-            </a:r>
-            <a:endParaRPr lang="ko-KR" altLang="en-US" sz="1800" b="1" spc="-300" dirty="0"/>
+              <a:t>기존 프로젝트</a:t>
+            </a:r>
+            <a:endParaRPr lang="en-US" altLang="ko-KR" sz="1800" dirty="0"/>
           </a:p>
         </p:txBody>
       </p:sp>
@@ -4247,8 +4699,8 @@
         </p:nvSpPr>
         <p:spPr>
           <a:xfrm>
-            <a:off x="4094057" y="1815152"/>
-            <a:ext cx="4003886" cy="4003886"/>
+            <a:off x="1472667" y="2106861"/>
+            <a:ext cx="2564443" cy="2838408"/>
           </a:xfrm>
           <a:prstGeom prst="ellipse">
             <a:avLst/>
@@ -4292,13 +4744,15 @@
               </a:ext>
             </a:extLst>
           </p:cNvPr>
-          <p:cNvCxnSpPr/>
+          <p:cNvCxnSpPr>
+            <a:cxnSpLocks/>
+          </p:cNvCxnSpPr>
           <p:nvPr/>
         </p:nvCxnSpPr>
         <p:spPr>
           <a:xfrm>
-            <a:off x="3166281" y="1815152"/>
-            <a:ext cx="736979" cy="736979"/>
+            <a:off x="1272148" y="1883120"/>
+            <a:ext cx="513109" cy="398338"/>
           </a:xfrm>
           <a:prstGeom prst="straightConnector1">
             <a:avLst/>
@@ -4343,8 +4797,8 @@
         </p:nvCxnSpPr>
         <p:spPr>
           <a:xfrm flipH="1">
-            <a:off x="8274957" y="1815151"/>
-            <a:ext cx="736979" cy="736979"/>
+            <a:off x="3832625" y="1826277"/>
+            <a:ext cx="491347" cy="455181"/>
           </a:xfrm>
           <a:prstGeom prst="straightConnector1">
             <a:avLst/>
@@ -4389,8 +4843,8 @@
         </p:nvCxnSpPr>
         <p:spPr>
           <a:xfrm flipV="1">
-            <a:off x="3166281" y="5082060"/>
-            <a:ext cx="736979" cy="736979"/>
+            <a:off x="1472667" y="4770671"/>
+            <a:ext cx="374590" cy="398338"/>
           </a:xfrm>
           <a:prstGeom prst="straightConnector1">
             <a:avLst/>
@@ -4435,8 +4889,8 @@
         </p:nvCxnSpPr>
         <p:spPr>
           <a:xfrm flipH="1" flipV="1">
-            <a:off x="8274957" y="5082059"/>
-            <a:ext cx="736979" cy="736979"/>
+            <a:off x="3955482" y="4730964"/>
+            <a:ext cx="541069" cy="494889"/>
           </a:xfrm>
           <a:prstGeom prst="straightConnector1">
             <a:avLst/>
@@ -4479,8 +4933,8 @@
         </p:nvSpPr>
         <p:spPr>
           <a:xfrm>
-            <a:off x="924269" y="1246056"/>
-            <a:ext cx="1941557" cy="1138773"/>
+            <a:off x="203107" y="896463"/>
+            <a:ext cx="1437531" cy="1384995"/>
           </a:xfrm>
           <a:prstGeom prst="rect">
             <a:avLst/>
@@ -4488,51 +4942,89 @@
           <a:noFill/>
         </p:spPr>
         <p:txBody>
-          <a:bodyPr wrap="none" rtlCol="0">
+          <a:bodyPr wrap="square" rtlCol="0">
             <a:spAutoFit/>
           </a:bodyPr>
           <a:lstStyle/>
           <a:p>
             <a:r>
-              <a:rPr lang="en-US" altLang="ko-KR" sz="2000" dirty="0" err="1"/>
-              <a:t>DotMatrix</a:t>
-            </a:r>
-            <a:endParaRPr lang="en-US" altLang="ko-KR" sz="2000" dirty="0"/>
-          </a:p>
-          <a:p>
-            <a:r>
-              <a:rPr lang="ko-KR" altLang="en-US" sz="1600" dirty="0">
+              <a:rPr lang="en-US" altLang="ko-KR" sz="1400" dirty="0">
                 <a:effectLst/>
                 <a:latin typeface="Helvetica" pitchFamily="2" charset="0"/>
               </a:rPr>
-              <a:t>주사위 숫자를</a:t>
-            </a:r>
-          </a:p>
-          <a:p>
-            <a:r>
-              <a:rPr lang="en-US" altLang="ko-KR" sz="1600" dirty="0">
+              <a:t>DOT MATRIX</a:t>
+            </a:r>
+          </a:p>
+          <a:p>
+            <a:r>
+              <a:rPr lang="ko-KR" altLang="en-US" sz="1400" dirty="0">
                 <a:effectLst/>
                 <a:latin typeface="Helvetica" pitchFamily="2" charset="0"/>
               </a:rPr>
-              <a:t>8 * 8 </a:t>
-            </a:r>
-            <a:r>
-              <a:rPr lang="ko-KR" altLang="en-US" sz="1600" dirty="0">
+              <a:t>묵</a:t>
+            </a:r>
+            <a:r>
+              <a:rPr lang="en-US" altLang="ko-KR" sz="1400" dirty="0">
                 <a:effectLst/>
                 <a:latin typeface="Helvetica" pitchFamily="2" charset="0"/>
               </a:rPr>
-              <a:t>매트릭스를</a:t>
-            </a:r>
-          </a:p>
-          <a:p>
-            <a:r>
-              <a:rPr lang="ko-KR" altLang="en-US" sz="1600" dirty="0">
+              <a:t>, </a:t>
+            </a:r>
+            <a:r>
+              <a:rPr lang="ko-KR" altLang="en-US" sz="1400" dirty="0">
                 <a:effectLst/>
                 <a:latin typeface="Helvetica" pitchFamily="2" charset="0"/>
               </a:rPr>
-              <a:t>이용해 문자로 표현</a:t>
-            </a:r>
-            <a:endParaRPr lang="en-US" altLang="ko-KR" sz="1600" dirty="0"/>
+              <a:t>찌</a:t>
+            </a:r>
+            <a:r>
+              <a:rPr lang="en-US" altLang="ko-KR" sz="1400" dirty="0">
+                <a:effectLst/>
+                <a:latin typeface="Helvetica" pitchFamily="2" charset="0"/>
+              </a:rPr>
+              <a:t>, </a:t>
+            </a:r>
+            <a:r>
+              <a:rPr lang="ko-KR" altLang="en-US" sz="1400" dirty="0">
+                <a:effectLst/>
+                <a:latin typeface="Helvetica" pitchFamily="2" charset="0"/>
+              </a:rPr>
+              <a:t>빠를</a:t>
+            </a:r>
+          </a:p>
+          <a:p>
+            <a:r>
+              <a:rPr lang="en-US" altLang="ko-KR" sz="1400" dirty="0">
+                <a:effectLst/>
+                <a:latin typeface="Helvetica" pitchFamily="2" charset="0"/>
+              </a:rPr>
+              <a:t>8 * 8 </a:t>
+            </a:r>
+            <a:r>
+              <a:rPr lang="ko-KR" altLang="en-US" sz="1400" dirty="0">
+                <a:effectLst/>
+                <a:latin typeface="Helvetica" pitchFamily="2" charset="0"/>
+              </a:rPr>
+              <a:t>매트릭스를</a:t>
+            </a:r>
+          </a:p>
+          <a:p>
+            <a:r>
+              <a:rPr lang="ko-KR" altLang="en-US" sz="1400" dirty="0">
+                <a:effectLst/>
+                <a:latin typeface="Helvetica" pitchFamily="2" charset="0"/>
+              </a:rPr>
+              <a:t>이용해</a:t>
+            </a:r>
+          </a:p>
+          <a:p>
+            <a:r>
+              <a:rPr lang="ko-KR" altLang="en-US" sz="1400" dirty="0">
+                <a:effectLst/>
+                <a:latin typeface="Helvetica" pitchFamily="2" charset="0"/>
+              </a:rPr>
+              <a:t>문자로 표현</a:t>
+            </a:r>
           </a:p>
         </p:txBody>
       </p:sp>
@@ -4550,8 +5042,8 @@
         </p:nvSpPr>
         <p:spPr>
           <a:xfrm>
-            <a:off x="9188950" y="1246056"/>
-            <a:ext cx="1941557" cy="1138773"/>
+            <a:off x="4496551" y="1004184"/>
+            <a:ext cx="1720343" cy="1169551"/>
           </a:xfrm>
           <a:prstGeom prst="rect">
             <a:avLst/>
@@ -4565,7 +5057,7 @@
           <a:lstStyle/>
           <a:p>
             <a:r>
-              <a:rPr lang="en-US" altLang="ko-KR" sz="2000" dirty="0">
+              <a:rPr lang="en-US" altLang="ko-KR" sz="1400" dirty="0">
                 <a:effectLst/>
                 <a:latin typeface="Helvetica" pitchFamily="2" charset="0"/>
               </a:rPr>
@@ -4574,41 +5066,44 @@
           </a:p>
           <a:p>
             <a:r>
-              <a:rPr lang="ko-KR" altLang="en-US" sz="1600" dirty="0">
-                <a:latin typeface="Helvetica" pitchFamily="2" charset="0"/>
-              </a:rPr>
-              <a:t>요트 게임</a:t>
-            </a:r>
-            <a:r>
-              <a:rPr lang="ko-KR" altLang="en-US" sz="1600" dirty="0">
+              <a:rPr lang="ko-KR" altLang="en-US" sz="1400" dirty="0">
                 <a:effectLst/>
                 <a:latin typeface="Helvetica" pitchFamily="2" charset="0"/>
               </a:rPr>
-              <a:t> 플레이</a:t>
-            </a:r>
-            <a:r>
-              <a:rPr lang="en-US" altLang="ko-KR" sz="1600" dirty="0">
+              <a:t>베팅 금액 조절 및</a:t>
+            </a:r>
+          </a:p>
+          <a:p>
+            <a:r>
+              <a:rPr lang="ko-KR" altLang="en-US" sz="1400" dirty="0">
                 <a:effectLst/>
                 <a:latin typeface="Helvetica" pitchFamily="2" charset="0"/>
               </a:rPr>
-              <a:t>,</a:t>
-            </a:r>
-          </a:p>
-          <a:p>
-            <a:r>
-              <a:rPr lang="ko-KR" altLang="en-US" sz="1600" dirty="0">
+              <a:t>가위바위보 플레이</a:t>
+            </a:r>
+            <a:r>
+              <a:rPr lang="en-US" altLang="ko-KR" sz="1400" dirty="0">
                 <a:effectLst/>
                 <a:latin typeface="Helvetica" pitchFamily="2" charset="0"/>
               </a:rPr>
-              <a:t>기타 조작을 위해</a:t>
-            </a:r>
-          </a:p>
-          <a:p>
-            <a:r>
-              <a:rPr lang="ko-KR" altLang="en-US" sz="1600" dirty="0">
+              <a:t>,</a:t>
+            </a:r>
+          </a:p>
+          <a:p>
+            <a:r>
+              <a:rPr lang="ko-KR" altLang="en-US" sz="1400" dirty="0">
                 <a:effectLst/>
                 <a:latin typeface="Helvetica" pitchFamily="2" charset="0"/>
               </a:rPr>
+              <a:t>기타 조작을 위해</a:t>
+            </a:r>
+          </a:p>
+          <a:p>
+            <a:r>
+              <a:rPr lang="ko-KR" altLang="en-US" sz="1400" dirty="0">
+                <a:effectLst/>
+                <a:latin typeface="Helvetica" pitchFamily="2" charset="0"/>
+              </a:rPr>
               <a:t>사용</a:t>
             </a:r>
           </a:p>
@@ -4628,8 +5123,8 @@
         </p:nvSpPr>
         <p:spPr>
           <a:xfrm>
-            <a:off x="1068950" y="5335845"/>
-            <a:ext cx="1587294" cy="1384995"/>
+            <a:off x="203107" y="4584234"/>
+            <a:ext cx="1410964" cy="1169551"/>
           </a:xfrm>
           <a:prstGeom prst="rect">
             <a:avLst/>
@@ -4643,7 +5138,7 @@
           <a:lstStyle/>
           <a:p>
             <a:r>
-              <a:rPr lang="en-US" altLang="ko-KR" sz="2000" dirty="0">
+              <a:rPr lang="en-US" altLang="ko-KR" sz="1400" dirty="0">
                 <a:effectLst/>
                 <a:latin typeface="Helvetica" pitchFamily="2" charset="0"/>
               </a:rPr>
@@ -4652,14 +5147,14 @@
           </a:p>
           <a:p>
             <a:r>
-              <a:rPr lang="en-US" altLang="ko-KR" sz="1600" dirty="0">
+              <a:rPr lang="en-US" altLang="ko-KR" sz="1400" dirty="0">
                 <a:effectLst/>
                 <a:latin typeface="Helvetica" pitchFamily="2" charset="0"/>
               </a:rPr>
               <a:t>2</a:t>
             </a:r>
             <a:r>
-              <a:rPr lang="ko-KR" altLang="en-US" sz="1600" dirty="0">
+              <a:rPr lang="ko-KR" altLang="en-US" sz="1400" dirty="0">
                 <a:effectLst/>
                 <a:latin typeface="Helvetica" pitchFamily="2" charset="0"/>
               </a:rPr>
@@ -4668,34 +5163,35 @@
           </a:p>
           <a:p>
             <a:r>
-              <a:rPr lang="ko-KR" altLang="en-US" sz="1600" dirty="0">
-                <a:latin typeface="Helvetica" pitchFamily="2" charset="0"/>
-              </a:rPr>
-              <a:t>점수</a:t>
-            </a:r>
-            <a:r>
-              <a:rPr lang="ko-KR" altLang="en-US" sz="1600" dirty="0">
+              <a:rPr lang="ko-KR" altLang="en-US" sz="1400" dirty="0" err="1">
                 <a:effectLst/>
                 <a:latin typeface="Helvetica" pitchFamily="2" charset="0"/>
               </a:rPr>
-              <a:t> 확인</a:t>
-            </a:r>
-          </a:p>
-          <a:p>
-            <a:r>
-              <a:rPr lang="en-US" altLang="ko-KR" sz="1600" dirty="0">
+              <a:t>배팅액</a:t>
+            </a:r>
+            <a:r>
+              <a:rPr lang="ko-KR" altLang="en-US" sz="1400" dirty="0">
                 <a:effectLst/>
                 <a:latin typeface="Helvetica" pitchFamily="2" charset="0"/>
               </a:rPr>
-              <a:t>1 - led on</a:t>
-            </a:r>
-          </a:p>
-          <a:p>
-            <a:r>
-              <a:rPr lang="en-US" altLang="ko-KR" sz="1600" dirty="0">
+              <a:t> 확인</a:t>
+            </a:r>
+          </a:p>
+          <a:p>
+            <a:r>
+              <a:rPr lang="en-US" altLang="ko-KR" sz="1400" dirty="0">
                 <a:effectLst/>
                 <a:latin typeface="Helvetica" pitchFamily="2" charset="0"/>
               </a:rPr>
+              <a:t>1 - led on</a:t>
+            </a:r>
+          </a:p>
+          <a:p>
+            <a:r>
+              <a:rPr lang="en-US" altLang="ko-KR" sz="1400" dirty="0">
+                <a:effectLst/>
+                <a:latin typeface="Helvetica" pitchFamily="2" charset="0"/>
+              </a:rPr>
               <a:t>0 - led off</a:t>
             </a:r>
           </a:p>
@@ -4703,10 +5199,10 @@
       </p:sp>
       <p:sp>
         <p:nvSpPr>
-          <p:cNvPr id="33" name="TextBox 32">
-            <a:extLst>
-              <a:ext uri="{FF2B5EF4-FFF2-40B4-BE49-F238E27FC236}">
-                <a16:creationId xmlns:a16="http://schemas.microsoft.com/office/drawing/2014/main" id="{BA065F87-CA45-B77A-B35D-399225EE9881}"/>
+          <p:cNvPr id="13" name="TextBox 12">
+            <a:extLst>
+              <a:ext uri="{FF2B5EF4-FFF2-40B4-BE49-F238E27FC236}">
+                <a16:creationId xmlns:a16="http://schemas.microsoft.com/office/drawing/2014/main" id="{483AAD8A-52DF-7F4B-15C6-5710CA53FC30}"/>
               </a:ext>
             </a:extLst>
           </p:cNvPr>
@@ -4715,8 +5211,8 @@
         </p:nvSpPr>
         <p:spPr>
           <a:xfrm>
-            <a:off x="4936772" y="3547235"/>
-            <a:ext cx="2318455" cy="707886"/>
+            <a:off x="4476513" y="5243504"/>
+            <a:ext cx="1361270" cy="523220"/>
           </a:xfrm>
           <a:prstGeom prst="rect">
             <a:avLst/>
@@ -4729,40 +5225,94 @@
           </a:bodyPr>
           <a:lstStyle/>
           <a:p>
-            <a:pPr algn="ctr"/>
-            <a:r>
-              <a:rPr lang="ko-KR" altLang="en-US" sz="4000" dirty="0" err="1">
+            <a:r>
+              <a:rPr lang="en-US" altLang="ko-KR" sz="1400" dirty="0">
+                <a:effectLst/>
+                <a:latin typeface="Helvetica" pitchFamily="2" charset="0"/>
+              </a:rPr>
+              <a:t>FND</a:t>
+            </a:r>
+          </a:p>
+          <a:p>
+            <a:r>
+              <a:rPr lang="ko-KR" altLang="en-US" sz="1400" dirty="0">
+                <a:effectLst/>
+                <a:latin typeface="Helvetica" pitchFamily="2" charset="0"/>
+              </a:rPr>
+              <a:t>현재 잔액 조회</a:t>
+            </a:r>
+          </a:p>
+        </p:txBody>
+      </p:sp>
+      <p:sp>
+        <p:nvSpPr>
+          <p:cNvPr id="33" name="TextBox 32">
+            <a:extLst>
+              <a:ext uri="{FF2B5EF4-FFF2-40B4-BE49-F238E27FC236}">
+                <a16:creationId xmlns:a16="http://schemas.microsoft.com/office/drawing/2014/main" id="{BA065F87-CA45-B77A-B35D-399225EE9881}"/>
+              </a:ext>
+            </a:extLst>
+          </p:cNvPr>
+          <p:cNvSpPr txBox="1"/>
+          <p:nvPr/>
+        </p:nvSpPr>
+        <p:spPr>
+          <a:xfrm>
+            <a:off x="1614071" y="3016379"/>
+            <a:ext cx="2329484" cy="1077218"/>
+          </a:xfrm>
+          <a:prstGeom prst="rect">
+            <a:avLst/>
+          </a:prstGeom>
+          <a:noFill/>
+        </p:spPr>
+        <p:txBody>
+          <a:bodyPr wrap="none" rtlCol="0">
+            <a:spAutoFit/>
+          </a:bodyPr>
+          <a:lstStyle/>
+          <a:p>
+            <a:pPr lvl="0">
+              <a:defRPr/>
+            </a:pPr>
+            <a:r>
+              <a:rPr lang="en-US" altLang="ko-KR" sz="3200" dirty="0" err="1">
                 <a:solidFill>
                   <a:schemeClr val="bg1"/>
                 </a:solidFill>
               </a:rPr>
-              <a:t>Yacht</a:t>
-            </a:r>
-            <a:r>
-              <a:rPr lang="ko-KR" altLang="en-US" sz="4000" dirty="0">
+              <a:t>가위바위보</a:t>
+            </a:r>
+            <a:r>
+              <a:rPr lang="en-US" altLang="ko-KR" sz="3200" dirty="0">
                 <a:solidFill>
                   <a:schemeClr val="bg1"/>
                 </a:solidFill>
               </a:rPr>
               <a:t> </a:t>
             </a:r>
-            <a:r>
-              <a:rPr lang="ko-KR" altLang="en-US" sz="4000" dirty="0" err="1">
+          </a:p>
+          <a:p>
+            <a:pPr lvl="0">
+              <a:defRPr/>
+            </a:pPr>
+            <a:r>
+              <a:rPr lang="en-US" altLang="ko-KR" sz="3200" dirty="0" err="1">
                 <a:solidFill>
                   <a:schemeClr val="bg1"/>
                 </a:solidFill>
               </a:rPr>
-              <a:t>Dic</a:t>
-            </a:r>
-            <a:r>
-              <a:rPr lang="en-US" altLang="ko-KR" sz="4000" dirty="0">
+              <a:t>베팅</a:t>
+            </a:r>
+            <a:r>
+              <a:rPr lang="ko-KR" altLang="en-US" sz="3200" dirty="0">
                 <a:solidFill>
                   <a:schemeClr val="bg1"/>
                 </a:solidFill>
               </a:rPr>
-              <a:t>e</a:t>
-            </a:r>
-            <a:endParaRPr lang="ko-KR" altLang="en-US" sz="4000" b="1" spc="-300" dirty="0">
+              <a:t> 게임</a:t>
+            </a:r>
+            <a:endParaRPr lang="en-US" altLang="ko-KR" sz="3200" dirty="0">
               <a:solidFill>
                 <a:schemeClr val="bg1"/>
               </a:solidFill>
@@ -4772,187 +5322,60 @@
       </p:sp>
       <p:sp>
         <p:nvSpPr>
-          <p:cNvPr id="15" name="TextBox 14">
-            <a:extLst>
-              <a:ext uri="{FF2B5EF4-FFF2-40B4-BE49-F238E27FC236}">
-                <a16:creationId xmlns:a16="http://schemas.microsoft.com/office/drawing/2014/main" id="{6EDA8C35-FB6D-EC74-D98C-6C3A0DF27B42}"/>
-              </a:ext>
-            </a:extLst>
-          </p:cNvPr>
-          <p:cNvSpPr txBox="1"/>
+          <p:cNvPr id="18" name="타원 17">
+            <a:extLst>
+              <a:ext uri="{FF2B5EF4-FFF2-40B4-BE49-F238E27FC236}">
+                <a16:creationId xmlns:a16="http://schemas.microsoft.com/office/drawing/2014/main" id="{AE5A54CC-9B97-3DF7-22E8-53FD542D21A9}"/>
+              </a:ext>
+            </a:extLst>
+          </p:cNvPr>
+          <p:cNvSpPr/>
           <p:nvPr/>
         </p:nvSpPr>
         <p:spPr>
           <a:xfrm>
-            <a:off x="9188950" y="5380672"/>
-            <a:ext cx="2664249" cy="1477328"/>
-          </a:xfrm>
-          <a:prstGeom prst="rect">
+            <a:off x="7623777" y="2009796"/>
+            <a:ext cx="2564443" cy="2838408"/>
+          </a:xfrm>
+          <a:prstGeom prst="ellipse">
             <a:avLst/>
           </a:prstGeom>
-          <a:noFill/>
-        </p:spPr>
-        <p:txBody>
-          <a:bodyPr wrap="square" rtlCol="0">
-            <a:spAutoFit/>
-          </a:bodyPr>
-          <a:lstStyle/>
-          <a:p>
-            <a:r>
-              <a:rPr kumimoji="1" lang="ko-KR" altLang="en-US" dirty="0"/>
-              <a:t>기타</a:t>
-            </a:r>
-            <a:endParaRPr kumimoji="1" lang="en-US" altLang="ko-KR" dirty="0"/>
-          </a:p>
-          <a:p>
-            <a:r>
-              <a:rPr kumimoji="1" lang="en-US" altLang="ko-KR" dirty="0"/>
-              <a:t>Character LCD</a:t>
-            </a:r>
-            <a:r>
-              <a:rPr kumimoji="1" lang="ko-KR" altLang="en-US" dirty="0"/>
-              <a:t> </a:t>
-            </a:r>
-            <a:r>
-              <a:rPr kumimoji="1" lang="en-US" altLang="ko-KR" dirty="0"/>
-              <a:t>:</a:t>
-            </a:r>
-            <a:r>
-              <a:rPr kumimoji="1" lang="ko-KR" altLang="en-US" dirty="0"/>
-              <a:t> 게임 진행 상황</a:t>
-            </a:r>
-            <a:endParaRPr kumimoji="1" lang="en-US" altLang="ko-KR" dirty="0"/>
-          </a:p>
-          <a:p>
-            <a:r>
-              <a:rPr kumimoji="1" lang="en-US" altLang="ko-KR" dirty="0"/>
-              <a:t>7-SegmentLED : </a:t>
-            </a:r>
-            <a:r>
-              <a:rPr kumimoji="1" lang="ko-KR" altLang="en-US" dirty="0"/>
-              <a:t>제한 시간</a:t>
-            </a:r>
-          </a:p>
-        </p:txBody>
-      </p:sp>
-    </p:spTree>
-    <p:extLst>
-      <p:ext uri="{BB962C8B-B14F-4D97-AF65-F5344CB8AC3E}">
-        <p14:creationId xmlns:p14="http://schemas.microsoft.com/office/powerpoint/2010/main" val="3644207036"/>
-      </p:ext>
-    </p:extLst>
-  </p:cSld>
-  <p:clrMapOvr>
-    <a:masterClrMapping/>
-  </p:clrMapOvr>
-</p:sld>
-</file>
-
-<file path=ppt/slides/slide2.xml><?xml version="1.0" encoding="utf-8"?>
-<p:sld xmlns:a="http://schemas.openxmlformats.org/drawingml/2006/main" xmlns:r="http://schemas.openxmlformats.org/officeDocument/2006/relationships" xmlns:p="http://schemas.openxmlformats.org/presentationml/2006/main">
-  <p:cSld>
-    <p:bg>
-      <p:bgPr>
-        <a:solidFill>
-          <a:schemeClr val="accent1"/>
-        </a:solidFill>
-        <a:effectLst/>
-      </p:bgPr>
-    </p:bg>
-    <p:spTree>
-      <p:nvGrpSpPr>
-        <p:cNvPr id="1" name=""/>
-        <p:cNvGrpSpPr/>
-        <p:nvPr/>
-      </p:nvGrpSpPr>
-      <p:grpSpPr>
-        <a:xfrm>
-          <a:off x="0" y="0"/>
-          <a:ext cx="0" cy="0"/>
-          <a:chOff x="0" y="0"/>
-          <a:chExt cx="0" cy="0"/>
-        </a:xfrm>
-      </p:grpSpPr>
-      <p:pic>
-        <p:nvPicPr>
-          <p:cNvPr id="3" name="그림 2">
-            <a:extLst>
-              <a:ext uri="{FF2B5EF4-FFF2-40B4-BE49-F238E27FC236}">
-                <a16:creationId xmlns:a16="http://schemas.microsoft.com/office/drawing/2014/main" id="{527AF8B9-CFB1-55BC-0DAB-591C4EA18BE2}"/>
-              </a:ext>
-            </a:extLst>
-          </p:cNvPr>
-          <p:cNvPicPr>
-            <a:picLocks noChangeAspect="1"/>
-          </p:cNvPicPr>
-          <p:nvPr/>
-        </p:nvPicPr>
-        <p:blipFill>
-          <a:blip r:embed="rId2">
-            <a:extLst>
-              <a:ext uri="{28A0092B-C50C-407E-A947-70E740481C1C}">
-                <a14:useLocalDpi xmlns:a14="http://schemas.microsoft.com/office/drawing/2010/main" val="0"/>
-              </a:ext>
-            </a:extLst>
-          </a:blip>
-          <a:srcRect/>
-          <a:stretch/>
-        </p:blipFill>
-        <p:spPr>
-          <a:xfrm>
-            <a:off x="6086061" y="748595"/>
-            <a:ext cx="6096000" cy="6096000"/>
-          </a:xfrm>
-          <a:prstGeom prst="rect">
-            <a:avLst/>
-          </a:prstGeom>
-        </p:spPr>
-      </p:pic>
-      <p:sp>
-        <p:nvSpPr>
-          <p:cNvPr id="9" name="TextBox 8">
-            <a:extLst>
-              <a:ext uri="{FF2B5EF4-FFF2-40B4-BE49-F238E27FC236}">
-                <a16:creationId xmlns:a16="http://schemas.microsoft.com/office/drawing/2014/main" id="{F4D9590F-9302-1B4B-63A0-401B4B093250}"/>
-              </a:ext>
-            </a:extLst>
-          </p:cNvPr>
-          <p:cNvSpPr txBox="1"/>
-          <p:nvPr/>
-        </p:nvSpPr>
-        <p:spPr>
-          <a:xfrm>
-            <a:off x="473242" y="468563"/>
-            <a:ext cx="716863" cy="461665"/>
-          </a:xfrm>
-          <a:prstGeom prst="rect">
-            <a:avLst/>
-          </a:prstGeom>
-          <a:noFill/>
-        </p:spPr>
-        <p:txBody>
-          <a:bodyPr wrap="none" rtlCol="0">
-            <a:spAutoFit/>
-          </a:bodyPr>
-          <a:lstStyle/>
-          <a:p>
-            <a:r>
-              <a:rPr lang="ko-KR" altLang="en-US" sz="2400" b="1" dirty="0">
-                <a:solidFill>
-                  <a:schemeClr val="bg1"/>
-                </a:solidFill>
-              </a:rPr>
-              <a:t>목차</a:t>
-            </a:r>
+          <a:solidFill>
+            <a:schemeClr val="accent2"/>
+          </a:solidFill>
+          <a:ln>
+            <a:noFill/>
+          </a:ln>
+        </p:spPr>
+        <p:style>
+          <a:lnRef idx="0">
+            <a:scrgbClr r="0" g="0" b="0"/>
+          </a:lnRef>
+          <a:fillRef idx="0">
+            <a:scrgbClr r="0" g="0" b="0"/>
+          </a:fillRef>
+          <a:effectRef idx="0">
+            <a:scrgbClr r="0" g="0" b="0"/>
+          </a:effectRef>
+          <a:fontRef idx="minor">
+            <a:schemeClr val="lt1"/>
+          </a:fontRef>
+        </p:style>
+        <p:txBody>
+          <a:bodyPr rtlCol="0" anchor="ctr"/>
+          <a:lstStyle/>
+          <a:p>
+            <a:pPr algn="ctr"/>
+            <a:endParaRPr lang="ko-KR" altLang="en-US"/>
           </a:p>
         </p:txBody>
       </p:sp>
       <p:cxnSp>
         <p:nvCxnSpPr>
-          <p:cNvPr id="11" name="직선 연결선 10">
-            <a:extLst>
-              <a:ext uri="{FF2B5EF4-FFF2-40B4-BE49-F238E27FC236}">
-                <a16:creationId xmlns:a16="http://schemas.microsoft.com/office/drawing/2014/main" id="{4E5FC885-7B71-E7F7-1576-91D4770D4C31}"/>
+          <p:cNvPr id="19" name="직선 화살표 연결선 18">
+            <a:extLst>
+              <a:ext uri="{FF2B5EF4-FFF2-40B4-BE49-F238E27FC236}">
+                <a16:creationId xmlns:a16="http://schemas.microsoft.com/office/drawing/2014/main" id="{844FF189-B7D4-0A2F-A224-AD44F966C870}"/>
               </a:ext>
             </a:extLst>
           </p:cNvPr>
@@ -4963,16 +5386,19 @@
         </p:nvCxnSpPr>
         <p:spPr>
           <a:xfrm>
-            <a:off x="2390567" y="699395"/>
-            <a:ext cx="9801433" cy="0"/>
-          </a:xfrm>
-          <a:prstGeom prst="line">
+            <a:off x="7451198" y="1811330"/>
+            <a:ext cx="513109" cy="398338"/>
+          </a:xfrm>
+          <a:prstGeom prst="straightConnector1">
             <a:avLst/>
           </a:prstGeom>
           <a:ln>
             <a:solidFill>
-              <a:schemeClr val="bg1"/>
+              <a:schemeClr val="bg1">
+                <a:lumMod val="65000"/>
+              </a:schemeClr>
             </a:solidFill>
+            <a:tailEnd type="triangle"/>
           </a:ln>
         </p:spPr>
         <p:style>
@@ -4990,12 +5416,150 @@
           </a:fontRef>
         </p:style>
       </p:cxnSp>
-      <p:sp>
-        <p:nvSpPr>
-          <p:cNvPr id="12" name="TextBox 11">
-            <a:extLst>
-              <a:ext uri="{FF2B5EF4-FFF2-40B4-BE49-F238E27FC236}">
-                <a16:creationId xmlns:a16="http://schemas.microsoft.com/office/drawing/2014/main" id="{B5830DE6-55D9-DCAF-4A6C-07F5BA0137A9}"/>
+      <p:cxnSp>
+        <p:nvCxnSpPr>
+          <p:cNvPr id="20" name="직선 화살표 연결선 19">
+            <a:extLst>
+              <a:ext uri="{FF2B5EF4-FFF2-40B4-BE49-F238E27FC236}">
+                <a16:creationId xmlns:a16="http://schemas.microsoft.com/office/drawing/2014/main" id="{2F371213-BA94-46F7-6117-7BC3D22362A2}"/>
+              </a:ext>
+            </a:extLst>
+          </p:cNvPr>
+          <p:cNvCxnSpPr>
+            <a:cxnSpLocks/>
+          </p:cNvCxnSpPr>
+          <p:nvPr/>
+        </p:nvCxnSpPr>
+        <p:spPr>
+          <a:xfrm flipH="1">
+            <a:off x="9796712" y="1718554"/>
+            <a:ext cx="491347" cy="455181"/>
+          </a:xfrm>
+          <a:prstGeom prst="straightConnector1">
+            <a:avLst/>
+          </a:prstGeom>
+          <a:ln>
+            <a:solidFill>
+              <a:schemeClr val="bg1">
+                <a:lumMod val="65000"/>
+              </a:schemeClr>
+            </a:solidFill>
+            <a:tailEnd type="triangle"/>
+          </a:ln>
+        </p:spPr>
+        <p:style>
+          <a:lnRef idx="1">
+            <a:schemeClr val="accent1"/>
+          </a:lnRef>
+          <a:fillRef idx="0">
+            <a:schemeClr val="accent1"/>
+          </a:fillRef>
+          <a:effectRef idx="0">
+            <a:schemeClr val="accent1"/>
+          </a:effectRef>
+          <a:fontRef idx="minor">
+            <a:schemeClr val="tx1"/>
+          </a:fontRef>
+        </p:style>
+      </p:cxnSp>
+      <p:cxnSp>
+        <p:nvCxnSpPr>
+          <p:cNvPr id="21" name="직선 화살표 연결선 20">
+            <a:extLst>
+              <a:ext uri="{FF2B5EF4-FFF2-40B4-BE49-F238E27FC236}">
+                <a16:creationId xmlns:a16="http://schemas.microsoft.com/office/drawing/2014/main" id="{82CD8336-4117-1841-8311-56E4B47AA4B6}"/>
+              </a:ext>
+            </a:extLst>
+          </p:cNvPr>
+          <p:cNvCxnSpPr>
+            <a:cxnSpLocks/>
+          </p:cNvCxnSpPr>
+          <p:nvPr/>
+        </p:nvCxnSpPr>
+        <p:spPr>
+          <a:xfrm flipV="1">
+            <a:off x="7623777" y="4673606"/>
+            <a:ext cx="374590" cy="398338"/>
+          </a:xfrm>
+          <a:prstGeom prst="straightConnector1">
+            <a:avLst/>
+          </a:prstGeom>
+          <a:ln>
+            <a:solidFill>
+              <a:schemeClr val="bg1">
+                <a:lumMod val="65000"/>
+              </a:schemeClr>
+            </a:solidFill>
+            <a:tailEnd type="triangle"/>
+          </a:ln>
+        </p:spPr>
+        <p:style>
+          <a:lnRef idx="1">
+            <a:schemeClr val="accent1"/>
+          </a:lnRef>
+          <a:fillRef idx="0">
+            <a:schemeClr val="accent1"/>
+          </a:fillRef>
+          <a:effectRef idx="0">
+            <a:schemeClr val="accent1"/>
+          </a:effectRef>
+          <a:fontRef idx="minor">
+            <a:schemeClr val="tx1"/>
+          </a:fontRef>
+        </p:style>
+      </p:cxnSp>
+      <p:cxnSp>
+        <p:nvCxnSpPr>
+          <p:cNvPr id="22" name="직선 화살표 연결선 21">
+            <a:extLst>
+              <a:ext uri="{FF2B5EF4-FFF2-40B4-BE49-F238E27FC236}">
+                <a16:creationId xmlns:a16="http://schemas.microsoft.com/office/drawing/2014/main" id="{DD279298-FF09-8168-F811-3BF6DBCB7AD2}"/>
+              </a:ext>
+            </a:extLst>
+          </p:cNvPr>
+          <p:cNvCxnSpPr>
+            <a:cxnSpLocks/>
+          </p:cNvCxnSpPr>
+          <p:nvPr/>
+        </p:nvCxnSpPr>
+        <p:spPr>
+          <a:xfrm flipH="1" flipV="1">
+            <a:off x="10042386" y="4487156"/>
+            <a:ext cx="541069" cy="494889"/>
+          </a:xfrm>
+          <a:prstGeom prst="straightConnector1">
+            <a:avLst/>
+          </a:prstGeom>
+          <a:ln>
+            <a:solidFill>
+              <a:schemeClr val="bg1">
+                <a:lumMod val="65000"/>
+              </a:schemeClr>
+            </a:solidFill>
+            <a:tailEnd type="triangle"/>
+          </a:ln>
+        </p:spPr>
+        <p:style>
+          <a:lnRef idx="1">
+            <a:schemeClr val="accent1"/>
+          </a:lnRef>
+          <a:fillRef idx="0">
+            <a:schemeClr val="accent1"/>
+          </a:fillRef>
+          <a:effectRef idx="0">
+            <a:schemeClr val="accent1"/>
+          </a:effectRef>
+          <a:fontRef idx="minor">
+            <a:schemeClr val="tx1"/>
+          </a:fontRef>
+        </p:style>
+      </p:cxnSp>
+      <p:sp>
+        <p:nvSpPr>
+          <p:cNvPr id="23" name="TextBox 22">
+            <a:extLst>
+              <a:ext uri="{FF2B5EF4-FFF2-40B4-BE49-F238E27FC236}">
+                <a16:creationId xmlns:a16="http://schemas.microsoft.com/office/drawing/2014/main" id="{BD3B32ED-9492-B466-544F-9E3D6094398A}"/>
               </a:ext>
             </a:extLst>
           </p:cNvPr>
@@ -5004,8 +5568,8 @@
         </p:nvSpPr>
         <p:spPr>
           <a:xfrm>
-            <a:off x="1519563" y="1946609"/>
-            <a:ext cx="352982" cy="523220"/>
+            <a:off x="10719333" y="4812615"/>
+            <a:ext cx="1361270" cy="1169551"/>
           </a:xfrm>
           <a:prstGeom prst="rect">
             <a:avLst/>
@@ -5013,34 +5577,119 @@
           <a:noFill/>
         </p:spPr>
         <p:txBody>
+          <a:bodyPr wrap="square" rtlCol="0">
+            <a:spAutoFit/>
+          </a:bodyPr>
+          <a:lstStyle/>
+          <a:p>
+            <a:r>
+              <a:rPr kumimoji="1" lang="ko-KR" altLang="en-US" sz="1400" dirty="0"/>
+              <a:t>기타</a:t>
+            </a:r>
+            <a:endParaRPr kumimoji="1" lang="en-US" altLang="ko-KR" sz="1400" dirty="0"/>
+          </a:p>
+          <a:p>
+            <a:r>
+              <a:rPr kumimoji="1" lang="en-US" altLang="ko-KR" sz="1400" dirty="0"/>
+              <a:t>Character LCD</a:t>
+            </a:r>
+            <a:r>
+              <a:rPr kumimoji="1" lang="ko-KR" altLang="en-US" sz="1400" dirty="0"/>
+              <a:t> </a:t>
+            </a:r>
+            <a:r>
+              <a:rPr kumimoji="1" lang="en-US" altLang="ko-KR" sz="1400" dirty="0"/>
+              <a:t>:</a:t>
+            </a:r>
+            <a:r>
+              <a:rPr kumimoji="1" lang="ko-KR" altLang="en-US" sz="1400" dirty="0"/>
+              <a:t> 게임 진행 상황</a:t>
+            </a:r>
+            <a:endParaRPr kumimoji="1" lang="en-US" altLang="ko-KR" sz="1400" dirty="0"/>
+          </a:p>
+          <a:p>
+            <a:r>
+              <a:rPr kumimoji="1" lang="en-US" altLang="ko-KR" sz="1400" dirty="0"/>
+              <a:t>7-SegmentLED : </a:t>
+            </a:r>
+            <a:r>
+              <a:rPr kumimoji="1" lang="ko-KR" altLang="en-US" sz="1400" dirty="0"/>
+              <a:t>제한 시간</a:t>
+            </a:r>
+          </a:p>
+        </p:txBody>
+      </p:sp>
+      <p:sp>
+        <p:nvSpPr>
+          <p:cNvPr id="24" name="TextBox 23">
+            <a:extLst>
+              <a:ext uri="{FF2B5EF4-FFF2-40B4-BE49-F238E27FC236}">
+                <a16:creationId xmlns:a16="http://schemas.microsoft.com/office/drawing/2014/main" id="{C1DBD388-0518-E299-9D71-0DB355E08A12}"/>
+              </a:ext>
+            </a:extLst>
+          </p:cNvPr>
+          <p:cNvSpPr txBox="1"/>
+          <p:nvPr/>
+        </p:nvSpPr>
+        <p:spPr>
+          <a:xfrm>
+            <a:off x="7971646" y="2870537"/>
+            <a:ext cx="2012089" cy="1077218"/>
+          </a:xfrm>
+          <a:prstGeom prst="rect">
+            <a:avLst/>
+          </a:prstGeom>
+          <a:noFill/>
+        </p:spPr>
+        <p:txBody>
           <a:bodyPr wrap="none" rtlCol="0">
             <a:spAutoFit/>
           </a:bodyPr>
           <a:lstStyle/>
           <a:p>
-            <a:pPr algn="ctr"/>
-            <a:r>
-              <a:rPr lang="en-US" altLang="ko-KR" sz="2800" b="1" dirty="0">
+            <a:pPr lvl="0">
+              <a:defRPr/>
+            </a:pPr>
+            <a:r>
+              <a:rPr lang="ko-KR" altLang="en-US" sz="3200" dirty="0">
                 <a:solidFill>
                   <a:schemeClr val="bg1"/>
                 </a:solidFill>
               </a:rPr>
-              <a:t>1</a:t>
-            </a:r>
-            <a:endParaRPr lang="ko-KR" altLang="en-US" sz="2800" b="1" dirty="0">
+              <a:t>폭탄 해제 </a:t>
+            </a:r>
+            <a:endParaRPr lang="en-US" altLang="ko-KR" sz="3200" dirty="0">
               <a:solidFill>
                 <a:schemeClr val="bg1"/>
               </a:solidFill>
             </a:endParaRPr>
           </a:p>
-        </p:txBody>
-      </p:sp>
-      <p:sp>
-        <p:nvSpPr>
-          <p:cNvPr id="13" name="TextBox 12">
-            <a:extLst>
-              <a:ext uri="{FF2B5EF4-FFF2-40B4-BE49-F238E27FC236}">
-                <a16:creationId xmlns:a16="http://schemas.microsoft.com/office/drawing/2014/main" id="{F524BA82-8190-BB65-EB75-7AE3E1F51236}"/>
+          <a:p>
+            <a:pPr lvl="0">
+              <a:defRPr/>
+            </a:pPr>
+            <a:r>
+              <a:rPr lang="ko-KR" altLang="en-US" sz="3200" dirty="0">
+                <a:solidFill>
+                  <a:schemeClr val="bg1"/>
+                </a:solidFill>
+              </a:rPr>
+              <a:t>게임</a:t>
+            </a:r>
+            <a:endParaRPr lang="en-US" altLang="ko-KR" sz="3200" dirty="0">
+              <a:solidFill>
+                <a:schemeClr val="bg1"/>
+              </a:solidFill>
+            </a:endParaRPr>
+          </a:p>
+        </p:txBody>
+      </p:sp>
+      <p:sp>
+        <p:nvSpPr>
+          <p:cNvPr id="25" name="TextBox 24">
+            <a:extLst>
+              <a:ext uri="{FF2B5EF4-FFF2-40B4-BE49-F238E27FC236}">
+                <a16:creationId xmlns:a16="http://schemas.microsoft.com/office/drawing/2014/main" id="{CE130F27-FCD9-24C5-ADE6-FE8D26C8812B}"/>
               </a:ext>
             </a:extLst>
           </p:cNvPr>
@@ -5049,8 +5698,8 @@
         </p:nvSpPr>
         <p:spPr>
           <a:xfrm>
-            <a:off x="2390567" y="2023553"/>
-            <a:ext cx="2355132" cy="369332"/>
+            <a:off x="10106592" y="972897"/>
+            <a:ext cx="1903598" cy="738664"/>
           </a:xfrm>
           <a:prstGeom prst="rect">
             <a:avLst/>
@@ -5064,35 +5713,49 @@
           <a:lstStyle/>
           <a:p>
             <a:r>
-              <a:rPr lang="ko-KR" altLang="en-US" spc="600" dirty="0">
-                <a:solidFill>
-                  <a:schemeClr val="bg1"/>
-                </a:solidFill>
-              </a:rPr>
-              <a:t>기존 프로젝트</a:t>
-            </a:r>
-            <a:r>
-              <a:rPr lang="en-US" altLang="ko-KR" spc="600" dirty="0">
-                <a:solidFill>
-                  <a:schemeClr val="bg1"/>
-                </a:solidFill>
-              </a:rPr>
-              <a:t>1</a:t>
-            </a:r>
-            <a:endParaRPr lang="ko-KR" altLang="en-US" spc="600" dirty="0">
-              <a:solidFill>
-                <a:schemeClr val="bg1"/>
-              </a:solidFill>
-            </a:endParaRPr>
-          </a:p>
-        </p:txBody>
-      </p:sp>
-      <p:sp>
-        <p:nvSpPr>
-          <p:cNvPr id="14" name="TextBox 13">
-            <a:extLst>
-              <a:ext uri="{FF2B5EF4-FFF2-40B4-BE49-F238E27FC236}">
-                <a16:creationId xmlns:a16="http://schemas.microsoft.com/office/drawing/2014/main" id="{208E5067-67D5-09A2-7FA1-777CBC3A2FFA}"/>
+              <a:rPr lang="ko-KR" altLang="en-US" sz="1400" dirty="0"/>
+              <a:t>미로 찾기 게임</a:t>
+            </a:r>
+            <a:endParaRPr lang="en-US" altLang="ko-KR" sz="1400" dirty="0"/>
+          </a:p>
+          <a:p>
+            <a:r>
+              <a:rPr lang="en-US" altLang="ko-KR" sz="1400" dirty="0" err="1"/>
+              <a:t>DotMatrix</a:t>
+            </a:r>
+            <a:r>
+              <a:rPr lang="en-US" altLang="ko-KR" sz="1400" dirty="0"/>
+              <a:t> :</a:t>
+            </a:r>
+            <a:r>
+              <a:rPr lang="ko-KR" altLang="en-US" sz="1400" dirty="0"/>
+              <a:t> 미로표현</a:t>
+            </a:r>
+            <a:endParaRPr lang="en-US" altLang="ko-KR" sz="1400" dirty="0"/>
+          </a:p>
+          <a:p>
+            <a:r>
+              <a:rPr lang="en-US" altLang="ko-KR" sz="1400" dirty="0" err="1"/>
+              <a:t>TactSwithch</a:t>
+            </a:r>
+            <a:r>
+              <a:rPr lang="en-US" altLang="ko-KR" sz="1400" dirty="0"/>
+              <a:t> : </a:t>
+            </a:r>
+            <a:r>
+              <a:rPr lang="ko-KR" altLang="en-US" sz="1400" dirty="0"/>
+              <a:t>경로선택</a:t>
+            </a:r>
+            <a:endParaRPr lang="en-US" altLang="ko-KR" sz="1400" dirty="0"/>
+          </a:p>
+        </p:txBody>
+      </p:sp>
+      <p:sp>
+        <p:nvSpPr>
+          <p:cNvPr id="26" name="TextBox 25">
+            <a:extLst>
+              <a:ext uri="{FF2B5EF4-FFF2-40B4-BE49-F238E27FC236}">
+                <a16:creationId xmlns:a16="http://schemas.microsoft.com/office/drawing/2014/main" id="{300DDFD1-D42F-07D3-2020-CFE4C4A82699}"/>
               </a:ext>
             </a:extLst>
           </p:cNvPr>
@@ -5101,8 +5764,8 @@
         </p:nvSpPr>
         <p:spPr>
           <a:xfrm>
-            <a:off x="1493915" y="2942299"/>
-            <a:ext cx="404278" cy="523220"/>
+            <a:off x="6232082" y="901004"/>
+            <a:ext cx="1437531" cy="1169551"/>
           </a:xfrm>
           <a:prstGeom prst="rect">
             <a:avLst/>
@@ -5110,34 +5773,55 @@
           <a:noFill/>
         </p:spPr>
         <p:txBody>
-          <a:bodyPr wrap="none" rtlCol="0">
+          <a:bodyPr wrap="square" rtlCol="0">
             <a:spAutoFit/>
           </a:bodyPr>
           <a:lstStyle/>
           <a:p>
-            <a:pPr algn="ctr"/>
-            <a:r>
-              <a:rPr lang="en-US" altLang="ko-KR" sz="2800" b="1" dirty="0">
-                <a:solidFill>
-                  <a:schemeClr val="bg1"/>
-                </a:solidFill>
-              </a:rPr>
-              <a:t>2</a:t>
-            </a:r>
-            <a:endParaRPr lang="ko-KR" altLang="en-US" sz="2800" b="1" dirty="0">
-              <a:solidFill>
-                <a:schemeClr val="bg1"/>
-              </a:solidFill>
-            </a:endParaRPr>
-          </a:p>
-        </p:txBody>
-      </p:sp>
-      <p:sp>
-        <p:nvSpPr>
-          <p:cNvPr id="15" name="TextBox 14">
-            <a:extLst>
-              <a:ext uri="{FF2B5EF4-FFF2-40B4-BE49-F238E27FC236}">
-                <a16:creationId xmlns:a16="http://schemas.microsoft.com/office/drawing/2014/main" id="{01DA354F-8FF7-A69B-74C3-2E0DD902FDC5}"/>
+            <a:r>
+              <a:rPr lang="ko-KR" altLang="en-US" sz="1400" dirty="0"/>
+              <a:t>문양해석게임 </a:t>
+            </a:r>
+            <a:endParaRPr lang="en-US" altLang="ko-KR" sz="1400" dirty="0"/>
+          </a:p>
+          <a:p>
+            <a:r>
+              <a:rPr lang="en-US" altLang="ko-KR" sz="1400" dirty="0" err="1"/>
+              <a:t>DotMatrix</a:t>
+            </a:r>
+            <a:r>
+              <a:rPr lang="en-US" altLang="ko-KR" sz="1400" dirty="0"/>
+              <a:t> : </a:t>
+            </a:r>
+            <a:r>
+              <a:rPr lang="ko-KR" altLang="en-US" sz="1400" dirty="0"/>
+              <a:t>문양표현</a:t>
+            </a:r>
+            <a:endParaRPr lang="en-US" altLang="ko-KR" sz="1400" dirty="0"/>
+          </a:p>
+          <a:p>
+            <a:r>
+              <a:rPr lang="en-US" altLang="ko-KR" sz="1400" dirty="0" err="1"/>
+              <a:t>TactSwithch</a:t>
+            </a:r>
+            <a:r>
+              <a:rPr lang="en-US" altLang="ko-KR" sz="1400" dirty="0"/>
+              <a:t> : </a:t>
+            </a:r>
+            <a:r>
+              <a:rPr lang="ko-KR" altLang="en-US" sz="1400" dirty="0"/>
+              <a:t>문양선택</a:t>
+            </a:r>
+            <a:endParaRPr lang="en-US" altLang="ko-KR" sz="1400" dirty="0"/>
+          </a:p>
+        </p:txBody>
+      </p:sp>
+      <p:sp>
+        <p:nvSpPr>
+          <p:cNvPr id="27" name="TextBox 26">
+            <a:extLst>
+              <a:ext uri="{FF2B5EF4-FFF2-40B4-BE49-F238E27FC236}">
+                <a16:creationId xmlns:a16="http://schemas.microsoft.com/office/drawing/2014/main" id="{2F5EB377-437C-4964-2C2A-E52627087233}"/>
               </a:ext>
             </a:extLst>
           </p:cNvPr>
@@ -5146,8 +5830,8 @@
         </p:nvSpPr>
         <p:spPr>
           <a:xfrm>
-            <a:off x="2390567" y="3019243"/>
-            <a:ext cx="2355132" cy="369332"/>
+            <a:off x="6206846" y="4812616"/>
+            <a:ext cx="1437531" cy="1169551"/>
           </a:xfrm>
           <a:prstGeom prst="rect">
             <a:avLst/>
@@ -5155,41 +5839,62 @@
           <a:noFill/>
         </p:spPr>
         <p:txBody>
-          <a:bodyPr wrap="none" rtlCol="0">
+          <a:bodyPr wrap="square" rtlCol="0">
             <a:spAutoFit/>
           </a:bodyPr>
           <a:lstStyle/>
           <a:p>
             <a:r>
-              <a:rPr lang="ko-KR" altLang="en-US" spc="600" dirty="0">
-                <a:solidFill>
-                  <a:schemeClr val="bg1"/>
-                </a:solidFill>
-              </a:rPr>
-              <a:t>기존 프로젝트</a:t>
-            </a:r>
-            <a:r>
-              <a:rPr lang="en-US" altLang="ko-KR" spc="600" dirty="0">
-                <a:solidFill>
-                  <a:schemeClr val="bg1"/>
-                </a:solidFill>
-              </a:rPr>
-              <a:t>2</a:t>
-            </a:r>
-            <a:endParaRPr lang="ko-KR" altLang="en-US" spc="600" dirty="0">
-              <a:solidFill>
-                <a:schemeClr val="bg1"/>
-              </a:solidFill>
-            </a:endParaRPr>
-          </a:p>
-        </p:txBody>
-      </p:sp>
-      <p:sp>
-        <p:nvSpPr>
-          <p:cNvPr id="16" name="TextBox 15">
-            <a:extLst>
-              <a:ext uri="{FF2B5EF4-FFF2-40B4-BE49-F238E27FC236}">
-                <a16:creationId xmlns:a16="http://schemas.microsoft.com/office/drawing/2014/main" id="{D37AD924-3AED-AAA2-2CA0-4512299E45AC}"/>
+              <a:rPr lang="ko-KR" altLang="en-US" sz="1400" dirty="0"/>
+              <a:t>선 끊기 게임</a:t>
+            </a:r>
+            <a:endParaRPr lang="en-US" altLang="ko-KR" sz="1400" dirty="0"/>
+          </a:p>
+          <a:p>
+            <a:r>
+              <a:rPr lang="en-US" altLang="ko-KR" sz="1400" dirty="0"/>
+              <a:t>LED : </a:t>
+            </a:r>
+            <a:r>
+              <a:rPr lang="ko-KR" altLang="en-US" sz="1400" dirty="0"/>
+              <a:t>선과 색상 표현</a:t>
+            </a:r>
+            <a:endParaRPr lang="en-US" altLang="ko-KR" sz="1400" dirty="0"/>
+          </a:p>
+          <a:p>
+            <a:r>
+              <a:rPr lang="en-US" altLang="ko-KR" sz="1400" dirty="0"/>
+              <a:t>Dip</a:t>
+            </a:r>
+            <a:r>
+              <a:rPr lang="ko-KR" altLang="en-US" sz="1400" dirty="0"/>
+              <a:t> </a:t>
+            </a:r>
+            <a:r>
+              <a:rPr lang="en-US" altLang="ko-KR" sz="1400" dirty="0"/>
+              <a:t>Switch</a:t>
+            </a:r>
+            <a:r>
+              <a:rPr lang="ko-KR" altLang="en-US" sz="1400" dirty="0"/>
+              <a:t> </a:t>
+            </a:r>
+            <a:r>
+              <a:rPr lang="en-US" altLang="ko-KR" sz="1400" dirty="0"/>
+              <a:t>:</a:t>
+            </a:r>
+            <a:r>
+              <a:rPr lang="ko-KR" altLang="en-US" sz="1400" dirty="0"/>
+              <a:t> 선 끊기</a:t>
+            </a:r>
+          </a:p>
+        </p:txBody>
+      </p:sp>
+      <p:sp>
+        <p:nvSpPr>
+          <p:cNvPr id="14" name="TextBox 13">
+            <a:extLst>
+              <a:ext uri="{FF2B5EF4-FFF2-40B4-BE49-F238E27FC236}">
+                <a16:creationId xmlns:a16="http://schemas.microsoft.com/office/drawing/2014/main" id="{96F61A43-F48A-0546-DDB5-784086F7141F}"/>
               </a:ext>
             </a:extLst>
           </p:cNvPr>
@@ -5198,43 +5903,44 @@
         </p:nvSpPr>
         <p:spPr>
           <a:xfrm>
-            <a:off x="1489106" y="3937989"/>
-            <a:ext cx="413896" cy="523220"/>
+            <a:off x="381000" y="5982166"/>
+            <a:ext cx="5366657" cy="276999"/>
           </a:xfrm>
           <a:prstGeom prst="rect">
             <a:avLst/>
           </a:prstGeom>
-          <a:noFill/>
-        </p:spPr>
-        <p:txBody>
-          <a:bodyPr wrap="none" rtlCol="0">
+        </p:spPr>
+        <p:txBody>
+          <a:bodyPr wrap="square" rtlCol="0">
             <a:spAutoFit/>
           </a:bodyPr>
           <a:lstStyle/>
           <a:p>
-            <a:pPr algn="ctr"/>
-            <a:r>
-              <a:rPr lang="en-US" altLang="ko-KR" sz="2800" b="1" dirty="0">
-                <a:solidFill>
-                  <a:schemeClr val="bg1"/>
-                </a:solidFill>
-              </a:rPr>
-              <a:t>3</a:t>
-            </a:r>
-            <a:endParaRPr lang="ko-KR" altLang="en-US" sz="2800" b="1" dirty="0">
-              <a:solidFill>
-                <a:schemeClr val="bg1"/>
-              </a:solidFill>
-            </a:endParaRPr>
-          </a:p>
-        </p:txBody>
-      </p:sp>
-      <p:sp>
-        <p:nvSpPr>
-          <p:cNvPr id="17" name="TextBox 16">
-            <a:extLst>
-              <a:ext uri="{FF2B5EF4-FFF2-40B4-BE49-F238E27FC236}">
-                <a16:creationId xmlns:a16="http://schemas.microsoft.com/office/drawing/2014/main" id="{971C25A1-5539-6729-3EFF-4CB018E3C4DB}"/>
+            <a:r>
+              <a:rPr kumimoji="1" lang="ko-KR" altLang="en-US" sz="1200" dirty="0"/>
+              <a:t>출처 </a:t>
+            </a:r>
+            <a:r>
+              <a:rPr kumimoji="1" lang="en-US" altLang="ko-KR" sz="1200" dirty="0"/>
+              <a:t>:</a:t>
+            </a:r>
+            <a:r>
+              <a:rPr kumimoji="1" lang="ko-KR" altLang="en-US" sz="1200" dirty="0"/>
+              <a:t> </a:t>
+            </a:r>
+            <a:r>
+              <a:rPr kumimoji="1" lang="en-US" altLang="ko-KR" sz="1200" dirty="0"/>
+              <a:t>https://syki66.github.io/blog/2020/06/15/H-smart4412TKU.html</a:t>
+            </a:r>
+          </a:p>
+        </p:txBody>
+      </p:sp>
+      <p:sp>
+        <p:nvSpPr>
+          <p:cNvPr id="15" name="TextBox 14">
+            <a:extLst>
+              <a:ext uri="{FF2B5EF4-FFF2-40B4-BE49-F238E27FC236}">
+                <a16:creationId xmlns:a16="http://schemas.microsoft.com/office/drawing/2014/main" id="{DEC1D3FE-2663-6424-2ADC-E32A6BDA1973}"/>
               </a:ext>
             </a:extLst>
           </p:cNvPr>
@@ -5243,168 +5949,51 @@
         </p:nvSpPr>
         <p:spPr>
           <a:xfrm>
-            <a:off x="2390567" y="4014933"/>
-            <a:ext cx="1853392" cy="369332"/>
+            <a:off x="6912429" y="5982166"/>
+            <a:ext cx="4256314" cy="276999"/>
           </a:xfrm>
           <a:prstGeom prst="rect">
             <a:avLst/>
           </a:prstGeom>
-          <a:noFill/>
-        </p:spPr>
-        <p:txBody>
-          <a:bodyPr wrap="none" rtlCol="0">
+        </p:spPr>
+        <p:txBody>
+          <a:bodyPr wrap="square" rtlCol="0">
             <a:spAutoFit/>
           </a:bodyPr>
           <a:lstStyle/>
           <a:p>
             <a:r>
-              <a:rPr lang="ko-KR" altLang="en-US" spc="600" dirty="0">
-                <a:solidFill>
-                  <a:schemeClr val="bg1"/>
-                </a:solidFill>
-              </a:rPr>
-              <a:t>팀 프로젝트</a:t>
-            </a:r>
-          </a:p>
-        </p:txBody>
-      </p:sp>
-      <p:sp>
-        <p:nvSpPr>
-          <p:cNvPr id="20" name="TextBox 19">
-            <a:extLst>
-              <a:ext uri="{FF2B5EF4-FFF2-40B4-BE49-F238E27FC236}">
-                <a16:creationId xmlns:a16="http://schemas.microsoft.com/office/drawing/2014/main" id="{D5B2C9C0-6AC6-A05B-4BF0-D25A5708CF1F}"/>
-              </a:ext>
-            </a:extLst>
-          </p:cNvPr>
-          <p:cNvSpPr txBox="1"/>
-          <p:nvPr/>
-        </p:nvSpPr>
-        <p:spPr>
-          <a:xfrm>
-            <a:off x="1124505" y="576284"/>
-            <a:ext cx="1255472" cy="246221"/>
-          </a:xfrm>
-          <a:prstGeom prst="rect">
-            <a:avLst/>
-          </a:prstGeom>
-          <a:noFill/>
-        </p:spPr>
-        <p:txBody>
-          <a:bodyPr wrap="none" rtlCol="0">
-            <a:spAutoFit/>
-          </a:bodyPr>
-          <a:lstStyle/>
-          <a:p>
-            <a:r>
-              <a:rPr lang="en-US" altLang="ko-KR" sz="1000" dirty="0">
-                <a:solidFill>
-                  <a:schemeClr val="bg1"/>
-                </a:solidFill>
-              </a:rPr>
-              <a:t>a table of contents</a:t>
-            </a:r>
-            <a:endParaRPr lang="ko-KR" altLang="en-US" sz="1000" dirty="0">
-              <a:solidFill>
-                <a:schemeClr val="bg1"/>
-              </a:solidFill>
-            </a:endParaRPr>
-          </a:p>
-        </p:txBody>
-      </p:sp>
-      <p:sp>
-        <p:nvSpPr>
-          <p:cNvPr id="2" name="TextBox 1">
-            <a:extLst>
-              <a:ext uri="{FF2B5EF4-FFF2-40B4-BE49-F238E27FC236}">
-                <a16:creationId xmlns:a16="http://schemas.microsoft.com/office/drawing/2014/main" id="{4EF0826D-699E-1DA1-18F5-15F8DBEDDFE9}"/>
-              </a:ext>
-            </a:extLst>
-          </p:cNvPr>
-          <p:cNvSpPr txBox="1"/>
-          <p:nvPr/>
-        </p:nvSpPr>
-        <p:spPr>
-          <a:xfrm>
-            <a:off x="9987228" y="6586181"/>
-            <a:ext cx="2194833" cy="230832"/>
-          </a:xfrm>
-          <a:prstGeom prst="rect">
-            <a:avLst/>
-          </a:prstGeom>
-          <a:noFill/>
-        </p:spPr>
-        <p:txBody>
-          <a:bodyPr wrap="none" rtlCol="0">
-            <a:spAutoFit/>
-          </a:bodyPr>
-          <a:lstStyle/>
-          <a:p>
-            <a:pPr algn="r"/>
-            <a:r>
-              <a:rPr lang="en-US" altLang="ko-KR" sz="900" dirty="0">
-                <a:solidFill>
-                  <a:schemeClr val="bg1"/>
-                </a:solidFill>
-                <a:latin typeface="Arial" panose="020B0604020202020204" pitchFamily="34" charset="0"/>
-                <a:cs typeface="Arial" panose="020B0604020202020204" pitchFamily="34" charset="0"/>
-              </a:rPr>
-              <a:t>ⓒSaebyeol Yu.</a:t>
-            </a:r>
-            <a:r>
-              <a:rPr lang="ko-KR" altLang="en-US" sz="900" dirty="0">
-                <a:solidFill>
-                  <a:schemeClr val="bg1"/>
-                </a:solidFill>
-                <a:latin typeface="Arial" panose="020B0604020202020204" pitchFamily="34" charset="0"/>
-                <a:cs typeface="Arial" panose="020B0604020202020204" pitchFamily="34" charset="0"/>
-              </a:rPr>
+              <a:rPr kumimoji="1" lang="ko-KR" altLang="en-US" sz="1200" dirty="0"/>
+              <a:t>출처 </a:t>
+            </a:r>
+            <a:r>
+              <a:rPr kumimoji="1" lang="en-US" altLang="ko-KR" sz="1200" dirty="0"/>
+              <a:t>:</a:t>
+            </a:r>
+            <a:r>
+              <a:rPr kumimoji="1" lang="ko-KR" altLang="en-US" sz="1200" dirty="0"/>
               <a:t> </a:t>
             </a:r>
             <a:r>
-              <a:rPr lang="en-US" altLang="ko-KR" sz="900" dirty="0" err="1">
-                <a:solidFill>
-                  <a:schemeClr val="bg1"/>
-                </a:solidFill>
-                <a:latin typeface="Arial" panose="020B0604020202020204" pitchFamily="34" charset="0"/>
-                <a:cs typeface="Arial" panose="020B0604020202020204" pitchFamily="34" charset="0"/>
-              </a:rPr>
-              <a:t>Saebyeol’s</a:t>
-            </a:r>
-            <a:r>
-              <a:rPr lang="ko-KR" altLang="en-US" sz="900" dirty="0">
-                <a:solidFill>
-                  <a:schemeClr val="bg1"/>
-                </a:solidFill>
-                <a:latin typeface="Arial" panose="020B0604020202020204" pitchFamily="34" charset="0"/>
-                <a:cs typeface="Arial" panose="020B0604020202020204" pitchFamily="34" charset="0"/>
-              </a:rPr>
-              <a:t> </a:t>
-            </a:r>
-            <a:r>
-              <a:rPr lang="en-US" altLang="ko-KR" sz="900" dirty="0">
-                <a:solidFill>
-                  <a:schemeClr val="bg1"/>
-                </a:solidFill>
-                <a:latin typeface="Arial" panose="020B0604020202020204" pitchFamily="34" charset="0"/>
-                <a:cs typeface="Arial" panose="020B0604020202020204" pitchFamily="34" charset="0"/>
-              </a:rPr>
-              <a:t>PowerPoint</a:t>
-            </a:r>
-            <a:endParaRPr lang="ko-KR" altLang="en-US" sz="900" dirty="0">
-              <a:solidFill>
-                <a:schemeClr val="bg1"/>
-              </a:solidFill>
-              <a:latin typeface="Arial" panose="020B0604020202020204" pitchFamily="34" charset="0"/>
-              <a:cs typeface="Arial" panose="020B0604020202020204" pitchFamily="34" charset="0"/>
-            </a:endParaRPr>
+              <a:rPr kumimoji="1" lang="en-US" altLang="ko-KR" sz="1200" dirty="0"/>
+              <a:t>https://</a:t>
+            </a:r>
+            <a:r>
+              <a:rPr kumimoji="1" lang="en-US" altLang="ko-KR" sz="1200" dirty="0" err="1"/>
+              <a:t>takethat.tistory.com</a:t>
+            </a:r>
+            <a:r>
+              <a:rPr kumimoji="1" lang="en-US" altLang="ko-KR" sz="1200" dirty="0"/>
+              <a:t>/30</a:t>
+            </a:r>
+            <a:endParaRPr kumimoji="1" lang="ko-KR" altLang="en-US" sz="1200" dirty="0"/>
           </a:p>
         </p:txBody>
       </p:sp>
     </p:spTree>
     <p:extLst>
       <p:ext uri="{BB962C8B-B14F-4D97-AF65-F5344CB8AC3E}">
-        <p14:creationId xmlns:p14="http://schemas.microsoft.com/office/powerpoint/2010/main" val="488589175"/>
+        <p14:creationId xmlns:p14="http://schemas.microsoft.com/office/powerpoint/2010/main" val="3819453941"/>
       </p:ext>
     </p:extLst>
   </p:cSld>
@@ -5545,7 +6134,7 @@
         <p:spPr>
           <a:xfrm>
             <a:off x="1176688" y="383381"/>
-            <a:ext cx="1906291" cy="369332"/>
+            <a:ext cx="1622560" cy="369332"/>
           </a:xfrm>
           <a:prstGeom prst="rect">
             <a:avLst/>
@@ -5562,63 +6151,19 @@
               <a:defRPr/>
             </a:pPr>
             <a:r>
-              <a:rPr lang="en-US" altLang="ko-KR" sz="1800" dirty="0" err="1"/>
-              <a:t>가위바위보</a:t>
-            </a:r>
-            <a:r>
-              <a:rPr lang="en-US" altLang="ko-KR" sz="1800" dirty="0"/>
-              <a:t> </a:t>
-            </a:r>
-            <a:r>
-              <a:rPr lang="en-US" altLang="ko-KR" sz="1800" dirty="0" err="1"/>
-              <a:t>베팅</a:t>
+              <a:rPr lang="ko-KR" altLang="en-US" sz="1800" dirty="0"/>
+              <a:t>기존 프로젝트</a:t>
             </a:r>
             <a:endParaRPr lang="en-US" altLang="ko-KR" sz="1800" dirty="0"/>
           </a:p>
         </p:txBody>
       </p:sp>
-      <p:pic>
-        <p:nvPicPr>
-          <p:cNvPr id="8" name="그림 7" descr="스크린샷, 도표, 텍스트, 디자인이(가) 표시된 사진&#10;&#10;자동 생성된 설명">
-            <a:extLst>
-              <a:ext uri="{FF2B5EF4-FFF2-40B4-BE49-F238E27FC236}">
-                <a16:creationId xmlns:a16="http://schemas.microsoft.com/office/drawing/2014/main" id="{6919842C-D062-FF6D-4354-362F95D19F85}"/>
-              </a:ext>
-            </a:extLst>
-          </p:cNvPr>
-          <p:cNvPicPr>
-            <a:picLocks noChangeAspect="1"/>
-          </p:cNvPicPr>
-          <p:nvPr/>
-        </p:nvPicPr>
-        <p:blipFill>
-          <a:blip r:embed="rId2">
-            <a:extLst>
-              <a:ext uri="{28A0092B-C50C-407E-A947-70E740481C1C}">
-                <a14:useLocalDpi xmlns:a14="http://schemas.microsoft.com/office/drawing/2010/main" val="0"/>
-              </a:ext>
-            </a:extLst>
-          </a:blip>
-          <a:stretch>
-            <a:fillRect/>
-          </a:stretch>
-        </p:blipFill>
-        <p:spPr>
-          <a:xfrm>
-            <a:off x="3846786" y="1114547"/>
-            <a:ext cx="7772400" cy="5191160"/>
-          </a:xfrm>
-          <a:prstGeom prst="rect">
-            <a:avLst/>
-          </a:prstGeom>
-        </p:spPr>
-      </p:pic>
-      <p:sp>
-        <p:nvSpPr>
-          <p:cNvPr id="10" name="TextBox 9">
-            <a:extLst>
-              <a:ext uri="{FF2B5EF4-FFF2-40B4-BE49-F238E27FC236}">
-                <a16:creationId xmlns:a16="http://schemas.microsoft.com/office/drawing/2014/main" id="{296115F4-79F2-19A2-5626-A3A76A4D47C3}"/>
+      <p:sp>
+        <p:nvSpPr>
+          <p:cNvPr id="23" name="TextBox 22">
+            <a:extLst>
+              <a:ext uri="{FF2B5EF4-FFF2-40B4-BE49-F238E27FC236}">
+                <a16:creationId xmlns:a16="http://schemas.microsoft.com/office/drawing/2014/main" id="{BD3B32ED-9492-B466-544F-9E3D6094398A}"/>
               </a:ext>
             </a:extLst>
           </p:cNvPr>
@@ -5627,8 +6172,8 @@
         </p:nvSpPr>
         <p:spPr>
           <a:xfrm>
-            <a:off x="272715" y="1114547"/>
-            <a:ext cx="3574071" cy="4524315"/>
+            <a:off x="452509" y="998934"/>
+            <a:ext cx="9039833" cy="3323987"/>
           </a:xfrm>
           <a:prstGeom prst="rect">
             <a:avLst/>
@@ -5642,233 +6187,158 @@
           <a:lstStyle/>
           <a:p>
             <a:r>
-              <a:rPr lang="ko-KR" altLang="en-US" dirty="0" err="1"/>
-              <a:t>타겟시스템을</a:t>
-            </a:r>
-            <a:r>
-              <a:rPr lang="ko-KR" altLang="en-US" dirty="0"/>
-              <a:t> 이용하여 </a:t>
-            </a:r>
-            <a:endParaRPr lang="en-US" altLang="ko-KR" dirty="0"/>
-          </a:p>
-          <a:p>
-            <a:r>
-              <a:rPr lang="ko-KR" altLang="en-US" dirty="0"/>
-              <a:t>가위바위보와 베팅을 </a:t>
-            </a:r>
-            <a:endParaRPr lang="en-US" altLang="ko-KR" dirty="0"/>
-          </a:p>
-          <a:p>
-            <a:r>
-              <a:rPr lang="ko-KR" altLang="en-US" dirty="0"/>
-              <a:t>할 수 있는 게임</a:t>
-            </a:r>
-            <a:br>
-              <a:rPr lang="en-US" altLang="ko-KR" dirty="0"/>
-            </a:br>
-            <a:endParaRPr lang="en-US" altLang="ko-KR" dirty="0"/>
-          </a:p>
-          <a:p>
-            <a:pPr marL="285750" indent="-285750">
-              <a:buFontTx/>
-              <a:buChar char="-"/>
-            </a:pPr>
-            <a:r>
-              <a:rPr lang="ko-KR" altLang="en-US" dirty="0">
-                <a:effectLst/>
-                <a:latin typeface="Helvetica" pitchFamily="2" charset="0"/>
-              </a:rPr>
-              <a:t>﻿﻿게임 시작 후 초기 금액 </a:t>
-            </a:r>
-            <a:r>
-              <a:rPr lang="en-US" altLang="ko-KR" dirty="0">
-                <a:effectLst/>
-                <a:latin typeface="Helvetica" pitchFamily="2" charset="0"/>
-              </a:rPr>
-              <a:t>3000</a:t>
-            </a:r>
-            <a:r>
-              <a:rPr lang="ko-KR" altLang="en-US" dirty="0">
-                <a:effectLst/>
-                <a:latin typeface="Helvetica" pitchFamily="2" charset="0"/>
-              </a:rPr>
-              <a:t>원 제공</a:t>
-            </a:r>
-            <a:endParaRPr lang="en-US" altLang="ko-KR" dirty="0">
-              <a:effectLst/>
-              <a:latin typeface="Helvetica" pitchFamily="2" charset="0"/>
-            </a:endParaRPr>
-          </a:p>
-          <a:p>
-            <a:pPr marL="285750" indent="-285750">
-              <a:buFontTx/>
-              <a:buChar char="-"/>
-            </a:pPr>
-            <a:endParaRPr lang="ko-KR" altLang="en-US" dirty="0">
-              <a:effectLst/>
-              <a:latin typeface="Helvetica" pitchFamily="2" charset="0"/>
-            </a:endParaRPr>
-          </a:p>
-          <a:p>
-            <a:pPr marL="285750" indent="-285750">
-              <a:buFontTx/>
-              <a:buChar char="-"/>
-            </a:pPr>
-            <a:r>
-              <a:rPr lang="ko-KR" altLang="en-US" dirty="0">
-                <a:effectLst/>
-                <a:latin typeface="Helvetica" pitchFamily="2" charset="0"/>
-              </a:rPr>
-              <a:t>﻿게임 베팅 금액 설정</a:t>
-            </a:r>
-            <a:endParaRPr lang="en-US" altLang="ko-KR" dirty="0">
-              <a:effectLst/>
-              <a:latin typeface="Helvetica" pitchFamily="2" charset="0"/>
-            </a:endParaRPr>
-          </a:p>
-          <a:p>
-            <a:pPr marL="285750" indent="-285750">
-              <a:buFontTx/>
-              <a:buChar char="-"/>
-            </a:pPr>
-            <a:endParaRPr lang="ko-KR" altLang="en-US" dirty="0">
-              <a:effectLst/>
-              <a:latin typeface="Helvetica" pitchFamily="2" charset="0"/>
-            </a:endParaRPr>
-          </a:p>
-          <a:p>
-            <a:pPr marL="285750" indent="-285750">
-              <a:buFontTx/>
-              <a:buChar char="-"/>
-            </a:pPr>
-            <a:r>
-              <a:rPr lang="ko-KR" altLang="en-US" dirty="0">
-                <a:effectLst/>
-                <a:latin typeface="Helvetica" pitchFamily="2" charset="0"/>
-              </a:rPr>
-              <a:t>﻿﻿승리 시 금액 획득 및 중단 선택 가능</a:t>
-            </a:r>
-            <a:endParaRPr lang="en-US" altLang="ko-KR" dirty="0">
-              <a:effectLst/>
-              <a:latin typeface="Helvetica" pitchFamily="2" charset="0"/>
-            </a:endParaRPr>
-          </a:p>
-          <a:p>
-            <a:pPr marL="285750" indent="-285750">
-              <a:buFontTx/>
-              <a:buChar char="-"/>
-            </a:pPr>
-            <a:endParaRPr lang="ko-KR" altLang="en-US" dirty="0">
-              <a:effectLst/>
-              <a:latin typeface="Helvetica" pitchFamily="2" charset="0"/>
-            </a:endParaRPr>
-          </a:p>
-          <a:p>
-            <a:pPr marL="285750" indent="-285750">
-              <a:buFontTx/>
-              <a:buChar char="-"/>
-            </a:pPr>
-            <a:r>
-              <a:rPr lang="ko-KR" altLang="en-US" dirty="0">
-                <a:effectLst/>
-                <a:latin typeface="Helvetica" pitchFamily="2" charset="0"/>
-              </a:rPr>
-              <a:t>﻿﻿패배 </a:t>
-            </a:r>
-            <a:r>
-              <a:rPr lang="ko-KR" altLang="en-US" dirty="0" err="1">
-                <a:effectLst/>
-                <a:latin typeface="Helvetica" pitchFamily="2" charset="0"/>
-              </a:rPr>
-              <a:t>시베팅한</a:t>
-            </a:r>
-            <a:r>
-              <a:rPr lang="ko-KR" altLang="en-US" dirty="0">
-                <a:effectLst/>
-                <a:latin typeface="Helvetica" pitchFamily="2" charset="0"/>
-              </a:rPr>
-              <a:t> 금액회수</a:t>
-            </a:r>
-            <a:endParaRPr lang="en-US" altLang="ko-KR" dirty="0">
-              <a:effectLst/>
-              <a:latin typeface="Helvetica" pitchFamily="2" charset="0"/>
-            </a:endParaRPr>
-          </a:p>
-          <a:p>
-            <a:pPr marL="285750" indent="-285750">
-              <a:buFontTx/>
-              <a:buChar char="-"/>
-            </a:pPr>
-            <a:endParaRPr lang="ko-KR" altLang="en-US" dirty="0">
-              <a:effectLst/>
-              <a:latin typeface="Helvetica" pitchFamily="2" charset="0"/>
-            </a:endParaRPr>
-          </a:p>
-          <a:p>
-            <a:pPr marL="285750" indent="-285750">
-              <a:buFontTx/>
-              <a:buChar char="-"/>
-            </a:pPr>
-            <a:r>
-              <a:rPr lang="ko-KR" altLang="en-US" dirty="0">
-                <a:effectLst/>
-                <a:latin typeface="Helvetica" pitchFamily="2" charset="0"/>
-              </a:rPr>
-              <a:t>파산할 경우 게임 종료</a:t>
-            </a:r>
-          </a:p>
-          <a:p>
-            <a:endParaRPr kumimoji="1" lang="ko-KR" altLang="en-US" dirty="0"/>
-          </a:p>
-        </p:txBody>
-      </p:sp>
-      <p:sp>
-        <p:nvSpPr>
-          <p:cNvPr id="11" name="TextBox 10">
-            <a:extLst>
-              <a:ext uri="{FF2B5EF4-FFF2-40B4-BE49-F238E27FC236}">
-                <a16:creationId xmlns:a16="http://schemas.microsoft.com/office/drawing/2014/main" id="{FE87A8B8-F830-9D3B-0B31-91A9A7FDB229}"/>
-              </a:ext>
-            </a:extLst>
-          </p:cNvPr>
-          <p:cNvSpPr txBox="1"/>
-          <p:nvPr/>
-        </p:nvSpPr>
-        <p:spPr>
-          <a:xfrm>
-            <a:off x="3727939" y="6280952"/>
-            <a:ext cx="7497352" cy="646331"/>
-          </a:xfrm>
-          <a:prstGeom prst="rect">
-            <a:avLst/>
-          </a:prstGeom>
-          <a:noFill/>
-        </p:spPr>
-        <p:txBody>
-          <a:bodyPr wrap="square" rtlCol="0">
-            <a:spAutoFit/>
-          </a:bodyPr>
-          <a:lstStyle/>
-          <a:p>
-            <a:r>
-              <a:rPr lang="ko-KR" altLang="en-US" sz="1800" dirty="0"/>
-              <a:t>출처</a:t>
-            </a:r>
-            <a:r>
-              <a:rPr lang="en-US" altLang="ko-KR" sz="1800" dirty="0"/>
-              <a:t> : https://syki66.github.io/blog/2020/06/15/H-smart4412TKU.html</a:t>
-            </a:r>
-            <a:endParaRPr lang="ko-KR" altLang="en-US" sz="1800" dirty="0"/>
-          </a:p>
-          <a:p>
-            <a:endParaRPr kumimoji="1" lang="ko-KR" altLang="en-US" dirty="0"/>
+              <a:rPr kumimoji="1" lang="ko-KR" altLang="en-US" sz="1400" dirty="0">
+                <a:hlinkClick r:id="rId2"/>
+              </a:rPr>
+              <a:t>리듬 게임</a:t>
+            </a:r>
+            <a:endParaRPr kumimoji="1" lang="ko-KR" altLang="en-US" sz="1400" dirty="0"/>
+          </a:p>
+          <a:p>
+            <a:r>
+              <a:rPr kumimoji="1" lang="en-US" altLang="ko-KR" sz="1400" dirty="0">
+                <a:hlinkClick r:id="rId2"/>
+              </a:rPr>
+              <a:t>https://github.com/2MinJoo/Embedded_rhythm_game</a:t>
+            </a:r>
+            <a:endParaRPr kumimoji="1" lang="en-US" altLang="ko-KR" sz="1400" dirty="0"/>
+          </a:p>
+          <a:p>
+            <a:endParaRPr kumimoji="1" lang="en-US" altLang="ko-KR" sz="1400" dirty="0"/>
+          </a:p>
+          <a:p>
+            <a:r>
+              <a:rPr kumimoji="1" lang="ko-KR" altLang="en-US" sz="1400" dirty="0"/>
+              <a:t>두더지 잡기 게임 사진</a:t>
+            </a:r>
+          </a:p>
+          <a:p>
+            <a:r>
+              <a:rPr kumimoji="1" lang="en-US" altLang="ko-KR" sz="1400" dirty="0">
+                <a:hlinkClick r:id="rId3"/>
+              </a:rPr>
+              <a:t>https://kutar37.tistory.com/entry/Thread-handler%EB%A5%BC-%EC%9D%B4%EC%9A%A9%ED%95%9C-%EB%91%90%EB%8D%94%EC%A7%80%EA%B2%8C%EC%9E%84-2</a:t>
+            </a:r>
+            <a:endParaRPr kumimoji="1" lang="en-US" altLang="ko-KR" sz="1400" dirty="0"/>
+          </a:p>
+          <a:p>
+            <a:endParaRPr kumimoji="1" lang="en-US" altLang="ko-KR" sz="1400" dirty="0"/>
+          </a:p>
+          <a:p>
+            <a:r>
+              <a:rPr kumimoji="1" lang="ko-KR" altLang="en-US" sz="1400" dirty="0"/>
+              <a:t>두더지 게임</a:t>
+            </a:r>
+          </a:p>
+          <a:p>
+            <a:r>
+              <a:rPr kumimoji="1" lang="en-US" altLang="ko-KR" sz="1400" dirty="0">
+                <a:hlinkClick r:id="rId4"/>
+              </a:rPr>
+              <a:t>https://github.com/2022HKNUiotprogrammingTeam1</a:t>
+            </a:r>
+            <a:endParaRPr kumimoji="1" lang="en-US" altLang="ko-KR" sz="1400" dirty="0"/>
+          </a:p>
+          <a:p>
+            <a:endParaRPr kumimoji="1" lang="en-US" altLang="ko-KR" sz="1400" dirty="0"/>
+          </a:p>
+          <a:p>
+            <a:r>
+              <a:rPr kumimoji="1" lang="en-US" altLang="ko-KR" sz="1400" dirty="0"/>
+              <a:t>- Snake Game</a:t>
+            </a:r>
+          </a:p>
+          <a:p>
+            <a:r>
+              <a:rPr kumimoji="1" lang="en-US" altLang="ko-KR" sz="1400" dirty="0">
+                <a:hlinkClick r:id="rId5"/>
+              </a:rPr>
+              <a:t>https://github.com/jinwoo1225/SnakeGameWithSmart4412</a:t>
+            </a:r>
+            <a:endParaRPr kumimoji="1" lang="en-US" altLang="ko-KR" sz="1400" dirty="0"/>
+          </a:p>
+          <a:p>
+            <a:endParaRPr kumimoji="1" lang="en-US" altLang="ko-KR" sz="1400" dirty="0"/>
+          </a:p>
+          <a:p>
+            <a:r>
+              <a:rPr kumimoji="1" lang="en-US" altLang="ko-KR" sz="1400" dirty="0"/>
+              <a:t>-</a:t>
+            </a:r>
+            <a:r>
+              <a:rPr kumimoji="1" lang="ko-KR" altLang="en-US" sz="1400" dirty="0"/>
+              <a:t> 종합 게임</a:t>
+            </a:r>
+            <a:r>
+              <a:rPr kumimoji="1" lang="en-US" altLang="ko-KR" sz="1400" dirty="0"/>
+              <a:t>(</a:t>
+            </a:r>
+            <a:r>
+              <a:rPr kumimoji="1" lang="ko-KR" altLang="en-US" sz="1400" dirty="0"/>
+              <a:t>구구단</a:t>
+            </a:r>
+            <a:r>
+              <a:rPr kumimoji="1" lang="en-US" altLang="ko-KR" sz="1400" dirty="0"/>
+              <a:t>, </a:t>
+            </a:r>
+            <a:r>
+              <a:rPr kumimoji="1" lang="ko-KR" altLang="en-US" sz="1400" dirty="0"/>
+              <a:t>야구</a:t>
+            </a:r>
+            <a:r>
+              <a:rPr kumimoji="1" lang="en-US" altLang="ko-KR" sz="1400" dirty="0"/>
+              <a:t>, </a:t>
+            </a:r>
+            <a:r>
+              <a:rPr kumimoji="1" lang="ko-KR" altLang="en-US" sz="1400" dirty="0"/>
+              <a:t>등등 </a:t>
+            </a:r>
+            <a:r>
+              <a:rPr kumimoji="1" lang="en-US" altLang="ko-KR" sz="1400" dirty="0"/>
+              <a:t>LCD </a:t>
+            </a:r>
+            <a:r>
+              <a:rPr kumimoji="1" lang="ko-KR" altLang="en-US" sz="1400" dirty="0"/>
+              <a:t>활용</a:t>
+            </a:r>
+            <a:r>
+              <a:rPr kumimoji="1" lang="en-US" altLang="ko-KR" sz="1400" dirty="0"/>
+              <a:t>)</a:t>
+            </a:r>
+          </a:p>
+          <a:p>
+            <a:r>
+              <a:rPr kumimoji="1" lang="en-US" altLang="ko-KR" sz="1400" dirty="0"/>
+              <a:t>https://</a:t>
+            </a:r>
+            <a:r>
+              <a:rPr kumimoji="1" lang="en-US" altLang="ko-KR" sz="1400" dirty="0" err="1"/>
+              <a:t>github.com</a:t>
+            </a:r>
+            <a:r>
+              <a:rPr kumimoji="1" lang="en-US" altLang="ko-KR" sz="1400" dirty="0"/>
+              <a:t>/</a:t>
+            </a:r>
+            <a:r>
+              <a:rPr kumimoji="1" lang="en-US" altLang="ko-KR" sz="1400" dirty="0" err="1"/>
+              <a:t>SenyMin</a:t>
+            </a:r>
+            <a:r>
+              <a:rPr kumimoji="1" lang="en-US" altLang="ko-KR" sz="1400" dirty="0"/>
+              <a:t>/</a:t>
+            </a:r>
+            <a:r>
+              <a:rPr kumimoji="1" lang="en-US" altLang="ko-KR" sz="1400" dirty="0" err="1"/>
+              <a:t>MDS_MiniProject</a:t>
+            </a:r>
+            <a:endParaRPr kumimoji="1" lang="ko-KR" altLang="en-US" sz="1400" dirty="0"/>
           </a:p>
         </p:txBody>
       </p:sp>
     </p:spTree>
     <p:extLst>
       <p:ext uri="{BB962C8B-B14F-4D97-AF65-F5344CB8AC3E}">
-        <p14:creationId xmlns:p14="http://schemas.microsoft.com/office/powerpoint/2010/main" val="918101037"/>
+        <p14:creationId xmlns:p14="http://schemas.microsoft.com/office/powerpoint/2010/main" val="601103888"/>
       </p:ext>
     </p:extLst>
   </p:cSld>
@@ -5940,7 +6410,7 @@
           <a:lstStyle/>
           <a:p>
             <a:pPr algn="ctr"/>
-            <a:endParaRPr lang="ko-KR" altLang="en-US"/>
+            <a:endParaRPr lang="ko-KR" altLang="en-US" dirty="0"/>
           </a:p>
         </p:txBody>
       </p:sp>
@@ -6008,8 +6478,8 @@
         </p:nvSpPr>
         <p:spPr>
           <a:xfrm>
-            <a:off x="1176688" y="383381"/>
-            <a:ext cx="1853392" cy="369332"/>
+            <a:off x="1176688" y="376356"/>
+            <a:ext cx="1148455" cy="369332"/>
           </a:xfrm>
           <a:prstGeom prst="rect">
             <a:avLst/>
@@ -6022,263 +6492,33 @@
           </a:bodyPr>
           <a:lstStyle/>
           <a:p>
-            <a:pPr lvl="0">
-              <a:defRPr/>
-            </a:pPr>
-            <a:r>
-              <a:rPr lang="en-US" altLang="ko-KR" sz="1800" dirty="0" err="1"/>
-              <a:t>가위바위보</a:t>
+            <a:pPr algn="ctr"/>
+            <a:r>
+              <a:rPr lang="ko-KR" altLang="en-US" sz="1800" dirty="0" err="1"/>
+              <a:t>Yacht</a:t>
+            </a:r>
+            <a:r>
+              <a:rPr lang="ko-KR" altLang="en-US" sz="1800" dirty="0"/>
+              <a:t> </a:t>
+            </a:r>
+            <a:r>
+              <a:rPr lang="ko-KR" altLang="en-US" sz="1800" dirty="0" err="1"/>
+              <a:t>Dic</a:t>
             </a:r>
             <a:r>
               <a:rPr lang="en-US" altLang="ko-KR" sz="1800" dirty="0"/>
-              <a:t> </a:t>
-            </a:r>
-            <a:r>
-              <a:rPr lang="en-US" altLang="ko-KR" sz="1800" dirty="0" err="1"/>
-              <a:t>베팅</a:t>
-            </a:r>
-            <a:endParaRPr lang="en-US" altLang="ko-KR" sz="1800" dirty="0"/>
-          </a:p>
-        </p:txBody>
-      </p:sp>
-      <p:sp>
-        <p:nvSpPr>
-          <p:cNvPr id="5" name="타원 4">
-            <a:extLst>
-              <a:ext uri="{FF2B5EF4-FFF2-40B4-BE49-F238E27FC236}">
-                <a16:creationId xmlns:a16="http://schemas.microsoft.com/office/drawing/2014/main" id="{C4F6FD9A-4343-9C66-B966-192DE8475229}"/>
-              </a:ext>
-            </a:extLst>
-          </p:cNvPr>
-          <p:cNvSpPr/>
-          <p:nvPr/>
-        </p:nvSpPr>
-        <p:spPr>
-          <a:xfrm>
-            <a:off x="4094057" y="1815152"/>
-            <a:ext cx="4003886" cy="4003886"/>
-          </a:xfrm>
-          <a:prstGeom prst="ellipse">
-            <a:avLst/>
-          </a:prstGeom>
-          <a:solidFill>
-            <a:schemeClr val="accent2"/>
-          </a:solidFill>
-          <a:ln>
-            <a:noFill/>
-          </a:ln>
-        </p:spPr>
-        <p:style>
-          <a:lnRef idx="0">
-            <a:scrgbClr r="0" g="0" b="0"/>
-          </a:lnRef>
-          <a:fillRef idx="0">
-            <a:scrgbClr r="0" g="0" b="0"/>
-          </a:fillRef>
-          <a:effectRef idx="0">
-            <a:scrgbClr r="0" g="0" b="0"/>
-          </a:effectRef>
-          <a:fontRef idx="minor">
-            <a:schemeClr val="lt1"/>
-          </a:fontRef>
-        </p:style>
-        <p:txBody>
-          <a:bodyPr rtlCol="0" anchor="ctr"/>
-          <a:lstStyle/>
-          <a:p>
-            <a:pPr algn="ctr"/>
-            <a:endParaRPr lang="ko-KR" altLang="en-US"/>
-          </a:p>
-        </p:txBody>
-      </p:sp>
-      <p:cxnSp>
-        <p:nvCxnSpPr>
-          <p:cNvPr id="6" name="직선 화살표 연결선 5">
-            <a:extLst>
-              <a:ext uri="{FF2B5EF4-FFF2-40B4-BE49-F238E27FC236}">
-                <a16:creationId xmlns:a16="http://schemas.microsoft.com/office/drawing/2014/main" id="{C510AB6C-7178-1FEF-5854-7C377EEAB309}"/>
-              </a:ext>
-            </a:extLst>
-          </p:cNvPr>
-          <p:cNvCxnSpPr/>
-          <p:nvPr/>
-        </p:nvCxnSpPr>
-        <p:spPr>
-          <a:xfrm>
-            <a:off x="3166281" y="1815152"/>
-            <a:ext cx="736979" cy="736979"/>
-          </a:xfrm>
-          <a:prstGeom prst="straightConnector1">
-            <a:avLst/>
-          </a:prstGeom>
-          <a:ln>
-            <a:solidFill>
-              <a:schemeClr val="bg1">
-                <a:lumMod val="65000"/>
-              </a:schemeClr>
-            </a:solidFill>
-            <a:tailEnd type="triangle"/>
-          </a:ln>
-        </p:spPr>
-        <p:style>
-          <a:lnRef idx="1">
-            <a:schemeClr val="accent1"/>
-          </a:lnRef>
-          <a:fillRef idx="0">
-            <a:schemeClr val="accent1"/>
-          </a:fillRef>
-          <a:effectRef idx="0">
-            <a:schemeClr val="accent1"/>
-          </a:effectRef>
-          <a:fontRef idx="minor">
-            <a:schemeClr val="tx1"/>
-          </a:fontRef>
-        </p:style>
-      </p:cxnSp>
-      <p:cxnSp>
-        <p:nvCxnSpPr>
-          <p:cNvPr id="7" name="직선 화살표 연결선 6">
-            <a:extLst>
-              <a:ext uri="{FF2B5EF4-FFF2-40B4-BE49-F238E27FC236}">
-                <a16:creationId xmlns:a16="http://schemas.microsoft.com/office/drawing/2014/main" id="{2D6294F1-1C5D-2657-4672-952369E5D6A1}"/>
-              </a:ext>
-            </a:extLst>
-          </p:cNvPr>
-          <p:cNvCxnSpPr>
-            <a:cxnSpLocks/>
-          </p:cNvCxnSpPr>
-          <p:nvPr/>
-        </p:nvCxnSpPr>
-        <p:spPr>
-          <a:xfrm flipH="1">
-            <a:off x="8274957" y="1815151"/>
-            <a:ext cx="736979" cy="736979"/>
-          </a:xfrm>
-          <a:prstGeom prst="straightConnector1">
-            <a:avLst/>
-          </a:prstGeom>
-          <a:ln>
-            <a:solidFill>
-              <a:schemeClr val="bg1">
-                <a:lumMod val="65000"/>
-              </a:schemeClr>
-            </a:solidFill>
-            <a:tailEnd type="triangle"/>
-          </a:ln>
-        </p:spPr>
-        <p:style>
-          <a:lnRef idx="1">
-            <a:schemeClr val="accent1"/>
-          </a:lnRef>
-          <a:fillRef idx="0">
-            <a:schemeClr val="accent1"/>
-          </a:fillRef>
-          <a:effectRef idx="0">
-            <a:schemeClr val="accent1"/>
-          </a:effectRef>
-          <a:fontRef idx="minor">
-            <a:schemeClr val="tx1"/>
-          </a:fontRef>
-        </p:style>
-      </p:cxnSp>
-      <p:cxnSp>
-        <p:nvCxnSpPr>
-          <p:cNvPr id="8" name="직선 화살표 연결선 7">
-            <a:extLst>
-              <a:ext uri="{FF2B5EF4-FFF2-40B4-BE49-F238E27FC236}">
-                <a16:creationId xmlns:a16="http://schemas.microsoft.com/office/drawing/2014/main" id="{733A5968-9667-C0E1-D453-0612596B46D4}"/>
-              </a:ext>
-            </a:extLst>
-          </p:cNvPr>
-          <p:cNvCxnSpPr>
-            <a:cxnSpLocks/>
-          </p:cNvCxnSpPr>
-          <p:nvPr/>
-        </p:nvCxnSpPr>
-        <p:spPr>
-          <a:xfrm flipV="1">
-            <a:off x="3166281" y="5082060"/>
-            <a:ext cx="736979" cy="736979"/>
-          </a:xfrm>
-          <a:prstGeom prst="straightConnector1">
-            <a:avLst/>
-          </a:prstGeom>
-          <a:ln>
-            <a:solidFill>
-              <a:schemeClr val="bg1">
-                <a:lumMod val="65000"/>
-              </a:schemeClr>
-            </a:solidFill>
-            <a:tailEnd type="triangle"/>
-          </a:ln>
-        </p:spPr>
-        <p:style>
-          <a:lnRef idx="1">
-            <a:schemeClr val="accent1"/>
-          </a:lnRef>
-          <a:fillRef idx="0">
-            <a:schemeClr val="accent1"/>
-          </a:fillRef>
-          <a:effectRef idx="0">
-            <a:schemeClr val="accent1"/>
-          </a:effectRef>
-          <a:fontRef idx="minor">
-            <a:schemeClr val="tx1"/>
-          </a:fontRef>
-        </p:style>
-      </p:cxnSp>
-      <p:cxnSp>
-        <p:nvCxnSpPr>
-          <p:cNvPr id="9" name="직선 화살표 연결선 8">
-            <a:extLst>
-              <a:ext uri="{FF2B5EF4-FFF2-40B4-BE49-F238E27FC236}">
-                <a16:creationId xmlns:a16="http://schemas.microsoft.com/office/drawing/2014/main" id="{9EE979ED-BC50-78FF-9873-044A3040CE94}"/>
-              </a:ext>
-            </a:extLst>
-          </p:cNvPr>
-          <p:cNvCxnSpPr>
-            <a:cxnSpLocks/>
-          </p:cNvCxnSpPr>
-          <p:nvPr/>
-        </p:nvCxnSpPr>
-        <p:spPr>
-          <a:xfrm flipH="1" flipV="1">
-            <a:off x="8274957" y="5082059"/>
-            <a:ext cx="736979" cy="736979"/>
-          </a:xfrm>
-          <a:prstGeom prst="straightConnector1">
-            <a:avLst/>
-          </a:prstGeom>
-          <a:ln>
-            <a:solidFill>
-              <a:schemeClr val="bg1">
-                <a:lumMod val="65000"/>
-              </a:schemeClr>
-            </a:solidFill>
-            <a:tailEnd type="triangle"/>
-          </a:ln>
-        </p:spPr>
-        <p:style>
-          <a:lnRef idx="1">
-            <a:schemeClr val="accent1"/>
-          </a:lnRef>
-          <a:fillRef idx="0">
-            <a:schemeClr val="accent1"/>
-          </a:fillRef>
-          <a:effectRef idx="0">
-            <a:schemeClr val="accent1"/>
-          </a:effectRef>
-          <a:fontRef idx="minor">
-            <a:schemeClr val="tx1"/>
-          </a:fontRef>
-        </p:style>
-      </p:cxnSp>
-      <p:sp>
-        <p:nvSpPr>
-          <p:cNvPr id="10" name="TextBox 9">
-            <a:extLst>
-              <a:ext uri="{FF2B5EF4-FFF2-40B4-BE49-F238E27FC236}">
-                <a16:creationId xmlns:a16="http://schemas.microsoft.com/office/drawing/2014/main" id="{424A20AF-56CE-469E-1983-F524DFE4F04E}"/>
+              <a:t>e</a:t>
+            </a:r>
+            <a:endParaRPr lang="ko-KR" altLang="en-US" sz="1800" b="1" spc="-300" dirty="0"/>
+          </a:p>
+        </p:txBody>
+      </p:sp>
+      <p:sp>
+        <p:nvSpPr>
+          <p:cNvPr id="5" name="TextBox 4">
+            <a:extLst>
+              <a:ext uri="{FF2B5EF4-FFF2-40B4-BE49-F238E27FC236}">
+                <a16:creationId xmlns:a16="http://schemas.microsoft.com/office/drawing/2014/main" id="{BEA9DC0F-9C66-85D0-CD10-1BB91D5F8F10}"/>
               </a:ext>
             </a:extLst>
           </p:cNvPr>
@@ -6287,8 +6527,8 @@
         </p:nvSpPr>
         <p:spPr>
           <a:xfrm>
-            <a:off x="1233521" y="1223034"/>
-            <a:ext cx="1743426" cy="1384995"/>
+            <a:off x="1261241" y="2669628"/>
+            <a:ext cx="184731" cy="369332"/>
           </a:xfrm>
           <a:prstGeom prst="rect">
             <a:avLst/>
@@ -6301,93 +6541,16 @@
           </a:bodyPr>
           <a:lstStyle/>
           <a:p>
-            <a:r>
-              <a:rPr lang="en-US" altLang="ko-KR" sz="2000" dirty="0">
-                <a:effectLst/>
-                <a:latin typeface="Helvetica" pitchFamily="2" charset="0"/>
-              </a:rPr>
-              <a:t>DOT MATRIX</a:t>
-            </a:r>
-          </a:p>
-          <a:p>
-            <a:r>
-              <a:rPr lang="ko-KR" altLang="en-US" sz="1600" dirty="0">
-                <a:effectLst/>
-                <a:latin typeface="Helvetica" pitchFamily="2" charset="0"/>
-              </a:rPr>
-              <a:t>묵</a:t>
-            </a:r>
-            <a:r>
-              <a:rPr lang="en-US" altLang="ko-KR" sz="1600" dirty="0">
-                <a:effectLst/>
-                <a:latin typeface="Helvetica" pitchFamily="2" charset="0"/>
-              </a:rPr>
-              <a:t>, </a:t>
-            </a:r>
-            <a:r>
-              <a:rPr lang="ko-KR" altLang="en-US" sz="1600" dirty="0">
-                <a:effectLst/>
-                <a:latin typeface="Helvetica" pitchFamily="2" charset="0"/>
-              </a:rPr>
-              <a:t>찌</a:t>
-            </a:r>
-            <a:r>
-              <a:rPr lang="en-US" altLang="ko-KR" sz="1600" dirty="0">
-                <a:effectLst/>
-                <a:latin typeface="Helvetica" pitchFamily="2" charset="0"/>
-              </a:rPr>
-              <a:t>, </a:t>
-            </a:r>
-            <a:r>
-              <a:rPr lang="ko-KR" altLang="en-US" sz="1600" dirty="0">
-                <a:effectLst/>
-                <a:latin typeface="Helvetica" pitchFamily="2" charset="0"/>
-              </a:rPr>
-              <a:t>빠를</a:t>
-            </a:r>
-          </a:p>
-          <a:p>
-            <a:r>
-              <a:rPr lang="en-US" altLang="ko-KR" sz="1600" dirty="0">
-                <a:effectLst/>
-                <a:latin typeface="Helvetica" pitchFamily="2" charset="0"/>
-              </a:rPr>
-              <a:t>8 * 8 </a:t>
-            </a:r>
-            <a:r>
-              <a:rPr lang="ko-KR" altLang="en-US" sz="1600" dirty="0">
-                <a:effectLst/>
-                <a:latin typeface="Helvetica" pitchFamily="2" charset="0"/>
-              </a:rPr>
-              <a:t>매트릭스를</a:t>
-            </a:r>
-          </a:p>
-          <a:p>
-            <a:r>
-              <a:rPr lang="ko-KR" altLang="en-US" sz="1600" dirty="0">
-                <a:effectLst/>
-                <a:latin typeface="Helvetica" pitchFamily="2" charset="0"/>
-              </a:rPr>
-              <a:t>이용해</a:t>
-            </a:r>
-          </a:p>
-          <a:p>
-            <a:r>
-              <a:rPr lang="ko-KR" altLang="en-US" sz="1600" dirty="0">
-                <a:effectLst/>
-                <a:latin typeface="Helvetica" pitchFamily="2" charset="0"/>
-              </a:rPr>
-              <a:t>문자로 표현</a:t>
-            </a:r>
-          </a:p>
-        </p:txBody>
-      </p:sp>
-      <p:sp>
-        <p:nvSpPr>
-          <p:cNvPr id="11" name="TextBox 10">
-            <a:extLst>
-              <a:ext uri="{FF2B5EF4-FFF2-40B4-BE49-F238E27FC236}">
-                <a16:creationId xmlns:a16="http://schemas.microsoft.com/office/drawing/2014/main" id="{BF022FF1-C01C-0AFA-CC4A-06C52BB91D16}"/>
+            <a:endParaRPr kumimoji="1" lang="ko-KR" altLang="en-US" dirty="0"/>
+          </a:p>
+        </p:txBody>
+      </p:sp>
+      <p:sp>
+        <p:nvSpPr>
+          <p:cNvPr id="8" name="TextBox 7">
+            <a:extLst>
+              <a:ext uri="{FF2B5EF4-FFF2-40B4-BE49-F238E27FC236}">
+                <a16:creationId xmlns:a16="http://schemas.microsoft.com/office/drawing/2014/main" id="{75E5BA32-A361-96E2-4E99-7B5FB0FCBADB}"/>
               </a:ext>
             </a:extLst>
           </p:cNvPr>
@@ -6396,8 +6559,8 @@
         </p:nvSpPr>
         <p:spPr>
           <a:xfrm>
-            <a:off x="9137124" y="1223034"/>
-            <a:ext cx="1941557" cy="1384995"/>
+            <a:off x="6863255" y="1430170"/>
+            <a:ext cx="4067504" cy="4524315"/>
           </a:xfrm>
           <a:prstGeom prst="rect">
             <a:avLst/>
@@ -6405,266 +6568,195 @@
           <a:noFill/>
         </p:spPr>
         <p:txBody>
-          <a:bodyPr wrap="none" rtlCol="0">
+          <a:bodyPr wrap="square" rtlCol="0">
             <a:spAutoFit/>
           </a:bodyPr>
           <a:lstStyle/>
           <a:p>
-            <a:r>
-              <a:rPr lang="en-US" altLang="ko-KR" sz="2000" dirty="0">
-                <a:effectLst/>
-                <a:latin typeface="Helvetica" pitchFamily="2" charset="0"/>
-              </a:rPr>
-              <a:t>TACT SWITCH</a:t>
-            </a:r>
-          </a:p>
-          <a:p>
-            <a:r>
-              <a:rPr lang="ko-KR" altLang="en-US" sz="1600" dirty="0">
-                <a:effectLst/>
-                <a:latin typeface="Helvetica" pitchFamily="2" charset="0"/>
-              </a:rPr>
-              <a:t>베팅 금액 조절 및</a:t>
-            </a:r>
-          </a:p>
-          <a:p>
-            <a:r>
-              <a:rPr lang="ko-KR" altLang="en-US" sz="1600" dirty="0">
-                <a:effectLst/>
-                <a:latin typeface="Helvetica" pitchFamily="2" charset="0"/>
-              </a:rPr>
-              <a:t>가위바위보 플레이</a:t>
-            </a:r>
-            <a:r>
-              <a:rPr lang="en-US" altLang="ko-KR" sz="1600" dirty="0">
-                <a:effectLst/>
-                <a:latin typeface="Helvetica" pitchFamily="2" charset="0"/>
-              </a:rPr>
-              <a:t>,</a:t>
-            </a:r>
-          </a:p>
-          <a:p>
-            <a:r>
-              <a:rPr lang="ko-KR" altLang="en-US" sz="1600" dirty="0">
-                <a:effectLst/>
-                <a:latin typeface="Helvetica" pitchFamily="2" charset="0"/>
-              </a:rPr>
-              <a:t>기타 조작을 위해</a:t>
-            </a:r>
-          </a:p>
-          <a:p>
-            <a:r>
-              <a:rPr lang="ko-KR" altLang="en-US" sz="1600" dirty="0">
-                <a:effectLst/>
-                <a:latin typeface="Helvetica" pitchFamily="2" charset="0"/>
-              </a:rPr>
-              <a:t>사용</a:t>
-            </a:r>
-          </a:p>
-        </p:txBody>
-      </p:sp>
-      <p:sp>
-        <p:nvSpPr>
-          <p:cNvPr id="12" name="TextBox 11">
-            <a:extLst>
-              <a:ext uri="{FF2B5EF4-FFF2-40B4-BE49-F238E27FC236}">
-                <a16:creationId xmlns:a16="http://schemas.microsoft.com/office/drawing/2014/main" id="{36F97327-9430-9900-24AB-6661CB4EF986}"/>
-              </a:ext>
-            </a:extLst>
-          </p:cNvPr>
-          <p:cNvSpPr txBox="1"/>
+            <a:pPr marL="285750" indent="-285750">
+              <a:buFontTx/>
+              <a:buChar char="-"/>
+            </a:pPr>
+            <a:r>
+              <a:rPr lang="ko-KR" altLang="en-US" dirty="0"/>
+              <a:t>요트 다이스가  차별성</a:t>
+            </a:r>
+            <a:r>
+              <a:rPr lang="en-US" altLang="ko-KR" dirty="0"/>
+              <a:t>, </a:t>
+            </a:r>
+            <a:r>
+              <a:rPr lang="ko-KR" altLang="en-US" dirty="0"/>
+              <a:t>창의성을 가지는 이유</a:t>
+            </a:r>
+            <a:r>
+              <a:rPr lang="en-US" altLang="ko-KR" dirty="0"/>
+              <a:t>.</a:t>
+            </a:r>
+            <a:r>
+              <a:rPr lang="ko-KR" altLang="en-US" dirty="0"/>
+              <a:t> </a:t>
+            </a:r>
+            <a:endParaRPr lang="en-US" altLang="ko-KR" dirty="0"/>
+          </a:p>
+          <a:p>
+            <a:pPr marL="742950" lvl="1" indent="-285750">
+              <a:buFontTx/>
+              <a:buChar char="-"/>
+            </a:pPr>
+            <a:r>
+              <a:rPr lang="en-US" altLang="ko-KR" dirty="0"/>
+              <a:t>2</a:t>
+            </a:r>
+            <a:r>
+              <a:rPr lang="ko-KR" altLang="en-US" dirty="0"/>
+              <a:t>인용 게임</a:t>
+            </a:r>
+            <a:endParaRPr lang="en-US" altLang="ko-KR" dirty="0"/>
+          </a:p>
+          <a:p>
+            <a:pPr marL="742950" lvl="1" indent="-285750">
+              <a:buFontTx/>
+              <a:buChar char="-"/>
+            </a:pPr>
+            <a:r>
+              <a:rPr lang="ko-KR" altLang="en-US" dirty="0"/>
+              <a:t>인터페이스 복합성</a:t>
+            </a:r>
+            <a:endParaRPr lang="en-US" altLang="ko-KR" dirty="0"/>
+          </a:p>
+          <a:p>
+            <a:pPr marL="742950" lvl="1" indent="-285750">
+              <a:buFontTx/>
+              <a:buChar char="-"/>
+            </a:pPr>
+            <a:r>
+              <a:rPr lang="en-US" altLang="ko-KR" dirty="0"/>
+              <a:t>Tact</a:t>
+            </a:r>
+            <a:r>
+              <a:rPr lang="ko-KR" altLang="en-US" dirty="0"/>
+              <a:t> 스위치를 </a:t>
+            </a:r>
+            <a:r>
+              <a:rPr lang="en-US" altLang="ko-KR" dirty="0"/>
+              <a:t>2</a:t>
+            </a:r>
+            <a:r>
+              <a:rPr lang="ko-KR" altLang="en-US" dirty="0"/>
+              <a:t>회 연속 같은 스위치를 눌렀을 경우 이벤트의 차별화</a:t>
+            </a:r>
+            <a:endParaRPr lang="en-US" altLang="ko-KR" dirty="0"/>
+          </a:p>
+          <a:p>
+            <a:pPr marL="742950" lvl="1" indent="-285750">
+              <a:buFontTx/>
+              <a:buChar char="-"/>
+            </a:pPr>
+            <a:r>
+              <a:rPr lang="en-US" altLang="ko-KR" dirty="0"/>
+              <a:t>Tact </a:t>
+            </a:r>
+            <a:r>
+              <a:rPr lang="ko-KR" altLang="en-US" dirty="0"/>
+              <a:t>스위치와 </a:t>
+            </a:r>
+            <a:r>
+              <a:rPr lang="en-US" altLang="ko-KR" dirty="0"/>
+              <a:t>Dip </a:t>
+            </a:r>
+            <a:r>
+              <a:rPr lang="ko-KR" altLang="en-US" dirty="0"/>
+              <a:t>스위치의 병렬 사용</a:t>
+            </a:r>
+            <a:endParaRPr lang="en-US" altLang="ko-KR" dirty="0"/>
+          </a:p>
+          <a:p>
+            <a:pPr marL="742950" lvl="1" indent="-285750">
+              <a:buFontTx/>
+              <a:buChar char="-"/>
+            </a:pPr>
+            <a:r>
+              <a:rPr lang="ko-KR" altLang="en-US" dirty="0"/>
+              <a:t>많은 인터페이스의 사용 </a:t>
+            </a:r>
+            <a:endParaRPr lang="en-US" altLang="ko-KR" dirty="0"/>
+          </a:p>
+          <a:p>
+            <a:pPr lvl="1"/>
+            <a:endParaRPr lang="en-US" altLang="ko-KR" dirty="0"/>
+          </a:p>
+          <a:p>
+            <a:pPr marL="285750" indent="-285750">
+              <a:buFontTx/>
+              <a:buChar char="-"/>
+            </a:pPr>
+            <a:r>
+              <a:rPr lang="ko-KR" altLang="en-US" dirty="0"/>
+              <a:t>발생할 수 있는 문제점</a:t>
+            </a:r>
+            <a:endParaRPr lang="en-US" altLang="ko-KR" dirty="0"/>
+          </a:p>
+          <a:p>
+            <a:pPr marL="742950" lvl="1" indent="-285750">
+              <a:buFontTx/>
+              <a:buChar char="-"/>
+            </a:pPr>
+            <a:r>
+              <a:rPr lang="ko-KR" altLang="en-US" dirty="0" err="1"/>
+              <a:t>요트다이스의</a:t>
+            </a:r>
+            <a:r>
+              <a:rPr lang="ko-KR" altLang="en-US" dirty="0"/>
+              <a:t> 룰을 숙지하고 있지 않다면 게임 진행이 원활하지 않을 수 있음</a:t>
+            </a:r>
+            <a:endParaRPr lang="en-US" altLang="ko-KR" dirty="0"/>
+          </a:p>
+          <a:p>
+            <a:endParaRPr lang="en-US" altLang="ko-KR" dirty="0"/>
+          </a:p>
+        </p:txBody>
+      </p:sp>
+      <p:pic>
+        <p:nvPicPr>
+          <p:cNvPr id="10" name="그림 9" descr="도표, 평면도, 기술 도면, 패턴이(가) 표시된 사진&#10;&#10;자동 생성된 설명">
+            <a:extLst>
+              <a:ext uri="{FF2B5EF4-FFF2-40B4-BE49-F238E27FC236}">
+                <a16:creationId xmlns:a16="http://schemas.microsoft.com/office/drawing/2014/main" id="{159C7557-02D3-DAAE-5480-4681F5F55432}"/>
+              </a:ext>
+            </a:extLst>
+          </p:cNvPr>
+          <p:cNvPicPr>
+            <a:picLocks noChangeAspect="1"/>
+          </p:cNvPicPr>
           <p:nvPr/>
-        </p:nvSpPr>
+        </p:nvPicPr>
+        <p:blipFill>
+          <a:blip r:embed="rId2">
+            <a:extLst>
+              <a:ext uri="{28A0092B-C50C-407E-A947-70E740481C1C}">
+                <a14:useLocalDpi xmlns:a14="http://schemas.microsoft.com/office/drawing/2010/main" val="0"/>
+              </a:ext>
+            </a:extLst>
+          </a:blip>
+          <a:stretch>
+            <a:fillRect/>
+          </a:stretch>
+        </p:blipFill>
         <p:spPr>
           <a:xfrm>
-            <a:off x="1401701" y="5505957"/>
-            <a:ext cx="1587294" cy="1384995"/>
+            <a:off x="155781" y="984884"/>
+            <a:ext cx="6295925" cy="5596855"/>
           </a:xfrm>
           <a:prstGeom prst="rect">
             <a:avLst/>
           </a:prstGeom>
-          <a:noFill/>
-        </p:spPr>
-        <p:txBody>
-          <a:bodyPr wrap="none" rtlCol="0">
-            <a:spAutoFit/>
-          </a:bodyPr>
-          <a:lstStyle/>
-          <a:p>
-            <a:r>
-              <a:rPr lang="en-US" altLang="ko-KR" sz="2000" dirty="0">
-                <a:effectLst/>
-                <a:latin typeface="Helvetica" pitchFamily="2" charset="0"/>
-              </a:rPr>
-              <a:t>LED</a:t>
-            </a:r>
-          </a:p>
-          <a:p>
-            <a:r>
-              <a:rPr lang="en-US" altLang="ko-KR" sz="1600" dirty="0">
-                <a:effectLst/>
-                <a:latin typeface="Helvetica" pitchFamily="2" charset="0"/>
-              </a:rPr>
-              <a:t>2</a:t>
-            </a:r>
-            <a:r>
-              <a:rPr lang="ko-KR" altLang="en-US" sz="1600" dirty="0">
-                <a:effectLst/>
-                <a:latin typeface="Helvetica" pitchFamily="2" charset="0"/>
-              </a:rPr>
-              <a:t>진수를 활용해</a:t>
-            </a:r>
-          </a:p>
-          <a:p>
-            <a:r>
-              <a:rPr lang="ko-KR" altLang="en-US" sz="1600" dirty="0" err="1">
-                <a:effectLst/>
-                <a:latin typeface="Helvetica" pitchFamily="2" charset="0"/>
-              </a:rPr>
-              <a:t>배팅액</a:t>
-            </a:r>
-            <a:r>
-              <a:rPr lang="ko-KR" altLang="en-US" sz="1600" dirty="0">
-                <a:effectLst/>
-                <a:latin typeface="Helvetica" pitchFamily="2" charset="0"/>
-              </a:rPr>
-              <a:t> 확인</a:t>
-            </a:r>
-          </a:p>
-          <a:p>
-            <a:r>
-              <a:rPr lang="en-US" altLang="ko-KR" sz="1600" dirty="0">
-                <a:effectLst/>
-                <a:latin typeface="Helvetica" pitchFamily="2" charset="0"/>
-              </a:rPr>
-              <a:t>1 - led on</a:t>
-            </a:r>
-          </a:p>
-          <a:p>
-            <a:r>
-              <a:rPr lang="en-US" altLang="ko-KR" sz="1600" dirty="0">
-                <a:effectLst/>
-                <a:latin typeface="Helvetica" pitchFamily="2" charset="0"/>
-              </a:rPr>
-              <a:t>0 - led off</a:t>
-            </a:r>
-          </a:p>
-        </p:txBody>
-      </p:sp>
-      <p:sp>
-        <p:nvSpPr>
-          <p:cNvPr id="13" name="TextBox 12">
-            <a:extLst>
-              <a:ext uri="{FF2B5EF4-FFF2-40B4-BE49-F238E27FC236}">
-                <a16:creationId xmlns:a16="http://schemas.microsoft.com/office/drawing/2014/main" id="{483AAD8A-52DF-7F4B-15C6-5710CA53FC30}"/>
-              </a:ext>
-            </a:extLst>
-          </p:cNvPr>
-          <p:cNvSpPr txBox="1"/>
-          <p:nvPr/>
-        </p:nvSpPr>
-        <p:spPr>
-          <a:xfrm>
-            <a:off x="9189222" y="5819037"/>
-            <a:ext cx="1531188" cy="646331"/>
-          </a:xfrm>
-          <a:prstGeom prst="rect">
-            <a:avLst/>
-          </a:prstGeom>
-          <a:noFill/>
-        </p:spPr>
-        <p:txBody>
-          <a:bodyPr wrap="none" rtlCol="0">
-            <a:spAutoFit/>
-          </a:bodyPr>
-          <a:lstStyle/>
-          <a:p>
-            <a:r>
-              <a:rPr lang="en-US" altLang="ko-KR" sz="2000" dirty="0">
-                <a:effectLst/>
-                <a:latin typeface="Helvetica" pitchFamily="2" charset="0"/>
-              </a:rPr>
-              <a:t>FND</a:t>
-            </a:r>
-          </a:p>
-          <a:p>
-            <a:r>
-              <a:rPr lang="ko-KR" altLang="en-US" sz="1600" dirty="0">
-                <a:effectLst/>
-                <a:latin typeface="Helvetica" pitchFamily="2" charset="0"/>
-              </a:rPr>
-              <a:t>현재 잔액 조회</a:t>
-            </a:r>
-          </a:p>
-        </p:txBody>
-      </p:sp>
-      <p:sp>
-        <p:nvSpPr>
-          <p:cNvPr id="33" name="TextBox 32">
-            <a:extLst>
-              <a:ext uri="{FF2B5EF4-FFF2-40B4-BE49-F238E27FC236}">
-                <a16:creationId xmlns:a16="http://schemas.microsoft.com/office/drawing/2014/main" id="{BA065F87-CA45-B77A-B35D-399225EE9881}"/>
-              </a:ext>
-            </a:extLst>
-          </p:cNvPr>
-          <p:cNvSpPr txBox="1"/>
-          <p:nvPr/>
-        </p:nvSpPr>
-        <p:spPr>
-          <a:xfrm>
-            <a:off x="4207134" y="3536725"/>
-            <a:ext cx="3890809" cy="707886"/>
-          </a:xfrm>
-          <a:prstGeom prst="rect">
-            <a:avLst/>
-          </a:prstGeom>
-          <a:noFill/>
-        </p:spPr>
-        <p:txBody>
-          <a:bodyPr wrap="none" rtlCol="0">
-            <a:spAutoFit/>
-          </a:bodyPr>
-          <a:lstStyle/>
-          <a:p>
-            <a:pPr lvl="0">
-              <a:defRPr/>
-            </a:pPr>
-            <a:r>
-              <a:rPr lang="en-US" altLang="ko-KR" sz="4000" dirty="0" err="1">
-                <a:solidFill>
-                  <a:schemeClr val="bg1"/>
-                </a:solidFill>
-              </a:rPr>
-              <a:t>가위바위보</a:t>
-            </a:r>
-            <a:r>
-              <a:rPr lang="en-US" altLang="ko-KR" sz="4000" dirty="0">
-                <a:solidFill>
-                  <a:schemeClr val="bg1"/>
-                </a:solidFill>
-              </a:rPr>
-              <a:t> </a:t>
-            </a:r>
-            <a:r>
-              <a:rPr lang="en-US" altLang="ko-KR" sz="4000" dirty="0" err="1">
-                <a:solidFill>
-                  <a:schemeClr val="bg1"/>
-                </a:solidFill>
-              </a:rPr>
-              <a:t>베팅</a:t>
-            </a:r>
-            <a:endParaRPr lang="en-US" altLang="ko-KR" sz="4000" dirty="0">
-              <a:solidFill>
-                <a:schemeClr val="bg1"/>
-              </a:solidFill>
-            </a:endParaRPr>
-          </a:p>
-        </p:txBody>
-      </p:sp>
+        </p:spPr>
+      </p:pic>
     </p:spTree>
     <p:extLst>
       <p:ext uri="{BB962C8B-B14F-4D97-AF65-F5344CB8AC3E}">
-        <p14:creationId xmlns:p14="http://schemas.microsoft.com/office/powerpoint/2010/main" val="3819453941"/>
+        <p14:creationId xmlns:p14="http://schemas.microsoft.com/office/powerpoint/2010/main" val="3306173401"/>
       </p:ext>
     </p:extLst>
   </p:cSld>
@@ -6693,13 +6785,7 @@
       </p:grpSpPr>
       <p:sp>
         <p:nvSpPr>
-          <p:cNvPr id="2" name="직사각형 1">
-            <a:extLst>
-              <a:ext uri="{FF2B5EF4-FFF2-40B4-BE49-F238E27FC236}">
-                <a16:creationId xmlns:a16="http://schemas.microsoft.com/office/drawing/2014/main" id="{86CB7179-2CED-698E-7489-BBBF08E1F63C}"/>
-              </a:ext>
-            </a:extLst>
-          </p:cNvPr>
+          <p:cNvPr id="2" name="직사각형 1"/>
           <p:cNvSpPr/>
           <p:nvPr/>
         </p:nvSpPr>
@@ -6732,23 +6818,19 @@
           </a:fontRef>
         </p:style>
         <p:txBody>
-          <a:bodyPr rtlCol="0" anchor="ctr"/>
-          <a:lstStyle/>
-          <a:p>
-            <a:pPr algn="ctr"/>
-            <a:endParaRPr lang="ko-KR" altLang="en-US" dirty="0"/>
-          </a:p>
-        </p:txBody>
-      </p:sp>
-      <p:sp>
-        <p:nvSpPr>
-          <p:cNvPr id="3" name="TextBox 2">
-            <a:extLst>
-              <a:ext uri="{FF2B5EF4-FFF2-40B4-BE49-F238E27FC236}">
-                <a16:creationId xmlns:a16="http://schemas.microsoft.com/office/drawing/2014/main" id="{68A721A3-5D9B-A549-DF5D-D0547EE5B424}"/>
-              </a:ext>
-            </a:extLst>
-          </p:cNvPr>
+          <a:bodyPr anchor="ctr"/>
+          <a:lstStyle/>
+          <a:p>
+            <a:pPr lvl="0" algn="ctr">
+              <a:defRPr/>
+            </a:pPr>
+            <a:endParaRPr lang="ko-KR" altLang="en-US"/>
+          </a:p>
+        </p:txBody>
+      </p:sp>
+      <p:sp>
+        <p:nvSpPr>
+          <p:cNvPr id="3" name="TextBox 2"/>
           <p:cNvSpPr txBox="1"/>
           <p:nvPr/>
         </p:nvSpPr>
@@ -6763,13 +6845,16 @@
           <a:noFill/>
         </p:spPr>
         <p:txBody>
-          <a:bodyPr wrap="none" rtlCol="0">
+          <a:bodyPr wrap="none">
             <a:spAutoFit/>
           </a:bodyPr>
           <a:lstStyle/>
           <a:p>
-            <a:r>
-              <a:rPr lang="en-US" altLang="ko-KR" sz="1000" dirty="0">
+            <a:pPr lvl="0">
+              <a:defRPr/>
+            </a:pPr>
+            <a:r>
+              <a:rPr lang="en-US" altLang="ko-KR" sz="1000">
                 <a:solidFill>
                   <a:schemeClr val="tx1">
                     <a:lumMod val="65000"/>
@@ -6777,9 +6862,9 @@
                   </a:schemeClr>
                 </a:solidFill>
               </a:rPr>
-              <a:t>Part 1</a:t>
-            </a:r>
-            <a:endParaRPr lang="ko-KR" altLang="en-US" sz="1000" dirty="0">
+              <a:t>Part 2</a:t>
+            </a:r>
+            <a:endParaRPr lang="ko-KR" altLang="en-US" sz="1000">
               <a:solidFill>
                 <a:schemeClr val="tx1">
                   <a:lumMod val="65000"/>
@@ -6792,20 +6877,14 @@
       </p:sp>
       <p:sp>
         <p:nvSpPr>
-          <p:cNvPr id="4" name="TextBox 3">
-            <a:extLst>
-              <a:ext uri="{FF2B5EF4-FFF2-40B4-BE49-F238E27FC236}">
-                <a16:creationId xmlns:a16="http://schemas.microsoft.com/office/drawing/2014/main" id="{9EFEF442-2E39-E8A3-0720-B4AF147BC24A}"/>
-              </a:ext>
-            </a:extLst>
-          </p:cNvPr>
+          <p:cNvPr id="4" name="TextBox 3"/>
           <p:cNvSpPr txBox="1"/>
           <p:nvPr/>
         </p:nvSpPr>
         <p:spPr>
           <a:xfrm>
-            <a:off x="1176688" y="383381"/>
-            <a:ext cx="1675459" cy="369332"/>
+            <a:off x="1096506" y="383381"/>
+            <a:ext cx="1148455" cy="369332"/>
           </a:xfrm>
           <a:prstGeom prst="rect">
             <a:avLst/>
@@ -6813,454 +6892,29 @@
           <a:noFill/>
         </p:spPr>
         <p:txBody>
-          <a:bodyPr wrap="none" rtlCol="0">
+          <a:bodyPr wrap="none">
             <a:spAutoFit/>
           </a:bodyPr>
           <a:lstStyle/>
           <a:p>
-            <a:pPr lvl="0">
+            <a:pPr lvl="0" algn="ctr">
               <a:defRPr/>
             </a:pPr>
             <a:r>
-              <a:rPr lang="en-US" altLang="ko-KR" sz="1800" dirty="0" err="1"/>
-              <a:t>폭탄</a:t>
-            </a:r>
-            <a:r>
-              <a:rPr lang="en-US" altLang="ko-KR" sz="1800" dirty="0"/>
-              <a:t> </a:t>
-            </a:r>
-            <a:r>
-              <a:rPr lang="en-US" altLang="ko-KR" sz="1800" dirty="0" err="1"/>
-              <a:t>해체</a:t>
-            </a:r>
-            <a:r>
-              <a:rPr lang="en-US" altLang="ko-KR" sz="1800" dirty="0"/>
-              <a:t> </a:t>
-            </a:r>
-            <a:r>
-              <a:rPr lang="en-US" altLang="ko-KR" sz="1800" dirty="0" err="1"/>
-              <a:t>게임</a:t>
-            </a:r>
-            <a:endParaRPr lang="en-US" altLang="ko-KR" sz="1800" dirty="0"/>
-          </a:p>
-        </p:txBody>
-      </p:sp>
-      <p:pic>
-        <p:nvPicPr>
-          <p:cNvPr id="1026" name="Picture 2">
-            <a:extLst>
-              <a:ext uri="{FF2B5EF4-FFF2-40B4-BE49-F238E27FC236}">
-                <a16:creationId xmlns:a16="http://schemas.microsoft.com/office/drawing/2014/main" id="{8E24F803-61E2-45D8-97AB-29055FA42FC2}"/>
-              </a:ext>
-            </a:extLst>
-          </p:cNvPr>
-          <p:cNvPicPr>
-            <a:picLocks noChangeAspect="1" noChangeArrowheads="1"/>
-          </p:cNvPicPr>
-          <p:nvPr/>
-        </p:nvPicPr>
-        <p:blipFill>
-          <a:blip r:embed="rId2">
-            <a:extLst>
-              <a:ext uri="{28A0092B-C50C-407E-A947-70E740481C1C}">
-                <a14:useLocalDpi xmlns:a14="http://schemas.microsoft.com/office/drawing/2010/main" val="0"/>
-              </a:ext>
-            </a:extLst>
-          </a:blip>
-          <a:srcRect/>
-          <a:stretch>
-            <a:fillRect/>
-          </a:stretch>
-        </p:blipFill>
-        <p:spPr bwMode="auto">
-          <a:xfrm>
-            <a:off x="4023360" y="612227"/>
-            <a:ext cx="7895925" cy="5633545"/>
-          </a:xfrm>
-          <a:prstGeom prst="rect">
-            <a:avLst/>
-          </a:prstGeom>
-          <a:noFill/>
-          <a:extLst>
-            <a:ext uri="{909E8E84-426E-40DD-AFC4-6F175D3DCCD1}">
-              <a14:hiddenFill xmlns:a14="http://schemas.microsoft.com/office/drawing/2010/main">
-                <a:solidFill>
-                  <a:srgbClr val="FFFFFF"/>
-                </a:solidFill>
-              </a14:hiddenFill>
-            </a:ext>
-          </a:extLst>
-        </p:spPr>
-      </p:pic>
-      <p:sp>
-        <p:nvSpPr>
-          <p:cNvPr id="5" name="TextBox 4">
-            <a:extLst>
-              <a:ext uri="{FF2B5EF4-FFF2-40B4-BE49-F238E27FC236}">
-                <a16:creationId xmlns:a16="http://schemas.microsoft.com/office/drawing/2014/main" id="{DBD953C1-A327-81B5-E162-1521C15B2F6A}"/>
-              </a:ext>
-            </a:extLst>
-          </p:cNvPr>
-          <p:cNvSpPr txBox="1"/>
-          <p:nvPr/>
-        </p:nvSpPr>
-        <p:spPr>
-          <a:xfrm>
-            <a:off x="272715" y="1012874"/>
-            <a:ext cx="4003863" cy="1754326"/>
-          </a:xfrm>
-          <a:prstGeom prst="rect">
-            <a:avLst/>
-          </a:prstGeom>
-          <a:noFill/>
-        </p:spPr>
-        <p:txBody>
-          <a:bodyPr wrap="square" rtlCol="0">
-            <a:spAutoFit/>
-          </a:bodyPr>
-          <a:lstStyle/>
-          <a:p>
-            <a:pPr marL="0" indent="0">
-              <a:buNone/>
-            </a:pPr>
-            <a:r>
-              <a:rPr lang="ko-KR" altLang="en-US" dirty="0"/>
-              <a:t>게임 매뉴얼과 미니 게임을 통해</a:t>
-            </a:r>
-            <a:endParaRPr lang="en-US" altLang="ko-KR" dirty="0"/>
-          </a:p>
-          <a:p>
-            <a:pPr marL="0" indent="0">
-              <a:buNone/>
-            </a:pPr>
-            <a:r>
-              <a:rPr lang="ko-KR" altLang="en-US" dirty="0"/>
-              <a:t>폭탄을 해체 하는 게임</a:t>
-            </a:r>
-            <a:endParaRPr lang="en-US" altLang="ko-KR" dirty="0"/>
-          </a:p>
-          <a:p>
-            <a:pPr marL="0" indent="0">
-              <a:buNone/>
-            </a:pPr>
-            <a:r>
-              <a:rPr lang="ko-KR" altLang="en-US" dirty="0"/>
-              <a:t>* </a:t>
-            </a:r>
-            <a:r>
-              <a:rPr lang="en-US" altLang="ko-KR" dirty="0"/>
-              <a:t>3</a:t>
-            </a:r>
-            <a:r>
-              <a:rPr lang="ko-KR" altLang="en-US" dirty="0"/>
-              <a:t>개의 미니 게임</a:t>
-            </a:r>
-            <a:endParaRPr lang="en-US" altLang="ko-KR" dirty="0"/>
-          </a:p>
-          <a:p>
-            <a:pPr marL="0" indent="0">
-              <a:buNone/>
-            </a:pPr>
-            <a:r>
-              <a:rPr lang="en-US" altLang="ko-KR" dirty="0"/>
-              <a:t>	- </a:t>
-            </a:r>
-            <a:r>
-              <a:rPr lang="ko-KR" altLang="en-US" dirty="0"/>
-              <a:t>첫 번째 게임 </a:t>
-            </a:r>
-            <a:r>
-              <a:rPr lang="en-US" altLang="ko-KR" dirty="0"/>
-              <a:t>: </a:t>
-            </a:r>
-            <a:r>
-              <a:rPr lang="ko-KR" altLang="en-US" dirty="0"/>
-              <a:t>문양 해석</a:t>
-            </a:r>
-            <a:endParaRPr lang="en-US" altLang="ko-KR" dirty="0"/>
-          </a:p>
-          <a:p>
-            <a:pPr marL="0" indent="0">
-              <a:buNone/>
-            </a:pPr>
-            <a:r>
-              <a:rPr lang="en-US" altLang="ko-KR" dirty="0"/>
-              <a:t>	- </a:t>
-            </a:r>
-            <a:r>
-              <a:rPr lang="ko-KR" altLang="en-US" dirty="0"/>
-              <a:t>두 번째 게임 </a:t>
-            </a:r>
-            <a:r>
-              <a:rPr lang="en-US" altLang="ko-KR" dirty="0"/>
-              <a:t>: </a:t>
-            </a:r>
-            <a:r>
-              <a:rPr lang="ko-KR" altLang="en-US" dirty="0"/>
-              <a:t>미로 찾기</a:t>
-            </a:r>
-            <a:endParaRPr lang="en-US" altLang="ko-KR" dirty="0"/>
-          </a:p>
-          <a:p>
-            <a:pPr marL="0" indent="0">
-              <a:buNone/>
-            </a:pPr>
-            <a:r>
-              <a:rPr lang="en-US" altLang="ko-KR" dirty="0"/>
-              <a:t>	- </a:t>
-            </a:r>
-            <a:r>
-              <a:rPr lang="ko-KR" altLang="en-US" dirty="0"/>
-              <a:t>세 번째 게임 </a:t>
-            </a:r>
-            <a:r>
-              <a:rPr lang="en-US" altLang="ko-KR" dirty="0"/>
-              <a:t>: </a:t>
-            </a:r>
-            <a:r>
-              <a:rPr lang="ko-KR" altLang="en-US" dirty="0"/>
-              <a:t>선 긋기</a:t>
-            </a:r>
-            <a:endParaRPr kumimoji="1" lang="ko-KR" altLang="en-US" dirty="0"/>
-          </a:p>
-        </p:txBody>
-      </p:sp>
-      <p:sp>
-        <p:nvSpPr>
-          <p:cNvPr id="6" name="TextBox 5">
-            <a:extLst>
-              <a:ext uri="{FF2B5EF4-FFF2-40B4-BE49-F238E27FC236}">
-                <a16:creationId xmlns:a16="http://schemas.microsoft.com/office/drawing/2014/main" id="{495D2CB0-C66D-CAD4-3B8C-3EE882D00164}"/>
-              </a:ext>
-            </a:extLst>
-          </p:cNvPr>
-          <p:cNvSpPr txBox="1"/>
-          <p:nvPr/>
-        </p:nvSpPr>
-        <p:spPr>
-          <a:xfrm>
-            <a:off x="4797082" y="6245772"/>
-            <a:ext cx="4712677" cy="369332"/>
-          </a:xfrm>
-          <a:prstGeom prst="rect">
-            <a:avLst/>
-          </a:prstGeom>
-          <a:noFill/>
-        </p:spPr>
-        <p:txBody>
-          <a:bodyPr wrap="square" rtlCol="0">
-            <a:spAutoFit/>
-          </a:bodyPr>
-          <a:lstStyle/>
-          <a:p>
-            <a:r>
-              <a:rPr kumimoji="1" lang="ko-KR" altLang="en-US" dirty="0"/>
-              <a:t>출처 </a:t>
-            </a:r>
-            <a:r>
-              <a:rPr kumimoji="1" lang="en-US" altLang="ko-KR" dirty="0"/>
-              <a:t>:</a:t>
-            </a:r>
-            <a:r>
-              <a:rPr kumimoji="1" lang="ko-KR" altLang="en-US" dirty="0"/>
-              <a:t> </a:t>
-            </a:r>
-            <a:r>
-              <a:rPr kumimoji="1" lang="en-US" altLang="ko-KR" dirty="0"/>
-              <a:t>https://</a:t>
-            </a:r>
-            <a:r>
-              <a:rPr kumimoji="1" lang="en-US" altLang="ko-KR" dirty="0" err="1"/>
-              <a:t>takethat.tistory.com</a:t>
-            </a:r>
-            <a:r>
-              <a:rPr kumimoji="1" lang="en-US" altLang="ko-KR" dirty="0"/>
-              <a:t>/30</a:t>
-            </a:r>
-            <a:endParaRPr kumimoji="1" lang="ko-KR" altLang="en-US" dirty="0"/>
-          </a:p>
-        </p:txBody>
-      </p:sp>
-    </p:spTree>
-    <p:extLst>
-      <p:ext uri="{BB962C8B-B14F-4D97-AF65-F5344CB8AC3E}">
-        <p14:creationId xmlns:p14="http://schemas.microsoft.com/office/powerpoint/2010/main" val="3927342235"/>
-      </p:ext>
-    </p:extLst>
-  </p:cSld>
-  <p:clrMapOvr>
-    <a:masterClrMapping/>
-  </p:clrMapOvr>
-</p:sld>
-</file>
-
-<file path=ppt/slides/slide6.xml><?xml version="1.0" encoding="utf-8"?>
-<p:sld xmlns:a="http://schemas.openxmlformats.org/drawingml/2006/main" xmlns:r="http://schemas.openxmlformats.org/officeDocument/2006/relationships" xmlns:p="http://schemas.openxmlformats.org/presentationml/2006/main">
-  <p:cSld>
-    <p:spTree>
-      <p:nvGrpSpPr>
-        <p:cNvPr id="1" name=""/>
-        <p:cNvGrpSpPr/>
-        <p:nvPr/>
-      </p:nvGrpSpPr>
-      <p:grpSpPr>
-        <a:xfrm>
-          <a:off x="0" y="0"/>
-          <a:ext cx="0" cy="0"/>
-          <a:chOff x="0" y="0"/>
-          <a:chExt cx="0" cy="0"/>
-        </a:xfrm>
-      </p:grpSpPr>
-      <p:sp>
-        <p:nvSpPr>
-          <p:cNvPr id="2" name="직사각형 1">
-            <a:extLst>
-              <a:ext uri="{FF2B5EF4-FFF2-40B4-BE49-F238E27FC236}">
-                <a16:creationId xmlns:a16="http://schemas.microsoft.com/office/drawing/2014/main" id="{86CB7179-2CED-698E-7489-BBBF08E1F63C}"/>
-              </a:ext>
-            </a:extLst>
-          </p:cNvPr>
-          <p:cNvSpPr/>
-          <p:nvPr/>
-        </p:nvSpPr>
-        <p:spPr>
-          <a:xfrm>
-            <a:off x="272715" y="0"/>
-            <a:ext cx="802105" cy="752713"/>
-          </a:xfrm>
-          <a:prstGeom prst="rect">
-            <a:avLst/>
-          </a:prstGeom>
-          <a:ln>
-            <a:noFill/>
-          </a:ln>
-        </p:spPr>
-        <p:style>
-          <a:lnRef idx="2">
-            <a:schemeClr val="accent1">
-              <a:shade val="50000"/>
-            </a:schemeClr>
-          </a:lnRef>
-          <a:fillRef idx="1">
-            <a:schemeClr val="accent1"/>
-          </a:fillRef>
-          <a:effectRef idx="0">
-            <a:schemeClr val="accent1"/>
-          </a:effectRef>
-          <a:fontRef idx="minor">
-            <a:schemeClr val="lt1"/>
-          </a:fontRef>
-        </p:style>
-        <p:txBody>
-          <a:bodyPr rtlCol="0" anchor="ctr"/>
-          <a:lstStyle/>
-          <a:p>
-            <a:pPr algn="ctr"/>
-            <a:endParaRPr lang="ko-KR" altLang="en-US"/>
-          </a:p>
-        </p:txBody>
-      </p:sp>
-      <p:sp>
-        <p:nvSpPr>
-          <p:cNvPr id="3" name="TextBox 2">
-            <a:extLst>
-              <a:ext uri="{FF2B5EF4-FFF2-40B4-BE49-F238E27FC236}">
-                <a16:creationId xmlns:a16="http://schemas.microsoft.com/office/drawing/2014/main" id="{68A721A3-5D9B-A549-DF5D-D0547EE5B424}"/>
-              </a:ext>
-            </a:extLst>
-          </p:cNvPr>
-          <p:cNvSpPr txBox="1"/>
-          <p:nvPr/>
-        </p:nvSpPr>
-        <p:spPr>
-          <a:xfrm>
-            <a:off x="1176688" y="137160"/>
-            <a:ext cx="494046" cy="246221"/>
-          </a:xfrm>
-          <a:prstGeom prst="rect">
-            <a:avLst/>
-          </a:prstGeom>
-          <a:noFill/>
-        </p:spPr>
-        <p:txBody>
-          <a:bodyPr wrap="none" rtlCol="0">
-            <a:spAutoFit/>
-          </a:bodyPr>
-          <a:lstStyle/>
-          <a:p>
-            <a:r>
-              <a:rPr lang="en-US" altLang="ko-KR" sz="1000" dirty="0">
-                <a:solidFill>
-                  <a:schemeClr val="tx1">
-                    <a:lumMod val="65000"/>
-                    <a:lumOff val="35000"/>
-                  </a:schemeClr>
-                </a:solidFill>
-              </a:rPr>
-              <a:t>Part 2</a:t>
-            </a:r>
-            <a:endParaRPr lang="ko-KR" altLang="en-US" sz="1000" dirty="0">
-              <a:solidFill>
-                <a:schemeClr val="tx1">
-                  <a:lumMod val="65000"/>
-                  <a:lumOff val="35000"/>
-                </a:schemeClr>
-              </a:solidFill>
-            </a:endParaRPr>
-          </a:p>
-        </p:txBody>
-      </p:sp>
-      <p:sp>
-        <p:nvSpPr>
-          <p:cNvPr id="4" name="TextBox 3">
-            <a:extLst>
-              <a:ext uri="{FF2B5EF4-FFF2-40B4-BE49-F238E27FC236}">
-                <a16:creationId xmlns:a16="http://schemas.microsoft.com/office/drawing/2014/main" id="{9EFEF442-2E39-E8A3-0720-B4AF147BC24A}"/>
-              </a:ext>
-            </a:extLst>
-          </p:cNvPr>
-          <p:cNvSpPr txBox="1"/>
-          <p:nvPr/>
-        </p:nvSpPr>
-        <p:spPr>
-          <a:xfrm>
-            <a:off x="1176688" y="383381"/>
-            <a:ext cx="1983235" cy="369332"/>
-          </a:xfrm>
-          <a:prstGeom prst="rect">
-            <a:avLst/>
-          </a:prstGeom>
-          <a:noFill/>
-        </p:spPr>
-        <p:txBody>
-          <a:bodyPr wrap="none" rtlCol="0">
-            <a:spAutoFit/>
-          </a:bodyPr>
-          <a:lstStyle/>
-          <a:p>
-            <a:r>
-              <a:rPr lang="ko-KR" altLang="en-US" spc="300" dirty="0">
-                <a:solidFill>
-                  <a:schemeClr val="tx1">
-                    <a:lumMod val="65000"/>
-                    <a:lumOff val="35000"/>
-                  </a:schemeClr>
-                </a:solidFill>
-              </a:rPr>
-              <a:t>폭탄 해체 게임</a:t>
-            </a:r>
-          </a:p>
-        </p:txBody>
-      </p:sp>
-      <p:sp>
-        <p:nvSpPr>
-          <p:cNvPr id="5" name="타원 4">
-            <a:extLst>
-              <a:ext uri="{FF2B5EF4-FFF2-40B4-BE49-F238E27FC236}">
-                <a16:creationId xmlns:a16="http://schemas.microsoft.com/office/drawing/2014/main" id="{C4F6FD9A-4343-9C66-B966-192DE8475229}"/>
-              </a:ext>
-            </a:extLst>
-          </p:cNvPr>
+              <a:rPr lang="ko-KR" altLang="en-US" sz="1800"/>
+              <a:t>Yacht Dic</a:t>
+            </a:r>
+            <a:r>
+              <a:rPr lang="en-US" altLang="ko-KR" sz="1800"/>
+              <a:t>e</a:t>
+            </a:r>
+            <a:endParaRPr lang="ko-KR" altLang="en-US" sz="1800" b="1" spc="-300"/>
+          </a:p>
+        </p:txBody>
+      </p:sp>
+      <p:sp>
+        <p:nvSpPr>
+          <p:cNvPr id="5" name="타원 4"/>
           <p:cNvSpPr/>
           <p:nvPr/>
         </p:nvSpPr>
@@ -7294,23 +6948,19 @@
           </a:fontRef>
         </p:style>
         <p:txBody>
-          <a:bodyPr rtlCol="0" anchor="ctr"/>
-          <a:lstStyle/>
-          <a:p>
-            <a:pPr algn="ctr"/>
+          <a:bodyPr anchor="ctr"/>
+          <a:lstStyle/>
+          <a:p>
+            <a:pPr lvl="0" algn="ctr">
+              <a:defRPr/>
+            </a:pPr>
             <a:endParaRPr lang="ko-KR" altLang="en-US"/>
           </a:p>
         </p:txBody>
       </p:sp>
       <p:cxnSp>
         <p:nvCxnSpPr>
-          <p:cNvPr id="6" name="직선 화살표 연결선 5">
-            <a:extLst>
-              <a:ext uri="{FF2B5EF4-FFF2-40B4-BE49-F238E27FC236}">
-                <a16:creationId xmlns:a16="http://schemas.microsoft.com/office/drawing/2014/main" id="{C510AB6C-7178-1FEF-5854-7C377EEAB309}"/>
-              </a:ext>
-            </a:extLst>
-          </p:cNvPr>
+          <p:cNvPr id="6" name="직선 화살표 연결선 5"/>
           <p:cNvCxnSpPr/>
           <p:nvPr/>
         </p:nvCxnSpPr>
@@ -7348,16 +6998,8 @@
       </p:cxnSp>
       <p:cxnSp>
         <p:nvCxnSpPr>
-          <p:cNvPr id="7" name="직선 화살표 연결선 6">
-            <a:extLst>
-              <a:ext uri="{FF2B5EF4-FFF2-40B4-BE49-F238E27FC236}">
-                <a16:creationId xmlns:a16="http://schemas.microsoft.com/office/drawing/2014/main" id="{2D6294F1-1C5D-2657-4672-952369E5D6A1}"/>
-              </a:ext>
-            </a:extLst>
-          </p:cNvPr>
-          <p:cNvCxnSpPr>
-            <a:cxnSpLocks/>
-          </p:cNvCxnSpPr>
+          <p:cNvPr id="7" name="직선 화살표 연결선 6"/>
+          <p:cNvCxnSpPr/>
           <p:nvPr/>
         </p:nvCxnSpPr>
         <p:spPr>
@@ -7394,16 +7036,8 @@
       </p:cxnSp>
       <p:cxnSp>
         <p:nvCxnSpPr>
-          <p:cNvPr id="8" name="직선 화살표 연결선 7">
-            <a:extLst>
-              <a:ext uri="{FF2B5EF4-FFF2-40B4-BE49-F238E27FC236}">
-                <a16:creationId xmlns:a16="http://schemas.microsoft.com/office/drawing/2014/main" id="{733A5968-9667-C0E1-D453-0612596B46D4}"/>
-              </a:ext>
-            </a:extLst>
-          </p:cNvPr>
-          <p:cNvCxnSpPr>
-            <a:cxnSpLocks/>
-          </p:cNvCxnSpPr>
+          <p:cNvPr id="8" name="직선 화살표 연결선 7"/>
+          <p:cNvCxnSpPr/>
           <p:nvPr/>
         </p:nvCxnSpPr>
         <p:spPr>
@@ -7440,16 +7074,8 @@
       </p:cxnSp>
       <p:cxnSp>
         <p:nvCxnSpPr>
-          <p:cNvPr id="9" name="직선 화살표 연결선 8">
-            <a:extLst>
-              <a:ext uri="{FF2B5EF4-FFF2-40B4-BE49-F238E27FC236}">
-                <a16:creationId xmlns:a16="http://schemas.microsoft.com/office/drawing/2014/main" id="{9EE979ED-BC50-78FF-9873-044A3040CE94}"/>
-              </a:ext>
-            </a:extLst>
-          </p:cNvPr>
-          <p:cNvCxnSpPr>
-            <a:cxnSpLocks/>
-          </p:cNvCxnSpPr>
+          <p:cNvPr id="9" name="직선 화살표 연결선 8"/>
+          <p:cNvCxnSpPr/>
           <p:nvPr/>
         </p:nvCxnSpPr>
         <p:spPr>
@@ -7486,20 +7112,14 @@
       </p:cxnSp>
       <p:sp>
         <p:nvSpPr>
-          <p:cNvPr id="10" name="TextBox 9">
-            <a:extLst>
-              <a:ext uri="{FF2B5EF4-FFF2-40B4-BE49-F238E27FC236}">
-                <a16:creationId xmlns:a16="http://schemas.microsoft.com/office/drawing/2014/main" id="{424A20AF-56CE-469E-1983-F524DFE4F04E}"/>
-              </a:ext>
-            </a:extLst>
-          </p:cNvPr>
+          <p:cNvPr id="10" name="TextBox 9"/>
           <p:cNvSpPr txBox="1"/>
           <p:nvPr/>
         </p:nvSpPr>
         <p:spPr>
           <a:xfrm>
-            <a:off x="924269" y="1246056"/>
-            <a:ext cx="2146613" cy="892552"/>
+            <a:off x="1194435" y="1078959"/>
+            <a:ext cx="2708825" cy="881286"/>
           </a:xfrm>
           <a:prstGeom prst="rect">
             <a:avLst/>
@@ -7507,65 +7127,73 @@
           <a:noFill/>
         </p:spPr>
         <p:txBody>
-          <a:bodyPr wrap="none" rtlCol="0">
+          <a:bodyPr wrap="none">
             <a:spAutoFit/>
           </a:bodyPr>
           <a:lstStyle/>
           <a:p>
-            <a:r>
-              <a:rPr lang="ko-KR" altLang="en-US" sz="2000" dirty="0"/>
-              <a:t>문양해석게임 </a:t>
-            </a:r>
-            <a:endParaRPr lang="en-US" altLang="ko-KR" sz="2000" dirty="0"/>
-          </a:p>
-          <a:p>
-            <a:r>
-              <a:rPr lang="en-US" altLang="ko-KR" sz="1600" dirty="0" err="1"/>
-              <a:t>DotMatrix</a:t>
-            </a:r>
-            <a:r>
-              <a:rPr lang="en-US" altLang="ko-KR" sz="1600" dirty="0"/>
-              <a:t> : </a:t>
-            </a:r>
-            <a:r>
-              <a:rPr lang="ko-KR" altLang="en-US" sz="1600" dirty="0"/>
-              <a:t>문양표현</a:t>
-            </a:r>
-            <a:endParaRPr lang="en-US" altLang="ko-KR" sz="1600" dirty="0"/>
-          </a:p>
-          <a:p>
-            <a:r>
-              <a:rPr lang="en-US" altLang="ko-KR" sz="1600" dirty="0" err="1"/>
-              <a:t>TactSwithch</a:t>
-            </a:r>
-            <a:r>
-              <a:rPr lang="en-US" altLang="ko-KR" sz="1600" dirty="0"/>
-              <a:t> : </a:t>
-            </a:r>
-            <a:r>
-              <a:rPr lang="ko-KR" altLang="en-US" sz="1600" dirty="0"/>
-              <a:t>문양선택</a:t>
-            </a:r>
-            <a:endParaRPr lang="en-US" altLang="ko-KR" sz="1600" dirty="0"/>
-          </a:p>
-        </p:txBody>
-      </p:sp>
-      <p:sp>
-        <p:nvSpPr>
-          <p:cNvPr id="11" name="TextBox 10">
-            <a:extLst>
-              <a:ext uri="{FF2B5EF4-FFF2-40B4-BE49-F238E27FC236}">
-                <a16:creationId xmlns:a16="http://schemas.microsoft.com/office/drawing/2014/main" id="{BF022FF1-C01C-0AFA-CC4A-06C52BB91D16}"/>
-              </a:ext>
-            </a:extLst>
-          </p:cNvPr>
+            <a:pPr lvl="0">
+              <a:defRPr/>
+            </a:pPr>
+            <a:r>
+              <a:rPr lang="en-US" altLang="ko-KR" sz="2000"/>
+              <a:t>DotMatrix(</a:t>
+            </a:r>
+            <a:r>
+              <a:rPr lang="ko-KR" altLang="en-US" sz="2000"/>
+              <a:t>가위바위보</a:t>
+            </a:r>
+            <a:r>
+              <a:rPr lang="en-US" altLang="ko-KR" sz="2000"/>
+              <a:t>)</a:t>
+            </a:r>
+          </a:p>
+          <a:p>
+            <a:pPr lvl="0">
+              <a:defRPr/>
+            </a:pPr>
+            <a:r>
+              <a:rPr lang="ko-KR" altLang="en-US" sz="1600">
+                <a:effectLst/>
+                <a:latin typeface="Arial"/>
+              </a:rPr>
+              <a:t>주사위 숫자를</a:t>
+            </a:r>
+          </a:p>
+          <a:p>
+            <a:pPr lvl="0">
+              <a:defRPr/>
+            </a:pPr>
+            <a:r>
+              <a:rPr lang="en-US" altLang="ko-KR" sz="1600">
+                <a:effectLst/>
+                <a:latin typeface="Arial"/>
+              </a:rPr>
+              <a:t>8 * 8 </a:t>
+            </a:r>
+            <a:r>
+              <a:rPr lang="ko-KR" altLang="en-US" sz="1600">
+                <a:effectLst/>
+                <a:latin typeface="Arial"/>
+              </a:rPr>
+              <a:t>매트릭스로 표현</a:t>
+            </a:r>
+            <a:endParaRPr lang="ko-KR" altLang="en-US" sz="1600">
+              <a:latin typeface="Arial"/>
+            </a:endParaRPr>
+          </a:p>
+        </p:txBody>
+      </p:sp>
+      <p:sp>
+        <p:nvSpPr>
+          <p:cNvPr id="11" name="TextBox 10"/>
           <p:cNvSpPr txBox="1"/>
           <p:nvPr/>
         </p:nvSpPr>
         <p:spPr>
           <a:xfrm>
-            <a:off x="9188950" y="1246056"/>
-            <a:ext cx="2146613" cy="892552"/>
+            <a:off x="9011936" y="925070"/>
+            <a:ext cx="3144130" cy="1446550"/>
           </a:xfrm>
           <a:prstGeom prst="rect">
             <a:avLst/>
@@ -7573,65 +7201,113 @@
           <a:noFill/>
         </p:spPr>
         <p:txBody>
-          <a:bodyPr wrap="none" rtlCol="0">
+          <a:bodyPr wrap="none">
             <a:spAutoFit/>
           </a:bodyPr>
           <a:lstStyle/>
           <a:p>
-            <a:r>
-              <a:rPr lang="ko-KR" altLang="en-US" sz="2000" dirty="0"/>
-              <a:t>미로 찾기 게임</a:t>
-            </a:r>
-            <a:endParaRPr lang="en-US" altLang="ko-KR" sz="2000" dirty="0"/>
-          </a:p>
-          <a:p>
-            <a:r>
-              <a:rPr lang="en-US" altLang="ko-KR" sz="1600" dirty="0" err="1"/>
-              <a:t>DotMatrix</a:t>
-            </a:r>
-            <a:r>
-              <a:rPr lang="en-US" altLang="ko-KR" sz="1600" dirty="0"/>
-              <a:t> :</a:t>
-            </a:r>
-            <a:r>
-              <a:rPr lang="ko-KR" altLang="en-US" sz="1600" dirty="0"/>
-              <a:t> 미로표현</a:t>
-            </a:r>
-            <a:endParaRPr lang="en-US" altLang="ko-KR" sz="1600" dirty="0"/>
-          </a:p>
-          <a:p>
-            <a:r>
-              <a:rPr lang="en-US" altLang="ko-KR" sz="1600" dirty="0" err="1"/>
-              <a:t>TactSwithch</a:t>
-            </a:r>
-            <a:r>
-              <a:rPr lang="en-US" altLang="ko-KR" sz="1600" dirty="0"/>
-              <a:t> : </a:t>
-            </a:r>
-            <a:r>
-              <a:rPr lang="ko-KR" altLang="en-US" sz="1600" dirty="0"/>
-              <a:t>경로선택</a:t>
-            </a:r>
-            <a:endParaRPr lang="en-US" altLang="ko-KR" sz="1600" dirty="0"/>
-          </a:p>
-        </p:txBody>
-      </p:sp>
-      <p:sp>
-        <p:nvSpPr>
-          <p:cNvPr id="12" name="TextBox 11">
-            <a:extLst>
-              <a:ext uri="{FF2B5EF4-FFF2-40B4-BE49-F238E27FC236}">
-                <a16:creationId xmlns:a16="http://schemas.microsoft.com/office/drawing/2014/main" id="{36F97327-9430-9900-24AB-6661CB4EF986}"/>
-              </a:ext>
-            </a:extLst>
-          </p:cNvPr>
+            <a:pPr lvl="0">
+              <a:defRPr/>
+            </a:pPr>
+            <a:r>
+              <a:rPr lang="en-US" altLang="ko-KR" sz="2000">
+                <a:effectLst/>
+                <a:latin typeface="Arial"/>
+              </a:rPr>
+              <a:t>TACT SWITCH</a:t>
+            </a:r>
+          </a:p>
+          <a:p>
+            <a:pPr lvl="0">
+              <a:defRPr/>
+            </a:pPr>
+            <a:r>
+              <a:rPr lang="en-US" altLang="ko-KR" sz="2000">
+                <a:effectLst/>
+                <a:latin typeface="Arial"/>
+              </a:rPr>
+              <a:t>DIP S</a:t>
+            </a:r>
+            <a:r>
+              <a:rPr lang="en-US" altLang="ko-KR" sz="2000">
+                <a:latin typeface="Arial"/>
+              </a:rPr>
+              <a:t>WITCH(</a:t>
+            </a:r>
+            <a:r>
+              <a:rPr lang="ko-KR" altLang="en-US" sz="2000">
+                <a:latin typeface="Arial"/>
+              </a:rPr>
+              <a:t>가위바위보</a:t>
+            </a:r>
+            <a:r>
+              <a:rPr lang="en-US" altLang="ko-KR" sz="2000">
+                <a:latin typeface="Arial"/>
+              </a:rPr>
+              <a:t>)</a:t>
+            </a:r>
+          </a:p>
+          <a:p>
+            <a:pPr lvl="0">
+              <a:defRPr/>
+            </a:pPr>
+            <a:r>
+              <a:rPr lang="ko-KR" altLang="en-US" sz="1600">
+                <a:latin typeface="Arial"/>
+              </a:rPr>
+              <a:t>요트 게임</a:t>
+            </a:r>
+            <a:r>
+              <a:rPr lang="ko-KR" altLang="en-US" sz="1600">
+                <a:effectLst/>
+                <a:latin typeface="Arial"/>
+              </a:rPr>
+              <a:t> 플레이</a:t>
+            </a:r>
+            <a:r>
+              <a:rPr lang="en-US" altLang="ko-KR" sz="1600">
+                <a:effectLst/>
+                <a:latin typeface="Arial"/>
+              </a:rPr>
+              <a:t>,</a:t>
+            </a:r>
+          </a:p>
+          <a:p>
+            <a:pPr lvl="0">
+              <a:defRPr/>
+            </a:pPr>
+            <a:r>
+              <a:rPr lang="ko-KR" altLang="en-US" sz="1600">
+                <a:effectLst/>
+                <a:latin typeface="Arial"/>
+              </a:rPr>
+              <a:t>기타 조작을 위해</a:t>
+            </a:r>
+          </a:p>
+          <a:p>
+            <a:pPr lvl="0">
+              <a:defRPr/>
+            </a:pPr>
+            <a:r>
+              <a:rPr lang="ko-KR" altLang="en-US" sz="1600">
+                <a:effectLst/>
+                <a:latin typeface="Arial"/>
+              </a:rPr>
+              <a:t>사용</a:t>
+            </a:r>
+          </a:p>
+        </p:txBody>
+      </p:sp>
+      <p:sp>
+        <p:nvSpPr>
+          <p:cNvPr id="12" name="TextBox 11"/>
           <p:cNvSpPr txBox="1"/>
           <p:nvPr/>
         </p:nvSpPr>
         <p:spPr>
           <a:xfrm>
-            <a:off x="924269" y="5799984"/>
-            <a:ext cx="1970411" cy="892552"/>
+            <a:off x="832485" y="5819038"/>
+            <a:ext cx="3070775" cy="646331"/>
           </a:xfrm>
           <a:prstGeom prst="rect">
             <a:avLst/>
@@ -7639,72 +7315,56 @@
           <a:noFill/>
         </p:spPr>
         <p:txBody>
-          <a:bodyPr wrap="none" rtlCol="0">
+          <a:bodyPr wrap="none">
             <a:spAutoFit/>
           </a:bodyPr>
           <a:lstStyle/>
           <a:p>
-            <a:r>
-              <a:rPr lang="ko-KR" altLang="en-US" sz="2000" dirty="0"/>
-              <a:t>선 끊기 게임</a:t>
-            </a:r>
-            <a:endParaRPr lang="en-US" altLang="ko-KR" sz="2000" dirty="0"/>
-          </a:p>
-          <a:p>
-            <a:r>
-              <a:rPr lang="en-US" altLang="ko-KR" sz="1600" dirty="0"/>
-              <a:t>LED : </a:t>
-            </a:r>
-            <a:r>
-              <a:rPr lang="ko-KR" altLang="en-US" sz="1600" dirty="0"/>
-              <a:t>선과 색상 표현</a:t>
-            </a:r>
-            <a:endParaRPr lang="en-US" altLang="ko-KR" sz="1600" dirty="0"/>
-          </a:p>
-          <a:p>
-            <a:r>
-              <a:rPr lang="en-US" altLang="ko-KR" sz="1600" dirty="0"/>
-              <a:t>Dip</a:t>
-            </a:r>
-            <a:r>
-              <a:rPr lang="ko-KR" altLang="en-US" sz="1600" dirty="0"/>
-              <a:t> </a:t>
-            </a:r>
-            <a:r>
-              <a:rPr lang="en-US" altLang="ko-KR" sz="1600" dirty="0"/>
-              <a:t>Switch</a:t>
-            </a:r>
-            <a:r>
-              <a:rPr lang="ko-KR" altLang="en-US" sz="1600" dirty="0"/>
-              <a:t> </a:t>
-            </a:r>
-            <a:r>
-              <a:rPr lang="en-US" altLang="ko-KR" sz="1600" dirty="0"/>
-              <a:t>:</a:t>
-            </a:r>
-            <a:r>
-              <a:rPr lang="ko-KR" altLang="en-US" sz="1600" dirty="0"/>
-              <a:t> 선 끊기</a:t>
-            </a:r>
-          </a:p>
-        </p:txBody>
-      </p:sp>
-      <p:sp>
-        <p:nvSpPr>
-          <p:cNvPr id="33" name="TextBox 32">
-            <a:extLst>
-              <a:ext uri="{FF2B5EF4-FFF2-40B4-BE49-F238E27FC236}">
-                <a16:creationId xmlns:a16="http://schemas.microsoft.com/office/drawing/2014/main" id="{BA065F87-CA45-B77A-B35D-399225EE9881}"/>
-              </a:ext>
-            </a:extLst>
-          </p:cNvPr>
+            <a:pPr lvl="0">
+              <a:defRPr/>
+            </a:pPr>
+            <a:r>
+              <a:rPr kumimoji="1" lang="en-US" altLang="ko-KR" sz="2000"/>
+              <a:t>Character LCD(</a:t>
+            </a:r>
+            <a:r>
+              <a:rPr kumimoji="1" lang="ko-KR" altLang="en-US" sz="2000"/>
+              <a:t>폭탄해제</a:t>
+            </a:r>
+            <a:r>
+              <a:rPr kumimoji="1" lang="en-US" altLang="ko-KR" sz="2000"/>
+              <a:t>)</a:t>
+            </a:r>
+          </a:p>
+          <a:p>
+            <a:pPr lvl="0">
+              <a:defRPr/>
+            </a:pPr>
+            <a:r>
+              <a:rPr kumimoji="1" lang="ko-KR" altLang="en-US" sz="1600"/>
+              <a:t>게임 진행 상황 </a:t>
+            </a:r>
+            <a:r>
+              <a:rPr kumimoji="1" lang="en-US" altLang="ko-KR" sz="1600"/>
+              <a:t>&amp;</a:t>
+            </a:r>
+            <a:r>
+              <a:rPr kumimoji="1" lang="ko-KR" altLang="en-US" sz="1600"/>
+              <a:t> 족보이름 표기</a:t>
+            </a:r>
+          </a:p>
+        </p:txBody>
+      </p:sp>
+      <p:sp>
+        <p:nvSpPr>
+          <p:cNvPr id="33" name="TextBox 32"/>
           <p:cNvSpPr txBox="1"/>
           <p:nvPr/>
         </p:nvSpPr>
         <p:spPr>
           <a:xfrm>
-            <a:off x="4349368" y="3547235"/>
-            <a:ext cx="3493264" cy="707886"/>
+            <a:off x="4936772" y="3547235"/>
+            <a:ext cx="2318455" cy="707886"/>
           </a:xfrm>
           <a:prstGeom prst="rect">
             <a:avLst/>
@@ -7712,55 +7372,31 @@
           <a:noFill/>
         </p:spPr>
         <p:txBody>
-          <a:bodyPr wrap="none" rtlCol="0">
+          <a:bodyPr wrap="none">
             <a:spAutoFit/>
           </a:bodyPr>
           <a:lstStyle/>
           <a:p>
-            <a:pPr lvl="0">
+            <a:pPr lvl="0" algn="ctr">
               <a:defRPr/>
             </a:pPr>
             <a:r>
-              <a:rPr lang="en-US" altLang="ko-KR" sz="4000" dirty="0" err="1">
+              <a:rPr lang="ko-KR" altLang="en-US" sz="4000">
                 <a:solidFill>
                   <a:schemeClr val="bg1"/>
                 </a:solidFill>
               </a:rPr>
-              <a:t>폭탄</a:t>
-            </a:r>
-            <a:r>
-              <a:rPr lang="en-US" altLang="ko-KR" sz="4000" dirty="0">
+              <a:t>Yacht Dic</a:t>
+            </a:r>
+            <a:r>
+              <a:rPr lang="en-US" altLang="ko-KR" sz="4000">
                 <a:solidFill>
                   <a:schemeClr val="bg1"/>
                 </a:solidFill>
               </a:rPr>
-              <a:t> </a:t>
-            </a:r>
-            <a:r>
-              <a:rPr lang="en-US" altLang="ko-KR" sz="4000" dirty="0" err="1">
-                <a:solidFill>
-                  <a:schemeClr val="bg1"/>
-                </a:solidFill>
-              </a:rPr>
-              <a:t>해체</a:t>
-            </a:r>
-            <a:r>
-              <a:rPr lang="en-US" altLang="ko-KR" sz="4000" dirty="0">
-                <a:solidFill>
-                  <a:schemeClr val="bg1"/>
-                </a:solidFill>
-              </a:rPr>
-              <a:t> </a:t>
-            </a:r>
-            <a:r>
-              <a:rPr lang="en-US" altLang="ko-KR" sz="4000" dirty="0" err="1">
-                <a:solidFill>
-                  <a:schemeClr val="bg1"/>
-                </a:solidFill>
-              </a:rPr>
-              <a:t>게임</a:t>
-            </a:r>
-            <a:endParaRPr lang="en-US" altLang="ko-KR" sz="4000" dirty="0">
+              <a:t>e</a:t>
+            </a:r>
+            <a:endParaRPr lang="ko-KR" altLang="en-US" sz="4000" b="1" spc="-300">
               <a:solidFill>
                 <a:schemeClr val="bg1"/>
               </a:solidFill>
@@ -7770,20 +7406,14 @@
       </p:sp>
       <p:sp>
         <p:nvSpPr>
-          <p:cNvPr id="15" name="TextBox 14">
-            <a:extLst>
-              <a:ext uri="{FF2B5EF4-FFF2-40B4-BE49-F238E27FC236}">
-                <a16:creationId xmlns:a16="http://schemas.microsoft.com/office/drawing/2014/main" id="{6EDA8C35-FB6D-EC74-D98C-6C3A0DF27B42}"/>
-              </a:ext>
-            </a:extLst>
-          </p:cNvPr>
+          <p:cNvPr id="15" name="TextBox 14"/>
           <p:cNvSpPr txBox="1"/>
           <p:nvPr/>
         </p:nvSpPr>
         <p:spPr>
           <a:xfrm>
-            <a:off x="9024273" y="5653150"/>
-            <a:ext cx="2830647" cy="892552"/>
+            <a:off x="8274956" y="5730272"/>
+            <a:ext cx="2908316" cy="944848"/>
           </a:xfrm>
           <a:prstGeom prst="rect">
             <a:avLst/>
@@ -7791,1870 +7421,122 @@
           <a:noFill/>
         </p:spPr>
         <p:txBody>
-          <a:bodyPr wrap="none" rtlCol="0">
+          <a:bodyPr wrap="square">
             <a:spAutoFit/>
           </a:bodyPr>
           <a:lstStyle/>
           <a:p>
-            <a:r>
-              <a:rPr kumimoji="1" lang="ko-KR" altLang="en-US" sz="2000" dirty="0"/>
-              <a:t>기타</a:t>
-            </a:r>
-            <a:endParaRPr kumimoji="1" lang="en-US" altLang="ko-KR" sz="2000" dirty="0"/>
-          </a:p>
-          <a:p>
-            <a:r>
-              <a:rPr kumimoji="1" lang="en-US" altLang="ko-KR" sz="1600" dirty="0"/>
-              <a:t>Character LCD</a:t>
-            </a:r>
-            <a:r>
-              <a:rPr kumimoji="1" lang="ko-KR" altLang="en-US" sz="1600" dirty="0"/>
-              <a:t> </a:t>
-            </a:r>
-            <a:r>
-              <a:rPr kumimoji="1" lang="en-US" altLang="ko-KR" sz="1600" dirty="0"/>
-              <a:t>:</a:t>
-            </a:r>
-            <a:r>
-              <a:rPr kumimoji="1" lang="ko-KR" altLang="en-US" sz="1600" dirty="0"/>
-              <a:t> 게임 진행 상황</a:t>
-            </a:r>
-            <a:endParaRPr kumimoji="1" lang="en-US" altLang="ko-KR" sz="1600" dirty="0"/>
-          </a:p>
-          <a:p>
-            <a:r>
-              <a:rPr kumimoji="1" lang="en-US" altLang="ko-KR" sz="1600" dirty="0"/>
-              <a:t>7-SegmentLED : </a:t>
-            </a:r>
-            <a:r>
-              <a:rPr kumimoji="1" lang="ko-KR" altLang="en-US" sz="1600" dirty="0"/>
-              <a:t>제한 시간</a:t>
-            </a:r>
-          </a:p>
-        </p:txBody>
-      </p:sp>
+            <a:pPr lvl="0">
+              <a:defRPr/>
+            </a:pPr>
+            <a:r>
+              <a:rPr kumimoji="1" lang="en-US" altLang="ko-KR" sz="2000"/>
+              <a:t>7-SegmentLED(</a:t>
+            </a:r>
+            <a:r>
+              <a:rPr kumimoji="1" lang="ko-KR" altLang="en-US" sz="2000"/>
+              <a:t>폭탄해제</a:t>
+            </a:r>
+            <a:r>
+              <a:rPr kumimoji="1" lang="en-US" altLang="ko-KR" sz="2000"/>
+              <a:t>)</a:t>
+            </a:r>
+          </a:p>
+          <a:p>
+            <a:pPr lvl="0">
+              <a:defRPr/>
+            </a:pPr>
+            <a:r>
+              <a:rPr kumimoji="1" lang="ko-KR" altLang="en-US" sz="1600"/>
+              <a:t>족보에 해당하는 점수를 표기</a:t>
+            </a:r>
+          </a:p>
+        </p:txBody>
+      </p:sp>
+      <p:sp>
+        <p:nvSpPr>
+          <p:cNvPr id="34" name="가로 글상자 33"/>
+          <p:cNvSpPr txBox="1"/>
+          <p:nvPr/>
+        </p:nvSpPr>
+        <p:spPr>
+          <a:xfrm>
+            <a:off x="417801" y="3231572"/>
+            <a:ext cx="1604096" cy="914400"/>
+          </a:xfrm>
+          <a:prstGeom prst="rect">
+            <a:avLst/>
+          </a:prstGeom>
+        </p:spPr>
+        <p:txBody>
+          <a:bodyPr wrap="none"/>
+          <a:lstStyle/>
+          <a:p>
+            <a:pPr lvl="0">
+              <a:defRPr/>
+            </a:pPr>
+            <a:r>
+              <a:rPr lang="en-US" altLang="ko-KR" sz="1400">
+                <a:effectLst/>
+                <a:latin typeface="Arial"/>
+              </a:rPr>
+              <a:t>LED</a:t>
+            </a:r>
+          </a:p>
+          <a:p>
+            <a:pPr lvl="0">
+              <a:defRPr/>
+            </a:pPr>
+            <a:r>
+              <a:rPr lang="ko-KR" altLang="en-US" sz="1400">
+                <a:effectLst/>
+                <a:latin typeface="Arial"/>
+              </a:rPr>
+              <a:t>남은 주사위 굴리기횟수 표현</a:t>
+            </a:r>
+          </a:p>
+        </p:txBody>
+      </p:sp>
+      <p:cxnSp>
+        <p:nvCxnSpPr>
+          <p:cNvPr id="36" name="직선 화살표 연결선 5"/>
+          <p:cNvCxnSpPr/>
+          <p:nvPr/>
+        </p:nvCxnSpPr>
+        <p:spPr>
+          <a:xfrm flipV="1">
+            <a:off x="2583524" y="3667125"/>
+            <a:ext cx="1022988" cy="10824"/>
+          </a:xfrm>
+          <a:prstGeom prst="straightConnector1">
+            <a:avLst/>
+          </a:prstGeom>
+          <a:noFill/>
+          <a:ln w="6350" cap="flat" cmpd="sng" algn="ctr">
+            <a:solidFill>
+              <a:srgbClr val="A6A6A6">
+                <a:alpha val="100000"/>
+              </a:srgbClr>
+            </a:solidFill>
+            <a:prstDash val="solid"/>
+            <a:miter/>
+            <a:tailEnd type="triangle"/>
+          </a:ln>
+        </p:spPr>
+      </p:cxnSp>
     </p:spTree>
-    <p:extLst>
-      <p:ext uri="{BB962C8B-B14F-4D97-AF65-F5344CB8AC3E}">
-        <p14:creationId xmlns:p14="http://schemas.microsoft.com/office/powerpoint/2010/main" val="3219946224"/>
-      </p:ext>
-    </p:extLst>
   </p:cSld>
   <p:clrMapOvr>
     <a:masterClrMapping/>
   </p:clrMapOvr>
-</p:sld>
-</file>
-
-<file path=ppt/slides/slide7.xml><?xml version="1.0" encoding="utf-8"?>
-<p:sld xmlns:a="http://schemas.openxmlformats.org/drawingml/2006/main" xmlns:r="http://schemas.openxmlformats.org/officeDocument/2006/relationships" xmlns:p="http://schemas.openxmlformats.org/presentationml/2006/main">
-  <p:cSld>
-    <p:bg>
-      <p:bgPr>
-        <a:solidFill>
-          <a:schemeClr val="accent4"/>
-        </a:solidFill>
-        <a:effectLst/>
-      </p:bgPr>
-    </p:bg>
-    <p:spTree>
-      <p:nvGrpSpPr>
-        <p:cNvPr id="1" name=""/>
-        <p:cNvGrpSpPr/>
-        <p:nvPr/>
-      </p:nvGrpSpPr>
-      <p:grpSpPr>
-        <a:xfrm>
-          <a:off x="0" y="0"/>
-          <a:ext cx="0" cy="0"/>
-          <a:chOff x="0" y="0"/>
-          <a:chExt cx="0" cy="0"/>
-        </a:xfrm>
-      </p:grpSpPr>
-      <p:sp>
-        <p:nvSpPr>
-          <p:cNvPr id="2" name="타원 1">
-            <a:extLst>
-              <a:ext uri="{FF2B5EF4-FFF2-40B4-BE49-F238E27FC236}">
-                <a16:creationId xmlns:a16="http://schemas.microsoft.com/office/drawing/2014/main" id="{8230581F-3CDD-6E21-9F5D-B1DA168E7A8F}"/>
-              </a:ext>
-            </a:extLst>
-          </p:cNvPr>
-          <p:cNvSpPr/>
-          <p:nvPr/>
-        </p:nvSpPr>
-        <p:spPr>
-          <a:xfrm>
-            <a:off x="1045410" y="1329072"/>
-            <a:ext cx="4126831" cy="4126831"/>
-          </a:xfrm>
-          <a:prstGeom prst="ellipse">
-            <a:avLst/>
-          </a:prstGeom>
-          <a:solidFill>
-            <a:schemeClr val="accent4">
-              <a:lumMod val="20000"/>
-              <a:lumOff val="80000"/>
-            </a:schemeClr>
-          </a:solidFill>
-          <a:ln>
-            <a:noFill/>
-          </a:ln>
-        </p:spPr>
-        <p:style>
-          <a:lnRef idx="2">
-            <a:schemeClr val="accent1">
-              <a:shade val="50000"/>
-            </a:schemeClr>
-          </a:lnRef>
-          <a:fillRef idx="1">
-            <a:schemeClr val="accent1"/>
-          </a:fillRef>
-          <a:effectRef idx="0">
-            <a:schemeClr val="accent1"/>
-          </a:effectRef>
-          <a:fontRef idx="minor">
-            <a:schemeClr val="lt1"/>
-          </a:fontRef>
-        </p:style>
-        <p:txBody>
-          <a:bodyPr rtlCol="0" anchor="ctr"/>
-          <a:lstStyle/>
-          <a:p>
-            <a:pPr algn="ctr"/>
-            <a:endParaRPr lang="ko-KR" altLang="en-US" sz="1600"/>
-          </a:p>
-        </p:txBody>
-      </p:sp>
-      <p:sp>
-        <p:nvSpPr>
-          <p:cNvPr id="3" name="타원 2">
-            <a:extLst>
-              <a:ext uri="{FF2B5EF4-FFF2-40B4-BE49-F238E27FC236}">
-                <a16:creationId xmlns:a16="http://schemas.microsoft.com/office/drawing/2014/main" id="{115D6B55-8ED9-099D-24FC-B0D7DD4CB292}"/>
-              </a:ext>
-            </a:extLst>
-          </p:cNvPr>
-          <p:cNvSpPr/>
-          <p:nvPr/>
-        </p:nvSpPr>
-        <p:spPr>
-          <a:xfrm>
-            <a:off x="7045161" y="1329071"/>
-            <a:ext cx="4126831" cy="4126831"/>
-          </a:xfrm>
-          <a:prstGeom prst="ellipse">
-            <a:avLst/>
-          </a:prstGeom>
-          <a:solidFill>
-            <a:srgbClr val="F9EAE7"/>
-          </a:solidFill>
-          <a:ln>
-            <a:noFill/>
-          </a:ln>
-        </p:spPr>
-        <p:style>
-          <a:lnRef idx="2">
-            <a:schemeClr val="accent1">
-              <a:shade val="50000"/>
-            </a:schemeClr>
-          </a:lnRef>
-          <a:fillRef idx="1">
-            <a:schemeClr val="accent1"/>
-          </a:fillRef>
-          <a:effectRef idx="0">
-            <a:schemeClr val="accent1"/>
-          </a:effectRef>
-          <a:fontRef idx="minor">
-            <a:schemeClr val="lt1"/>
-          </a:fontRef>
-        </p:style>
-        <p:txBody>
-          <a:bodyPr rtlCol="0" anchor="ctr"/>
-          <a:lstStyle/>
-          <a:p>
-            <a:pPr algn="ctr"/>
-            <a:endParaRPr lang="ko-KR" altLang="en-US" sz="1600"/>
-          </a:p>
-        </p:txBody>
-      </p:sp>
-      <p:sp>
-        <p:nvSpPr>
-          <p:cNvPr id="4" name="타원 3">
-            <a:extLst>
-              <a:ext uri="{FF2B5EF4-FFF2-40B4-BE49-F238E27FC236}">
-                <a16:creationId xmlns:a16="http://schemas.microsoft.com/office/drawing/2014/main" id="{9EEBD930-01AE-D34D-DBE5-B8F915EE3129}"/>
-              </a:ext>
-            </a:extLst>
-          </p:cNvPr>
-          <p:cNvSpPr/>
-          <p:nvPr/>
-        </p:nvSpPr>
-        <p:spPr>
-          <a:xfrm>
-            <a:off x="4045284" y="1329073"/>
-            <a:ext cx="4126831" cy="4126831"/>
-          </a:xfrm>
-          <a:prstGeom prst="ellipse">
-            <a:avLst/>
-          </a:prstGeom>
-          <a:solidFill>
-            <a:schemeClr val="accent2"/>
-          </a:solidFill>
-          <a:ln>
-            <a:noFill/>
-          </a:ln>
-        </p:spPr>
-        <p:style>
-          <a:lnRef idx="2">
-            <a:schemeClr val="accent1">
-              <a:shade val="50000"/>
-            </a:schemeClr>
-          </a:lnRef>
-          <a:fillRef idx="1">
-            <a:schemeClr val="accent1"/>
-          </a:fillRef>
-          <a:effectRef idx="0">
-            <a:schemeClr val="accent1"/>
-          </a:effectRef>
-          <a:fontRef idx="minor">
-            <a:schemeClr val="lt1"/>
-          </a:fontRef>
-        </p:style>
-        <p:txBody>
-          <a:bodyPr rtlCol="0" anchor="ctr"/>
-          <a:lstStyle/>
-          <a:p>
-            <a:pPr algn="ctr"/>
-            <a:endParaRPr lang="ko-KR" altLang="en-US" sz="1600"/>
-          </a:p>
-        </p:txBody>
-      </p:sp>
-      <p:sp>
-        <p:nvSpPr>
-          <p:cNvPr id="5" name="TextBox 4">
-            <a:extLst>
-              <a:ext uri="{FF2B5EF4-FFF2-40B4-BE49-F238E27FC236}">
-                <a16:creationId xmlns:a16="http://schemas.microsoft.com/office/drawing/2014/main" id="{C2F6F31A-4580-7A3F-68B9-8EAD130E7818}"/>
-              </a:ext>
-            </a:extLst>
-          </p:cNvPr>
-          <p:cNvSpPr txBox="1"/>
-          <p:nvPr/>
-        </p:nvSpPr>
-        <p:spPr>
-          <a:xfrm>
-            <a:off x="5184526" y="3166912"/>
-            <a:ext cx="1896481" cy="584775"/>
-          </a:xfrm>
-          <a:prstGeom prst="rect">
-            <a:avLst/>
-          </a:prstGeom>
-          <a:noFill/>
-        </p:spPr>
-        <p:txBody>
-          <a:bodyPr wrap="none" rtlCol="0">
-            <a:spAutoFit/>
-          </a:bodyPr>
-          <a:lstStyle/>
-          <a:p>
-            <a:pPr algn="ctr"/>
-            <a:r>
-              <a:rPr lang="ko-KR" altLang="en-US" sz="3200" dirty="0" err="1">
-                <a:solidFill>
-                  <a:schemeClr val="bg1"/>
-                </a:solidFill>
-              </a:rPr>
-              <a:t>Yacht</a:t>
-            </a:r>
-            <a:r>
-              <a:rPr lang="ko-KR" altLang="en-US" sz="3200" dirty="0">
-                <a:solidFill>
-                  <a:schemeClr val="bg1"/>
-                </a:solidFill>
-              </a:rPr>
-              <a:t> </a:t>
-            </a:r>
-            <a:r>
-              <a:rPr lang="ko-KR" altLang="en-US" sz="3200" dirty="0" err="1">
-                <a:solidFill>
-                  <a:schemeClr val="bg1"/>
-                </a:solidFill>
-              </a:rPr>
-              <a:t>Dic</a:t>
-            </a:r>
-            <a:r>
-              <a:rPr lang="en-US" altLang="ko-KR" sz="3200" dirty="0">
-                <a:solidFill>
-                  <a:schemeClr val="bg1"/>
-                </a:solidFill>
-              </a:rPr>
-              <a:t>e</a:t>
-            </a:r>
-            <a:endParaRPr lang="ko-KR" altLang="en-US" sz="3200" b="1" spc="-300" dirty="0">
-              <a:solidFill>
-                <a:schemeClr val="bg1"/>
-              </a:solidFill>
-            </a:endParaRPr>
-          </a:p>
-        </p:txBody>
-      </p:sp>
-      <p:sp>
-        <p:nvSpPr>
-          <p:cNvPr id="6" name="TextBox 5">
-            <a:extLst>
-              <a:ext uri="{FF2B5EF4-FFF2-40B4-BE49-F238E27FC236}">
-                <a16:creationId xmlns:a16="http://schemas.microsoft.com/office/drawing/2014/main" id="{137C90C2-6811-9B3C-230F-C9A3E5AEC812}"/>
-              </a:ext>
-            </a:extLst>
-          </p:cNvPr>
-          <p:cNvSpPr txBox="1"/>
-          <p:nvPr/>
-        </p:nvSpPr>
-        <p:spPr>
-          <a:xfrm>
-            <a:off x="1369847" y="3228467"/>
-            <a:ext cx="2408032" cy="461665"/>
-          </a:xfrm>
-          <a:prstGeom prst="rect">
-            <a:avLst/>
-          </a:prstGeom>
-          <a:noFill/>
-        </p:spPr>
-        <p:txBody>
-          <a:bodyPr wrap="none" rtlCol="0">
-            <a:spAutoFit/>
-          </a:bodyPr>
-          <a:lstStyle/>
-          <a:p>
-            <a:pPr lvl="0">
-              <a:defRPr/>
-            </a:pPr>
-            <a:r>
-              <a:rPr lang="en-US" altLang="ko-KR" sz="2400" dirty="0" err="1"/>
-              <a:t>가위바위보</a:t>
-            </a:r>
-            <a:r>
-              <a:rPr lang="en-US" altLang="ko-KR" sz="2400" dirty="0"/>
-              <a:t> </a:t>
-            </a:r>
-            <a:r>
-              <a:rPr lang="en-US" altLang="ko-KR" sz="2400" dirty="0" err="1"/>
-              <a:t>베팅</a:t>
-            </a:r>
-            <a:endParaRPr lang="en-US" altLang="ko-KR" sz="2400" dirty="0"/>
-          </a:p>
-        </p:txBody>
-      </p:sp>
-      <p:sp>
-        <p:nvSpPr>
-          <p:cNvPr id="7" name="TextBox 6">
-            <a:extLst>
-              <a:ext uri="{FF2B5EF4-FFF2-40B4-BE49-F238E27FC236}">
-                <a16:creationId xmlns:a16="http://schemas.microsoft.com/office/drawing/2014/main" id="{865448C5-AD5E-AF7C-293C-6754F8017E63}"/>
-              </a:ext>
-            </a:extLst>
-          </p:cNvPr>
-          <p:cNvSpPr txBox="1"/>
-          <p:nvPr/>
-        </p:nvSpPr>
-        <p:spPr>
-          <a:xfrm>
-            <a:off x="8838668" y="3191953"/>
-            <a:ext cx="2169184" cy="461665"/>
-          </a:xfrm>
-          <a:prstGeom prst="rect">
-            <a:avLst/>
-          </a:prstGeom>
-          <a:noFill/>
-        </p:spPr>
-        <p:txBody>
-          <a:bodyPr wrap="none" rtlCol="0">
-            <a:spAutoFit/>
-          </a:bodyPr>
-          <a:lstStyle/>
-          <a:p>
-            <a:pPr lvl="0">
-              <a:defRPr/>
-            </a:pPr>
-            <a:r>
-              <a:rPr lang="en-US" altLang="ko-KR" sz="2400" dirty="0" err="1"/>
-              <a:t>폭탄</a:t>
-            </a:r>
-            <a:r>
-              <a:rPr lang="en-US" altLang="ko-KR" sz="2400" dirty="0"/>
-              <a:t> </a:t>
-            </a:r>
-            <a:r>
-              <a:rPr lang="en-US" altLang="ko-KR" sz="2400" dirty="0" err="1"/>
-              <a:t>해체</a:t>
-            </a:r>
-            <a:r>
-              <a:rPr lang="en-US" altLang="ko-KR" sz="2400" dirty="0"/>
-              <a:t> </a:t>
-            </a:r>
-            <a:r>
-              <a:rPr lang="en-US" altLang="ko-KR" sz="2400" dirty="0" err="1"/>
-              <a:t>게임</a:t>
-            </a:r>
-            <a:endParaRPr lang="en-US" altLang="ko-KR" sz="2400" dirty="0"/>
-          </a:p>
-        </p:txBody>
-      </p:sp>
-      <p:sp>
-        <p:nvSpPr>
-          <p:cNvPr id="9" name="TextBox 8">
-            <a:extLst>
-              <a:ext uri="{FF2B5EF4-FFF2-40B4-BE49-F238E27FC236}">
-                <a16:creationId xmlns:a16="http://schemas.microsoft.com/office/drawing/2014/main" id="{A19D0CAB-BA51-8681-DD69-1E497C4CD916}"/>
-              </a:ext>
-            </a:extLst>
-          </p:cNvPr>
-          <p:cNvSpPr txBox="1"/>
-          <p:nvPr/>
-        </p:nvSpPr>
-        <p:spPr>
-          <a:xfrm>
-            <a:off x="1176688" y="144855"/>
-            <a:ext cx="1521699" cy="477054"/>
-          </a:xfrm>
-          <a:prstGeom prst="rect">
-            <a:avLst/>
-          </a:prstGeom>
-          <a:noFill/>
-        </p:spPr>
-        <p:txBody>
-          <a:bodyPr wrap="none" rtlCol="0">
-            <a:spAutoFit/>
-          </a:bodyPr>
-          <a:lstStyle/>
-          <a:p>
-            <a:pPr algn="ctr"/>
-            <a:r>
-              <a:rPr lang="ko-KR" altLang="en-US" sz="2500" dirty="0" err="1"/>
-              <a:t>Yacht</a:t>
-            </a:r>
-            <a:r>
-              <a:rPr lang="ko-KR" altLang="en-US" sz="2500" dirty="0"/>
-              <a:t> </a:t>
-            </a:r>
-            <a:r>
-              <a:rPr lang="ko-KR" altLang="en-US" sz="2500" dirty="0" err="1"/>
-              <a:t>Dic</a:t>
-            </a:r>
-            <a:r>
-              <a:rPr lang="en-US" altLang="ko-KR" sz="2500" dirty="0"/>
-              <a:t>e</a:t>
-            </a:r>
-            <a:endParaRPr lang="ko-KR" altLang="en-US" sz="2500" b="1" spc="-300" dirty="0"/>
-          </a:p>
-        </p:txBody>
-      </p:sp>
-      <p:sp>
-        <p:nvSpPr>
-          <p:cNvPr id="10" name="직사각형 9">
-            <a:extLst>
-              <a:ext uri="{FF2B5EF4-FFF2-40B4-BE49-F238E27FC236}">
-                <a16:creationId xmlns:a16="http://schemas.microsoft.com/office/drawing/2014/main" id="{644FF2BE-01DB-F0EB-D043-05F33023CBD7}"/>
-              </a:ext>
-            </a:extLst>
-          </p:cNvPr>
-          <p:cNvSpPr/>
-          <p:nvPr/>
-        </p:nvSpPr>
-        <p:spPr>
-          <a:xfrm>
-            <a:off x="272715" y="0"/>
-            <a:ext cx="802105" cy="752713"/>
-          </a:xfrm>
-          <a:prstGeom prst="rect">
-            <a:avLst/>
-          </a:prstGeom>
-          <a:ln>
-            <a:noFill/>
-          </a:ln>
-        </p:spPr>
-        <p:style>
-          <a:lnRef idx="2">
-            <a:schemeClr val="accent1">
-              <a:shade val="50000"/>
-            </a:schemeClr>
-          </a:lnRef>
-          <a:fillRef idx="1">
-            <a:schemeClr val="accent1"/>
-          </a:fillRef>
-          <a:effectRef idx="0">
-            <a:schemeClr val="accent1"/>
-          </a:effectRef>
-          <a:fontRef idx="minor">
-            <a:schemeClr val="lt1"/>
-          </a:fontRef>
-        </p:style>
-        <p:txBody>
-          <a:bodyPr rtlCol="0" anchor="ctr"/>
-          <a:lstStyle/>
-          <a:p>
-            <a:pPr algn="ctr"/>
-            <a:endParaRPr lang="ko-KR" altLang="en-US" dirty="0"/>
-          </a:p>
-        </p:txBody>
-      </p:sp>
-    </p:spTree>
-    <p:extLst>
-      <p:ext uri="{BB962C8B-B14F-4D97-AF65-F5344CB8AC3E}">
-        <p14:creationId xmlns:p14="http://schemas.microsoft.com/office/powerpoint/2010/main" val="2430020623"/>
-      </p:ext>
-    </p:extLst>
-  </p:cSld>
-  <p:clrMapOvr>
-    <a:masterClrMapping/>
-  </p:clrMapOvr>
-</p:sld>
-</file>
-
-<file path=ppt/slides/slide8.xml><?xml version="1.0" encoding="utf-8"?>
-<p:sld xmlns:a="http://schemas.openxmlformats.org/drawingml/2006/main" xmlns:r="http://schemas.openxmlformats.org/officeDocument/2006/relationships" xmlns:p="http://schemas.openxmlformats.org/presentationml/2006/main">
-  <p:cSld>
-    <p:spTree>
-      <p:nvGrpSpPr>
-        <p:cNvPr id="1" name=""/>
-        <p:cNvGrpSpPr/>
-        <p:nvPr/>
-      </p:nvGrpSpPr>
-      <p:grpSpPr>
-        <a:xfrm>
-          <a:off x="0" y="0"/>
-          <a:ext cx="0" cy="0"/>
-          <a:chOff x="0" y="0"/>
-          <a:chExt cx="0" cy="0"/>
-        </a:xfrm>
-      </p:grpSpPr>
-      <p:sp>
-        <p:nvSpPr>
-          <p:cNvPr id="2" name="직사각형 1">
-            <a:extLst>
-              <a:ext uri="{FF2B5EF4-FFF2-40B4-BE49-F238E27FC236}">
-                <a16:creationId xmlns:a16="http://schemas.microsoft.com/office/drawing/2014/main" id="{86CB7179-2CED-698E-7489-BBBF08E1F63C}"/>
-              </a:ext>
-            </a:extLst>
-          </p:cNvPr>
-          <p:cNvSpPr/>
-          <p:nvPr/>
-        </p:nvSpPr>
-        <p:spPr>
-          <a:xfrm>
-            <a:off x="272715" y="0"/>
-            <a:ext cx="802105" cy="752713"/>
-          </a:xfrm>
-          <a:prstGeom prst="rect">
-            <a:avLst/>
-          </a:prstGeom>
-          <a:ln>
-            <a:noFill/>
-          </a:ln>
-        </p:spPr>
-        <p:style>
-          <a:lnRef idx="2">
-            <a:schemeClr val="accent1">
-              <a:shade val="50000"/>
-            </a:schemeClr>
-          </a:lnRef>
-          <a:fillRef idx="1">
-            <a:schemeClr val="accent1"/>
-          </a:fillRef>
-          <a:effectRef idx="0">
-            <a:schemeClr val="accent1"/>
-          </a:effectRef>
-          <a:fontRef idx="minor">
-            <a:schemeClr val="lt1"/>
-          </a:fontRef>
-        </p:style>
-        <p:txBody>
-          <a:bodyPr rtlCol="0" anchor="ctr"/>
-          <a:lstStyle/>
-          <a:p>
-            <a:pPr algn="ctr"/>
-            <a:endParaRPr lang="ko-KR" altLang="en-US" dirty="0"/>
-          </a:p>
-        </p:txBody>
-      </p:sp>
-      <p:sp>
-        <p:nvSpPr>
-          <p:cNvPr id="3" name="TextBox 2">
-            <a:extLst>
-              <a:ext uri="{FF2B5EF4-FFF2-40B4-BE49-F238E27FC236}">
-                <a16:creationId xmlns:a16="http://schemas.microsoft.com/office/drawing/2014/main" id="{68A721A3-5D9B-A549-DF5D-D0547EE5B424}"/>
-              </a:ext>
-            </a:extLst>
-          </p:cNvPr>
-          <p:cNvSpPr txBox="1"/>
-          <p:nvPr/>
-        </p:nvSpPr>
-        <p:spPr>
-          <a:xfrm>
-            <a:off x="1176688" y="137160"/>
-            <a:ext cx="494046" cy="246221"/>
-          </a:xfrm>
-          <a:prstGeom prst="rect">
-            <a:avLst/>
-          </a:prstGeom>
-          <a:noFill/>
-        </p:spPr>
-        <p:txBody>
-          <a:bodyPr wrap="none" rtlCol="0">
-            <a:spAutoFit/>
-          </a:bodyPr>
-          <a:lstStyle/>
-          <a:p>
-            <a:r>
-              <a:rPr lang="en-US" altLang="ko-KR" sz="1000" dirty="0">
-                <a:solidFill>
-                  <a:schemeClr val="tx1">
-                    <a:lumMod val="65000"/>
-                    <a:lumOff val="35000"/>
-                  </a:schemeClr>
-                </a:solidFill>
-              </a:rPr>
-              <a:t>Part 1</a:t>
-            </a:r>
-            <a:endParaRPr lang="ko-KR" altLang="en-US" sz="1000" dirty="0">
-              <a:solidFill>
-                <a:schemeClr val="tx1">
-                  <a:lumMod val="65000"/>
-                  <a:lumOff val="35000"/>
-                </a:schemeClr>
-              </a:solidFill>
-            </a:endParaRPr>
-          </a:p>
-        </p:txBody>
-      </p:sp>
-      <p:sp>
-        <p:nvSpPr>
-          <p:cNvPr id="4" name="TextBox 3">
-            <a:extLst>
-              <a:ext uri="{FF2B5EF4-FFF2-40B4-BE49-F238E27FC236}">
-                <a16:creationId xmlns:a16="http://schemas.microsoft.com/office/drawing/2014/main" id="{9EFEF442-2E39-E8A3-0720-B4AF147BC24A}"/>
-              </a:ext>
-            </a:extLst>
-          </p:cNvPr>
-          <p:cNvSpPr txBox="1"/>
-          <p:nvPr/>
-        </p:nvSpPr>
-        <p:spPr>
-          <a:xfrm>
-            <a:off x="1176688" y="376356"/>
-            <a:ext cx="1148455" cy="369332"/>
-          </a:xfrm>
-          <a:prstGeom prst="rect">
-            <a:avLst/>
-          </a:prstGeom>
-          <a:noFill/>
-        </p:spPr>
-        <p:txBody>
-          <a:bodyPr wrap="none" rtlCol="0">
-            <a:spAutoFit/>
-          </a:bodyPr>
-          <a:lstStyle/>
-          <a:p>
-            <a:pPr algn="ctr"/>
-            <a:r>
-              <a:rPr lang="ko-KR" altLang="en-US" sz="1800" dirty="0" err="1"/>
-              <a:t>Yacht</a:t>
-            </a:r>
-            <a:r>
-              <a:rPr lang="ko-KR" altLang="en-US" sz="1800" dirty="0"/>
-              <a:t> </a:t>
-            </a:r>
-            <a:r>
-              <a:rPr lang="ko-KR" altLang="en-US" sz="1800" dirty="0" err="1"/>
-              <a:t>Dic</a:t>
-            </a:r>
-            <a:r>
-              <a:rPr lang="en-US" altLang="ko-KR" sz="1800" dirty="0"/>
-              <a:t>e</a:t>
-            </a:r>
-            <a:endParaRPr lang="ko-KR" altLang="en-US" sz="1800" b="1" spc="-300" dirty="0"/>
-          </a:p>
-        </p:txBody>
-      </p:sp>
-      <p:sp>
-        <p:nvSpPr>
-          <p:cNvPr id="5" name="TextBox 4">
-            <a:extLst>
-              <a:ext uri="{FF2B5EF4-FFF2-40B4-BE49-F238E27FC236}">
-                <a16:creationId xmlns:a16="http://schemas.microsoft.com/office/drawing/2014/main" id="{BEA9DC0F-9C66-85D0-CD10-1BB91D5F8F10}"/>
-              </a:ext>
-            </a:extLst>
-          </p:cNvPr>
-          <p:cNvSpPr txBox="1"/>
-          <p:nvPr/>
-        </p:nvSpPr>
-        <p:spPr>
-          <a:xfrm>
-            <a:off x="1261241" y="2669628"/>
-            <a:ext cx="184731" cy="369332"/>
-          </a:xfrm>
-          <a:prstGeom prst="rect">
-            <a:avLst/>
-          </a:prstGeom>
-          <a:noFill/>
-        </p:spPr>
-        <p:txBody>
-          <a:bodyPr wrap="none" rtlCol="0">
-            <a:spAutoFit/>
-          </a:bodyPr>
-          <a:lstStyle/>
-          <a:p>
-            <a:endParaRPr kumimoji="1" lang="ko-KR" altLang="en-US" dirty="0"/>
-          </a:p>
-        </p:txBody>
-      </p:sp>
-      <p:sp>
-        <p:nvSpPr>
-          <p:cNvPr id="7" name="TextBox 6">
-            <a:extLst>
-              <a:ext uri="{FF2B5EF4-FFF2-40B4-BE49-F238E27FC236}">
-                <a16:creationId xmlns:a16="http://schemas.microsoft.com/office/drawing/2014/main" id="{9B77915A-2E95-5E2B-A92F-D77BCF3B8ACC}"/>
-              </a:ext>
-            </a:extLst>
-          </p:cNvPr>
-          <p:cNvSpPr txBox="1"/>
-          <p:nvPr/>
-        </p:nvSpPr>
-        <p:spPr>
-          <a:xfrm>
-            <a:off x="480824" y="984884"/>
-            <a:ext cx="4063041" cy="646331"/>
-          </a:xfrm>
-          <a:prstGeom prst="rect">
-            <a:avLst/>
-          </a:prstGeom>
-          <a:noFill/>
-        </p:spPr>
-        <p:txBody>
-          <a:bodyPr wrap="square" rtlCol="0">
-            <a:spAutoFit/>
-          </a:bodyPr>
-          <a:lstStyle/>
-          <a:p>
-            <a:r>
-              <a:rPr lang="ko-KR" altLang="en-US" b="1" i="0" dirty="0">
-                <a:solidFill>
-                  <a:srgbClr val="212529"/>
-                </a:solidFill>
-                <a:effectLst/>
-                <a:highlight>
-                  <a:srgbClr val="FFFFFF"/>
-                </a:highlight>
-                <a:latin typeface="Pretendard JP"/>
-              </a:rPr>
-              <a:t>점수 계산법 </a:t>
-            </a:r>
-            <a:r>
-              <a:rPr lang="en-US" altLang="ko-KR" b="1" i="0" dirty="0">
-                <a:solidFill>
-                  <a:srgbClr val="212529"/>
-                </a:solidFill>
-                <a:effectLst/>
-                <a:highlight>
-                  <a:srgbClr val="FFFFFF"/>
-                </a:highlight>
-                <a:latin typeface="Pretendard JP"/>
-              </a:rPr>
-              <a:t>&amp;</a:t>
-            </a:r>
-            <a:r>
-              <a:rPr lang="ko-KR" altLang="en-US" b="1" i="0" dirty="0">
-                <a:solidFill>
-                  <a:srgbClr val="212529"/>
-                </a:solidFill>
-                <a:effectLst/>
-                <a:highlight>
-                  <a:srgbClr val="FFFFFF"/>
-                </a:highlight>
-                <a:latin typeface="Pretendard JP"/>
-              </a:rPr>
-              <a:t> 규칙</a:t>
-            </a:r>
-          </a:p>
-          <a:p>
-            <a:endParaRPr kumimoji="1" lang="ko-KR" altLang="en-US" dirty="0"/>
-          </a:p>
-        </p:txBody>
-      </p:sp>
-      <p:pic>
-        <p:nvPicPr>
-          <p:cNvPr id="9" name="그림 8" descr="텍스트, 스크린샷, 폰트, 번호이(가) 표시된 사진&#10;&#10;자동 생성된 설명">
-            <a:extLst>
-              <a:ext uri="{FF2B5EF4-FFF2-40B4-BE49-F238E27FC236}">
-                <a16:creationId xmlns:a16="http://schemas.microsoft.com/office/drawing/2014/main" id="{E00478A0-F449-4EC6-F084-52DCAE00846D}"/>
-              </a:ext>
-            </a:extLst>
-          </p:cNvPr>
-          <p:cNvPicPr>
-            <a:picLocks noChangeAspect="1"/>
-          </p:cNvPicPr>
-          <p:nvPr/>
-        </p:nvPicPr>
-        <p:blipFill>
-          <a:blip r:embed="rId2">
-            <a:extLst>
-              <a:ext uri="{28A0092B-C50C-407E-A947-70E740481C1C}">
-                <a14:useLocalDpi xmlns:a14="http://schemas.microsoft.com/office/drawing/2010/main" val="0"/>
-              </a:ext>
-            </a:extLst>
-          </a:blip>
-          <a:stretch>
-            <a:fillRect/>
-          </a:stretch>
-        </p:blipFill>
-        <p:spPr>
-          <a:xfrm>
-            <a:off x="480824" y="1354554"/>
-            <a:ext cx="5132185" cy="2508800"/>
-          </a:xfrm>
-          <a:prstGeom prst="rect">
-            <a:avLst/>
-          </a:prstGeom>
-        </p:spPr>
-      </p:pic>
-      <p:pic>
-        <p:nvPicPr>
-          <p:cNvPr id="11" name="그림 10" descr="텍스트, 스크린샷, 폰트, 번호이(가) 표시된 사진&#10;&#10;자동 생성된 설명">
-            <a:extLst>
-              <a:ext uri="{FF2B5EF4-FFF2-40B4-BE49-F238E27FC236}">
-                <a16:creationId xmlns:a16="http://schemas.microsoft.com/office/drawing/2014/main" id="{6C215066-A3C6-4C82-63B2-35A05AD226BA}"/>
-              </a:ext>
-            </a:extLst>
-          </p:cNvPr>
-          <p:cNvPicPr>
-            <a:picLocks noChangeAspect="1"/>
-          </p:cNvPicPr>
-          <p:nvPr/>
-        </p:nvPicPr>
-        <p:blipFill>
-          <a:blip r:embed="rId3">
-            <a:extLst>
-              <a:ext uri="{28A0092B-C50C-407E-A947-70E740481C1C}">
-                <a14:useLocalDpi xmlns:a14="http://schemas.microsoft.com/office/drawing/2010/main" val="0"/>
-              </a:ext>
-            </a:extLst>
-          </a:blip>
-          <a:stretch>
-            <a:fillRect/>
-          </a:stretch>
-        </p:blipFill>
-        <p:spPr>
-          <a:xfrm>
-            <a:off x="5798574" y="1354554"/>
-            <a:ext cx="5132185" cy="2315815"/>
-          </a:xfrm>
-          <a:prstGeom prst="rect">
-            <a:avLst/>
-          </a:prstGeom>
-        </p:spPr>
-      </p:pic>
-      <p:sp>
-        <p:nvSpPr>
-          <p:cNvPr id="12" name="TextBox 11">
-            <a:extLst>
-              <a:ext uri="{FF2B5EF4-FFF2-40B4-BE49-F238E27FC236}">
-                <a16:creationId xmlns:a16="http://schemas.microsoft.com/office/drawing/2014/main" id="{55A88E7D-787E-3DB1-F435-5A6577592338}"/>
-              </a:ext>
-            </a:extLst>
-          </p:cNvPr>
-          <p:cNvSpPr txBox="1"/>
-          <p:nvPr/>
-        </p:nvSpPr>
-        <p:spPr>
-          <a:xfrm>
-            <a:off x="272715" y="3896321"/>
-            <a:ext cx="11939487" cy="2585323"/>
-          </a:xfrm>
-          <a:prstGeom prst="rect">
-            <a:avLst/>
-          </a:prstGeom>
-          <a:noFill/>
-        </p:spPr>
-        <p:txBody>
-          <a:bodyPr wrap="none" rtlCol="0">
-            <a:spAutoFit/>
-          </a:bodyPr>
-          <a:lstStyle/>
-          <a:p>
-            <a:pPr algn="l">
-              <a:buFont typeface="+mj-lt"/>
-              <a:buAutoNum type="arabicPeriod"/>
-            </a:pPr>
-            <a:r>
-              <a:rPr lang="ko-KR" altLang="en-US" b="0" i="0" dirty="0">
-                <a:solidFill>
-                  <a:srgbClr val="212529"/>
-                </a:solidFill>
-                <a:effectLst/>
-                <a:highlight>
-                  <a:srgbClr val="FFFFFF"/>
-                </a:highlight>
-                <a:latin typeface="Pretendard JP"/>
-              </a:rPr>
-              <a:t>주사위 </a:t>
-            </a:r>
-            <a:r>
-              <a:rPr lang="en-US" altLang="ko-KR" b="0" i="0" dirty="0">
-                <a:solidFill>
-                  <a:srgbClr val="212529"/>
-                </a:solidFill>
-                <a:effectLst/>
-                <a:highlight>
-                  <a:srgbClr val="FFFFFF"/>
-                </a:highlight>
-                <a:latin typeface="Pretendard JP"/>
-              </a:rPr>
-              <a:t>5</a:t>
-            </a:r>
-            <a:r>
-              <a:rPr lang="ko-KR" altLang="en-US" b="0" i="0" dirty="0">
-                <a:solidFill>
-                  <a:srgbClr val="212529"/>
-                </a:solidFill>
-                <a:effectLst/>
-                <a:highlight>
-                  <a:srgbClr val="FFFFFF"/>
-                </a:highlight>
-                <a:latin typeface="Pretendard JP"/>
-              </a:rPr>
-              <a:t>개를 던진다</a:t>
-            </a:r>
-            <a:r>
-              <a:rPr lang="en-US" altLang="ko-KR" b="0" i="0" dirty="0">
-                <a:solidFill>
-                  <a:srgbClr val="212529"/>
-                </a:solidFill>
-                <a:effectLst/>
-                <a:highlight>
-                  <a:srgbClr val="FFFFFF"/>
-                </a:highlight>
-                <a:latin typeface="Pretendard JP"/>
-              </a:rPr>
-              <a:t>.</a:t>
-            </a:r>
-          </a:p>
-          <a:p>
-            <a:pPr algn="l">
-              <a:buFont typeface="+mj-lt"/>
-              <a:buAutoNum type="arabicPeriod"/>
-            </a:pPr>
-            <a:r>
-              <a:rPr lang="ko-KR" altLang="en-US" b="0" i="0" dirty="0">
-                <a:solidFill>
-                  <a:srgbClr val="212529"/>
-                </a:solidFill>
-                <a:effectLst/>
-                <a:highlight>
-                  <a:srgbClr val="FFFFFF"/>
-                </a:highlight>
-                <a:latin typeface="Pretendard JP"/>
-              </a:rPr>
-              <a:t>이 중 원하는 주사위들은 남겨두고</a:t>
-            </a:r>
-            <a:r>
-              <a:rPr lang="en-US" altLang="ko-KR" b="0" i="0" dirty="0">
-                <a:solidFill>
-                  <a:srgbClr val="212529"/>
-                </a:solidFill>
-                <a:effectLst/>
-                <a:highlight>
-                  <a:srgbClr val="FFFFFF"/>
-                </a:highlight>
-                <a:latin typeface="Pretendard JP"/>
-              </a:rPr>
-              <a:t>, </a:t>
-            </a:r>
-            <a:r>
-              <a:rPr lang="ko-KR" altLang="en-US" b="0" i="0" dirty="0">
-                <a:solidFill>
-                  <a:srgbClr val="212529"/>
-                </a:solidFill>
-                <a:effectLst/>
-                <a:highlight>
-                  <a:srgbClr val="FFFFFF"/>
-                </a:highlight>
-                <a:latin typeface="Pretendard JP"/>
-              </a:rPr>
-              <a:t>나머지 주사위들을 다시 던진다</a:t>
-            </a:r>
-            <a:r>
-              <a:rPr lang="en-US" altLang="ko-KR" b="0" i="0" dirty="0">
-                <a:solidFill>
-                  <a:srgbClr val="212529"/>
-                </a:solidFill>
-                <a:effectLst/>
-                <a:highlight>
-                  <a:srgbClr val="FFFFFF"/>
-                </a:highlight>
-                <a:latin typeface="Pretendard JP"/>
-              </a:rPr>
-              <a:t>. </a:t>
-            </a:r>
-          </a:p>
-          <a:p>
-            <a:pPr algn="l"/>
-            <a:r>
-              <a:rPr lang="ko-KR" altLang="en-US" b="0" i="0" dirty="0">
-                <a:solidFill>
-                  <a:srgbClr val="212529"/>
-                </a:solidFill>
-                <a:effectLst/>
-                <a:highlight>
-                  <a:srgbClr val="FFFFFF"/>
-                </a:highlight>
-                <a:latin typeface="Pretendard JP"/>
-              </a:rPr>
-              <a:t>다시 던지기는 한 라운드에 </a:t>
-            </a:r>
-            <a:r>
-              <a:rPr lang="en-US" altLang="ko-KR" b="0" i="0" dirty="0">
-                <a:solidFill>
-                  <a:srgbClr val="212529"/>
-                </a:solidFill>
-                <a:effectLst/>
-                <a:highlight>
-                  <a:srgbClr val="FFFFFF"/>
-                </a:highlight>
-                <a:latin typeface="Pretendard JP"/>
-              </a:rPr>
-              <a:t>2</a:t>
-            </a:r>
-            <a:r>
-              <a:rPr lang="ko-KR" altLang="en-US" b="0" i="0" dirty="0">
-                <a:solidFill>
-                  <a:srgbClr val="212529"/>
-                </a:solidFill>
-                <a:effectLst/>
-                <a:highlight>
-                  <a:srgbClr val="FFFFFF"/>
-                </a:highlight>
-                <a:latin typeface="Pretendard JP"/>
-              </a:rPr>
-              <a:t>번까지</a:t>
-            </a:r>
-            <a:r>
-              <a:rPr lang="en-US" altLang="ko-KR" b="0" i="0" dirty="0">
-                <a:solidFill>
-                  <a:srgbClr val="212529"/>
-                </a:solidFill>
-                <a:effectLst/>
-                <a:highlight>
-                  <a:srgbClr val="FFFFFF"/>
-                </a:highlight>
-                <a:latin typeface="Pretendard JP"/>
-              </a:rPr>
-              <a:t>(</a:t>
-            </a:r>
-            <a:r>
-              <a:rPr lang="ko-KR" altLang="en-US" b="0" i="0" dirty="0">
-                <a:solidFill>
-                  <a:srgbClr val="212529"/>
-                </a:solidFill>
-                <a:effectLst/>
-                <a:highlight>
-                  <a:srgbClr val="FFFFFF"/>
-                </a:highlight>
-                <a:latin typeface="Pretendard JP"/>
-              </a:rPr>
-              <a:t>즉</a:t>
-            </a:r>
-            <a:r>
-              <a:rPr lang="en-US" altLang="ko-KR" b="0" i="0" dirty="0">
-                <a:solidFill>
-                  <a:srgbClr val="212529"/>
-                </a:solidFill>
-                <a:effectLst/>
-                <a:highlight>
-                  <a:srgbClr val="FFFFFF"/>
-                </a:highlight>
-                <a:latin typeface="Pretendard JP"/>
-              </a:rPr>
-              <a:t>, </a:t>
-            </a:r>
-            <a:r>
-              <a:rPr lang="ko-KR" altLang="en-US" b="0" i="0" dirty="0">
-                <a:solidFill>
-                  <a:srgbClr val="212529"/>
-                </a:solidFill>
-                <a:effectLst/>
-                <a:highlight>
-                  <a:srgbClr val="FFFFFF"/>
-                </a:highlight>
-                <a:latin typeface="Pretendard JP"/>
-              </a:rPr>
-              <a:t>한 라운드에 최대 </a:t>
-            </a:r>
-            <a:r>
-              <a:rPr lang="en-US" altLang="ko-KR" b="0" i="0" dirty="0">
-                <a:solidFill>
-                  <a:srgbClr val="212529"/>
-                </a:solidFill>
-                <a:effectLst/>
-                <a:highlight>
-                  <a:srgbClr val="FFFFFF"/>
-                </a:highlight>
-                <a:latin typeface="Pretendard JP"/>
-              </a:rPr>
-              <a:t>3</a:t>
-            </a:r>
-            <a:r>
-              <a:rPr lang="ko-KR" altLang="en-US" b="0" i="0" dirty="0">
-                <a:solidFill>
-                  <a:srgbClr val="212529"/>
-                </a:solidFill>
-                <a:effectLst/>
-                <a:highlight>
-                  <a:srgbClr val="FFFFFF"/>
-                </a:highlight>
-                <a:latin typeface="Pretendard JP"/>
-              </a:rPr>
-              <a:t>번까지 던질 수 있다</a:t>
-            </a:r>
-            <a:r>
-              <a:rPr lang="en-US" altLang="ko-KR" b="0" i="0" dirty="0">
-                <a:solidFill>
-                  <a:srgbClr val="212529"/>
-                </a:solidFill>
-                <a:effectLst/>
-                <a:highlight>
-                  <a:srgbClr val="FFFFFF"/>
-                </a:highlight>
-                <a:latin typeface="Pretendard JP"/>
-              </a:rPr>
-              <a:t>.) </a:t>
-            </a:r>
-            <a:r>
-              <a:rPr lang="ko-KR" altLang="en-US" b="0" i="0" dirty="0">
-                <a:solidFill>
-                  <a:srgbClr val="212529"/>
-                </a:solidFill>
-                <a:effectLst/>
-                <a:highlight>
-                  <a:srgbClr val="FFFFFF"/>
-                </a:highlight>
-                <a:latin typeface="Pretendard JP"/>
-              </a:rPr>
-              <a:t>가능하며</a:t>
-            </a:r>
-            <a:r>
-              <a:rPr lang="en-US" altLang="ko-KR" b="0" i="0" dirty="0">
-                <a:solidFill>
-                  <a:srgbClr val="212529"/>
-                </a:solidFill>
-                <a:effectLst/>
-                <a:highlight>
-                  <a:srgbClr val="FFFFFF"/>
-                </a:highlight>
-                <a:latin typeface="Pretendard JP"/>
-              </a:rPr>
-              <a:t>, </a:t>
-            </a:r>
-          </a:p>
-          <a:p>
-            <a:pPr algn="l"/>
-            <a:r>
-              <a:rPr lang="ko-KR" altLang="en-US" b="0" i="0" dirty="0">
-                <a:solidFill>
-                  <a:srgbClr val="212529"/>
-                </a:solidFill>
-                <a:effectLst/>
-                <a:highlight>
-                  <a:srgbClr val="FFFFFF"/>
-                </a:highlight>
-                <a:latin typeface="Pretendard JP"/>
-              </a:rPr>
-              <a:t>앞에서 던지지 않았던 주사위도 원한다면 다시 던질 수 있다</a:t>
-            </a:r>
-            <a:r>
-              <a:rPr lang="en-US" altLang="ko-KR" b="0" i="0" dirty="0">
-                <a:solidFill>
-                  <a:srgbClr val="212529"/>
-                </a:solidFill>
-                <a:effectLst/>
-                <a:highlight>
-                  <a:srgbClr val="FFFFFF"/>
-                </a:highlight>
-                <a:latin typeface="Pretendard JP"/>
-              </a:rPr>
-              <a:t>.</a:t>
-            </a:r>
-          </a:p>
-          <a:p>
-            <a:pPr algn="l"/>
-            <a:r>
-              <a:rPr lang="en-US" altLang="ko-KR" b="0" i="0" dirty="0">
-                <a:solidFill>
-                  <a:srgbClr val="212529"/>
-                </a:solidFill>
-                <a:effectLst/>
-                <a:highlight>
-                  <a:srgbClr val="FFFFFF"/>
-                </a:highlight>
-                <a:latin typeface="Pretendard JP"/>
-              </a:rPr>
-              <a:t>3.</a:t>
-            </a:r>
-            <a:r>
-              <a:rPr lang="ko-KR" altLang="en-US" b="0" i="0" dirty="0">
-                <a:solidFill>
-                  <a:srgbClr val="212529"/>
-                </a:solidFill>
-                <a:effectLst/>
-                <a:highlight>
-                  <a:srgbClr val="FFFFFF"/>
-                </a:highlight>
-                <a:latin typeface="Pretendard JP"/>
-              </a:rPr>
-              <a:t>주사위 던지기가 끝난 후 나온 최종 조합으로</a:t>
-            </a:r>
-            <a:r>
-              <a:rPr lang="en-US" altLang="ko-KR" b="0" i="0" dirty="0">
-                <a:solidFill>
-                  <a:srgbClr val="212529"/>
-                </a:solidFill>
-                <a:effectLst/>
-                <a:highlight>
-                  <a:srgbClr val="FFFFFF"/>
-                </a:highlight>
-                <a:latin typeface="Pretendard JP"/>
-              </a:rPr>
-              <a:t>, </a:t>
-            </a:r>
-            <a:r>
-              <a:rPr lang="ko-KR" altLang="en-US" b="0" i="0" dirty="0">
-                <a:solidFill>
-                  <a:srgbClr val="212529"/>
-                </a:solidFill>
-                <a:effectLst/>
-                <a:highlight>
-                  <a:srgbClr val="FFFFFF"/>
-                </a:highlight>
-                <a:latin typeface="Pretendard JP"/>
-              </a:rPr>
-              <a:t>아래 제시된 족보 중 아직까지 기록되지 않은 하나를 </a:t>
-            </a:r>
-            <a:r>
-              <a:rPr lang="ko-KR" altLang="en-US" b="1" i="0" dirty="0">
-                <a:solidFill>
-                  <a:srgbClr val="212529"/>
-                </a:solidFill>
-                <a:effectLst/>
-                <a:highlight>
-                  <a:srgbClr val="FFFFFF"/>
-                </a:highlight>
-                <a:latin typeface="Pretendard JP"/>
-              </a:rPr>
-              <a:t>반드시</a:t>
-            </a:r>
-            <a:r>
-              <a:rPr lang="ko-KR" altLang="en-US" b="0" i="0" dirty="0">
-                <a:solidFill>
-                  <a:srgbClr val="212529"/>
-                </a:solidFill>
-                <a:effectLst/>
-                <a:highlight>
-                  <a:srgbClr val="FFFFFF"/>
-                </a:highlight>
-                <a:latin typeface="Pretendard JP"/>
-              </a:rPr>
-              <a:t> 선택하여</a:t>
-            </a:r>
-            <a:r>
-              <a:rPr lang="en-US" altLang="ko-KR" b="0" i="0" dirty="0">
-                <a:solidFill>
-                  <a:srgbClr val="212529"/>
-                </a:solidFill>
-                <a:effectLst/>
-                <a:highlight>
-                  <a:srgbClr val="FFFFFF"/>
-                </a:highlight>
-                <a:latin typeface="Pretendard JP"/>
-              </a:rPr>
-              <a:t>,</a:t>
-            </a:r>
-          </a:p>
-          <a:p>
-            <a:pPr algn="l"/>
-            <a:r>
-              <a:rPr lang="ko-KR" altLang="en-US" b="0" i="0" dirty="0">
-                <a:solidFill>
-                  <a:srgbClr val="212529"/>
-                </a:solidFill>
-                <a:effectLst/>
-                <a:highlight>
-                  <a:srgbClr val="FFFFFF"/>
-                </a:highlight>
-                <a:latin typeface="Pretendard JP"/>
-              </a:rPr>
-              <a:t>점수판에 해당 족보의 점수를 규칙에 맞게 기록해야 한다</a:t>
-            </a:r>
-            <a:r>
-              <a:rPr lang="en-US" altLang="ko-KR" b="0" i="0" dirty="0">
-                <a:solidFill>
-                  <a:srgbClr val="212529"/>
-                </a:solidFill>
-                <a:effectLst/>
-                <a:highlight>
-                  <a:srgbClr val="FFFFFF"/>
-                </a:highlight>
-                <a:latin typeface="Pretendard JP"/>
-              </a:rPr>
-              <a:t>.</a:t>
-            </a:r>
-          </a:p>
-          <a:p>
-            <a:pPr algn="l"/>
-            <a:r>
-              <a:rPr lang="en-US" altLang="ko-KR" b="0" i="0" dirty="0">
-                <a:solidFill>
-                  <a:srgbClr val="212529"/>
-                </a:solidFill>
-                <a:effectLst/>
-                <a:highlight>
-                  <a:srgbClr val="FFFFFF"/>
-                </a:highlight>
-                <a:latin typeface="Pretendard JP"/>
-              </a:rPr>
-              <a:t>4.</a:t>
-            </a:r>
-            <a:r>
-              <a:rPr lang="ko-KR" altLang="en-US" b="0" i="0" dirty="0">
-                <a:solidFill>
-                  <a:srgbClr val="212529"/>
-                </a:solidFill>
-                <a:effectLst/>
-                <a:highlight>
-                  <a:srgbClr val="FFFFFF"/>
-                </a:highlight>
-                <a:latin typeface="Pretendard JP"/>
-              </a:rPr>
-              <a:t>기록되지 않은 족보 중에서 만족하는 족보가 없거나</a:t>
-            </a:r>
-            <a:r>
-              <a:rPr lang="en-US" altLang="ko-KR" b="0" i="0" dirty="0">
-                <a:solidFill>
-                  <a:srgbClr val="212529"/>
-                </a:solidFill>
-                <a:effectLst/>
-                <a:highlight>
-                  <a:srgbClr val="FFFFFF"/>
-                </a:highlight>
-                <a:latin typeface="Pretendard JP"/>
-              </a:rPr>
-              <a:t>, </a:t>
-            </a:r>
-            <a:r>
-              <a:rPr lang="ko-KR" altLang="en-US" b="0" i="0" dirty="0">
-                <a:solidFill>
-                  <a:srgbClr val="212529"/>
-                </a:solidFill>
-                <a:effectLst/>
-                <a:highlight>
-                  <a:srgbClr val="FFFFFF"/>
-                </a:highlight>
-                <a:latin typeface="Pretendard JP"/>
-              </a:rPr>
-              <a:t>있더라도 점수 </a:t>
-            </a:r>
-            <a:r>
-              <a:rPr lang="ko-KR" altLang="en-US" b="0" i="0" dirty="0" err="1">
-                <a:solidFill>
-                  <a:srgbClr val="212529"/>
-                </a:solidFill>
-                <a:effectLst/>
-                <a:highlight>
-                  <a:srgbClr val="FFFFFF"/>
-                </a:highlight>
-                <a:latin typeface="Pretendard JP"/>
-              </a:rPr>
-              <a:t>기대값이</a:t>
-            </a:r>
-            <a:r>
-              <a:rPr lang="ko-KR" altLang="en-US" b="0" i="0" dirty="0">
-                <a:solidFill>
-                  <a:srgbClr val="212529"/>
-                </a:solidFill>
-                <a:effectLst/>
-                <a:highlight>
-                  <a:srgbClr val="FFFFFF"/>
-                </a:highlight>
-                <a:latin typeface="Pretendard JP"/>
-              </a:rPr>
-              <a:t> 마음에 들지 않는 등의 사유로</a:t>
-            </a:r>
-            <a:r>
-              <a:rPr lang="en-US" altLang="ko-KR" b="0" i="0" dirty="0">
-                <a:solidFill>
-                  <a:srgbClr val="212529"/>
-                </a:solidFill>
-                <a:effectLst/>
-                <a:highlight>
-                  <a:srgbClr val="FFFFFF"/>
-                </a:highlight>
-                <a:latin typeface="Pretendard JP"/>
-              </a:rPr>
-              <a:t>, </a:t>
-            </a:r>
-          </a:p>
-          <a:p>
-            <a:pPr algn="l"/>
-            <a:r>
-              <a:rPr lang="ko-KR" altLang="en-US" b="0" i="0" dirty="0">
-                <a:solidFill>
-                  <a:srgbClr val="212529"/>
-                </a:solidFill>
-                <a:effectLst/>
-                <a:highlight>
-                  <a:srgbClr val="FFFFFF"/>
-                </a:highlight>
-                <a:latin typeface="Pretendard JP"/>
-              </a:rPr>
-              <a:t>만족하지 않는 족보를 선택하는 경우</a:t>
-            </a:r>
-            <a:r>
-              <a:rPr lang="en-US" altLang="ko-KR" b="0" i="0" dirty="0">
-                <a:solidFill>
-                  <a:srgbClr val="212529"/>
-                </a:solidFill>
-                <a:effectLst/>
-                <a:highlight>
-                  <a:srgbClr val="FFFFFF"/>
-                </a:highlight>
-                <a:latin typeface="Pretendard JP"/>
-              </a:rPr>
-              <a:t>, </a:t>
-            </a:r>
-            <a:r>
-              <a:rPr lang="ko-KR" altLang="en-US" b="0" i="0" dirty="0">
-                <a:solidFill>
-                  <a:srgbClr val="212529"/>
-                </a:solidFill>
-                <a:effectLst/>
-                <a:highlight>
-                  <a:srgbClr val="FFFFFF"/>
-                </a:highlight>
-                <a:latin typeface="Pretendard JP"/>
-              </a:rPr>
-              <a:t>선택한 족보의 </a:t>
-            </a:r>
-            <a:r>
-              <a:rPr lang="ko-KR" altLang="en-US" b="0" i="0" dirty="0" err="1">
-                <a:solidFill>
-                  <a:srgbClr val="212529"/>
-                </a:solidFill>
-                <a:effectLst/>
-                <a:highlight>
-                  <a:srgbClr val="FFFFFF"/>
-                </a:highlight>
-                <a:latin typeface="Pretendard JP"/>
-              </a:rPr>
-              <a:t>점수칸에</a:t>
-            </a:r>
-            <a:r>
-              <a:rPr lang="ko-KR" altLang="en-US" b="0" i="0" dirty="0">
-                <a:solidFill>
-                  <a:srgbClr val="212529"/>
-                </a:solidFill>
-                <a:effectLst/>
-                <a:highlight>
-                  <a:srgbClr val="FFFFFF"/>
-                </a:highlight>
-                <a:latin typeface="Pretendard JP"/>
-              </a:rPr>
-              <a:t> </a:t>
-            </a:r>
-            <a:r>
-              <a:rPr lang="en-US" altLang="ko-KR" b="0" i="0" dirty="0">
-                <a:solidFill>
-                  <a:srgbClr val="212529"/>
-                </a:solidFill>
-                <a:effectLst/>
-                <a:highlight>
-                  <a:srgbClr val="FFFFFF"/>
-                </a:highlight>
-                <a:latin typeface="Pretendard JP"/>
-              </a:rPr>
-              <a:t>0</a:t>
-            </a:r>
-            <a:r>
-              <a:rPr lang="ko-KR" altLang="en-US" b="0" i="0" dirty="0">
-                <a:solidFill>
-                  <a:srgbClr val="212529"/>
-                </a:solidFill>
-                <a:effectLst/>
-                <a:highlight>
-                  <a:srgbClr val="FFFFFF"/>
-                </a:highlight>
-                <a:latin typeface="Pretendard JP"/>
-              </a:rPr>
-              <a:t>점으로 기록해야 한다</a:t>
-            </a:r>
-            <a:r>
-              <a:rPr lang="en-US" altLang="ko-KR" b="0" i="0" dirty="0">
-                <a:solidFill>
-                  <a:srgbClr val="212529"/>
-                </a:solidFill>
-                <a:effectLst/>
-                <a:highlight>
-                  <a:srgbClr val="FFFFFF"/>
-                </a:highlight>
-                <a:latin typeface="Pretendard JP"/>
-              </a:rPr>
-              <a:t>.</a:t>
-            </a:r>
-          </a:p>
-          <a:p>
-            <a:pPr algn="l"/>
-            <a:r>
-              <a:rPr lang="en-US" altLang="ko-KR" b="0" i="0" dirty="0">
-                <a:solidFill>
-                  <a:srgbClr val="212529"/>
-                </a:solidFill>
-                <a:effectLst/>
-                <a:highlight>
-                  <a:srgbClr val="FFFFFF"/>
-                </a:highlight>
-                <a:latin typeface="Pretendard JP"/>
-              </a:rPr>
-              <a:t>5.</a:t>
-            </a:r>
-            <a:r>
-              <a:rPr lang="ko-KR" altLang="en-US" b="0" i="0" dirty="0">
-                <a:solidFill>
-                  <a:srgbClr val="212529"/>
-                </a:solidFill>
-                <a:effectLst/>
-                <a:highlight>
-                  <a:srgbClr val="FFFFFF"/>
-                </a:highlight>
-                <a:latin typeface="Pretendard JP"/>
-              </a:rPr>
-              <a:t>모든 플레이어가 점수판을 모두 채우면 게임이 끝난다</a:t>
-            </a:r>
-            <a:r>
-              <a:rPr lang="en-US" altLang="ko-KR" b="0" i="0" dirty="0">
-                <a:solidFill>
-                  <a:srgbClr val="212529"/>
-                </a:solidFill>
-                <a:effectLst/>
-                <a:highlight>
-                  <a:srgbClr val="FFFFFF"/>
-                </a:highlight>
-                <a:latin typeface="Pretendard JP"/>
-              </a:rPr>
-              <a:t>. </a:t>
-            </a:r>
-            <a:r>
-              <a:rPr lang="ko-KR" altLang="en-US" b="0" i="0" dirty="0">
-                <a:solidFill>
-                  <a:srgbClr val="212529"/>
-                </a:solidFill>
-                <a:effectLst/>
-                <a:highlight>
-                  <a:srgbClr val="FFFFFF"/>
-                </a:highlight>
-                <a:latin typeface="Pretendard JP"/>
-              </a:rPr>
-              <a:t>점수판에 기록한 점수 총합이 높은 사람이 승리한다</a:t>
-            </a:r>
-            <a:r>
-              <a:rPr lang="en-US" altLang="ko-KR" b="0" i="0" dirty="0">
-                <a:solidFill>
-                  <a:srgbClr val="212529"/>
-                </a:solidFill>
-                <a:effectLst/>
-                <a:highlight>
-                  <a:srgbClr val="FFFFFF"/>
-                </a:highlight>
-                <a:latin typeface="Pretendard JP"/>
-              </a:rPr>
-              <a:t>.</a:t>
-            </a:r>
-          </a:p>
-        </p:txBody>
-      </p:sp>
-      <p:sp>
-        <p:nvSpPr>
-          <p:cNvPr id="14" name="TextBox 13">
-            <a:extLst>
-              <a:ext uri="{FF2B5EF4-FFF2-40B4-BE49-F238E27FC236}">
-                <a16:creationId xmlns:a16="http://schemas.microsoft.com/office/drawing/2014/main" id="{14DB13DF-58CF-722D-31A9-A9AAC60F88B8}"/>
-              </a:ext>
-            </a:extLst>
-          </p:cNvPr>
-          <p:cNvSpPr txBox="1"/>
-          <p:nvPr/>
-        </p:nvSpPr>
-        <p:spPr>
-          <a:xfrm>
-            <a:off x="1176688" y="6456970"/>
-            <a:ext cx="8670322" cy="369332"/>
-          </a:xfrm>
-          <a:prstGeom prst="rect">
-            <a:avLst/>
-          </a:prstGeom>
-          <a:noFill/>
-        </p:spPr>
-        <p:txBody>
-          <a:bodyPr wrap="none" rtlCol="0">
-            <a:spAutoFit/>
-          </a:bodyPr>
-          <a:lstStyle/>
-          <a:p>
-            <a:r>
-              <a:rPr kumimoji="1" lang="ko-KR" altLang="en-US" dirty="0"/>
-              <a:t>출처 </a:t>
-            </a:r>
-            <a:r>
-              <a:rPr kumimoji="1" lang="en-US" altLang="ko-KR" dirty="0"/>
-              <a:t>:</a:t>
-            </a:r>
-            <a:r>
-              <a:rPr kumimoji="1" lang="ko-KR" altLang="en-US" dirty="0"/>
-              <a:t> </a:t>
-            </a:r>
-            <a:r>
-              <a:rPr kumimoji="1" lang="en-US" altLang="ko-KR" dirty="0"/>
-              <a:t>https://</a:t>
-            </a:r>
-            <a:r>
-              <a:rPr kumimoji="1" lang="en-US" altLang="ko-KR" dirty="0" err="1"/>
-              <a:t>namu.wiki</a:t>
-            </a:r>
-            <a:r>
-              <a:rPr kumimoji="1" lang="en-US" altLang="ko-KR" dirty="0"/>
-              <a:t>/w/%EC%9A%94%ED%8A%B8(%EA%B2%8C%EC%9E%84)?rev=180</a:t>
-            </a:r>
-            <a:endParaRPr kumimoji="1" lang="ko-KR" altLang="en-US" dirty="0"/>
-          </a:p>
-        </p:txBody>
-      </p:sp>
-    </p:spTree>
-    <p:extLst>
-      <p:ext uri="{BB962C8B-B14F-4D97-AF65-F5344CB8AC3E}">
-        <p14:creationId xmlns:p14="http://schemas.microsoft.com/office/powerpoint/2010/main" val="3043658820"/>
-      </p:ext>
-    </p:extLst>
-  </p:cSld>
-  <p:clrMapOvr>
-    <a:masterClrMapping/>
-  </p:clrMapOvr>
-</p:sld>
-</file>
-
-<file path=ppt/slides/slide9.xml><?xml version="1.0" encoding="utf-8"?>
-<p:sld xmlns:a="http://schemas.openxmlformats.org/drawingml/2006/main" xmlns:r="http://schemas.openxmlformats.org/officeDocument/2006/relationships" xmlns:p="http://schemas.openxmlformats.org/presentationml/2006/main">
-  <p:cSld>
-    <p:spTree>
-      <p:nvGrpSpPr>
-        <p:cNvPr id="1" name=""/>
-        <p:cNvGrpSpPr/>
-        <p:nvPr/>
-      </p:nvGrpSpPr>
-      <p:grpSpPr>
-        <a:xfrm>
-          <a:off x="0" y="0"/>
-          <a:ext cx="0" cy="0"/>
-          <a:chOff x="0" y="0"/>
-          <a:chExt cx="0" cy="0"/>
-        </a:xfrm>
-      </p:grpSpPr>
-      <p:sp>
-        <p:nvSpPr>
-          <p:cNvPr id="2" name="직사각형 1">
-            <a:extLst>
-              <a:ext uri="{FF2B5EF4-FFF2-40B4-BE49-F238E27FC236}">
-                <a16:creationId xmlns:a16="http://schemas.microsoft.com/office/drawing/2014/main" id="{86CB7179-2CED-698E-7489-BBBF08E1F63C}"/>
-              </a:ext>
-            </a:extLst>
-          </p:cNvPr>
-          <p:cNvSpPr/>
-          <p:nvPr/>
-        </p:nvSpPr>
-        <p:spPr>
-          <a:xfrm>
-            <a:off x="272715" y="0"/>
-            <a:ext cx="802105" cy="752713"/>
-          </a:xfrm>
-          <a:prstGeom prst="rect">
-            <a:avLst/>
-          </a:prstGeom>
-          <a:ln>
-            <a:noFill/>
-          </a:ln>
-        </p:spPr>
-        <p:style>
-          <a:lnRef idx="2">
-            <a:schemeClr val="accent1">
-              <a:shade val="50000"/>
-            </a:schemeClr>
-          </a:lnRef>
-          <a:fillRef idx="1">
-            <a:schemeClr val="accent1"/>
-          </a:fillRef>
-          <a:effectRef idx="0">
-            <a:schemeClr val="accent1"/>
-          </a:effectRef>
-          <a:fontRef idx="minor">
-            <a:schemeClr val="lt1"/>
-          </a:fontRef>
-        </p:style>
-        <p:txBody>
-          <a:bodyPr rtlCol="0" anchor="ctr"/>
-          <a:lstStyle/>
-          <a:p>
-            <a:pPr algn="ctr"/>
-            <a:endParaRPr lang="ko-KR" altLang="en-US" dirty="0"/>
-          </a:p>
-        </p:txBody>
-      </p:sp>
-      <p:sp>
-        <p:nvSpPr>
-          <p:cNvPr id="3" name="TextBox 2">
-            <a:extLst>
-              <a:ext uri="{FF2B5EF4-FFF2-40B4-BE49-F238E27FC236}">
-                <a16:creationId xmlns:a16="http://schemas.microsoft.com/office/drawing/2014/main" id="{68A721A3-5D9B-A549-DF5D-D0547EE5B424}"/>
-              </a:ext>
-            </a:extLst>
-          </p:cNvPr>
-          <p:cNvSpPr txBox="1"/>
-          <p:nvPr/>
-        </p:nvSpPr>
-        <p:spPr>
-          <a:xfrm>
-            <a:off x="1176688" y="137160"/>
-            <a:ext cx="494046" cy="246221"/>
-          </a:xfrm>
-          <a:prstGeom prst="rect">
-            <a:avLst/>
-          </a:prstGeom>
-          <a:noFill/>
-        </p:spPr>
-        <p:txBody>
-          <a:bodyPr wrap="none" rtlCol="0">
-            <a:spAutoFit/>
-          </a:bodyPr>
-          <a:lstStyle/>
-          <a:p>
-            <a:r>
-              <a:rPr lang="en-US" altLang="ko-KR" sz="1000" dirty="0">
-                <a:solidFill>
-                  <a:schemeClr val="tx1">
-                    <a:lumMod val="65000"/>
-                    <a:lumOff val="35000"/>
-                  </a:schemeClr>
-                </a:solidFill>
-              </a:rPr>
-              <a:t>Part 1</a:t>
-            </a:r>
-            <a:endParaRPr lang="ko-KR" altLang="en-US" sz="1000" dirty="0">
-              <a:solidFill>
-                <a:schemeClr val="tx1">
-                  <a:lumMod val="65000"/>
-                  <a:lumOff val="35000"/>
-                </a:schemeClr>
-              </a:solidFill>
-            </a:endParaRPr>
-          </a:p>
-        </p:txBody>
-      </p:sp>
-      <p:sp>
-        <p:nvSpPr>
-          <p:cNvPr id="4" name="TextBox 3">
-            <a:extLst>
-              <a:ext uri="{FF2B5EF4-FFF2-40B4-BE49-F238E27FC236}">
-                <a16:creationId xmlns:a16="http://schemas.microsoft.com/office/drawing/2014/main" id="{9EFEF442-2E39-E8A3-0720-B4AF147BC24A}"/>
-              </a:ext>
-            </a:extLst>
-          </p:cNvPr>
-          <p:cNvSpPr txBox="1"/>
-          <p:nvPr/>
-        </p:nvSpPr>
-        <p:spPr>
-          <a:xfrm>
-            <a:off x="1176688" y="376356"/>
-            <a:ext cx="1148455" cy="369332"/>
-          </a:xfrm>
-          <a:prstGeom prst="rect">
-            <a:avLst/>
-          </a:prstGeom>
-          <a:noFill/>
-        </p:spPr>
-        <p:txBody>
-          <a:bodyPr wrap="none" rtlCol="0">
-            <a:spAutoFit/>
-          </a:bodyPr>
-          <a:lstStyle/>
-          <a:p>
-            <a:pPr algn="ctr"/>
-            <a:r>
-              <a:rPr lang="ko-KR" altLang="en-US" sz="1800" dirty="0" err="1"/>
-              <a:t>Yacht</a:t>
-            </a:r>
-            <a:r>
-              <a:rPr lang="ko-KR" altLang="en-US" sz="1800" dirty="0"/>
-              <a:t> </a:t>
-            </a:r>
-            <a:r>
-              <a:rPr lang="ko-KR" altLang="en-US" sz="1800" dirty="0" err="1"/>
-              <a:t>Dic</a:t>
-            </a:r>
-            <a:r>
-              <a:rPr lang="en-US" altLang="ko-KR" sz="1800" dirty="0"/>
-              <a:t>e</a:t>
-            </a:r>
-            <a:endParaRPr lang="ko-KR" altLang="en-US" sz="1800" b="1" spc="-300" dirty="0"/>
-          </a:p>
-        </p:txBody>
-      </p:sp>
-      <p:sp>
-        <p:nvSpPr>
-          <p:cNvPr id="5" name="TextBox 4">
-            <a:extLst>
-              <a:ext uri="{FF2B5EF4-FFF2-40B4-BE49-F238E27FC236}">
-                <a16:creationId xmlns:a16="http://schemas.microsoft.com/office/drawing/2014/main" id="{BEA9DC0F-9C66-85D0-CD10-1BB91D5F8F10}"/>
-              </a:ext>
-            </a:extLst>
-          </p:cNvPr>
-          <p:cNvSpPr txBox="1"/>
-          <p:nvPr/>
-        </p:nvSpPr>
-        <p:spPr>
-          <a:xfrm>
-            <a:off x="1261241" y="2669628"/>
-            <a:ext cx="184731" cy="369332"/>
-          </a:xfrm>
-          <a:prstGeom prst="rect">
-            <a:avLst/>
-          </a:prstGeom>
-          <a:noFill/>
-        </p:spPr>
-        <p:txBody>
-          <a:bodyPr wrap="none" rtlCol="0">
-            <a:spAutoFit/>
-          </a:bodyPr>
-          <a:lstStyle/>
-          <a:p>
-            <a:endParaRPr kumimoji="1" lang="ko-KR" altLang="en-US" dirty="0"/>
-          </a:p>
-        </p:txBody>
-      </p:sp>
-    </p:spTree>
-    <p:extLst>
-      <p:ext uri="{BB962C8B-B14F-4D97-AF65-F5344CB8AC3E}">
-        <p14:creationId xmlns:p14="http://schemas.microsoft.com/office/powerpoint/2010/main" val="3306173401"/>
-      </p:ext>
-    </p:extLst>
-  </p:cSld>
-  <p:clrMapOvr>
-    <a:masterClrMapping/>
-  </p:clrMapOvr>
+  <mc:AlternateContent xmlns:mc="http://schemas.openxmlformats.org/markup-compatibility/2006" xmlns:p14="http://schemas.microsoft.com/office/powerpoint/2010/main">
+    <mc:Choice Requires="p14">
+      <p:transition/>
+    </mc:Choice>
+    <mc:Fallback xmlns:dsp="http://schemas.microsoft.com/office/drawing/2008/diagram" xmlns:dgm="http://schemas.openxmlformats.org/drawingml/2006/diagram" xmlns:c="http://schemas.openxmlformats.org/drawingml/2006/chart" xmlns="">
+      <p:transition/>
+    </mc:Fallback>
+  </mc:AlternateContent>
 </p:sld>
 </file>
 
@@ -9775,21 +7657,21 @@
             <a:schemeClr val="phClr"/>
           </a:solidFill>
           <a:prstDash val="solid"/>
-          <a:miter lim="800000"/>
+          <a:miter/>
         </a:ln>
         <a:ln w="12700" cap="flat" cmpd="sng" algn="ctr">
           <a:solidFill>
             <a:schemeClr val="phClr"/>
           </a:solidFill>
           <a:prstDash val="solid"/>
-          <a:miter lim="800000"/>
+          <a:miter/>
         </a:ln>
         <a:ln w="19050" cap="flat" cmpd="sng" algn="ctr">
           <a:solidFill>
             <a:schemeClr val="phClr"/>
           </a:solidFill>
           <a:prstDash val="solid"/>
-          <a:miter lim="800000"/>
+          <a:miter/>
         </a:ln>
       </a:lnStyleLst>
       <a:effectStyleLst>
@@ -9879,12 +7761,367 @@
         </a:fontRef>
       </a:style>
     </a:spDef>
+    <a:lnDef>
+      <a:spPr/>
+      <a:bodyPr/>
+      <a:lstStyle/>
+      <a:style>
+        <a:lnRef idx="1">
+          <a:schemeClr val="accent1"/>
+        </a:lnRef>
+        <a:fillRef idx="0">
+          <a:schemeClr val="accent1"/>
+        </a:fillRef>
+        <a:effectRef idx="0">
+          <a:schemeClr val="accent1"/>
+        </a:effectRef>
+        <a:fontRef idx="minor">
+          <a:schemeClr val="tx1"/>
+        </a:fontRef>
+      </a:style>
+    </a:lnDef>
+    <a:txDef>
+      <a:spPr/>
+      <a:bodyPr/>
+      <a:lstStyle/>
+    </a:txDef>
   </a:objectDefaults>
   <a:extraClrSchemeLst/>
-  <a:extLst>
-    <a:ext uri="{05A4C25C-085E-4340-85A3-A5531E510DB2}">
-      <thm15:themeFamily xmlns:thm15="http://schemas.microsoft.com/office/thememl/2012/main" name="Office Theme" id="{62F939B6-93AF-4DB8-9C6B-D6C7DFDC589F}" vid="{4A3C46E8-61CC-4603-A589-7422A47A8E4A}"/>
-    </a:ext>
-  </a:extLst>
+</a:theme>
+</file>
+
+<file path=ppt/theme/theme2.xml><?xml version="1.0" encoding="utf-8"?>
+<a:theme xmlns:a="http://schemas.openxmlformats.org/drawingml/2006/main" name="Office 테마">
+  <a:themeElements>
+    <a:clrScheme name="Office">
+      <a:dk1>
+        <a:sysClr val="windowText" lastClr="000000"/>
+      </a:dk1>
+      <a:lt1>
+        <a:sysClr val="window" lastClr="FFFFFF"/>
+      </a:lt1>
+      <a:dk2>
+        <a:srgbClr val="0E2841"/>
+      </a:dk2>
+      <a:lt2>
+        <a:srgbClr val="E8E8E8"/>
+      </a:lt2>
+      <a:accent1>
+        <a:srgbClr val="156082"/>
+      </a:accent1>
+      <a:accent2>
+        <a:srgbClr val="E97132"/>
+      </a:accent2>
+      <a:accent3>
+        <a:srgbClr val="196B24"/>
+      </a:accent3>
+      <a:accent4>
+        <a:srgbClr val="0F9ED5"/>
+      </a:accent4>
+      <a:accent5>
+        <a:srgbClr val="A02B93"/>
+      </a:accent5>
+      <a:accent6>
+        <a:srgbClr val="4EA72E"/>
+      </a:accent6>
+      <a:hlink>
+        <a:srgbClr val="467886"/>
+      </a:hlink>
+      <a:folHlink>
+        <a:srgbClr val="96607D"/>
+      </a:folHlink>
+    </a:clrScheme>
+    <a:fontScheme name="Office">
+      <a:majorFont>
+        <a:latin typeface="맑은 고딕" panose="02110004020202020204"/>
+        <a:ea typeface=""/>
+        <a:cs typeface=""/>
+        <a:font script="Jpan" typeface="Yu Gothic Light"/>
+        <a:font script="Hang" typeface="맑은 고딕"/>
+        <a:font script="Hans" typeface="等线 Light"/>
+        <a:font script="Hant" typeface="新細明體"/>
+        <a:font script="Arab" typeface="Times New Roman"/>
+        <a:font script="Hebr" typeface="Times New Roman"/>
+        <a:font script="Thai" typeface="Angsana New"/>
+        <a:font script="Ethi" typeface="Nyala"/>
+        <a:font script="Beng" typeface="Vrinda"/>
+        <a:font script="Gujr" typeface="Shruti"/>
+        <a:font script="Khmr" typeface="MoolBoran"/>
+        <a:font script="Knda" typeface="Tunga"/>
+        <a:font script="Guru" typeface="Raavi"/>
+        <a:font script="Cans" typeface="Euphemia"/>
+        <a:font script="Cher" typeface="Plantagenet Cherokee"/>
+        <a:font script="Yiii" typeface="Microsoft Yi Baiti"/>
+        <a:font script="Tibt" typeface="Microsoft Himalaya"/>
+        <a:font script="Thaa" typeface="MV Boli"/>
+        <a:font script="Deva" typeface="Mangal"/>
+        <a:font script="Telu" typeface="Gautami"/>
+        <a:font script="Taml" typeface="Latha"/>
+        <a:font script="Syrc" typeface="Estrangelo Edessa"/>
+        <a:font script="Orya" typeface="Kalinga"/>
+        <a:font script="Mlym" typeface="Kartika"/>
+        <a:font script="Laoo" typeface="DokChampa"/>
+        <a:font script="Sinh" typeface="Iskoola Pota"/>
+        <a:font script="Mong" typeface="Mongolian Baiti"/>
+        <a:font script="Viet" typeface="Times New Roman"/>
+        <a:font script="Uigh" typeface="Microsoft Uighur"/>
+        <a:font script="Geor" typeface="Sylfaen"/>
+        <a:font script="Armn" typeface="Arial"/>
+        <a:font script="Bugi" typeface="Leelawadee UI"/>
+        <a:font script="Bopo" typeface="Microsoft JhengHei"/>
+        <a:font script="Java" typeface="Javanese Text"/>
+        <a:font script="Lisu" typeface="Segoe UI"/>
+        <a:font script="Mymr" typeface="Myanmar Text"/>
+        <a:font script="Nkoo" typeface="Ebrima"/>
+        <a:font script="Olck" typeface="Nirmala UI"/>
+        <a:font script="Osma" typeface="Ebrima"/>
+        <a:font script="Phag" typeface="Phagspa"/>
+        <a:font script="Syrn" typeface="Estrangelo Edessa"/>
+        <a:font script="Syrj" typeface="Estrangelo Edessa"/>
+        <a:font script="Syre" typeface="Estrangelo Edessa"/>
+        <a:font script="Sora" typeface="Nirmala UI"/>
+        <a:font script="Tale" typeface="Microsoft Tai Le"/>
+        <a:font script="Talu" typeface="Microsoft New Tai Lue"/>
+        <a:font script="Tfng" typeface="Ebrima"/>
+      </a:majorFont>
+      <a:minorFont>
+        <a:latin typeface="맑은 고딕" panose="02110004020202020204"/>
+        <a:ea typeface=""/>
+        <a:cs typeface=""/>
+        <a:font script="Jpan" typeface="Yu Gothic"/>
+        <a:font script="Hang" typeface="맑은 고딕"/>
+        <a:font script="Hans" typeface="等线"/>
+        <a:font script="Hant" typeface="新細明體"/>
+        <a:font script="Arab" typeface="Arial"/>
+        <a:font script="Hebr" typeface="Arial"/>
+        <a:font script="Thai" typeface="Cordia New"/>
+        <a:font script="Ethi" typeface="Nyala"/>
+        <a:font script="Beng" typeface="Vrinda"/>
+        <a:font script="Gujr" typeface="Shruti"/>
+        <a:font script="Khmr" typeface="DaunPenh"/>
+        <a:font script="Knda" typeface="Tunga"/>
+        <a:font script="Guru" typeface="Raavi"/>
+        <a:font script="Cans" typeface="Euphemia"/>
+        <a:font script="Cher" typeface="Plantagenet Cherokee"/>
+        <a:font script="Yiii" typeface="Microsoft Yi Baiti"/>
+        <a:font script="Tibt" typeface="Microsoft Himalaya"/>
+        <a:font script="Thaa" typeface="MV Boli"/>
+        <a:font script="Deva" typeface="Mangal"/>
+        <a:font script="Telu" typeface="Gautami"/>
+        <a:font script="Taml" typeface="Latha"/>
+        <a:font script="Syrc" typeface="Estrangelo Edessa"/>
+        <a:font script="Orya" typeface="Kalinga"/>
+        <a:font script="Mlym" typeface="Kartika"/>
+        <a:font script="Laoo" typeface="DokChampa"/>
+        <a:font script="Sinh" typeface="Iskoola Pota"/>
+        <a:font script="Mong" typeface="Mongolian Baiti"/>
+        <a:font script="Viet" typeface="Arial"/>
+        <a:font script="Uigh" typeface="Microsoft Uighur"/>
+        <a:font script="Geor" typeface="Sylfaen"/>
+        <a:font script="Armn" typeface="Arial"/>
+        <a:font script="Bugi" typeface="Leelawadee UI"/>
+        <a:font script="Bopo" typeface="Microsoft JhengHei"/>
+        <a:font script="Java" typeface="Javanese Text"/>
+        <a:font script="Lisu" typeface="Segoe UI"/>
+        <a:font script="Mymr" typeface="Myanmar Text"/>
+        <a:font script="Nkoo" typeface="Ebrima"/>
+        <a:font script="Olck" typeface="Nirmala UI"/>
+        <a:font script="Osma" typeface="Ebrima"/>
+        <a:font script="Phag" typeface="Phagspa"/>
+        <a:font script="Syrn" typeface="Estrangelo Edessa"/>
+        <a:font script="Syrj" typeface="Estrangelo Edessa"/>
+        <a:font script="Syre" typeface="Estrangelo Edessa"/>
+        <a:font script="Sora" typeface="Nirmala UI"/>
+        <a:font script="Tale" typeface="Microsoft Tai Le"/>
+        <a:font script="Talu" typeface="Microsoft New Tai Lue"/>
+        <a:font script="Tfng" typeface="Ebrima"/>
+      </a:minorFont>
+    </a:fontScheme>
+    <a:fmtScheme name="Office">
+      <a:fillStyleLst>
+        <a:solidFill>
+          <a:schemeClr val="phClr"/>
+        </a:solidFill>
+        <a:gradFill rotWithShape="1">
+          <a:gsLst>
+            <a:gs pos="0">
+              <a:schemeClr val="phClr">
+                <a:lumMod val="110000"/>
+                <a:satMod val="105000"/>
+                <a:tint val="67000"/>
+              </a:schemeClr>
+            </a:gs>
+            <a:gs pos="50000">
+              <a:schemeClr val="phClr">
+                <a:lumMod val="105000"/>
+                <a:satMod val="103000"/>
+                <a:tint val="73000"/>
+              </a:schemeClr>
+            </a:gs>
+            <a:gs pos="100000">
+              <a:schemeClr val="phClr">
+                <a:lumMod val="105000"/>
+                <a:satMod val="109000"/>
+                <a:tint val="81000"/>
+              </a:schemeClr>
+            </a:gs>
+          </a:gsLst>
+          <a:lin ang="5400000" scaled="0"/>
+        </a:gradFill>
+        <a:gradFill rotWithShape="1">
+          <a:gsLst>
+            <a:gs pos="0">
+              <a:schemeClr val="phClr">
+                <a:satMod val="103000"/>
+                <a:lumMod val="102000"/>
+                <a:tint val="94000"/>
+              </a:schemeClr>
+            </a:gs>
+            <a:gs pos="50000">
+              <a:schemeClr val="phClr">
+                <a:satMod val="110000"/>
+                <a:lumMod val="100000"/>
+                <a:shade val="100000"/>
+              </a:schemeClr>
+            </a:gs>
+            <a:gs pos="100000">
+              <a:schemeClr val="phClr">
+                <a:lumMod val="99000"/>
+                <a:satMod val="120000"/>
+                <a:shade val="78000"/>
+              </a:schemeClr>
+            </a:gs>
+          </a:gsLst>
+          <a:lin ang="5400000" scaled="0"/>
+        </a:gradFill>
+      </a:fillStyleLst>
+      <a:lnStyleLst>
+        <a:ln w="12700" cap="flat" cmpd="sng" algn="ctr">
+          <a:solidFill>
+            <a:schemeClr val="phClr"/>
+          </a:solidFill>
+          <a:prstDash val="solid"/>
+          <a:miter/>
+        </a:ln>
+        <a:ln w="19050" cap="flat" cmpd="sng" algn="ctr">
+          <a:solidFill>
+            <a:schemeClr val="phClr"/>
+          </a:solidFill>
+          <a:prstDash val="solid"/>
+          <a:miter/>
+        </a:ln>
+        <a:ln w="25400" cap="flat" cmpd="sng" algn="ctr">
+          <a:solidFill>
+            <a:schemeClr val="phClr"/>
+          </a:solidFill>
+          <a:prstDash val="solid"/>
+          <a:miter/>
+        </a:ln>
+      </a:lnStyleLst>
+      <a:effectStyleLst>
+        <a:effectStyle>
+          <a:effectLst/>
+        </a:effectStyle>
+        <a:effectStyle>
+          <a:effectLst/>
+        </a:effectStyle>
+        <a:effectStyle>
+          <a:effectLst>
+            <a:outerShdw blurRad="57150" dist="19050" dir="5400000" algn="ctr" rotWithShape="0">
+              <a:srgbClr val="000000">
+                <a:alpha val="63000"/>
+              </a:srgbClr>
+            </a:outerShdw>
+          </a:effectLst>
+        </a:effectStyle>
+      </a:effectStyleLst>
+      <a:bgFillStyleLst>
+        <a:solidFill>
+          <a:schemeClr val="phClr"/>
+        </a:solidFill>
+        <a:solidFill>
+          <a:schemeClr val="phClr">
+            <a:tint val="95000"/>
+            <a:satMod val="170000"/>
+          </a:schemeClr>
+        </a:solidFill>
+        <a:gradFill rotWithShape="1">
+          <a:gsLst>
+            <a:gs pos="0">
+              <a:schemeClr val="phClr">
+                <a:tint val="93000"/>
+                <a:satMod val="150000"/>
+                <a:shade val="98000"/>
+                <a:lumMod val="102000"/>
+              </a:schemeClr>
+            </a:gs>
+            <a:gs pos="50000">
+              <a:schemeClr val="phClr">
+                <a:tint val="98000"/>
+                <a:satMod val="130000"/>
+                <a:shade val="90000"/>
+                <a:lumMod val="103000"/>
+              </a:schemeClr>
+            </a:gs>
+            <a:gs pos="100000">
+              <a:schemeClr val="phClr">
+                <a:shade val="63000"/>
+                <a:satMod val="120000"/>
+              </a:schemeClr>
+            </a:gs>
+          </a:gsLst>
+          <a:lin ang="5400000" scaled="0"/>
+        </a:gradFill>
+      </a:bgFillStyleLst>
+    </a:fmtScheme>
+  </a:themeElements>
+  <a:objectDefaults>
+    <a:spDef>
+      <a:spPr/>
+      <a:bodyPr/>
+      <a:lstStyle/>
+      <a:style>
+        <a:lnRef idx="2">
+          <a:schemeClr val="accent1">
+            <a:shade val="20000"/>
+          </a:schemeClr>
+        </a:lnRef>
+        <a:fillRef idx="1">
+          <a:schemeClr val="accent1"/>
+        </a:fillRef>
+        <a:effectRef idx="0">
+          <a:schemeClr val="accent1"/>
+        </a:effectRef>
+        <a:fontRef idx="minor">
+          <a:schemeClr val="lt1"/>
+        </a:fontRef>
+      </a:style>
+    </a:spDef>
+    <a:lnDef>
+      <a:spPr/>
+      <a:bodyPr/>
+      <a:lstStyle/>
+      <a:style>
+        <a:lnRef idx="2">
+          <a:schemeClr val="accent1"/>
+        </a:lnRef>
+        <a:fillRef idx="0">
+          <a:schemeClr val="accent1"/>
+        </a:fillRef>
+        <a:effectRef idx="1">
+          <a:schemeClr val="accent1"/>
+        </a:effectRef>
+        <a:fontRef idx="minor">
+          <a:schemeClr val="tx1"/>
+        </a:fontRef>
+      </a:style>
+    </a:lnDef>
+    <a:txDef>
+      <a:spPr/>
+      <a:bodyPr/>
+      <a:lstStyle/>
+    </a:txDef>
+  </a:objectDefaults>
+  <a:extraClrSchemeLst/>
 </a:theme>
 </file>
--- a/doc/IoT_1차발표.pptx
+++ b/doc/IoT_1차발표.pptx
@@ -5123,8 +5123,8 @@
         </p:nvSpPr>
         <p:spPr>
           <a:xfrm>
-            <a:off x="203107" y="4584234"/>
-            <a:ext cx="1410964" cy="1169551"/>
+            <a:off x="291830" y="5173552"/>
+            <a:ext cx="1378904" cy="523220"/>
           </a:xfrm>
           <a:prstGeom prst="rect">
             <a:avLst/>
@@ -5142,58 +5142,20 @@
                 <a:effectLst/>
                 <a:latin typeface="Helvetica" pitchFamily="2" charset="0"/>
               </a:rPr>
-              <a:t>LED</a:t>
-            </a:r>
-          </a:p>
-          <a:p>
-            <a:r>
-              <a:rPr lang="en-US" altLang="ko-KR" sz="1400" dirty="0">
-                <a:effectLst/>
+              <a:t>Character LCD</a:t>
+            </a:r>
+          </a:p>
+          <a:p>
+            <a:r>
+              <a:rPr lang="ko-KR" altLang="en-US" sz="1400" dirty="0">
                 <a:latin typeface="Helvetica" pitchFamily="2" charset="0"/>
               </a:rPr>
-              <a:t>2</a:t>
-            </a:r>
-            <a:r>
-              <a:rPr lang="ko-KR" altLang="en-US" sz="1400" dirty="0">
-                <a:effectLst/>
-                <a:latin typeface="Helvetica" pitchFamily="2" charset="0"/>
-              </a:rPr>
-              <a:t>진수를 활용해</a:t>
-            </a:r>
-          </a:p>
-          <a:p>
-            <a:r>
-              <a:rPr lang="ko-KR" altLang="en-US" sz="1400" dirty="0" err="1">
-                <a:effectLst/>
-                <a:latin typeface="Helvetica" pitchFamily="2" charset="0"/>
-              </a:rPr>
-              <a:t>배팅액</a:t>
-            </a:r>
-            <a:r>
-              <a:rPr lang="ko-KR" altLang="en-US" sz="1400" dirty="0">
-                <a:effectLst/>
-                <a:latin typeface="Helvetica" pitchFamily="2" charset="0"/>
-              </a:rPr>
-              <a:t> 확인</a:t>
-            </a:r>
-          </a:p>
-          <a:p>
-            <a:r>
-              <a:rPr lang="en-US" altLang="ko-KR" sz="1400" dirty="0">
-                <a:effectLst/>
-                <a:latin typeface="Helvetica" pitchFamily="2" charset="0"/>
-              </a:rPr>
-              <a:t>1 - led on</a:t>
-            </a:r>
-          </a:p>
-          <a:p>
-            <a:r>
-              <a:rPr lang="en-US" altLang="ko-KR" sz="1400" dirty="0">
-                <a:effectLst/>
-                <a:latin typeface="Helvetica" pitchFamily="2" charset="0"/>
-              </a:rPr>
-              <a:t>0 - led off</a:t>
-            </a:r>
+              <a:t>현재 진행 상황</a:t>
+            </a:r>
+            <a:endParaRPr lang="en-US" altLang="ko-KR" sz="1400" dirty="0">
+              <a:effectLst/>
+              <a:latin typeface="Helvetica" pitchFamily="2" charset="0"/>
+            </a:endParaRPr>
           </a:p>
         </p:txBody>
       </p:sp>
@@ -5211,8 +5173,8 @@
         </p:nvSpPr>
         <p:spPr>
           <a:xfrm>
-            <a:off x="4476513" y="5243504"/>
-            <a:ext cx="1361270" cy="523220"/>
+            <a:off x="4184192" y="5230565"/>
+            <a:ext cx="2074542" cy="523220"/>
           </a:xfrm>
           <a:prstGeom prst="rect">
             <a:avLst/>
@@ -5225,12 +5187,20 @@
           </a:bodyPr>
           <a:lstStyle/>
           <a:p>
-            <a:r>
-              <a:rPr lang="en-US" altLang="ko-KR" sz="1400" dirty="0">
-                <a:effectLst/>
-                <a:latin typeface="Helvetica" pitchFamily="2" charset="0"/>
-              </a:rPr>
-              <a:t>FND</a:t>
+            <a:pPr lvl="0">
+              <a:defRPr/>
+            </a:pPr>
+            <a:r>
+              <a:rPr kumimoji="1" lang="en-US" altLang="ko-KR" sz="1400" dirty="0"/>
+              <a:t>7-SegmentLED(</a:t>
+            </a:r>
+            <a:r>
+              <a:rPr kumimoji="1" lang="ko-KR" altLang="en-US" sz="1400" dirty="0"/>
+              <a:t>폭탄해제</a:t>
+            </a:r>
+            <a:r>
+              <a:rPr kumimoji="1" lang="en-US" altLang="ko-KR" sz="1400" dirty="0"/>
+              <a:t>)</a:t>
             </a:r>
           </a:p>
           <a:p>
@@ -7430,15 +7400,15 @@
               <a:defRPr/>
             </a:pPr>
             <a:r>
-              <a:rPr kumimoji="1" lang="en-US" altLang="ko-KR" sz="2000"/>
+              <a:rPr kumimoji="1" lang="en-US" altLang="ko-KR" sz="2000" dirty="0"/>
               <a:t>7-SegmentLED(</a:t>
             </a:r>
             <a:r>
-              <a:rPr kumimoji="1" lang="ko-KR" altLang="en-US" sz="2000"/>
+              <a:rPr kumimoji="1" lang="ko-KR" altLang="en-US" sz="2000" dirty="0"/>
               <a:t>폭탄해제</a:t>
             </a:r>
             <a:r>
-              <a:rPr kumimoji="1" lang="en-US" altLang="ko-KR" sz="2000"/>
+              <a:rPr kumimoji="1" lang="en-US" altLang="ko-KR" sz="2000" dirty="0"/>
               <a:t>)</a:t>
             </a:r>
           </a:p>
@@ -7447,7 +7417,7 @@
               <a:defRPr/>
             </a:pPr>
             <a:r>
-              <a:rPr kumimoji="1" lang="ko-KR" altLang="en-US" sz="1600"/>
+              <a:rPr kumimoji="1" lang="ko-KR" altLang="en-US" sz="1600" dirty="0"/>
               <a:t>족보에 해당하는 점수를 표기</a:t>
             </a:r>
           </a:p>
@@ -7533,7 +7503,7 @@
     <mc:Choice Requires="p14">
       <p:transition/>
     </mc:Choice>
-    <mc:Fallback xmlns:dsp="http://schemas.microsoft.com/office/drawing/2008/diagram" xmlns:dgm="http://schemas.openxmlformats.org/drawingml/2006/diagram" xmlns:c="http://schemas.openxmlformats.org/drawingml/2006/chart" xmlns="">
+    <mc:Fallback xmlns="" xmlns:c="http://schemas.openxmlformats.org/drawingml/2006/chart" xmlns:dgm="http://schemas.openxmlformats.org/drawingml/2006/diagram" xmlns:dsp="http://schemas.microsoft.com/office/drawing/2008/diagram">
       <p:transition/>
     </mc:Fallback>
   </mc:AlternateContent>

--- a/doc/IoT_1차발표.pptx
+++ b/doc/IoT_1차발표.pptx
@@ -5,14 +5,13 @@
     <p:sldMasterId id="2147483648" r:id="rId1"/>
   </p:sldMasterIdLst>
   <p:notesMasterIdLst>
-    <p:notesMasterId r:id="rId7"/>
+    <p:notesMasterId r:id="rId6"/>
   </p:notesMasterIdLst>
   <p:sldIdLst>
     <p:sldId id="257" r:id="rId2"/>
     <p:sldId id="281" r:id="rId3"/>
     <p:sldId id="285" r:id="rId4"/>
-    <p:sldId id="283" r:id="rId5"/>
-    <p:sldId id="282" r:id="rId6"/>
+    <p:sldId id="282" r:id="rId5"/>
   </p:sldIdLst>
   <p:sldSz cx="12192000" cy="6858000"/>
   <p:notesSz cx="6858000" cy="9144000"/>
@@ -5960,6 +5959,123 @@
           </a:p>
         </p:txBody>
       </p:sp>
+      <p:sp>
+        <p:nvSpPr>
+          <p:cNvPr id="16" name="TextBox 15">
+            <a:extLst>
+              <a:ext uri="{FF2B5EF4-FFF2-40B4-BE49-F238E27FC236}">
+                <a16:creationId xmlns:a16="http://schemas.microsoft.com/office/drawing/2014/main" id="{13A2FDF7-B45D-6960-4F76-57D5E067A4EB}"/>
+              </a:ext>
+            </a:extLst>
+          </p:cNvPr>
+          <p:cNvSpPr txBox="1"/>
+          <p:nvPr/>
+        </p:nvSpPr>
+        <p:spPr>
+          <a:xfrm>
+            <a:off x="673767" y="6317655"/>
+            <a:ext cx="9691905" cy="369332"/>
+          </a:xfrm>
+          <a:prstGeom prst="rect">
+            <a:avLst/>
+          </a:prstGeom>
+        </p:spPr>
+        <p:txBody>
+          <a:bodyPr wrap="square" rtlCol="0">
+            <a:spAutoFit/>
+          </a:bodyPr>
+          <a:lstStyle/>
+          <a:p>
+            <a:r>
+              <a:rPr kumimoji="1" lang="ko-KR" altLang="en-US" dirty="0">
+                <a:hlinkClick r:id="rId2"/>
+              </a:rPr>
+              <a:t>리듬게임</a:t>
+            </a:r>
+            <a:r>
+              <a:rPr kumimoji="1" lang="en-US" altLang="ko-KR" dirty="0"/>
+              <a:t>,</a:t>
+            </a:r>
+            <a:r>
+              <a:rPr kumimoji="1" lang="ko-KR" altLang="en-US" dirty="0"/>
+              <a:t> </a:t>
+            </a:r>
+            <a:r>
+              <a:rPr kumimoji="1" lang="ko-KR" altLang="en-US" dirty="0">
+                <a:hlinkClick r:id="rId3"/>
+              </a:rPr>
+              <a:t>두더지 게임</a:t>
+            </a:r>
+            <a:r>
+              <a:rPr kumimoji="1" lang="en-US" altLang="ko-KR" dirty="0"/>
+              <a:t>,</a:t>
+            </a:r>
+            <a:r>
+              <a:rPr kumimoji="1" lang="ko-KR" altLang="en-US" dirty="0"/>
+              <a:t> </a:t>
+            </a:r>
+            <a:r>
+              <a:rPr kumimoji="1" lang="en-US" altLang="ko-KR" dirty="0">
+                <a:hlinkClick r:id="rId4"/>
+              </a:rPr>
+              <a:t>snake</a:t>
+            </a:r>
+            <a:r>
+              <a:rPr kumimoji="1" lang="ko-KR" altLang="en-US" dirty="0">
+                <a:hlinkClick r:id="rId4"/>
+              </a:rPr>
+              <a:t> 게임</a:t>
+            </a:r>
+            <a:r>
+              <a:rPr kumimoji="1" lang="en-US" altLang="ko-KR" dirty="0"/>
+              <a:t>,</a:t>
+            </a:r>
+            <a:r>
+              <a:rPr kumimoji="1" lang="ko-KR" altLang="en-US" dirty="0"/>
+              <a:t>  </a:t>
+            </a:r>
+            <a:r>
+              <a:rPr kumimoji="1" lang="ko-KR" altLang="en-US" dirty="0">
+                <a:hlinkClick r:id="rId5"/>
+              </a:rPr>
+              <a:t>종합게임</a:t>
+            </a:r>
+            <a:r>
+              <a:rPr kumimoji="1" lang="ko-KR" altLang="en-US" dirty="0"/>
+              <a:t>  </a:t>
+            </a:r>
+            <a:r>
+              <a:rPr kumimoji="1" lang="en-US" altLang="ko-KR" dirty="0"/>
+              <a:t>-&gt;</a:t>
+            </a:r>
+            <a:r>
+              <a:rPr kumimoji="1" lang="ko-KR" altLang="en-US" dirty="0"/>
+              <a:t> </a:t>
+            </a:r>
+            <a:r>
+              <a:rPr kumimoji="1" lang="en-US" altLang="ko-KR" dirty="0"/>
+              <a:t>!!</a:t>
+            </a:r>
+            <a:r>
+              <a:rPr kumimoji="1" lang="ko-KR" altLang="en-US" dirty="0"/>
+              <a:t>하이퍼링크 </a:t>
+            </a:r>
+            <a:r>
+              <a:rPr kumimoji="1" lang="ko-KR" altLang="en-US" dirty="0" err="1"/>
+              <a:t>클릭시</a:t>
+            </a:r>
+            <a:r>
+              <a:rPr kumimoji="1" lang="ko-KR" altLang="en-US" dirty="0"/>
+              <a:t> 연결됩니다</a:t>
+            </a:r>
+            <a:r>
+              <a:rPr kumimoji="1" lang="en-US" altLang="ko-KR" dirty="0"/>
+              <a:t>!!</a:t>
+            </a:r>
+            <a:endParaRPr kumimoji="1" lang="ko-KR" altLang="en-US" dirty="0"/>
+          </a:p>
+        </p:txBody>
+      </p:sp>
     </p:spTree>
     <p:extLst>
       <p:ext uri="{BB962C8B-B14F-4D97-AF65-F5344CB8AC3E}">
@@ -6076,7 +6192,7 @@
                   </a:schemeClr>
                 </a:solidFill>
               </a:rPr>
-              <a:t>Part 1</a:t>
+              <a:t>Part 2</a:t>
             </a:r>
             <a:endParaRPr lang="ko-KR" altLang="en-US" sz="1000" dirty="0">
               <a:solidFill>
@@ -6121,8 +6237,8 @@
               <a:defRPr/>
             </a:pPr>
             <a:r>
-              <a:rPr lang="ko-KR" altLang="en-US" sz="1800" dirty="0"/>
-              <a:t>기존 프로젝트</a:t>
+              <a:rPr lang="ko-KR" altLang="en-US" dirty="0"/>
+              <a:t>프로젝트 소개</a:t>
             </a:r>
             <a:endParaRPr lang="en-US" altLang="ko-KR" sz="1800" dirty="0"/>
           </a:p>
@@ -6130,10 +6246,10 @@
       </p:sp>
       <p:sp>
         <p:nvSpPr>
-          <p:cNvPr id="23" name="TextBox 22">
-            <a:extLst>
-              <a:ext uri="{FF2B5EF4-FFF2-40B4-BE49-F238E27FC236}">
-                <a16:creationId xmlns:a16="http://schemas.microsoft.com/office/drawing/2014/main" id="{BD3B32ED-9492-B466-544F-9E3D6094398A}"/>
+          <p:cNvPr id="7" name="TextBox 6">
+            <a:extLst>
+              <a:ext uri="{FF2B5EF4-FFF2-40B4-BE49-F238E27FC236}">
+                <a16:creationId xmlns:a16="http://schemas.microsoft.com/office/drawing/2014/main" id="{3E2BAA98-6020-5196-0487-4CD675226CBC}"/>
               </a:ext>
             </a:extLst>
           </p:cNvPr>
@@ -6142,8 +6258,8 @@
         </p:nvSpPr>
         <p:spPr>
           <a:xfrm>
-            <a:off x="452509" y="998934"/>
-            <a:ext cx="9039833" cy="3323987"/>
+            <a:off x="393516" y="1161166"/>
+            <a:ext cx="11584858" cy="3939540"/>
           </a:xfrm>
           <a:prstGeom prst="rect">
             <a:avLst/>
@@ -6151,157 +6267,152 @@
           <a:noFill/>
         </p:spPr>
         <p:txBody>
-          <a:bodyPr wrap="square" rtlCol="0">
+          <a:bodyPr wrap="square">
             <a:spAutoFit/>
           </a:bodyPr>
           <a:lstStyle/>
           <a:p>
-            <a:r>
-              <a:rPr kumimoji="1" lang="ko-KR" altLang="en-US" sz="1400" dirty="0">
-                <a:hlinkClick r:id="rId2"/>
-              </a:rPr>
-              <a:t>리듬 게임</a:t>
-            </a:r>
-            <a:endParaRPr kumimoji="1" lang="ko-KR" altLang="en-US" sz="1400" dirty="0"/>
-          </a:p>
-          <a:p>
-            <a:r>
-              <a:rPr kumimoji="1" lang="en-US" altLang="ko-KR" sz="1400" dirty="0">
-                <a:hlinkClick r:id="rId2"/>
-              </a:rPr>
-              <a:t>https://github.com/2MinJoo/Embedded_rhythm_game</a:t>
-            </a:r>
-            <a:endParaRPr kumimoji="1" lang="en-US" altLang="ko-KR" sz="1400" dirty="0"/>
-          </a:p>
-          <a:p>
-            <a:endParaRPr kumimoji="1" lang="en-US" altLang="ko-KR" sz="1400" dirty="0"/>
-          </a:p>
-          <a:p>
-            <a:r>
-              <a:rPr kumimoji="1" lang="ko-KR" altLang="en-US" sz="1400" dirty="0"/>
-              <a:t>두더지 잡기 게임 사진</a:t>
-            </a:r>
-          </a:p>
-          <a:p>
-            <a:r>
-              <a:rPr kumimoji="1" lang="en-US" altLang="ko-KR" sz="1400" dirty="0">
-                <a:hlinkClick r:id="rId3"/>
-              </a:rPr>
-              <a:t>https://kutar37.tistory.com/entry/Thread-handler%EB%A5%BC-%EC%9D%B4%EC%9A%A9%ED%95%9C-%EB%91%90%EB%8D%94%EC%A7%80%EA%B2%8C%EC%9E%84-2</a:t>
-            </a:r>
-            <a:endParaRPr kumimoji="1" lang="en-US" altLang="ko-KR" sz="1400" dirty="0"/>
-          </a:p>
-          <a:p>
-            <a:endParaRPr kumimoji="1" lang="en-US" altLang="ko-KR" sz="1400" dirty="0"/>
-          </a:p>
-          <a:p>
-            <a:r>
-              <a:rPr kumimoji="1" lang="ko-KR" altLang="en-US" sz="1400" dirty="0"/>
-              <a:t>두더지 게임</a:t>
-            </a:r>
-          </a:p>
-          <a:p>
-            <a:r>
-              <a:rPr kumimoji="1" lang="en-US" altLang="ko-KR" sz="1400" dirty="0">
-                <a:hlinkClick r:id="rId4"/>
-              </a:rPr>
-              <a:t>https://github.com/2022HKNUiotprogrammingTeam1</a:t>
-            </a:r>
-            <a:endParaRPr kumimoji="1" lang="en-US" altLang="ko-KR" sz="1400" dirty="0"/>
-          </a:p>
-          <a:p>
-            <a:endParaRPr kumimoji="1" lang="en-US" altLang="ko-KR" sz="1400" dirty="0"/>
-          </a:p>
-          <a:p>
-            <a:r>
-              <a:rPr kumimoji="1" lang="en-US" altLang="ko-KR" sz="1400" dirty="0"/>
-              <a:t>- Snake Game</a:t>
-            </a:r>
-          </a:p>
-          <a:p>
-            <a:r>
-              <a:rPr kumimoji="1" lang="en-US" altLang="ko-KR" sz="1400" dirty="0">
-                <a:hlinkClick r:id="rId5"/>
-              </a:rPr>
-              <a:t>https://github.com/jinwoo1225/SnakeGameWithSmart4412</a:t>
-            </a:r>
-            <a:endParaRPr kumimoji="1" lang="en-US" altLang="ko-KR" sz="1400" dirty="0"/>
-          </a:p>
-          <a:p>
-            <a:endParaRPr kumimoji="1" lang="en-US" altLang="ko-KR" sz="1400" dirty="0"/>
-          </a:p>
-          <a:p>
-            <a:r>
-              <a:rPr kumimoji="1" lang="en-US" altLang="ko-KR" sz="1400" dirty="0"/>
-              <a:t>-</a:t>
-            </a:r>
-            <a:r>
-              <a:rPr kumimoji="1" lang="ko-KR" altLang="en-US" sz="1400" dirty="0"/>
-              <a:t> 종합 게임</a:t>
-            </a:r>
-            <a:r>
-              <a:rPr kumimoji="1" lang="en-US" altLang="ko-KR" sz="1400" dirty="0"/>
-              <a:t>(</a:t>
-            </a:r>
-            <a:r>
-              <a:rPr kumimoji="1" lang="ko-KR" altLang="en-US" sz="1400" dirty="0"/>
-              <a:t>구구단</a:t>
-            </a:r>
-            <a:r>
-              <a:rPr kumimoji="1" lang="en-US" altLang="ko-KR" sz="1400" dirty="0"/>
+            <a:pPr marL="285750" indent="-285750">
+              <a:buFontTx/>
+              <a:buChar char="-"/>
+            </a:pPr>
+            <a:r>
+              <a:rPr lang="ko-KR" altLang="en-US" sz="2500" dirty="0"/>
+              <a:t>요트 다이스가  차별성</a:t>
+            </a:r>
+            <a:r>
+              <a:rPr lang="en-US" altLang="ko-KR" sz="2500" dirty="0"/>
               <a:t>, </a:t>
             </a:r>
             <a:r>
-              <a:rPr kumimoji="1" lang="ko-KR" altLang="en-US" sz="1400" dirty="0"/>
-              <a:t>야구</a:t>
-            </a:r>
-            <a:r>
-              <a:rPr kumimoji="1" lang="en-US" altLang="ko-KR" sz="1400" dirty="0"/>
-              <a:t>, </a:t>
-            </a:r>
-            <a:r>
-              <a:rPr kumimoji="1" lang="ko-KR" altLang="en-US" sz="1400" dirty="0"/>
-              <a:t>등등 </a:t>
-            </a:r>
-            <a:r>
-              <a:rPr kumimoji="1" lang="en-US" altLang="ko-KR" sz="1400" dirty="0"/>
-              <a:t>LCD </a:t>
-            </a:r>
-            <a:r>
-              <a:rPr kumimoji="1" lang="ko-KR" altLang="en-US" sz="1400" dirty="0"/>
-              <a:t>활용</a:t>
-            </a:r>
-            <a:r>
-              <a:rPr kumimoji="1" lang="en-US" altLang="ko-KR" sz="1400" dirty="0"/>
-              <a:t>)</a:t>
-            </a:r>
-          </a:p>
-          <a:p>
-            <a:r>
-              <a:rPr kumimoji="1" lang="en-US" altLang="ko-KR" sz="1400" dirty="0"/>
-              <a:t>https://</a:t>
-            </a:r>
-            <a:r>
-              <a:rPr kumimoji="1" lang="en-US" altLang="ko-KR" sz="1400" dirty="0" err="1"/>
-              <a:t>github.com</a:t>
-            </a:r>
-            <a:r>
-              <a:rPr kumimoji="1" lang="en-US" altLang="ko-KR" sz="1400" dirty="0"/>
-              <a:t>/</a:t>
-            </a:r>
-            <a:r>
-              <a:rPr kumimoji="1" lang="en-US" altLang="ko-KR" sz="1400" dirty="0" err="1"/>
-              <a:t>SenyMin</a:t>
-            </a:r>
-            <a:r>
-              <a:rPr kumimoji="1" lang="en-US" altLang="ko-KR" sz="1400" dirty="0"/>
-              <a:t>/</a:t>
-            </a:r>
-            <a:r>
-              <a:rPr kumimoji="1" lang="en-US" altLang="ko-KR" sz="1400" dirty="0" err="1"/>
-              <a:t>MDS_MiniProject</a:t>
-            </a:r>
-            <a:endParaRPr kumimoji="1" lang="ko-KR" altLang="en-US" sz="1400" dirty="0"/>
+              <a:rPr lang="ko-KR" altLang="en-US" sz="2500" dirty="0"/>
+              <a:t>창의성을 가지는 이유</a:t>
+            </a:r>
+            <a:r>
+              <a:rPr lang="en-US" altLang="ko-KR" sz="2500" dirty="0"/>
+              <a:t>.</a:t>
+            </a:r>
+            <a:r>
+              <a:rPr lang="ko-KR" altLang="en-US" sz="2500" dirty="0"/>
+              <a:t> </a:t>
+            </a:r>
+            <a:endParaRPr lang="en-US" altLang="ko-KR" sz="2500" dirty="0"/>
+          </a:p>
+          <a:p>
+            <a:pPr marL="742950" lvl="1" indent="-285750">
+              <a:buFontTx/>
+              <a:buChar char="-"/>
+            </a:pPr>
+            <a:r>
+              <a:rPr lang="en-US" altLang="ko-KR" sz="2500" dirty="0"/>
+              <a:t>2</a:t>
+            </a:r>
+            <a:r>
+              <a:rPr lang="ko-KR" altLang="en-US" sz="2500" dirty="0"/>
+              <a:t>인용 게임</a:t>
+            </a:r>
+            <a:endParaRPr lang="en-US" altLang="ko-KR" sz="2500" dirty="0"/>
+          </a:p>
+          <a:p>
+            <a:pPr marL="742950" lvl="1" indent="-285750">
+              <a:buFontTx/>
+              <a:buChar char="-"/>
+            </a:pPr>
+            <a:r>
+              <a:rPr lang="ko-KR" altLang="en-US" sz="2500" dirty="0"/>
+              <a:t>인터페이스 복합성</a:t>
+            </a:r>
+            <a:endParaRPr lang="en-US" altLang="ko-KR" sz="2500" dirty="0"/>
+          </a:p>
+          <a:p>
+            <a:pPr marL="742950" lvl="1" indent="-285750">
+              <a:buFontTx/>
+              <a:buChar char="-"/>
+            </a:pPr>
+            <a:r>
+              <a:rPr lang="en-US" altLang="ko-KR" sz="2500" dirty="0"/>
+              <a:t>Tact</a:t>
+            </a:r>
+            <a:r>
+              <a:rPr lang="ko-KR" altLang="en-US" sz="2500" dirty="0"/>
+              <a:t> 스위치를 </a:t>
+            </a:r>
+            <a:r>
+              <a:rPr lang="en-US" altLang="ko-KR" sz="2500" dirty="0"/>
+              <a:t>2</a:t>
+            </a:r>
+            <a:r>
+              <a:rPr lang="ko-KR" altLang="en-US" sz="2500" dirty="0"/>
+              <a:t>회 연속 같은 스위치를 눌렀을 경우 이벤트의 차별화</a:t>
+            </a:r>
+            <a:endParaRPr lang="en-US" altLang="ko-KR" sz="2500" dirty="0"/>
+          </a:p>
+          <a:p>
+            <a:pPr marL="742950" lvl="1" indent="-285750">
+              <a:buFontTx/>
+              <a:buChar char="-"/>
+            </a:pPr>
+            <a:r>
+              <a:rPr lang="en-US" altLang="ko-KR" sz="2500" dirty="0"/>
+              <a:t>Tact </a:t>
+            </a:r>
+            <a:r>
+              <a:rPr lang="ko-KR" altLang="en-US" sz="2500" dirty="0"/>
+              <a:t>스위치와 </a:t>
+            </a:r>
+            <a:r>
+              <a:rPr lang="en-US" altLang="ko-KR" sz="2500" dirty="0"/>
+              <a:t>Dip </a:t>
+            </a:r>
+            <a:r>
+              <a:rPr lang="ko-KR" altLang="en-US" sz="2500" dirty="0"/>
+              <a:t>스위치의 병렬 사용</a:t>
+            </a:r>
+            <a:endParaRPr lang="en-US" altLang="ko-KR" sz="2500" dirty="0"/>
+          </a:p>
+          <a:p>
+            <a:pPr marL="742950" lvl="1" indent="-285750">
+              <a:buFontTx/>
+              <a:buChar char="-"/>
+            </a:pPr>
+            <a:r>
+              <a:rPr lang="ko-KR" altLang="en-US" sz="2500" dirty="0"/>
+              <a:t>많은 인터페이스의 사용 </a:t>
+            </a:r>
+            <a:endParaRPr lang="en-US" altLang="ko-KR" sz="2500" dirty="0"/>
+          </a:p>
+          <a:p>
+            <a:pPr lvl="1"/>
+            <a:endParaRPr lang="en-US" altLang="ko-KR" sz="2500" dirty="0"/>
+          </a:p>
+          <a:p>
+            <a:pPr marL="285750" indent="-285750">
+              <a:buFontTx/>
+              <a:buChar char="-"/>
+            </a:pPr>
+            <a:r>
+              <a:rPr lang="ko-KR" altLang="en-US" sz="2500" dirty="0"/>
+              <a:t>발생할 수 있는 문제점</a:t>
+            </a:r>
+            <a:endParaRPr lang="en-US" altLang="ko-KR" sz="2500" dirty="0"/>
+          </a:p>
+          <a:p>
+            <a:pPr marL="742950" lvl="1" indent="-285750">
+              <a:buFontTx/>
+              <a:buChar char="-"/>
+            </a:pPr>
+            <a:r>
+              <a:rPr lang="ko-KR" altLang="en-US" sz="2500" dirty="0" err="1"/>
+              <a:t>요트다이스의</a:t>
+            </a:r>
+            <a:r>
+              <a:rPr lang="ko-KR" altLang="en-US" sz="2500" dirty="0"/>
+              <a:t> 룰을 숙지하고 있지 않다면 게임 진행이 원활하지 않을 수 있음</a:t>
+            </a:r>
+            <a:endParaRPr lang="en-US" altLang="ko-KR" sz="2500" dirty="0"/>
+          </a:p>
+          <a:p>
+            <a:endParaRPr lang="en-US" altLang="ko-KR" sz="2500" dirty="0"/>
           </a:p>
         </p:txBody>
       </p:sp>
@@ -6319,424 +6430,6 @@
 </file>
 
 <file path=ppt/slides/slide4.xml><?xml version="1.0" encoding="utf-8"?>
-<p:sld xmlns:a="http://schemas.openxmlformats.org/drawingml/2006/main" xmlns:r="http://schemas.openxmlformats.org/officeDocument/2006/relationships" xmlns:p="http://schemas.openxmlformats.org/presentationml/2006/main">
-  <p:cSld>
-    <p:spTree>
-      <p:nvGrpSpPr>
-        <p:cNvPr id="1" name=""/>
-        <p:cNvGrpSpPr/>
-        <p:nvPr/>
-      </p:nvGrpSpPr>
-      <p:grpSpPr>
-        <a:xfrm>
-          <a:off x="0" y="0"/>
-          <a:ext cx="0" cy="0"/>
-          <a:chOff x="0" y="0"/>
-          <a:chExt cx="0" cy="0"/>
-        </a:xfrm>
-      </p:grpSpPr>
-      <p:sp>
-        <p:nvSpPr>
-          <p:cNvPr id="2" name="직사각형 1">
-            <a:extLst>
-              <a:ext uri="{FF2B5EF4-FFF2-40B4-BE49-F238E27FC236}">
-                <a16:creationId xmlns:a16="http://schemas.microsoft.com/office/drawing/2014/main" id="{86CB7179-2CED-698E-7489-BBBF08E1F63C}"/>
-              </a:ext>
-            </a:extLst>
-          </p:cNvPr>
-          <p:cNvSpPr/>
-          <p:nvPr/>
-        </p:nvSpPr>
-        <p:spPr>
-          <a:xfrm>
-            <a:off x="272715" y="0"/>
-            <a:ext cx="802105" cy="752713"/>
-          </a:xfrm>
-          <a:prstGeom prst="rect">
-            <a:avLst/>
-          </a:prstGeom>
-          <a:ln>
-            <a:noFill/>
-          </a:ln>
-        </p:spPr>
-        <p:style>
-          <a:lnRef idx="2">
-            <a:schemeClr val="accent1">
-              <a:shade val="50000"/>
-            </a:schemeClr>
-          </a:lnRef>
-          <a:fillRef idx="1">
-            <a:schemeClr val="accent1"/>
-          </a:fillRef>
-          <a:effectRef idx="0">
-            <a:schemeClr val="accent1"/>
-          </a:effectRef>
-          <a:fontRef idx="minor">
-            <a:schemeClr val="lt1"/>
-          </a:fontRef>
-        </p:style>
-        <p:txBody>
-          <a:bodyPr rtlCol="0" anchor="ctr"/>
-          <a:lstStyle/>
-          <a:p>
-            <a:pPr algn="ctr"/>
-            <a:endParaRPr lang="ko-KR" altLang="en-US" dirty="0"/>
-          </a:p>
-        </p:txBody>
-      </p:sp>
-      <p:sp>
-        <p:nvSpPr>
-          <p:cNvPr id="3" name="TextBox 2">
-            <a:extLst>
-              <a:ext uri="{FF2B5EF4-FFF2-40B4-BE49-F238E27FC236}">
-                <a16:creationId xmlns:a16="http://schemas.microsoft.com/office/drawing/2014/main" id="{68A721A3-5D9B-A549-DF5D-D0547EE5B424}"/>
-              </a:ext>
-            </a:extLst>
-          </p:cNvPr>
-          <p:cNvSpPr txBox="1"/>
-          <p:nvPr/>
-        </p:nvSpPr>
-        <p:spPr>
-          <a:xfrm>
-            <a:off x="1176688" y="137160"/>
-            <a:ext cx="494046" cy="246221"/>
-          </a:xfrm>
-          <a:prstGeom prst="rect">
-            <a:avLst/>
-          </a:prstGeom>
-          <a:noFill/>
-        </p:spPr>
-        <p:txBody>
-          <a:bodyPr wrap="none" rtlCol="0">
-            <a:spAutoFit/>
-          </a:bodyPr>
-          <a:lstStyle/>
-          <a:p>
-            <a:r>
-              <a:rPr lang="en-US" altLang="ko-KR" sz="1000" dirty="0">
-                <a:solidFill>
-                  <a:schemeClr val="tx1">
-                    <a:lumMod val="65000"/>
-                    <a:lumOff val="35000"/>
-                  </a:schemeClr>
-                </a:solidFill>
-              </a:rPr>
-              <a:t>Part 2</a:t>
-            </a:r>
-            <a:endParaRPr lang="ko-KR" altLang="en-US" sz="1000" dirty="0">
-              <a:solidFill>
-                <a:schemeClr val="tx1">
-                  <a:lumMod val="65000"/>
-                  <a:lumOff val="35000"/>
-                </a:schemeClr>
-              </a:solidFill>
-            </a:endParaRPr>
-          </a:p>
-        </p:txBody>
-      </p:sp>
-      <p:sp>
-        <p:nvSpPr>
-          <p:cNvPr id="4" name="TextBox 3">
-            <a:extLst>
-              <a:ext uri="{FF2B5EF4-FFF2-40B4-BE49-F238E27FC236}">
-                <a16:creationId xmlns:a16="http://schemas.microsoft.com/office/drawing/2014/main" id="{9EFEF442-2E39-E8A3-0720-B4AF147BC24A}"/>
-              </a:ext>
-            </a:extLst>
-          </p:cNvPr>
-          <p:cNvSpPr txBox="1"/>
-          <p:nvPr/>
-        </p:nvSpPr>
-        <p:spPr>
-          <a:xfrm>
-            <a:off x="1176688" y="376356"/>
-            <a:ext cx="1148455" cy="369332"/>
-          </a:xfrm>
-          <a:prstGeom prst="rect">
-            <a:avLst/>
-          </a:prstGeom>
-          <a:noFill/>
-        </p:spPr>
-        <p:txBody>
-          <a:bodyPr wrap="none" rtlCol="0">
-            <a:spAutoFit/>
-          </a:bodyPr>
-          <a:lstStyle/>
-          <a:p>
-            <a:pPr algn="ctr"/>
-            <a:r>
-              <a:rPr lang="ko-KR" altLang="en-US" sz="1800" dirty="0" err="1"/>
-              <a:t>Yacht</a:t>
-            </a:r>
-            <a:r>
-              <a:rPr lang="ko-KR" altLang="en-US" sz="1800" dirty="0"/>
-              <a:t> </a:t>
-            </a:r>
-            <a:r>
-              <a:rPr lang="ko-KR" altLang="en-US" sz="1800" dirty="0" err="1"/>
-              <a:t>Dic</a:t>
-            </a:r>
-            <a:r>
-              <a:rPr lang="en-US" altLang="ko-KR" sz="1800" dirty="0"/>
-              <a:t>e</a:t>
-            </a:r>
-            <a:endParaRPr lang="ko-KR" altLang="en-US" sz="1800" b="1" spc="-300" dirty="0"/>
-          </a:p>
-        </p:txBody>
-      </p:sp>
-      <p:sp>
-        <p:nvSpPr>
-          <p:cNvPr id="5" name="TextBox 4">
-            <a:extLst>
-              <a:ext uri="{FF2B5EF4-FFF2-40B4-BE49-F238E27FC236}">
-                <a16:creationId xmlns:a16="http://schemas.microsoft.com/office/drawing/2014/main" id="{BEA9DC0F-9C66-85D0-CD10-1BB91D5F8F10}"/>
-              </a:ext>
-            </a:extLst>
-          </p:cNvPr>
-          <p:cNvSpPr txBox="1"/>
-          <p:nvPr/>
-        </p:nvSpPr>
-        <p:spPr>
-          <a:xfrm>
-            <a:off x="1261241" y="2669628"/>
-            <a:ext cx="184731" cy="369332"/>
-          </a:xfrm>
-          <a:prstGeom prst="rect">
-            <a:avLst/>
-          </a:prstGeom>
-          <a:noFill/>
-        </p:spPr>
-        <p:txBody>
-          <a:bodyPr wrap="none" rtlCol="0">
-            <a:spAutoFit/>
-          </a:bodyPr>
-          <a:lstStyle/>
-          <a:p>
-            <a:endParaRPr kumimoji="1" lang="ko-KR" altLang="en-US" dirty="0"/>
-          </a:p>
-        </p:txBody>
-      </p:sp>
-      <p:sp>
-        <p:nvSpPr>
-          <p:cNvPr id="8" name="TextBox 7">
-            <a:extLst>
-              <a:ext uri="{FF2B5EF4-FFF2-40B4-BE49-F238E27FC236}">
-                <a16:creationId xmlns:a16="http://schemas.microsoft.com/office/drawing/2014/main" id="{75E5BA32-A361-96E2-4E99-7B5FB0FCBADB}"/>
-              </a:ext>
-            </a:extLst>
-          </p:cNvPr>
-          <p:cNvSpPr txBox="1"/>
-          <p:nvPr/>
-        </p:nvSpPr>
-        <p:spPr>
-          <a:xfrm>
-            <a:off x="6863255" y="1430170"/>
-            <a:ext cx="4067504" cy="4524315"/>
-          </a:xfrm>
-          <a:prstGeom prst="rect">
-            <a:avLst/>
-          </a:prstGeom>
-          <a:noFill/>
-        </p:spPr>
-        <p:txBody>
-          <a:bodyPr wrap="square" rtlCol="0">
-            <a:spAutoFit/>
-          </a:bodyPr>
-          <a:lstStyle/>
-          <a:p>
-            <a:pPr marL="285750" indent="-285750">
-              <a:buFontTx/>
-              <a:buChar char="-"/>
-            </a:pPr>
-            <a:r>
-              <a:rPr lang="ko-KR" altLang="en-US" dirty="0"/>
-              <a:t>요트 다이스가  차별성</a:t>
-            </a:r>
-            <a:r>
-              <a:rPr lang="en-US" altLang="ko-KR" dirty="0"/>
-              <a:t>, </a:t>
-            </a:r>
-            <a:r>
-              <a:rPr lang="ko-KR" altLang="en-US" dirty="0"/>
-              <a:t>창의성을 가지는 이유</a:t>
-            </a:r>
-            <a:r>
-              <a:rPr lang="en-US" altLang="ko-KR" dirty="0"/>
-              <a:t>.</a:t>
-            </a:r>
-            <a:r>
-              <a:rPr lang="ko-KR" altLang="en-US" dirty="0"/>
-              <a:t> </a:t>
-            </a:r>
-            <a:endParaRPr lang="en-US" altLang="ko-KR" dirty="0"/>
-          </a:p>
-          <a:p>
-            <a:pPr marL="742950" lvl="1" indent="-285750">
-              <a:buFontTx/>
-              <a:buChar char="-"/>
-            </a:pPr>
-            <a:r>
-              <a:rPr lang="en-US" altLang="ko-KR" dirty="0"/>
-              <a:t>2</a:t>
-            </a:r>
-            <a:r>
-              <a:rPr lang="ko-KR" altLang="en-US" dirty="0"/>
-              <a:t>인용 게임</a:t>
-            </a:r>
-            <a:endParaRPr lang="en-US" altLang="ko-KR" dirty="0"/>
-          </a:p>
-          <a:p>
-            <a:pPr marL="742950" lvl="1" indent="-285750">
-              <a:buFontTx/>
-              <a:buChar char="-"/>
-            </a:pPr>
-            <a:r>
-              <a:rPr lang="ko-KR" altLang="en-US" dirty="0"/>
-              <a:t>인터페이스 복합성</a:t>
-            </a:r>
-            <a:endParaRPr lang="en-US" altLang="ko-KR" dirty="0"/>
-          </a:p>
-          <a:p>
-            <a:pPr marL="742950" lvl="1" indent="-285750">
-              <a:buFontTx/>
-              <a:buChar char="-"/>
-            </a:pPr>
-            <a:r>
-              <a:rPr lang="en-US" altLang="ko-KR" dirty="0"/>
-              <a:t>Tact</a:t>
-            </a:r>
-            <a:r>
-              <a:rPr lang="ko-KR" altLang="en-US" dirty="0"/>
-              <a:t> 스위치를 </a:t>
-            </a:r>
-            <a:r>
-              <a:rPr lang="en-US" altLang="ko-KR" dirty="0"/>
-              <a:t>2</a:t>
-            </a:r>
-            <a:r>
-              <a:rPr lang="ko-KR" altLang="en-US" dirty="0"/>
-              <a:t>회 연속 같은 스위치를 눌렀을 경우 이벤트의 차별화</a:t>
-            </a:r>
-            <a:endParaRPr lang="en-US" altLang="ko-KR" dirty="0"/>
-          </a:p>
-          <a:p>
-            <a:pPr marL="742950" lvl="1" indent="-285750">
-              <a:buFontTx/>
-              <a:buChar char="-"/>
-            </a:pPr>
-            <a:r>
-              <a:rPr lang="en-US" altLang="ko-KR" dirty="0"/>
-              <a:t>Tact </a:t>
-            </a:r>
-            <a:r>
-              <a:rPr lang="ko-KR" altLang="en-US" dirty="0"/>
-              <a:t>스위치와 </a:t>
-            </a:r>
-            <a:r>
-              <a:rPr lang="en-US" altLang="ko-KR" dirty="0"/>
-              <a:t>Dip </a:t>
-            </a:r>
-            <a:r>
-              <a:rPr lang="ko-KR" altLang="en-US" dirty="0"/>
-              <a:t>스위치의 병렬 사용</a:t>
-            </a:r>
-            <a:endParaRPr lang="en-US" altLang="ko-KR" dirty="0"/>
-          </a:p>
-          <a:p>
-            <a:pPr marL="742950" lvl="1" indent="-285750">
-              <a:buFontTx/>
-              <a:buChar char="-"/>
-            </a:pPr>
-            <a:r>
-              <a:rPr lang="ko-KR" altLang="en-US" dirty="0"/>
-              <a:t>많은 인터페이스의 사용 </a:t>
-            </a:r>
-            <a:endParaRPr lang="en-US" altLang="ko-KR" dirty="0"/>
-          </a:p>
-          <a:p>
-            <a:pPr lvl="1"/>
-            <a:endParaRPr lang="en-US" altLang="ko-KR" dirty="0"/>
-          </a:p>
-          <a:p>
-            <a:pPr marL="285750" indent="-285750">
-              <a:buFontTx/>
-              <a:buChar char="-"/>
-            </a:pPr>
-            <a:r>
-              <a:rPr lang="ko-KR" altLang="en-US" dirty="0"/>
-              <a:t>발생할 수 있는 문제점</a:t>
-            </a:r>
-            <a:endParaRPr lang="en-US" altLang="ko-KR" dirty="0"/>
-          </a:p>
-          <a:p>
-            <a:pPr marL="742950" lvl="1" indent="-285750">
-              <a:buFontTx/>
-              <a:buChar char="-"/>
-            </a:pPr>
-            <a:r>
-              <a:rPr lang="ko-KR" altLang="en-US" dirty="0" err="1"/>
-              <a:t>요트다이스의</a:t>
-            </a:r>
-            <a:r>
-              <a:rPr lang="ko-KR" altLang="en-US" dirty="0"/>
-              <a:t> 룰을 숙지하고 있지 않다면 게임 진행이 원활하지 않을 수 있음</a:t>
-            </a:r>
-            <a:endParaRPr lang="en-US" altLang="ko-KR" dirty="0"/>
-          </a:p>
-          <a:p>
-            <a:endParaRPr lang="en-US" altLang="ko-KR" dirty="0"/>
-          </a:p>
-        </p:txBody>
-      </p:sp>
-      <p:pic>
-        <p:nvPicPr>
-          <p:cNvPr id="10" name="그림 9" descr="도표, 평면도, 기술 도면, 패턴이(가) 표시된 사진&#10;&#10;자동 생성된 설명">
-            <a:extLst>
-              <a:ext uri="{FF2B5EF4-FFF2-40B4-BE49-F238E27FC236}">
-                <a16:creationId xmlns:a16="http://schemas.microsoft.com/office/drawing/2014/main" id="{159C7557-02D3-DAAE-5480-4681F5F55432}"/>
-              </a:ext>
-            </a:extLst>
-          </p:cNvPr>
-          <p:cNvPicPr>
-            <a:picLocks noChangeAspect="1"/>
-          </p:cNvPicPr>
-          <p:nvPr/>
-        </p:nvPicPr>
-        <p:blipFill>
-          <a:blip r:embed="rId2">
-            <a:extLst>
-              <a:ext uri="{28A0092B-C50C-407E-A947-70E740481C1C}">
-                <a14:useLocalDpi xmlns:a14="http://schemas.microsoft.com/office/drawing/2010/main" val="0"/>
-              </a:ext>
-            </a:extLst>
-          </a:blip>
-          <a:stretch>
-            <a:fillRect/>
-          </a:stretch>
-        </p:blipFill>
-        <p:spPr>
-          <a:xfrm>
-            <a:off x="155781" y="984884"/>
-            <a:ext cx="6295925" cy="5596855"/>
-          </a:xfrm>
-          <a:prstGeom prst="rect">
-            <a:avLst/>
-          </a:prstGeom>
-        </p:spPr>
-      </p:pic>
-    </p:spTree>
-    <p:extLst>
-      <p:ext uri="{BB962C8B-B14F-4D97-AF65-F5344CB8AC3E}">
-        <p14:creationId xmlns:p14="http://schemas.microsoft.com/office/powerpoint/2010/main" val="3306173401"/>
-      </p:ext>
-    </p:extLst>
-  </p:cSld>
-  <p:clrMapOvr>
-    <a:masterClrMapping/>
-  </p:clrMapOvr>
-</p:sld>
-</file>
-
-<file path=ppt/slides/slide5.xml><?xml version="1.0" encoding="utf-8"?>
 <p:sld xmlns:a="http://schemas.openxmlformats.org/drawingml/2006/main" xmlns:r="http://schemas.openxmlformats.org/officeDocument/2006/relationships" xmlns:p="http://schemas.openxmlformats.org/presentationml/2006/main">
   <p:cSld>
     <p:spTree>
